--- a/linsley_postdoc/presentations/weekly_meetings/1_11_24.pptx
+++ b/linsley_postdoc/presentations/weekly_meetings/1_11_24.pptx
@@ -5,27 +5,17 @@
     <p:sldMasterId id="2147483648" r:id="rId1"/>
   </p:sldMasterIdLst>
   <p:notesMasterIdLst>
-    <p:notesMasterId r:id="rId20"/>
+    <p:notesMasterId r:id="rId10"/>
   </p:notesMasterIdLst>
   <p:sldIdLst>
     <p:sldId id="477" r:id="rId2"/>
     <p:sldId id="499" r:id="rId3"/>
     <p:sldId id="506" r:id="rId4"/>
     <p:sldId id="517" r:id="rId5"/>
-    <p:sldId id="518" r:id="rId6"/>
-    <p:sldId id="516" r:id="rId7"/>
-    <p:sldId id="505" r:id="rId8"/>
+    <p:sldId id="520" r:id="rId6"/>
+    <p:sldId id="505" r:id="rId7"/>
+    <p:sldId id="516" r:id="rId8"/>
     <p:sldId id="519" r:id="rId9"/>
-    <p:sldId id="512" r:id="rId10"/>
-    <p:sldId id="508" r:id="rId11"/>
-    <p:sldId id="509" r:id="rId12"/>
-    <p:sldId id="511" r:id="rId13"/>
-    <p:sldId id="486" r:id="rId14"/>
-    <p:sldId id="510" r:id="rId15"/>
-    <p:sldId id="507" r:id="rId16"/>
-    <p:sldId id="515" r:id="rId17"/>
-    <p:sldId id="513" r:id="rId18"/>
-    <p:sldId id="514" r:id="rId19"/>
   </p:sldIdLst>
   <p:sldSz cx="12192000" cy="6858000"/>
   <p:notesSz cx="6858000" cy="9144000"/>
@@ -225,7 +215,7 @@
           <a:p>
             <a:fld id="{E933A773-0DCE-3544-BB67-D5FA58DF903C}" type="datetimeFigureOut">
               <a:rPr lang="en-US" smtClean="0"/>
-              <a:t>1/4/24</a:t>
+              <a:t>1/6/24</a:t>
             </a:fld>
             <a:endParaRPr lang="en-US"/>
           </a:p>
@@ -576,839 +566,6 @@
 </p:notes>
 </file>
 
-<file path=ppt/notesSlides/notesSlide10.xml><?xml version="1.0" encoding="utf-8"?>
-<p:notes xmlns:a="http://schemas.openxmlformats.org/drawingml/2006/main" xmlns:r="http://schemas.openxmlformats.org/officeDocument/2006/relationships" xmlns:p="http://schemas.openxmlformats.org/presentationml/2006/main">
-  <p:cSld>
-    <p:spTree>
-      <p:nvGrpSpPr>
-        <p:cNvPr id="1" name=""/>
-        <p:cNvGrpSpPr/>
-        <p:nvPr/>
-      </p:nvGrpSpPr>
-      <p:grpSpPr>
-        <a:xfrm>
-          <a:off x="0" y="0"/>
-          <a:ext cx="0" cy="0"/>
-          <a:chOff x="0" y="0"/>
-          <a:chExt cx="0" cy="0"/>
-        </a:xfrm>
-      </p:grpSpPr>
-      <p:sp>
-        <p:nvSpPr>
-          <p:cNvPr id="2" name="Slide Image Placeholder 1"/>
-          <p:cNvSpPr>
-            <a:spLocks noGrp="1" noRot="1" noChangeAspect="1"/>
-          </p:cNvSpPr>
-          <p:nvPr>
-            <p:ph type="sldImg"/>
-          </p:nvPr>
-        </p:nvSpPr>
-        <p:spPr/>
-      </p:sp>
-      <p:sp>
-        <p:nvSpPr>
-          <p:cNvPr id="3" name="Notes Placeholder 2"/>
-          <p:cNvSpPr>
-            <a:spLocks noGrp="1"/>
-          </p:cNvSpPr>
-          <p:nvPr>
-            <p:ph type="body" idx="1"/>
-          </p:nvPr>
-        </p:nvSpPr>
-        <p:spPr/>
-        <p:txBody>
-          <a:bodyPr/>
-          <a:lstStyle/>
-          <a:p>
-            <a:r>
-              <a:rPr lang="en-US" b="0" dirty="0">
-                <a:solidFill>
-                  <a:srgbClr val="CCCCCC"/>
-                </a:solidFill>
-                <a:effectLst/>
-                <a:latin typeface="Menlo" panose="020B0609030804020204" pitchFamily="49" charset="0"/>
-              </a:rPr>
-              <a:t>No </a:t>
-            </a:r>
-            <a:r>
-              <a:rPr lang="en-US" b="0" dirty="0" err="1">
-                <a:solidFill>
-                  <a:srgbClr val="CCCCCC"/>
-                </a:solidFill>
-                <a:effectLst/>
-                <a:latin typeface="Menlo" panose="020B0609030804020204" pitchFamily="49" charset="0"/>
-              </a:rPr>
-              <a:t>pgen</a:t>
-            </a:r>
-            <a:r>
-              <a:rPr lang="en-US" b="0" dirty="0">
-                <a:solidFill>
-                  <a:srgbClr val="CCCCCC"/>
-                </a:solidFill>
-                <a:effectLst/>
-                <a:latin typeface="Menlo" panose="020B0609030804020204" pitchFamily="49" charset="0"/>
-              </a:rPr>
-              <a:t> differences (least at 15 clonotype level)</a:t>
-            </a:r>
-          </a:p>
-        </p:txBody>
-      </p:sp>
-      <p:sp>
-        <p:nvSpPr>
-          <p:cNvPr id="4" name="Slide Number Placeholder 3"/>
-          <p:cNvSpPr>
-            <a:spLocks noGrp="1"/>
-          </p:cNvSpPr>
-          <p:nvPr>
-            <p:ph type="sldNum" sz="quarter" idx="5"/>
-          </p:nvPr>
-        </p:nvSpPr>
-        <p:spPr/>
-        <p:txBody>
-          <a:bodyPr/>
-          <a:lstStyle/>
-          <a:p>
-            <a:fld id="{061BAA8C-FDC6-D345-B4E0-3B02449209FB}" type="slidenum">
-              <a:rPr lang="en-US" smtClean="0"/>
-              <a:t>10</a:t>
-            </a:fld>
-            <a:endParaRPr lang="en-US"/>
-          </a:p>
-        </p:txBody>
-      </p:sp>
-    </p:spTree>
-    <p:extLst>
-      <p:ext uri="{BB962C8B-B14F-4D97-AF65-F5344CB8AC3E}">
-        <p14:creationId xmlns:p14="http://schemas.microsoft.com/office/powerpoint/2010/main" val="2979991149"/>
-      </p:ext>
-    </p:extLst>
-  </p:cSld>
-  <p:clrMapOvr>
-    <a:masterClrMapping/>
-  </p:clrMapOvr>
-</p:notes>
-</file>
-
-<file path=ppt/notesSlides/notesSlide11.xml><?xml version="1.0" encoding="utf-8"?>
-<p:notes xmlns:a="http://schemas.openxmlformats.org/drawingml/2006/main" xmlns:r="http://schemas.openxmlformats.org/officeDocument/2006/relationships" xmlns:p="http://schemas.openxmlformats.org/presentationml/2006/main">
-  <p:cSld>
-    <p:spTree>
-      <p:nvGrpSpPr>
-        <p:cNvPr id="1" name=""/>
-        <p:cNvGrpSpPr/>
-        <p:nvPr/>
-      </p:nvGrpSpPr>
-      <p:grpSpPr>
-        <a:xfrm>
-          <a:off x="0" y="0"/>
-          <a:ext cx="0" cy="0"/>
-          <a:chOff x="0" y="0"/>
-          <a:chExt cx="0" cy="0"/>
-        </a:xfrm>
-      </p:grpSpPr>
-      <p:sp>
-        <p:nvSpPr>
-          <p:cNvPr id="2" name="Slide Image Placeholder 1"/>
-          <p:cNvSpPr>
-            <a:spLocks noGrp="1" noRot="1" noChangeAspect="1"/>
-          </p:cNvSpPr>
-          <p:nvPr>
-            <p:ph type="sldImg"/>
-          </p:nvPr>
-        </p:nvSpPr>
-        <p:spPr/>
-      </p:sp>
-      <p:sp>
-        <p:nvSpPr>
-          <p:cNvPr id="3" name="Notes Placeholder 2"/>
-          <p:cNvSpPr>
-            <a:spLocks noGrp="1"/>
-          </p:cNvSpPr>
-          <p:nvPr>
-            <p:ph type="body" idx="1"/>
-          </p:nvPr>
-        </p:nvSpPr>
-        <p:spPr/>
-        <p:txBody>
-          <a:bodyPr/>
-          <a:lstStyle/>
-          <a:p>
-            <a:endParaRPr lang="en-US" b="0" dirty="0">
-              <a:solidFill>
-                <a:srgbClr val="CCCCCC"/>
-              </a:solidFill>
-              <a:effectLst/>
-              <a:latin typeface="Menlo" panose="020B0609030804020204" pitchFamily="49" charset="0"/>
-            </a:endParaRPr>
-          </a:p>
-        </p:txBody>
-      </p:sp>
-      <p:sp>
-        <p:nvSpPr>
-          <p:cNvPr id="4" name="Slide Number Placeholder 3"/>
-          <p:cNvSpPr>
-            <a:spLocks noGrp="1"/>
-          </p:cNvSpPr>
-          <p:nvPr>
-            <p:ph type="sldNum" sz="quarter" idx="5"/>
-          </p:nvPr>
-        </p:nvSpPr>
-        <p:spPr/>
-        <p:txBody>
-          <a:bodyPr/>
-          <a:lstStyle/>
-          <a:p>
-            <a:fld id="{061BAA8C-FDC6-D345-B4E0-3B02449209FB}" type="slidenum">
-              <a:rPr lang="en-US" smtClean="0"/>
-              <a:t>11</a:t>
-            </a:fld>
-            <a:endParaRPr lang="en-US"/>
-          </a:p>
-        </p:txBody>
-      </p:sp>
-    </p:spTree>
-    <p:extLst>
-      <p:ext uri="{BB962C8B-B14F-4D97-AF65-F5344CB8AC3E}">
-        <p14:creationId xmlns:p14="http://schemas.microsoft.com/office/powerpoint/2010/main" val="4098486630"/>
-      </p:ext>
-    </p:extLst>
-  </p:cSld>
-  <p:clrMapOvr>
-    <a:masterClrMapping/>
-  </p:clrMapOvr>
-</p:notes>
-</file>
-
-<file path=ppt/notesSlides/notesSlide12.xml><?xml version="1.0" encoding="utf-8"?>
-<p:notes xmlns:a="http://schemas.openxmlformats.org/drawingml/2006/main" xmlns:r="http://schemas.openxmlformats.org/officeDocument/2006/relationships" xmlns:p="http://schemas.openxmlformats.org/presentationml/2006/main">
-  <p:cSld>
-    <p:spTree>
-      <p:nvGrpSpPr>
-        <p:cNvPr id="1" name=""/>
-        <p:cNvGrpSpPr/>
-        <p:nvPr/>
-      </p:nvGrpSpPr>
-      <p:grpSpPr>
-        <a:xfrm>
-          <a:off x="0" y="0"/>
-          <a:ext cx="0" cy="0"/>
-          <a:chOff x="0" y="0"/>
-          <a:chExt cx="0" cy="0"/>
-        </a:xfrm>
-      </p:grpSpPr>
-      <p:sp>
-        <p:nvSpPr>
-          <p:cNvPr id="2" name="Slide Image Placeholder 1"/>
-          <p:cNvSpPr>
-            <a:spLocks noGrp="1" noRot="1" noChangeAspect="1"/>
-          </p:cNvSpPr>
-          <p:nvPr>
-            <p:ph type="sldImg"/>
-          </p:nvPr>
-        </p:nvSpPr>
-        <p:spPr/>
-      </p:sp>
-      <p:sp>
-        <p:nvSpPr>
-          <p:cNvPr id="3" name="Notes Placeholder 2"/>
-          <p:cNvSpPr>
-            <a:spLocks noGrp="1"/>
-          </p:cNvSpPr>
-          <p:nvPr>
-            <p:ph type="body" idx="1"/>
-          </p:nvPr>
-        </p:nvSpPr>
-        <p:spPr/>
-        <p:txBody>
-          <a:bodyPr/>
-          <a:lstStyle/>
-          <a:p>
-            <a:endParaRPr lang="en-US" b="0" dirty="0">
-              <a:solidFill>
-                <a:srgbClr val="CCCCCC"/>
-              </a:solidFill>
-              <a:effectLst/>
-              <a:latin typeface="Menlo" panose="020B0609030804020204" pitchFamily="49" charset="0"/>
-            </a:endParaRPr>
-          </a:p>
-        </p:txBody>
-      </p:sp>
-      <p:sp>
-        <p:nvSpPr>
-          <p:cNvPr id="4" name="Slide Number Placeholder 3"/>
-          <p:cNvSpPr>
-            <a:spLocks noGrp="1"/>
-          </p:cNvSpPr>
-          <p:nvPr>
-            <p:ph type="sldNum" sz="quarter" idx="5"/>
-          </p:nvPr>
-        </p:nvSpPr>
-        <p:spPr/>
-        <p:txBody>
-          <a:bodyPr/>
-          <a:lstStyle/>
-          <a:p>
-            <a:fld id="{061BAA8C-FDC6-D345-B4E0-3B02449209FB}" type="slidenum">
-              <a:rPr lang="en-US" smtClean="0"/>
-              <a:t>12</a:t>
-            </a:fld>
-            <a:endParaRPr lang="en-US"/>
-          </a:p>
-        </p:txBody>
-      </p:sp>
-    </p:spTree>
-    <p:extLst>
-      <p:ext uri="{BB962C8B-B14F-4D97-AF65-F5344CB8AC3E}">
-        <p14:creationId xmlns:p14="http://schemas.microsoft.com/office/powerpoint/2010/main" val="487863271"/>
-      </p:ext>
-    </p:extLst>
-  </p:cSld>
-  <p:clrMapOvr>
-    <a:masterClrMapping/>
-  </p:clrMapOvr>
-</p:notes>
-</file>
-
-<file path=ppt/notesSlides/notesSlide13.xml><?xml version="1.0" encoding="utf-8"?>
-<p:notes xmlns:a="http://schemas.openxmlformats.org/drawingml/2006/main" xmlns:r="http://schemas.openxmlformats.org/officeDocument/2006/relationships" xmlns:p="http://schemas.openxmlformats.org/presentationml/2006/main">
-  <p:cSld>
-    <p:spTree>
-      <p:nvGrpSpPr>
-        <p:cNvPr id="1" name=""/>
-        <p:cNvGrpSpPr/>
-        <p:nvPr/>
-      </p:nvGrpSpPr>
-      <p:grpSpPr>
-        <a:xfrm>
-          <a:off x="0" y="0"/>
-          <a:ext cx="0" cy="0"/>
-          <a:chOff x="0" y="0"/>
-          <a:chExt cx="0" cy="0"/>
-        </a:xfrm>
-      </p:grpSpPr>
-      <p:sp>
-        <p:nvSpPr>
-          <p:cNvPr id="2" name="Slide Image Placeholder 1"/>
-          <p:cNvSpPr>
-            <a:spLocks noGrp="1" noRot="1" noChangeAspect="1"/>
-          </p:cNvSpPr>
-          <p:nvPr>
-            <p:ph type="sldImg"/>
-          </p:nvPr>
-        </p:nvSpPr>
-        <p:spPr/>
-      </p:sp>
-      <p:sp>
-        <p:nvSpPr>
-          <p:cNvPr id="3" name="Notes Placeholder 2"/>
-          <p:cNvSpPr>
-            <a:spLocks noGrp="1"/>
-          </p:cNvSpPr>
-          <p:nvPr>
-            <p:ph type="body" idx="1"/>
-          </p:nvPr>
-        </p:nvSpPr>
-        <p:spPr/>
-        <p:txBody>
-          <a:bodyPr/>
-          <a:lstStyle/>
-          <a:p>
-            <a:endParaRPr lang="en-US" b="0" dirty="0">
-              <a:solidFill>
-                <a:srgbClr val="CCCCCC"/>
-              </a:solidFill>
-              <a:effectLst/>
-              <a:latin typeface="Menlo" panose="020B0609030804020204" pitchFamily="49" charset="0"/>
-            </a:endParaRPr>
-          </a:p>
-        </p:txBody>
-      </p:sp>
-      <p:sp>
-        <p:nvSpPr>
-          <p:cNvPr id="4" name="Slide Number Placeholder 3"/>
-          <p:cNvSpPr>
-            <a:spLocks noGrp="1"/>
-          </p:cNvSpPr>
-          <p:nvPr>
-            <p:ph type="sldNum" sz="quarter" idx="5"/>
-          </p:nvPr>
-        </p:nvSpPr>
-        <p:spPr/>
-        <p:txBody>
-          <a:bodyPr/>
-          <a:lstStyle/>
-          <a:p>
-            <a:fld id="{061BAA8C-FDC6-D345-B4E0-3B02449209FB}" type="slidenum">
-              <a:rPr lang="en-US" smtClean="0"/>
-              <a:t>13</a:t>
-            </a:fld>
-            <a:endParaRPr lang="en-US"/>
-          </a:p>
-        </p:txBody>
-      </p:sp>
-    </p:spTree>
-    <p:extLst>
-      <p:ext uri="{BB962C8B-B14F-4D97-AF65-F5344CB8AC3E}">
-        <p14:creationId xmlns:p14="http://schemas.microsoft.com/office/powerpoint/2010/main" val="1801458086"/>
-      </p:ext>
-    </p:extLst>
-  </p:cSld>
-  <p:clrMapOvr>
-    <a:masterClrMapping/>
-  </p:clrMapOvr>
-</p:notes>
-</file>
-
-<file path=ppt/notesSlides/notesSlide14.xml><?xml version="1.0" encoding="utf-8"?>
-<p:notes xmlns:a="http://schemas.openxmlformats.org/drawingml/2006/main" xmlns:r="http://schemas.openxmlformats.org/officeDocument/2006/relationships" xmlns:p="http://schemas.openxmlformats.org/presentationml/2006/main">
-  <p:cSld>
-    <p:spTree>
-      <p:nvGrpSpPr>
-        <p:cNvPr id="1" name=""/>
-        <p:cNvGrpSpPr/>
-        <p:nvPr/>
-      </p:nvGrpSpPr>
-      <p:grpSpPr>
-        <a:xfrm>
-          <a:off x="0" y="0"/>
-          <a:ext cx="0" cy="0"/>
-          <a:chOff x="0" y="0"/>
-          <a:chExt cx="0" cy="0"/>
-        </a:xfrm>
-      </p:grpSpPr>
-      <p:sp>
-        <p:nvSpPr>
-          <p:cNvPr id="2" name="Slide Image Placeholder 1"/>
-          <p:cNvSpPr>
-            <a:spLocks noGrp="1" noRot="1" noChangeAspect="1"/>
-          </p:cNvSpPr>
-          <p:nvPr>
-            <p:ph type="sldImg"/>
-          </p:nvPr>
-        </p:nvSpPr>
-        <p:spPr/>
-      </p:sp>
-      <p:sp>
-        <p:nvSpPr>
-          <p:cNvPr id="3" name="Notes Placeholder 2"/>
-          <p:cNvSpPr>
-            <a:spLocks noGrp="1"/>
-          </p:cNvSpPr>
-          <p:nvPr>
-            <p:ph type="body" idx="1"/>
-          </p:nvPr>
-        </p:nvSpPr>
-        <p:spPr/>
-        <p:txBody>
-          <a:bodyPr/>
-          <a:lstStyle/>
-          <a:p>
-            <a:endParaRPr lang="en-US" b="0" dirty="0">
-              <a:solidFill>
-                <a:srgbClr val="CCCCCC"/>
-              </a:solidFill>
-              <a:effectLst/>
-              <a:latin typeface="Menlo" panose="020B0609030804020204" pitchFamily="49" charset="0"/>
-            </a:endParaRPr>
-          </a:p>
-        </p:txBody>
-      </p:sp>
-      <p:sp>
-        <p:nvSpPr>
-          <p:cNvPr id="4" name="Slide Number Placeholder 3"/>
-          <p:cNvSpPr>
-            <a:spLocks noGrp="1"/>
-          </p:cNvSpPr>
-          <p:nvPr>
-            <p:ph type="sldNum" sz="quarter" idx="5"/>
-          </p:nvPr>
-        </p:nvSpPr>
-        <p:spPr/>
-        <p:txBody>
-          <a:bodyPr/>
-          <a:lstStyle/>
-          <a:p>
-            <a:fld id="{061BAA8C-FDC6-D345-B4E0-3B02449209FB}" type="slidenum">
-              <a:rPr lang="en-US" smtClean="0"/>
-              <a:t>14</a:t>
-            </a:fld>
-            <a:endParaRPr lang="en-US"/>
-          </a:p>
-        </p:txBody>
-      </p:sp>
-    </p:spTree>
-    <p:extLst>
-      <p:ext uri="{BB962C8B-B14F-4D97-AF65-F5344CB8AC3E}">
-        <p14:creationId xmlns:p14="http://schemas.microsoft.com/office/powerpoint/2010/main" val="256492057"/>
-      </p:ext>
-    </p:extLst>
-  </p:cSld>
-  <p:clrMapOvr>
-    <a:masterClrMapping/>
-  </p:clrMapOvr>
-</p:notes>
-</file>
-
-<file path=ppt/notesSlides/notesSlide15.xml><?xml version="1.0" encoding="utf-8"?>
-<p:notes xmlns:a="http://schemas.openxmlformats.org/drawingml/2006/main" xmlns:r="http://schemas.openxmlformats.org/officeDocument/2006/relationships" xmlns:p="http://schemas.openxmlformats.org/presentationml/2006/main">
-  <p:cSld>
-    <p:spTree>
-      <p:nvGrpSpPr>
-        <p:cNvPr id="1" name=""/>
-        <p:cNvGrpSpPr/>
-        <p:nvPr/>
-      </p:nvGrpSpPr>
-      <p:grpSpPr>
-        <a:xfrm>
-          <a:off x="0" y="0"/>
-          <a:ext cx="0" cy="0"/>
-          <a:chOff x="0" y="0"/>
-          <a:chExt cx="0" cy="0"/>
-        </a:xfrm>
-      </p:grpSpPr>
-      <p:sp>
-        <p:nvSpPr>
-          <p:cNvPr id="2" name="Slide Image Placeholder 1"/>
-          <p:cNvSpPr>
-            <a:spLocks noGrp="1" noRot="1" noChangeAspect="1"/>
-          </p:cNvSpPr>
-          <p:nvPr>
-            <p:ph type="sldImg"/>
-          </p:nvPr>
-        </p:nvSpPr>
-        <p:spPr/>
-      </p:sp>
-      <p:sp>
-        <p:nvSpPr>
-          <p:cNvPr id="3" name="Notes Placeholder 2"/>
-          <p:cNvSpPr>
-            <a:spLocks noGrp="1"/>
-          </p:cNvSpPr>
-          <p:nvPr>
-            <p:ph type="body" idx="1"/>
-          </p:nvPr>
-        </p:nvSpPr>
-        <p:spPr/>
-        <p:txBody>
-          <a:bodyPr/>
-          <a:lstStyle/>
-          <a:p>
-            <a:endParaRPr lang="en-US" b="0" dirty="0">
-              <a:solidFill>
-                <a:srgbClr val="CCCCCC"/>
-              </a:solidFill>
-              <a:effectLst/>
-              <a:latin typeface="Menlo" panose="020B0609030804020204" pitchFamily="49" charset="0"/>
-            </a:endParaRPr>
-          </a:p>
-        </p:txBody>
-      </p:sp>
-      <p:sp>
-        <p:nvSpPr>
-          <p:cNvPr id="4" name="Slide Number Placeholder 3"/>
-          <p:cNvSpPr>
-            <a:spLocks noGrp="1"/>
-          </p:cNvSpPr>
-          <p:nvPr>
-            <p:ph type="sldNum" sz="quarter" idx="5"/>
-          </p:nvPr>
-        </p:nvSpPr>
-        <p:spPr/>
-        <p:txBody>
-          <a:bodyPr/>
-          <a:lstStyle/>
-          <a:p>
-            <a:fld id="{061BAA8C-FDC6-D345-B4E0-3B02449209FB}" type="slidenum">
-              <a:rPr lang="en-US" smtClean="0"/>
-              <a:t>15</a:t>
-            </a:fld>
-            <a:endParaRPr lang="en-US"/>
-          </a:p>
-        </p:txBody>
-      </p:sp>
-    </p:spTree>
-    <p:extLst>
-      <p:ext uri="{BB962C8B-B14F-4D97-AF65-F5344CB8AC3E}">
-        <p14:creationId xmlns:p14="http://schemas.microsoft.com/office/powerpoint/2010/main" val="335981907"/>
-      </p:ext>
-    </p:extLst>
-  </p:cSld>
-  <p:clrMapOvr>
-    <a:masterClrMapping/>
-  </p:clrMapOvr>
-</p:notes>
-</file>
-
-<file path=ppt/notesSlides/notesSlide16.xml><?xml version="1.0" encoding="utf-8"?>
-<p:notes xmlns:a="http://schemas.openxmlformats.org/drawingml/2006/main" xmlns:r="http://schemas.openxmlformats.org/officeDocument/2006/relationships" xmlns:p="http://schemas.openxmlformats.org/presentationml/2006/main">
-  <p:cSld>
-    <p:spTree>
-      <p:nvGrpSpPr>
-        <p:cNvPr id="1" name=""/>
-        <p:cNvGrpSpPr/>
-        <p:nvPr/>
-      </p:nvGrpSpPr>
-      <p:grpSpPr>
-        <a:xfrm>
-          <a:off x="0" y="0"/>
-          <a:ext cx="0" cy="0"/>
-          <a:chOff x="0" y="0"/>
-          <a:chExt cx="0" cy="0"/>
-        </a:xfrm>
-      </p:grpSpPr>
-      <p:sp>
-        <p:nvSpPr>
-          <p:cNvPr id="2" name="Slide Image Placeholder 1"/>
-          <p:cNvSpPr>
-            <a:spLocks noGrp="1" noRot="1" noChangeAspect="1"/>
-          </p:cNvSpPr>
-          <p:nvPr>
-            <p:ph type="sldImg"/>
-          </p:nvPr>
-        </p:nvSpPr>
-        <p:spPr/>
-      </p:sp>
-      <p:sp>
-        <p:nvSpPr>
-          <p:cNvPr id="3" name="Notes Placeholder 2"/>
-          <p:cNvSpPr>
-            <a:spLocks noGrp="1"/>
-          </p:cNvSpPr>
-          <p:nvPr>
-            <p:ph type="body" idx="1"/>
-          </p:nvPr>
-        </p:nvSpPr>
-        <p:spPr/>
-        <p:txBody>
-          <a:bodyPr/>
-          <a:lstStyle/>
-          <a:p>
-            <a:endParaRPr lang="en-US" b="0" dirty="0">
-              <a:solidFill>
-                <a:srgbClr val="CCCCCC"/>
-              </a:solidFill>
-              <a:effectLst/>
-              <a:latin typeface="Menlo" panose="020B0609030804020204" pitchFamily="49" charset="0"/>
-            </a:endParaRPr>
-          </a:p>
-        </p:txBody>
-      </p:sp>
-      <p:sp>
-        <p:nvSpPr>
-          <p:cNvPr id="4" name="Slide Number Placeholder 3"/>
-          <p:cNvSpPr>
-            <a:spLocks noGrp="1"/>
-          </p:cNvSpPr>
-          <p:nvPr>
-            <p:ph type="sldNum" sz="quarter" idx="5"/>
-          </p:nvPr>
-        </p:nvSpPr>
-        <p:spPr/>
-        <p:txBody>
-          <a:bodyPr/>
-          <a:lstStyle/>
-          <a:p>
-            <a:fld id="{061BAA8C-FDC6-D345-B4E0-3B02449209FB}" type="slidenum">
-              <a:rPr lang="en-US" smtClean="0"/>
-              <a:t>16</a:t>
-            </a:fld>
-            <a:endParaRPr lang="en-US"/>
-          </a:p>
-        </p:txBody>
-      </p:sp>
-    </p:spTree>
-    <p:extLst>
-      <p:ext uri="{BB962C8B-B14F-4D97-AF65-F5344CB8AC3E}">
-        <p14:creationId xmlns:p14="http://schemas.microsoft.com/office/powerpoint/2010/main" val="3639552818"/>
-      </p:ext>
-    </p:extLst>
-  </p:cSld>
-  <p:clrMapOvr>
-    <a:masterClrMapping/>
-  </p:clrMapOvr>
-</p:notes>
-</file>
-
-<file path=ppt/notesSlides/notesSlide17.xml><?xml version="1.0" encoding="utf-8"?>
-<p:notes xmlns:a="http://schemas.openxmlformats.org/drawingml/2006/main" xmlns:r="http://schemas.openxmlformats.org/officeDocument/2006/relationships" xmlns:p="http://schemas.openxmlformats.org/presentationml/2006/main">
-  <p:cSld>
-    <p:spTree>
-      <p:nvGrpSpPr>
-        <p:cNvPr id="1" name=""/>
-        <p:cNvGrpSpPr/>
-        <p:nvPr/>
-      </p:nvGrpSpPr>
-      <p:grpSpPr>
-        <a:xfrm>
-          <a:off x="0" y="0"/>
-          <a:ext cx="0" cy="0"/>
-          <a:chOff x="0" y="0"/>
-          <a:chExt cx="0" cy="0"/>
-        </a:xfrm>
-      </p:grpSpPr>
-      <p:sp>
-        <p:nvSpPr>
-          <p:cNvPr id="2" name="Slide Image Placeholder 1"/>
-          <p:cNvSpPr>
-            <a:spLocks noGrp="1" noRot="1" noChangeAspect="1"/>
-          </p:cNvSpPr>
-          <p:nvPr>
-            <p:ph type="sldImg"/>
-          </p:nvPr>
-        </p:nvSpPr>
-        <p:spPr/>
-      </p:sp>
-      <p:sp>
-        <p:nvSpPr>
-          <p:cNvPr id="3" name="Notes Placeholder 2"/>
-          <p:cNvSpPr>
-            <a:spLocks noGrp="1"/>
-          </p:cNvSpPr>
-          <p:nvPr>
-            <p:ph type="body" idx="1"/>
-          </p:nvPr>
-        </p:nvSpPr>
-        <p:spPr/>
-        <p:txBody>
-          <a:bodyPr/>
-          <a:lstStyle/>
-          <a:p>
-            <a:endParaRPr lang="en-US" b="0" dirty="0">
-              <a:solidFill>
-                <a:srgbClr val="CCCCCC"/>
-              </a:solidFill>
-              <a:effectLst/>
-              <a:latin typeface="Menlo" panose="020B0609030804020204" pitchFamily="49" charset="0"/>
-            </a:endParaRPr>
-          </a:p>
-        </p:txBody>
-      </p:sp>
-      <p:sp>
-        <p:nvSpPr>
-          <p:cNvPr id="4" name="Slide Number Placeholder 3"/>
-          <p:cNvSpPr>
-            <a:spLocks noGrp="1"/>
-          </p:cNvSpPr>
-          <p:nvPr>
-            <p:ph type="sldNum" sz="quarter" idx="5"/>
-          </p:nvPr>
-        </p:nvSpPr>
-        <p:spPr/>
-        <p:txBody>
-          <a:bodyPr/>
-          <a:lstStyle/>
-          <a:p>
-            <a:fld id="{061BAA8C-FDC6-D345-B4E0-3B02449209FB}" type="slidenum">
-              <a:rPr lang="en-US" smtClean="0"/>
-              <a:t>17</a:t>
-            </a:fld>
-            <a:endParaRPr lang="en-US"/>
-          </a:p>
-        </p:txBody>
-      </p:sp>
-    </p:spTree>
-    <p:extLst>
-      <p:ext uri="{BB962C8B-B14F-4D97-AF65-F5344CB8AC3E}">
-        <p14:creationId xmlns:p14="http://schemas.microsoft.com/office/powerpoint/2010/main" val="1610850162"/>
-      </p:ext>
-    </p:extLst>
-  </p:cSld>
-  <p:clrMapOvr>
-    <a:masterClrMapping/>
-  </p:clrMapOvr>
-</p:notes>
-</file>
-
-<file path=ppt/notesSlides/notesSlide18.xml><?xml version="1.0" encoding="utf-8"?>
-<p:notes xmlns:a="http://schemas.openxmlformats.org/drawingml/2006/main" xmlns:r="http://schemas.openxmlformats.org/officeDocument/2006/relationships" xmlns:p="http://schemas.openxmlformats.org/presentationml/2006/main">
-  <p:cSld>
-    <p:spTree>
-      <p:nvGrpSpPr>
-        <p:cNvPr id="1" name=""/>
-        <p:cNvGrpSpPr/>
-        <p:nvPr/>
-      </p:nvGrpSpPr>
-      <p:grpSpPr>
-        <a:xfrm>
-          <a:off x="0" y="0"/>
-          <a:ext cx="0" cy="0"/>
-          <a:chOff x="0" y="0"/>
-          <a:chExt cx="0" cy="0"/>
-        </a:xfrm>
-      </p:grpSpPr>
-      <p:sp>
-        <p:nvSpPr>
-          <p:cNvPr id="2" name="Slide Image Placeholder 1"/>
-          <p:cNvSpPr>
-            <a:spLocks noGrp="1" noRot="1" noChangeAspect="1"/>
-          </p:cNvSpPr>
-          <p:nvPr>
-            <p:ph type="sldImg"/>
-          </p:nvPr>
-        </p:nvSpPr>
-        <p:spPr/>
-      </p:sp>
-      <p:sp>
-        <p:nvSpPr>
-          <p:cNvPr id="3" name="Notes Placeholder 2"/>
-          <p:cNvSpPr>
-            <a:spLocks noGrp="1"/>
-          </p:cNvSpPr>
-          <p:nvPr>
-            <p:ph type="body" idx="1"/>
-          </p:nvPr>
-        </p:nvSpPr>
-        <p:spPr/>
-        <p:txBody>
-          <a:bodyPr/>
-          <a:lstStyle/>
-          <a:p>
-            <a:endParaRPr lang="en-US" b="0" dirty="0">
-              <a:solidFill>
-                <a:srgbClr val="CCCCCC"/>
-              </a:solidFill>
-              <a:effectLst/>
-              <a:latin typeface="Menlo" panose="020B0609030804020204" pitchFamily="49" charset="0"/>
-            </a:endParaRPr>
-          </a:p>
-        </p:txBody>
-      </p:sp>
-      <p:sp>
-        <p:nvSpPr>
-          <p:cNvPr id="4" name="Slide Number Placeholder 3"/>
-          <p:cNvSpPr>
-            <a:spLocks noGrp="1"/>
-          </p:cNvSpPr>
-          <p:nvPr>
-            <p:ph type="sldNum" sz="quarter" idx="5"/>
-          </p:nvPr>
-        </p:nvSpPr>
-        <p:spPr/>
-        <p:txBody>
-          <a:bodyPr/>
-          <a:lstStyle/>
-          <a:p>
-            <a:fld id="{061BAA8C-FDC6-D345-B4E0-3B02449209FB}" type="slidenum">
-              <a:rPr lang="en-US" smtClean="0"/>
-              <a:t>18</a:t>
-            </a:fld>
-            <a:endParaRPr lang="en-US"/>
-          </a:p>
-        </p:txBody>
-      </p:sp>
-    </p:spTree>
-    <p:extLst>
-      <p:ext uri="{BB962C8B-B14F-4D97-AF65-F5344CB8AC3E}">
-        <p14:creationId xmlns:p14="http://schemas.microsoft.com/office/powerpoint/2010/main" val="2383350759"/>
-      </p:ext>
-    </p:extLst>
-  </p:cSld>
-  <p:clrMapOvr>
-    <a:masterClrMapping/>
-  </p:clrMapOvr>
-</p:notes>
-</file>
-
 <file path=ppt/notesSlides/notesSlide2.xml><?xml version="1.0" encoding="utf-8"?>
 <p:notes xmlns:a="http://schemas.openxmlformats.org/drawingml/2006/main" xmlns:r="http://schemas.openxmlformats.org/officeDocument/2006/relationships" xmlns:p="http://schemas.openxmlformats.org/presentationml/2006/main">
   <p:cSld>
@@ -1782,7 +939,7 @@
     </p:spTree>
     <p:extLst>
       <p:ext uri="{BB962C8B-B14F-4D97-AF65-F5344CB8AC3E}">
-        <p14:creationId xmlns:p14="http://schemas.microsoft.com/office/powerpoint/2010/main" val="3151721272"/>
+        <p14:creationId xmlns:p14="http://schemas.microsoft.com/office/powerpoint/2010/main" val="2726104982"/>
       </p:ext>
     </p:extLst>
   </p:cSld>
@@ -1872,7 +1029,7 @@
     </p:spTree>
     <p:extLst>
       <p:ext uri="{BB962C8B-B14F-4D97-AF65-F5344CB8AC3E}">
-        <p14:creationId xmlns:p14="http://schemas.microsoft.com/office/powerpoint/2010/main" val="890911387"/>
+        <p14:creationId xmlns:p14="http://schemas.microsoft.com/office/powerpoint/2010/main" val="313742005"/>
       </p:ext>
     </p:extLst>
   </p:cSld>
@@ -1926,90 +1083,13 @@
           <a:bodyPr/>
           <a:lstStyle/>
           <a:p>
-            <a:r>
-              <a:rPr lang="en-US" b="0" dirty="0">
-                <a:solidFill>
-                  <a:srgbClr val="CCCCCC"/>
-                </a:solidFill>
-                <a:effectLst/>
-                <a:latin typeface="Menlo" panose="020B0609030804020204" pitchFamily="49" charset="0"/>
-              </a:rPr>
-              <a:t>Caveats with summary plots as I currently have it:</a:t>
-            </a:r>
-          </a:p>
-          <a:p>
-            <a:r>
-              <a:rPr lang="en-US" b="0" dirty="0" err="1">
-                <a:solidFill>
-                  <a:srgbClr val="CCCCCC"/>
-                </a:solidFill>
-                <a:effectLst/>
-                <a:latin typeface="Menlo" panose="020B0609030804020204" pitchFamily="49" charset="0"/>
-              </a:rPr>
-              <a:t>Pval</a:t>
-            </a:r>
-            <a:r>
-              <a:rPr lang="en-US" b="0" dirty="0">
-                <a:solidFill>
-                  <a:srgbClr val="CCCCCC"/>
-                </a:solidFill>
-                <a:effectLst/>
-                <a:latin typeface="Menlo" panose="020B0609030804020204" pitchFamily="49" charset="0"/>
-              </a:rPr>
-              <a:t> not </a:t>
-            </a:r>
-            <a:r>
-              <a:rPr lang="en-US" b="0" dirty="0" err="1">
-                <a:solidFill>
-                  <a:srgbClr val="CCCCCC"/>
-                </a:solidFill>
-                <a:effectLst/>
-                <a:latin typeface="Menlo" panose="020B0609030804020204" pitchFamily="49" charset="0"/>
-              </a:rPr>
-              <a:t>padj</a:t>
-            </a:r>
-            <a:r>
-              <a:rPr lang="en-US" b="0" dirty="0">
-                <a:solidFill>
-                  <a:srgbClr val="CCCCCC"/>
-                </a:solidFill>
-                <a:effectLst/>
-                <a:latin typeface="Menlo" panose="020B0609030804020204" pitchFamily="49" charset="0"/>
-              </a:rPr>
-              <a:t>…</a:t>
-            </a:r>
-          </a:p>
-          <a:p>
-            <a:r>
-              <a:rPr lang="en-US" b="0" dirty="0">
-                <a:solidFill>
-                  <a:srgbClr val="CCCCCC"/>
-                </a:solidFill>
-                <a:effectLst/>
-                <a:latin typeface="Menlo" panose="020B0609030804020204" pitchFamily="49" charset="0"/>
-              </a:rPr>
-              <a:t>no way to know if effect is in same direction for each test (i.e. </a:t>
-            </a:r>
-            <a:r>
-              <a:rPr lang="en-US" b="0" dirty="0" err="1">
-                <a:solidFill>
-                  <a:srgbClr val="CCCCCC"/>
-                </a:solidFill>
-                <a:effectLst/>
-                <a:latin typeface="Menlo" panose="020B0609030804020204" pitchFamily="49" charset="0"/>
-              </a:rPr>
-              <a:t>pgens</a:t>
-            </a:r>
-            <a:r>
-              <a:rPr lang="en-US" b="0" dirty="0">
-                <a:solidFill>
-                  <a:srgbClr val="CCCCCC"/>
-                </a:solidFill>
-                <a:effectLst/>
-                <a:latin typeface="Menlo" panose="020B0609030804020204" pitchFamily="49" charset="0"/>
-              </a:rPr>
-              <a:t> could be lower significantly in one and higher significantly in another, and I don’t know ahead of time what the effect direction is…), although it’s unlikely for nearby top n clonotype comparisons (i.e. top 30 and top 31 likely same effect direction if both significant)</a:t>
-            </a:r>
+            <a:endParaRPr lang="en-US" b="0" dirty="0">
+              <a:solidFill>
+                <a:srgbClr val="CCCCCC"/>
+              </a:solidFill>
+              <a:effectLst/>
+              <a:latin typeface="Menlo" panose="020B0609030804020204" pitchFamily="49" charset="0"/>
+            </a:endParaRPr>
           </a:p>
         </p:txBody>
       </p:sp>
@@ -2039,7 +1119,7 @@
     </p:spTree>
     <p:extLst>
       <p:ext uri="{BB962C8B-B14F-4D97-AF65-F5344CB8AC3E}">
-        <p14:creationId xmlns:p14="http://schemas.microsoft.com/office/powerpoint/2010/main" val="508667042"/>
+        <p14:creationId xmlns:p14="http://schemas.microsoft.com/office/powerpoint/2010/main" val="890911387"/>
       </p:ext>
     </p:extLst>
   </p:cSld>
@@ -2093,173 +1173,6 @@
           <a:bodyPr/>
           <a:lstStyle/>
           <a:p>
-            <a:r>
-              <a:rPr lang="en-US" b="0" dirty="0">
-                <a:solidFill>
-                  <a:srgbClr val="CCCCCC"/>
-                </a:solidFill>
-                <a:effectLst/>
-                <a:latin typeface="Menlo" panose="020B0609030804020204" pitchFamily="49" charset="0"/>
-              </a:rPr>
-              <a:t>Caveats with summary plots as I currently have it:</a:t>
-            </a:r>
-          </a:p>
-          <a:p>
-            <a:r>
-              <a:rPr lang="en-US" b="0" dirty="0" err="1">
-                <a:solidFill>
-                  <a:srgbClr val="CCCCCC"/>
-                </a:solidFill>
-                <a:effectLst/>
-                <a:latin typeface="Menlo" panose="020B0609030804020204" pitchFamily="49" charset="0"/>
-              </a:rPr>
-              <a:t>Pval</a:t>
-            </a:r>
-            <a:r>
-              <a:rPr lang="en-US" b="0" dirty="0">
-                <a:solidFill>
-                  <a:srgbClr val="CCCCCC"/>
-                </a:solidFill>
-                <a:effectLst/>
-                <a:latin typeface="Menlo" panose="020B0609030804020204" pitchFamily="49" charset="0"/>
-              </a:rPr>
-              <a:t> not </a:t>
-            </a:r>
-            <a:r>
-              <a:rPr lang="en-US" b="0" dirty="0" err="1">
-                <a:solidFill>
-                  <a:srgbClr val="CCCCCC"/>
-                </a:solidFill>
-                <a:effectLst/>
-                <a:latin typeface="Menlo" panose="020B0609030804020204" pitchFamily="49" charset="0"/>
-              </a:rPr>
-              <a:t>padj</a:t>
-            </a:r>
-            <a:r>
-              <a:rPr lang="en-US" b="0" dirty="0">
-                <a:solidFill>
-                  <a:srgbClr val="CCCCCC"/>
-                </a:solidFill>
-                <a:effectLst/>
-                <a:latin typeface="Menlo" panose="020B0609030804020204" pitchFamily="49" charset="0"/>
-              </a:rPr>
-              <a:t>…</a:t>
-            </a:r>
-          </a:p>
-          <a:p>
-            <a:r>
-              <a:rPr lang="en-US" b="0" dirty="0">
-                <a:solidFill>
-                  <a:srgbClr val="CCCCCC"/>
-                </a:solidFill>
-                <a:effectLst/>
-                <a:latin typeface="Menlo" panose="020B0609030804020204" pitchFamily="49" charset="0"/>
-              </a:rPr>
-              <a:t>no way to know if effect is in same direction for each test (i.e. </a:t>
-            </a:r>
-            <a:r>
-              <a:rPr lang="en-US" b="0" dirty="0" err="1">
-                <a:solidFill>
-                  <a:srgbClr val="CCCCCC"/>
-                </a:solidFill>
-                <a:effectLst/>
-                <a:latin typeface="Menlo" panose="020B0609030804020204" pitchFamily="49" charset="0"/>
-              </a:rPr>
-              <a:t>pgens</a:t>
-            </a:r>
-            <a:r>
-              <a:rPr lang="en-US" b="0" dirty="0">
-                <a:solidFill>
-                  <a:srgbClr val="CCCCCC"/>
-                </a:solidFill>
-                <a:effectLst/>
-                <a:latin typeface="Menlo" panose="020B0609030804020204" pitchFamily="49" charset="0"/>
-              </a:rPr>
-              <a:t> could be lower significantly in one and higher significantly in another, and I don’t know ahead of time what the effect direction is…), although it’s unlikely for nearby top n clonotype comparisons (i.e. top 30 and top 31 likely same effect direction if both significant)</a:t>
-            </a:r>
-          </a:p>
-        </p:txBody>
-      </p:sp>
-      <p:sp>
-        <p:nvSpPr>
-          <p:cNvPr id="4" name="Slide Number Placeholder 3"/>
-          <p:cNvSpPr>
-            <a:spLocks noGrp="1"/>
-          </p:cNvSpPr>
-          <p:nvPr>
-            <p:ph type="sldNum" sz="quarter" idx="5"/>
-          </p:nvPr>
-        </p:nvSpPr>
-        <p:spPr/>
-        <p:txBody>
-          <a:bodyPr/>
-          <a:lstStyle/>
-          <a:p>
-            <a:fld id="{061BAA8C-FDC6-D345-B4E0-3B02449209FB}" type="slidenum">
-              <a:rPr lang="en-US" smtClean="0"/>
-              <a:t>8</a:t>
-            </a:fld>
-            <a:endParaRPr lang="en-US"/>
-          </a:p>
-        </p:txBody>
-      </p:sp>
-    </p:spTree>
-    <p:extLst>
-      <p:ext uri="{BB962C8B-B14F-4D97-AF65-F5344CB8AC3E}">
-        <p14:creationId xmlns:p14="http://schemas.microsoft.com/office/powerpoint/2010/main" val="906140516"/>
-      </p:ext>
-    </p:extLst>
-  </p:cSld>
-  <p:clrMapOvr>
-    <a:masterClrMapping/>
-  </p:clrMapOvr>
-</p:notes>
-</file>
-
-<file path=ppt/notesSlides/notesSlide9.xml><?xml version="1.0" encoding="utf-8"?>
-<p:notes xmlns:a="http://schemas.openxmlformats.org/drawingml/2006/main" xmlns:r="http://schemas.openxmlformats.org/officeDocument/2006/relationships" xmlns:p="http://schemas.openxmlformats.org/presentationml/2006/main">
-  <p:cSld>
-    <p:spTree>
-      <p:nvGrpSpPr>
-        <p:cNvPr id="1" name=""/>
-        <p:cNvGrpSpPr/>
-        <p:nvPr/>
-      </p:nvGrpSpPr>
-      <p:grpSpPr>
-        <a:xfrm>
-          <a:off x="0" y="0"/>
-          <a:ext cx="0" cy="0"/>
-          <a:chOff x="0" y="0"/>
-          <a:chExt cx="0" cy="0"/>
-        </a:xfrm>
-      </p:grpSpPr>
-      <p:sp>
-        <p:nvSpPr>
-          <p:cNvPr id="2" name="Slide Image Placeholder 1"/>
-          <p:cNvSpPr>
-            <a:spLocks noGrp="1" noRot="1" noChangeAspect="1"/>
-          </p:cNvSpPr>
-          <p:nvPr>
-            <p:ph type="sldImg"/>
-          </p:nvPr>
-        </p:nvSpPr>
-        <p:spPr/>
-      </p:sp>
-      <p:sp>
-        <p:nvSpPr>
-          <p:cNvPr id="3" name="Notes Placeholder 2"/>
-          <p:cNvSpPr>
-            <a:spLocks noGrp="1"/>
-          </p:cNvSpPr>
-          <p:nvPr>
-            <p:ph type="body" idx="1"/>
-          </p:nvPr>
-        </p:nvSpPr>
-        <p:spPr/>
-        <p:txBody>
-          <a:bodyPr/>
-          <a:lstStyle/>
-          <a:p>
             <a:endParaRPr lang="en-US" b="0" dirty="0">
               <a:solidFill>
                 <a:srgbClr val="CCCCCC"/>
@@ -2287,7 +1200,7 @@
           <a:p>
             <a:fld id="{061BAA8C-FDC6-D345-B4E0-3B02449209FB}" type="slidenum">
               <a:rPr lang="en-US" smtClean="0"/>
-              <a:t>9</a:t>
+              <a:t>8</a:t>
             </a:fld>
             <a:endParaRPr lang="en-US"/>
           </a:p>
@@ -2296,7 +1209,7 @@
     </p:spTree>
     <p:extLst>
       <p:ext uri="{BB962C8B-B14F-4D97-AF65-F5344CB8AC3E}">
-        <p14:creationId xmlns:p14="http://schemas.microsoft.com/office/powerpoint/2010/main" val="1550285497"/>
+        <p14:creationId xmlns:p14="http://schemas.microsoft.com/office/powerpoint/2010/main" val="906140516"/>
       </p:ext>
     </p:extLst>
   </p:cSld>
@@ -2453,7 +1366,7 @@
           <a:p>
             <a:fld id="{80FC6068-BAFB-FC44-B9D8-F4B3BB105DE6}" type="datetimeFigureOut">
               <a:rPr lang="en-US" smtClean="0"/>
-              <a:t>1/4/24</a:t>
+              <a:t>1/6/24</a:t>
             </a:fld>
             <a:endParaRPr lang="en-US"/>
           </a:p>
@@ -2651,7 +1564,7 @@
           <a:p>
             <a:fld id="{80FC6068-BAFB-FC44-B9D8-F4B3BB105DE6}" type="datetimeFigureOut">
               <a:rPr lang="en-US" smtClean="0"/>
-              <a:t>1/4/24</a:t>
+              <a:t>1/6/24</a:t>
             </a:fld>
             <a:endParaRPr lang="en-US"/>
           </a:p>
@@ -2859,7 +1772,7 @@
           <a:p>
             <a:fld id="{80FC6068-BAFB-FC44-B9D8-F4B3BB105DE6}" type="datetimeFigureOut">
               <a:rPr lang="en-US" smtClean="0"/>
-              <a:t>1/4/24</a:t>
+              <a:t>1/6/24</a:t>
             </a:fld>
             <a:endParaRPr lang="en-US"/>
           </a:p>
@@ -3063,7 +1976,7 @@
           <a:p>
             <a:fld id="{80FC6068-BAFB-FC44-B9D8-F4B3BB105DE6}" type="datetimeFigureOut">
               <a:rPr lang="en-US" smtClean="0"/>
-              <a:t>1/4/24</a:t>
+              <a:t>1/6/24</a:t>
             </a:fld>
             <a:endParaRPr lang="en-US"/>
           </a:p>
@@ -3354,7 +2267,7 @@
           <a:p>
             <a:fld id="{80FC6068-BAFB-FC44-B9D8-F4B3BB105DE6}" type="datetimeFigureOut">
               <a:rPr lang="en-US" smtClean="0"/>
-              <a:t>1/4/24</a:t>
+              <a:t>1/6/24</a:t>
             </a:fld>
             <a:endParaRPr lang="en-US"/>
           </a:p>
@@ -3619,7 +2532,7 @@
           <a:p>
             <a:fld id="{80FC6068-BAFB-FC44-B9D8-F4B3BB105DE6}" type="datetimeFigureOut">
               <a:rPr lang="en-US" smtClean="0"/>
-              <a:t>1/4/24</a:t>
+              <a:t>1/6/24</a:t>
             </a:fld>
             <a:endParaRPr lang="en-US"/>
           </a:p>
@@ -4031,7 +2944,7 @@
           <a:p>
             <a:fld id="{80FC6068-BAFB-FC44-B9D8-F4B3BB105DE6}" type="datetimeFigureOut">
               <a:rPr lang="en-US" smtClean="0"/>
-              <a:t>1/4/24</a:t>
+              <a:t>1/6/24</a:t>
             </a:fld>
             <a:endParaRPr lang="en-US"/>
           </a:p>
@@ -4172,7 +3085,7 @@
           <a:p>
             <a:fld id="{80FC6068-BAFB-FC44-B9D8-F4B3BB105DE6}" type="datetimeFigureOut">
               <a:rPr lang="en-US" smtClean="0"/>
-              <a:t>1/4/24</a:t>
+              <a:t>1/6/24</a:t>
             </a:fld>
             <a:endParaRPr lang="en-US"/>
           </a:p>
@@ -4285,7 +3198,7 @@
           <a:p>
             <a:fld id="{80FC6068-BAFB-FC44-B9D8-F4B3BB105DE6}" type="datetimeFigureOut">
               <a:rPr lang="en-US" smtClean="0"/>
-              <a:t>1/4/24</a:t>
+              <a:t>1/6/24</a:t>
             </a:fld>
             <a:endParaRPr lang="en-US"/>
           </a:p>
@@ -4596,7 +3509,7 @@
           <a:p>
             <a:fld id="{80FC6068-BAFB-FC44-B9D8-F4B3BB105DE6}" type="datetimeFigureOut">
               <a:rPr lang="en-US" smtClean="0"/>
-              <a:t>1/4/24</a:t>
+              <a:t>1/6/24</a:t>
             </a:fld>
             <a:endParaRPr lang="en-US"/>
           </a:p>
@@ -4884,7 +3797,7 @@
           <a:p>
             <a:fld id="{80FC6068-BAFB-FC44-B9D8-F4B3BB105DE6}" type="datetimeFigureOut">
               <a:rPr lang="en-US" smtClean="0"/>
-              <a:t>1/4/24</a:t>
+              <a:t>1/6/24</a:t>
             </a:fld>
             <a:endParaRPr lang="en-US"/>
           </a:p>
@@ -5125,7 +4038,7 @@
           <a:p>
             <a:fld id="{80FC6068-BAFB-FC44-B9D8-F4B3BB105DE6}" type="datetimeFigureOut">
               <a:rPr lang="en-US" smtClean="0"/>
-              <a:t>1/4/24</a:t>
+              <a:t>1/6/24</a:t>
             </a:fld>
             <a:endParaRPr lang="en-US"/>
           </a:p>
@@ -5595,7 +4508,7 @@
           <a:p>
             <a:r>
               <a:rPr lang="en-US" dirty="0"/>
-              <a:t>1 4 2024</a:t>
+              <a:t>1 11 2024</a:t>
             </a:r>
           </a:p>
           <a:p>
@@ -5610,2648 +4523,6 @@
     <p:extLst>
       <p:ext uri="{BB962C8B-B14F-4D97-AF65-F5344CB8AC3E}">
         <p14:creationId xmlns:p14="http://schemas.microsoft.com/office/powerpoint/2010/main" val="2740840600"/>
-      </p:ext>
-    </p:extLst>
-  </p:cSld>
-  <p:clrMapOvr>
-    <a:masterClrMapping/>
-  </p:clrMapOvr>
-</p:sld>
-</file>
-
-<file path=ppt/slides/slide10.xml><?xml version="1.0" encoding="utf-8"?>
-<p:sld xmlns:a="http://schemas.openxmlformats.org/drawingml/2006/main" xmlns:r="http://schemas.openxmlformats.org/officeDocument/2006/relationships" xmlns:p="http://schemas.openxmlformats.org/presentationml/2006/main">
-  <p:cSld>
-    <p:spTree>
-      <p:nvGrpSpPr>
-        <p:cNvPr id="1" name=""/>
-        <p:cNvGrpSpPr/>
-        <p:nvPr/>
-      </p:nvGrpSpPr>
-      <p:grpSpPr>
-        <a:xfrm>
-          <a:off x="0" y="0"/>
-          <a:ext cx="0" cy="0"/>
-          <a:chOff x="0" y="0"/>
-          <a:chExt cx="0" cy="0"/>
-        </a:xfrm>
-      </p:grpSpPr>
-      <p:sp>
-        <p:nvSpPr>
-          <p:cNvPr id="2" name="Title 1">
-            <a:extLst>
-              <a:ext uri="{FF2B5EF4-FFF2-40B4-BE49-F238E27FC236}">
-                <a16:creationId xmlns:a16="http://schemas.microsoft.com/office/drawing/2014/main" id="{70A4C97D-8F21-3D3B-6A90-EA7145324964}"/>
-              </a:ext>
-            </a:extLst>
-          </p:cNvPr>
-          <p:cNvSpPr>
-            <a:spLocks noGrp="1"/>
-          </p:cNvSpPr>
-          <p:nvPr>
-            <p:ph type="title"/>
-          </p:nvPr>
-        </p:nvSpPr>
-        <p:spPr>
-          <a:xfrm>
-            <a:off x="838200" y="593725"/>
-            <a:ext cx="10515600" cy="1325563"/>
-          </a:xfrm>
-        </p:spPr>
-        <p:txBody>
-          <a:bodyPr>
-            <a:normAutofit fontScale="90000"/>
-          </a:bodyPr>
-          <a:lstStyle/>
-          <a:p>
-            <a:r>
-              <a:rPr lang="en-US" dirty="0"/>
-              <a:t>Additional weak conclusion 1 from myocarditis dataset: highly expanded CD8 Naïve TRA CDR3s shorter in </a:t>
-            </a:r>
-            <a:r>
-              <a:rPr lang="en-US" dirty="0" err="1"/>
-              <a:t>irAE</a:t>
-            </a:r>
-            <a:r>
-              <a:rPr lang="en-US" dirty="0"/>
-              <a:t> patients</a:t>
-            </a:r>
-          </a:p>
-        </p:txBody>
-      </p:sp>
-      <p:pic>
-        <p:nvPicPr>
-          <p:cNvPr id="18" name="Picture 17">
-            <a:extLst>
-              <a:ext uri="{FF2B5EF4-FFF2-40B4-BE49-F238E27FC236}">
-                <a16:creationId xmlns:a16="http://schemas.microsoft.com/office/drawing/2014/main" id="{D9EBC4D2-838A-5723-6665-44952CCE9F07}"/>
-              </a:ext>
-            </a:extLst>
-          </p:cNvPr>
-          <p:cNvPicPr>
-            <a:picLocks noChangeAspect="1"/>
-          </p:cNvPicPr>
-          <p:nvPr/>
-        </p:nvPicPr>
-        <p:blipFill>
-          <a:blip r:embed="rId3"/>
-          <a:stretch>
-            <a:fillRect/>
-          </a:stretch>
-        </p:blipFill>
-        <p:spPr>
-          <a:xfrm>
-            <a:off x="46483" y="2117314"/>
-            <a:ext cx="6049517" cy="3619142"/>
-          </a:xfrm>
-          <a:prstGeom prst="rect">
-            <a:avLst/>
-          </a:prstGeom>
-        </p:spPr>
-      </p:pic>
-      <p:sp>
-        <p:nvSpPr>
-          <p:cNvPr id="20" name="TextBox 19">
-            <a:extLst>
-              <a:ext uri="{FF2B5EF4-FFF2-40B4-BE49-F238E27FC236}">
-                <a16:creationId xmlns:a16="http://schemas.microsoft.com/office/drawing/2014/main" id="{CF68CEC5-9141-7449-715A-197EC4CCFF32}"/>
-              </a:ext>
-            </a:extLst>
-          </p:cNvPr>
-          <p:cNvSpPr txBox="1"/>
-          <p:nvPr/>
-        </p:nvSpPr>
-        <p:spPr>
-          <a:xfrm>
-            <a:off x="1185633" y="2712823"/>
-            <a:ext cx="539240" cy="369332"/>
-          </a:xfrm>
-          <a:prstGeom prst="rect">
-            <a:avLst/>
-          </a:prstGeom>
-          <a:noFill/>
-        </p:spPr>
-        <p:txBody>
-          <a:bodyPr wrap="square" rtlCol="0">
-            <a:spAutoFit/>
-          </a:bodyPr>
-          <a:lstStyle/>
-          <a:p>
-            <a:r>
-              <a:rPr lang="en-US" dirty="0"/>
-              <a:t>*</a:t>
-            </a:r>
-          </a:p>
-        </p:txBody>
-      </p:sp>
-      <p:sp>
-        <p:nvSpPr>
-          <p:cNvPr id="3" name="TextBox 2">
-            <a:extLst>
-              <a:ext uri="{FF2B5EF4-FFF2-40B4-BE49-F238E27FC236}">
-                <a16:creationId xmlns:a16="http://schemas.microsoft.com/office/drawing/2014/main" id="{C471D885-7CA4-4354-CDCD-374C980D5817}"/>
-              </a:ext>
-            </a:extLst>
-          </p:cNvPr>
-          <p:cNvSpPr txBox="1"/>
-          <p:nvPr/>
-        </p:nvSpPr>
-        <p:spPr>
-          <a:xfrm>
-            <a:off x="3809156" y="6478551"/>
-            <a:ext cx="4573688" cy="369332"/>
-          </a:xfrm>
-          <a:prstGeom prst="rect">
-            <a:avLst/>
-          </a:prstGeom>
-          <a:noFill/>
-        </p:spPr>
-        <p:txBody>
-          <a:bodyPr wrap="none" rtlCol="0">
-            <a:spAutoFit/>
-          </a:bodyPr>
-          <a:lstStyle/>
-          <a:p>
-            <a:r>
-              <a:rPr lang="en-US" dirty="0"/>
-              <a:t>Wilcoxon rank sum test.</a:t>
-            </a:r>
-            <a:r>
-              <a:rPr lang="en-US" dirty="0">
-                <a:latin typeface="Calibri" panose="020F0502020204030204" pitchFamily="34" charset="0"/>
-                <a:cs typeface="Times New Roman" panose="02020603050405020304" pitchFamily="18" charset="0"/>
-              </a:rPr>
-              <a:t> </a:t>
-            </a:r>
-            <a:r>
-              <a:rPr lang="en-US" sz="1800" dirty="0">
-                <a:effectLst/>
-                <a:latin typeface="Calibri" panose="020F0502020204030204" pitchFamily="34" charset="0"/>
-                <a:ea typeface="Calibri" panose="020F0502020204030204" pitchFamily="34" charset="0"/>
-                <a:cs typeface="Times New Roman" panose="02020603050405020304" pitchFamily="18" charset="0"/>
-              </a:rPr>
-              <a:t>**, p &lt;1e-2; *; p &lt;0.05</a:t>
-            </a:r>
-            <a:endParaRPr lang="en-US" b="0" i="0" u="none" strike="noStrike" dirty="0">
-              <a:solidFill>
-                <a:srgbClr val="212121"/>
-              </a:solidFill>
-              <a:effectLst/>
-              <a:latin typeface="Cambria" panose="02040503050406030204" pitchFamily="18" charset="0"/>
-            </a:endParaRPr>
-          </a:p>
-        </p:txBody>
-      </p:sp>
-      <p:sp>
-        <p:nvSpPr>
-          <p:cNvPr id="7" name="TextBox 6">
-            <a:extLst>
-              <a:ext uri="{FF2B5EF4-FFF2-40B4-BE49-F238E27FC236}">
-                <a16:creationId xmlns:a16="http://schemas.microsoft.com/office/drawing/2014/main" id="{DEFEB2C9-39C3-1343-EEA4-A5E269C06490}"/>
-              </a:ext>
-            </a:extLst>
-          </p:cNvPr>
-          <p:cNvSpPr txBox="1"/>
-          <p:nvPr/>
-        </p:nvSpPr>
-        <p:spPr>
-          <a:xfrm>
-            <a:off x="7585949" y="6800669"/>
-            <a:ext cx="3153171" cy="369332"/>
-          </a:xfrm>
-          <a:prstGeom prst="rect">
-            <a:avLst/>
-          </a:prstGeom>
-          <a:noFill/>
-        </p:spPr>
-        <p:txBody>
-          <a:bodyPr wrap="none" rtlCol="0">
-            <a:spAutoFit/>
-          </a:bodyPr>
-          <a:lstStyle/>
-          <a:p>
-            <a:r>
-              <a:rPr lang="en-US" dirty="0"/>
-              <a:t>Label wrong they’re normalized</a:t>
-            </a:r>
-          </a:p>
-        </p:txBody>
-      </p:sp>
-      <p:pic>
-        <p:nvPicPr>
-          <p:cNvPr id="9" name="Picture 8">
-            <a:extLst>
-              <a:ext uri="{FF2B5EF4-FFF2-40B4-BE49-F238E27FC236}">
-                <a16:creationId xmlns:a16="http://schemas.microsoft.com/office/drawing/2014/main" id="{D10A7F58-159E-13F7-52AC-E7624C4229D1}"/>
-              </a:ext>
-            </a:extLst>
-          </p:cNvPr>
-          <p:cNvPicPr>
-            <a:picLocks noChangeAspect="1"/>
-          </p:cNvPicPr>
-          <p:nvPr/>
-        </p:nvPicPr>
-        <p:blipFill>
-          <a:blip r:embed="rId4"/>
-          <a:stretch>
-            <a:fillRect/>
-          </a:stretch>
-        </p:blipFill>
-        <p:spPr>
-          <a:xfrm>
-            <a:off x="6096000" y="2117314"/>
-            <a:ext cx="6049517" cy="3571928"/>
-          </a:xfrm>
-          <a:prstGeom prst="rect">
-            <a:avLst/>
-          </a:prstGeom>
-        </p:spPr>
-      </p:pic>
-      <p:sp>
-        <p:nvSpPr>
-          <p:cNvPr id="10" name="TextBox 9">
-            <a:extLst>
-              <a:ext uri="{FF2B5EF4-FFF2-40B4-BE49-F238E27FC236}">
-                <a16:creationId xmlns:a16="http://schemas.microsoft.com/office/drawing/2014/main" id="{0F32C0D1-2FF8-367D-F644-723EE4559C86}"/>
-              </a:ext>
-            </a:extLst>
-          </p:cNvPr>
-          <p:cNvSpPr txBox="1"/>
-          <p:nvPr/>
-        </p:nvSpPr>
-        <p:spPr>
-          <a:xfrm>
-            <a:off x="9614655" y="2348395"/>
-            <a:ext cx="482177" cy="369332"/>
-          </a:xfrm>
-          <a:prstGeom prst="rect">
-            <a:avLst/>
-          </a:prstGeom>
-          <a:noFill/>
-        </p:spPr>
-        <p:txBody>
-          <a:bodyPr wrap="square" rtlCol="0">
-            <a:spAutoFit/>
-          </a:bodyPr>
-          <a:lstStyle/>
-          <a:p>
-            <a:r>
-              <a:rPr lang="en-US" dirty="0"/>
-              <a:t>*</a:t>
-            </a:r>
-          </a:p>
-        </p:txBody>
-      </p:sp>
-      <p:sp>
-        <p:nvSpPr>
-          <p:cNvPr id="11" name="TextBox 10">
-            <a:extLst>
-              <a:ext uri="{FF2B5EF4-FFF2-40B4-BE49-F238E27FC236}">
-                <a16:creationId xmlns:a16="http://schemas.microsoft.com/office/drawing/2014/main" id="{191000C6-9BC6-CF31-028A-ABAE600F45D2}"/>
-              </a:ext>
-            </a:extLst>
-          </p:cNvPr>
-          <p:cNvSpPr txBox="1"/>
-          <p:nvPr/>
-        </p:nvSpPr>
-        <p:spPr>
-          <a:xfrm>
-            <a:off x="10597020" y="2348498"/>
-            <a:ext cx="482177" cy="369332"/>
-          </a:xfrm>
-          <a:prstGeom prst="rect">
-            <a:avLst/>
-          </a:prstGeom>
-          <a:noFill/>
-        </p:spPr>
-        <p:txBody>
-          <a:bodyPr wrap="square" rtlCol="0">
-            <a:spAutoFit/>
-          </a:bodyPr>
-          <a:lstStyle/>
-          <a:p>
-            <a:r>
-              <a:rPr lang="en-US" dirty="0"/>
-              <a:t>*</a:t>
-            </a:r>
-          </a:p>
-        </p:txBody>
-      </p:sp>
-      <p:sp>
-        <p:nvSpPr>
-          <p:cNvPr id="13" name="Rectangle 12">
-            <a:extLst>
-              <a:ext uri="{FF2B5EF4-FFF2-40B4-BE49-F238E27FC236}">
-                <a16:creationId xmlns:a16="http://schemas.microsoft.com/office/drawing/2014/main" id="{185F69E8-772B-C388-FFFB-F72BFFF1B4F3}"/>
-              </a:ext>
-            </a:extLst>
-          </p:cNvPr>
-          <p:cNvSpPr/>
-          <p:nvPr/>
-        </p:nvSpPr>
-        <p:spPr>
-          <a:xfrm>
-            <a:off x="6839559" y="4480560"/>
-            <a:ext cx="4239638" cy="1047623"/>
-          </a:xfrm>
-          <a:prstGeom prst="rect">
-            <a:avLst/>
-          </a:prstGeom>
-          <a:ln>
-            <a:noFill/>
-          </a:ln>
-        </p:spPr>
-        <p:style>
-          <a:lnRef idx="2">
-            <a:schemeClr val="accent6"/>
-          </a:lnRef>
-          <a:fillRef idx="1">
-            <a:schemeClr val="lt1"/>
-          </a:fillRef>
-          <a:effectRef idx="0">
-            <a:schemeClr val="accent6"/>
-          </a:effectRef>
-          <a:fontRef idx="minor">
-            <a:schemeClr val="dk1"/>
-          </a:fontRef>
-        </p:style>
-        <p:txBody>
-          <a:bodyPr rtlCol="0" anchor="ctr"/>
-          <a:lstStyle/>
-          <a:p>
-            <a:pPr algn="ctr"/>
-            <a:endParaRPr lang="en-US"/>
-          </a:p>
-        </p:txBody>
-      </p:sp>
-      <p:sp>
-        <p:nvSpPr>
-          <p:cNvPr id="14" name="TextBox 13">
-            <a:extLst>
-              <a:ext uri="{FF2B5EF4-FFF2-40B4-BE49-F238E27FC236}">
-                <a16:creationId xmlns:a16="http://schemas.microsoft.com/office/drawing/2014/main" id="{9F07E524-EB2D-6AD5-97E8-064377ABA479}"/>
-              </a:ext>
-            </a:extLst>
-          </p:cNvPr>
-          <p:cNvSpPr txBox="1"/>
-          <p:nvPr/>
-        </p:nvSpPr>
-        <p:spPr>
-          <a:xfrm>
-            <a:off x="7582378" y="4560925"/>
-            <a:ext cx="430935" cy="369332"/>
-          </a:xfrm>
-          <a:prstGeom prst="rect">
-            <a:avLst/>
-          </a:prstGeom>
-          <a:noFill/>
-        </p:spPr>
-        <p:txBody>
-          <a:bodyPr wrap="square" rtlCol="0">
-            <a:spAutoFit/>
-          </a:bodyPr>
-          <a:lstStyle/>
-          <a:p>
-            <a:r>
-              <a:rPr lang="en-US" dirty="0"/>
-              <a:t>5</a:t>
-            </a:r>
-          </a:p>
-        </p:txBody>
-      </p:sp>
-      <p:sp>
-        <p:nvSpPr>
-          <p:cNvPr id="15" name="TextBox 14">
-            <a:extLst>
-              <a:ext uri="{FF2B5EF4-FFF2-40B4-BE49-F238E27FC236}">
-                <a16:creationId xmlns:a16="http://schemas.microsoft.com/office/drawing/2014/main" id="{765210A3-4992-811C-437C-AD4490405B73}"/>
-              </a:ext>
-            </a:extLst>
-          </p:cNvPr>
-          <p:cNvSpPr txBox="1"/>
-          <p:nvPr/>
-        </p:nvSpPr>
-        <p:spPr>
-          <a:xfrm>
-            <a:off x="9512175" y="4560925"/>
-            <a:ext cx="430935" cy="369332"/>
-          </a:xfrm>
-          <a:prstGeom prst="rect">
-            <a:avLst/>
-          </a:prstGeom>
-          <a:noFill/>
-        </p:spPr>
-        <p:txBody>
-          <a:bodyPr wrap="square" rtlCol="0">
-            <a:spAutoFit/>
-          </a:bodyPr>
-          <a:lstStyle/>
-          <a:p>
-            <a:r>
-              <a:rPr lang="en-US" dirty="0"/>
-              <a:t>15</a:t>
-            </a:r>
-          </a:p>
-        </p:txBody>
-      </p:sp>
-      <p:sp>
-        <p:nvSpPr>
-          <p:cNvPr id="16" name="TextBox 15">
-            <a:extLst>
-              <a:ext uri="{FF2B5EF4-FFF2-40B4-BE49-F238E27FC236}">
-                <a16:creationId xmlns:a16="http://schemas.microsoft.com/office/drawing/2014/main" id="{C205F79F-53B6-2F79-744C-3D8FC6E3E969}"/>
-              </a:ext>
-            </a:extLst>
-          </p:cNvPr>
-          <p:cNvSpPr txBox="1"/>
-          <p:nvPr/>
-        </p:nvSpPr>
-        <p:spPr>
-          <a:xfrm>
-            <a:off x="8504017" y="4560925"/>
-            <a:ext cx="430935" cy="369332"/>
-          </a:xfrm>
-          <a:prstGeom prst="rect">
-            <a:avLst/>
-          </a:prstGeom>
-          <a:noFill/>
-        </p:spPr>
-        <p:txBody>
-          <a:bodyPr wrap="square" rtlCol="0">
-            <a:spAutoFit/>
-          </a:bodyPr>
-          <a:lstStyle/>
-          <a:p>
-            <a:r>
-              <a:rPr lang="en-US" dirty="0"/>
-              <a:t>10</a:t>
-            </a:r>
-          </a:p>
-        </p:txBody>
-      </p:sp>
-      <p:sp>
-        <p:nvSpPr>
-          <p:cNvPr id="21" name="TextBox 20">
-            <a:extLst>
-              <a:ext uri="{FF2B5EF4-FFF2-40B4-BE49-F238E27FC236}">
-                <a16:creationId xmlns:a16="http://schemas.microsoft.com/office/drawing/2014/main" id="{C82B7176-399A-0D20-9E5D-DE83AE6446E7}"/>
-              </a:ext>
-            </a:extLst>
-          </p:cNvPr>
-          <p:cNvSpPr txBox="1"/>
-          <p:nvPr/>
-        </p:nvSpPr>
-        <p:spPr>
-          <a:xfrm>
-            <a:off x="10520333" y="4560925"/>
-            <a:ext cx="430935" cy="369332"/>
-          </a:xfrm>
-          <a:prstGeom prst="rect">
-            <a:avLst/>
-          </a:prstGeom>
-          <a:noFill/>
-        </p:spPr>
-        <p:txBody>
-          <a:bodyPr wrap="square" rtlCol="0">
-            <a:spAutoFit/>
-          </a:bodyPr>
-          <a:lstStyle/>
-          <a:p>
-            <a:r>
-              <a:rPr lang="en-US" dirty="0"/>
-              <a:t>20</a:t>
-            </a:r>
-          </a:p>
-        </p:txBody>
-      </p:sp>
-      <p:sp>
-        <p:nvSpPr>
-          <p:cNvPr id="12" name="TextBox 11">
-            <a:extLst>
-              <a:ext uri="{FF2B5EF4-FFF2-40B4-BE49-F238E27FC236}">
-                <a16:creationId xmlns:a16="http://schemas.microsoft.com/office/drawing/2014/main" id="{D663B4E8-5DC3-E2A0-1528-5DB5896BC659}"/>
-              </a:ext>
-            </a:extLst>
-          </p:cNvPr>
-          <p:cNvSpPr txBox="1"/>
-          <p:nvPr/>
-        </p:nvSpPr>
-        <p:spPr>
-          <a:xfrm>
-            <a:off x="7655583" y="4968733"/>
-            <a:ext cx="3013902" cy="369332"/>
-          </a:xfrm>
-          <a:prstGeom prst="rect">
-            <a:avLst/>
-          </a:prstGeom>
-          <a:noFill/>
-        </p:spPr>
-        <p:txBody>
-          <a:bodyPr wrap="none" rtlCol="0">
-            <a:spAutoFit/>
-          </a:bodyPr>
-          <a:lstStyle/>
-          <a:p>
-            <a:r>
-              <a:rPr lang="en-US" dirty="0"/>
-              <a:t>Top n clonotypes (normalized)</a:t>
-            </a:r>
-          </a:p>
-        </p:txBody>
-      </p:sp>
-    </p:spTree>
-    <p:extLst>
-      <p:ext uri="{BB962C8B-B14F-4D97-AF65-F5344CB8AC3E}">
-        <p14:creationId xmlns:p14="http://schemas.microsoft.com/office/powerpoint/2010/main" val="1218855552"/>
-      </p:ext>
-    </p:extLst>
-  </p:cSld>
-  <p:clrMapOvr>
-    <a:masterClrMapping/>
-  </p:clrMapOvr>
-</p:sld>
-</file>
-
-<file path=ppt/slides/slide11.xml><?xml version="1.0" encoding="utf-8"?>
-<p:sld xmlns:a="http://schemas.openxmlformats.org/drawingml/2006/main" xmlns:r="http://schemas.openxmlformats.org/officeDocument/2006/relationships" xmlns:p="http://schemas.openxmlformats.org/presentationml/2006/main">
-  <p:cSld>
-    <p:spTree>
-      <p:nvGrpSpPr>
-        <p:cNvPr id="1" name=""/>
-        <p:cNvGrpSpPr/>
-        <p:nvPr/>
-      </p:nvGrpSpPr>
-      <p:grpSpPr>
-        <a:xfrm>
-          <a:off x="0" y="0"/>
-          <a:ext cx="0" cy="0"/>
-          <a:chOff x="0" y="0"/>
-          <a:chExt cx="0" cy="0"/>
-        </a:xfrm>
-      </p:grpSpPr>
-      <p:sp>
-        <p:nvSpPr>
-          <p:cNvPr id="2" name="Title 1">
-            <a:extLst>
-              <a:ext uri="{FF2B5EF4-FFF2-40B4-BE49-F238E27FC236}">
-                <a16:creationId xmlns:a16="http://schemas.microsoft.com/office/drawing/2014/main" id="{70A4C97D-8F21-3D3B-6A90-EA7145324964}"/>
-              </a:ext>
-            </a:extLst>
-          </p:cNvPr>
-          <p:cNvSpPr>
-            <a:spLocks noGrp="1"/>
-          </p:cNvSpPr>
-          <p:nvPr>
-            <p:ph type="title"/>
-          </p:nvPr>
-        </p:nvSpPr>
-        <p:spPr>
-          <a:xfrm>
-            <a:off x="838200" y="593725"/>
-            <a:ext cx="10515600" cy="1325563"/>
-          </a:xfrm>
-        </p:spPr>
-        <p:txBody>
-          <a:bodyPr>
-            <a:normAutofit fontScale="90000"/>
-          </a:bodyPr>
-          <a:lstStyle/>
-          <a:p>
-            <a:r>
-              <a:rPr lang="en-US" dirty="0"/>
-              <a:t>Additional weak conclusion 2 from myocarditis dataset: highly expanded CD4 TCM TRB more germline-like in </a:t>
-            </a:r>
-            <a:r>
-              <a:rPr lang="en-US" dirty="0" err="1"/>
-              <a:t>irAE</a:t>
-            </a:r>
-            <a:r>
-              <a:rPr lang="en-US" dirty="0"/>
-              <a:t> patients</a:t>
-            </a:r>
-          </a:p>
-        </p:txBody>
-      </p:sp>
-      <p:pic>
-        <p:nvPicPr>
-          <p:cNvPr id="7" name="Picture 6">
-            <a:extLst>
-              <a:ext uri="{FF2B5EF4-FFF2-40B4-BE49-F238E27FC236}">
-                <a16:creationId xmlns:a16="http://schemas.microsoft.com/office/drawing/2014/main" id="{AA13BBE1-1F2E-1C86-3DBB-44FF80ADE88A}"/>
-              </a:ext>
-            </a:extLst>
-          </p:cNvPr>
-          <p:cNvPicPr>
-            <a:picLocks noChangeAspect="1"/>
-          </p:cNvPicPr>
-          <p:nvPr/>
-        </p:nvPicPr>
-        <p:blipFill>
-          <a:blip r:embed="rId3"/>
-          <a:stretch>
-            <a:fillRect/>
-          </a:stretch>
-        </p:blipFill>
-        <p:spPr>
-          <a:xfrm>
-            <a:off x="140678" y="2226479"/>
-            <a:ext cx="6253551" cy="3503762"/>
-          </a:xfrm>
-          <a:prstGeom prst="rect">
-            <a:avLst/>
-          </a:prstGeom>
-        </p:spPr>
-      </p:pic>
-      <p:sp>
-        <p:nvSpPr>
-          <p:cNvPr id="19" name="TextBox 18">
-            <a:extLst>
-              <a:ext uri="{FF2B5EF4-FFF2-40B4-BE49-F238E27FC236}">
-                <a16:creationId xmlns:a16="http://schemas.microsoft.com/office/drawing/2014/main" id="{64FE5E85-49E4-6F65-E9DE-AD82474B127E}"/>
-              </a:ext>
-            </a:extLst>
-          </p:cNvPr>
-          <p:cNvSpPr txBox="1"/>
-          <p:nvPr/>
-        </p:nvSpPr>
-        <p:spPr>
-          <a:xfrm>
-            <a:off x="1378252" y="2629306"/>
-            <a:ext cx="389588" cy="369332"/>
-          </a:xfrm>
-          <a:prstGeom prst="rect">
-            <a:avLst/>
-          </a:prstGeom>
-          <a:noFill/>
-        </p:spPr>
-        <p:txBody>
-          <a:bodyPr wrap="square" rtlCol="0">
-            <a:spAutoFit/>
-          </a:bodyPr>
-          <a:lstStyle/>
-          <a:p>
-            <a:r>
-              <a:rPr lang="en-US" dirty="0"/>
-              <a:t>* </a:t>
-            </a:r>
-          </a:p>
-        </p:txBody>
-      </p:sp>
-      <p:pic>
-        <p:nvPicPr>
-          <p:cNvPr id="3" name="Picture 2">
-            <a:extLst>
-              <a:ext uri="{FF2B5EF4-FFF2-40B4-BE49-F238E27FC236}">
-                <a16:creationId xmlns:a16="http://schemas.microsoft.com/office/drawing/2014/main" id="{195B8E52-4CEC-219D-AD57-6BE9A3BEEE10}"/>
-              </a:ext>
-            </a:extLst>
-          </p:cNvPr>
-          <p:cNvPicPr>
-            <a:picLocks noChangeAspect="1"/>
-          </p:cNvPicPr>
-          <p:nvPr/>
-        </p:nvPicPr>
-        <p:blipFill>
-          <a:blip r:embed="rId4"/>
-          <a:stretch>
-            <a:fillRect/>
-          </a:stretch>
-        </p:blipFill>
-        <p:spPr>
-          <a:xfrm>
-            <a:off x="6220444" y="2226479"/>
-            <a:ext cx="5971556" cy="3503762"/>
-          </a:xfrm>
-          <a:prstGeom prst="rect">
-            <a:avLst/>
-          </a:prstGeom>
-        </p:spPr>
-      </p:pic>
-      <p:sp>
-        <p:nvSpPr>
-          <p:cNvPr id="9" name="TextBox 8">
-            <a:extLst>
-              <a:ext uri="{FF2B5EF4-FFF2-40B4-BE49-F238E27FC236}">
-                <a16:creationId xmlns:a16="http://schemas.microsoft.com/office/drawing/2014/main" id="{43723566-79A3-1197-E932-3517E4A633BA}"/>
-              </a:ext>
-            </a:extLst>
-          </p:cNvPr>
-          <p:cNvSpPr txBox="1"/>
-          <p:nvPr/>
-        </p:nvSpPr>
-        <p:spPr>
-          <a:xfrm>
-            <a:off x="7928513" y="2813972"/>
-            <a:ext cx="595809" cy="369332"/>
-          </a:xfrm>
-          <a:prstGeom prst="rect">
-            <a:avLst/>
-          </a:prstGeom>
-          <a:noFill/>
-        </p:spPr>
-        <p:txBody>
-          <a:bodyPr wrap="square" rtlCol="0">
-            <a:spAutoFit/>
-          </a:bodyPr>
-          <a:lstStyle/>
-          <a:p>
-            <a:r>
-              <a:rPr lang="en-US" dirty="0"/>
-              <a:t>*</a:t>
-            </a:r>
-          </a:p>
-        </p:txBody>
-      </p:sp>
-      <p:sp>
-        <p:nvSpPr>
-          <p:cNvPr id="4" name="TextBox 3">
-            <a:extLst>
-              <a:ext uri="{FF2B5EF4-FFF2-40B4-BE49-F238E27FC236}">
-                <a16:creationId xmlns:a16="http://schemas.microsoft.com/office/drawing/2014/main" id="{5C7870BB-AF9B-7645-3D2E-187D0204E9FA}"/>
-              </a:ext>
-            </a:extLst>
-          </p:cNvPr>
-          <p:cNvSpPr txBox="1"/>
-          <p:nvPr/>
-        </p:nvSpPr>
-        <p:spPr>
-          <a:xfrm>
-            <a:off x="3483977" y="6483346"/>
-            <a:ext cx="4573688" cy="369332"/>
-          </a:xfrm>
-          <a:prstGeom prst="rect">
-            <a:avLst/>
-          </a:prstGeom>
-          <a:noFill/>
-        </p:spPr>
-        <p:txBody>
-          <a:bodyPr wrap="none" rtlCol="0">
-            <a:spAutoFit/>
-          </a:bodyPr>
-          <a:lstStyle/>
-          <a:p>
-            <a:r>
-              <a:rPr lang="en-US" dirty="0"/>
-              <a:t>Wilcoxon rank sum test.</a:t>
-            </a:r>
-            <a:r>
-              <a:rPr lang="en-US" dirty="0">
-                <a:latin typeface="Calibri" panose="020F0502020204030204" pitchFamily="34" charset="0"/>
-                <a:cs typeface="Times New Roman" panose="02020603050405020304" pitchFamily="18" charset="0"/>
-              </a:rPr>
-              <a:t> </a:t>
-            </a:r>
-            <a:r>
-              <a:rPr lang="en-US" sz="1800" dirty="0">
-                <a:effectLst/>
-                <a:latin typeface="Calibri" panose="020F0502020204030204" pitchFamily="34" charset="0"/>
-                <a:ea typeface="Calibri" panose="020F0502020204030204" pitchFamily="34" charset="0"/>
-                <a:cs typeface="Times New Roman" panose="02020603050405020304" pitchFamily="18" charset="0"/>
-              </a:rPr>
-              <a:t>**, p &lt;1e-2; *; p &lt;0.05</a:t>
-            </a:r>
-            <a:endParaRPr lang="en-US" b="0" i="0" u="none" strike="noStrike" dirty="0">
-              <a:solidFill>
-                <a:srgbClr val="212121"/>
-              </a:solidFill>
-              <a:effectLst/>
-              <a:latin typeface="Cambria" panose="02040503050406030204" pitchFamily="18" charset="0"/>
-            </a:endParaRPr>
-          </a:p>
-        </p:txBody>
-      </p:sp>
-      <p:sp>
-        <p:nvSpPr>
-          <p:cNvPr id="8" name="TextBox 7">
-            <a:extLst>
-              <a:ext uri="{FF2B5EF4-FFF2-40B4-BE49-F238E27FC236}">
-                <a16:creationId xmlns:a16="http://schemas.microsoft.com/office/drawing/2014/main" id="{0B293859-9A24-EB7C-04EF-1CA68F77CE57}"/>
-              </a:ext>
-            </a:extLst>
-          </p:cNvPr>
-          <p:cNvSpPr txBox="1"/>
-          <p:nvPr/>
-        </p:nvSpPr>
-        <p:spPr>
-          <a:xfrm>
-            <a:off x="7128846" y="5653361"/>
-            <a:ext cx="4421467" cy="369332"/>
-          </a:xfrm>
-          <a:prstGeom prst="rect">
-            <a:avLst/>
-          </a:prstGeom>
-          <a:noFill/>
-        </p:spPr>
-        <p:txBody>
-          <a:bodyPr wrap="none" rtlCol="0">
-            <a:spAutoFit/>
-          </a:bodyPr>
-          <a:lstStyle/>
-          <a:p>
-            <a:r>
-              <a:rPr lang="en-US" dirty="0"/>
-              <a:t>Not significant for top 5, 10, or 20 clonotypes</a:t>
-            </a:r>
-          </a:p>
-        </p:txBody>
-      </p:sp>
-      <p:sp>
-        <p:nvSpPr>
-          <p:cNvPr id="14" name="TextBox 13">
-            <a:extLst>
-              <a:ext uri="{FF2B5EF4-FFF2-40B4-BE49-F238E27FC236}">
-                <a16:creationId xmlns:a16="http://schemas.microsoft.com/office/drawing/2014/main" id="{0AC0ACB9-CC5A-DCB5-43C7-ADABB9D56CB4}"/>
-              </a:ext>
-            </a:extLst>
-          </p:cNvPr>
-          <p:cNvSpPr txBox="1"/>
-          <p:nvPr/>
-        </p:nvSpPr>
-        <p:spPr>
-          <a:xfrm>
-            <a:off x="1307970" y="5653361"/>
-            <a:ext cx="3644011" cy="369332"/>
-          </a:xfrm>
-          <a:prstGeom prst="rect">
-            <a:avLst/>
-          </a:prstGeom>
-          <a:noFill/>
-        </p:spPr>
-        <p:txBody>
-          <a:bodyPr wrap="none" rtlCol="0">
-            <a:spAutoFit/>
-          </a:bodyPr>
-          <a:lstStyle/>
-          <a:p>
-            <a:r>
-              <a:rPr lang="en-US" dirty="0"/>
-              <a:t>Also significant for top 20 clonotypes</a:t>
-            </a:r>
-          </a:p>
-        </p:txBody>
-      </p:sp>
-    </p:spTree>
-    <p:extLst>
-      <p:ext uri="{BB962C8B-B14F-4D97-AF65-F5344CB8AC3E}">
-        <p14:creationId xmlns:p14="http://schemas.microsoft.com/office/powerpoint/2010/main" val="3617837239"/>
-      </p:ext>
-    </p:extLst>
-  </p:cSld>
-  <p:clrMapOvr>
-    <a:masterClrMapping/>
-  </p:clrMapOvr>
-</p:sld>
-</file>
-
-<file path=ppt/slides/slide12.xml><?xml version="1.0" encoding="utf-8"?>
-<p:sld xmlns:a="http://schemas.openxmlformats.org/drawingml/2006/main" xmlns:r="http://schemas.openxmlformats.org/officeDocument/2006/relationships" xmlns:p="http://schemas.openxmlformats.org/presentationml/2006/main">
-  <p:cSld>
-    <p:spTree>
-      <p:nvGrpSpPr>
-        <p:cNvPr id="1" name=""/>
-        <p:cNvGrpSpPr/>
-        <p:nvPr/>
-      </p:nvGrpSpPr>
-      <p:grpSpPr>
-        <a:xfrm>
-          <a:off x="0" y="0"/>
-          <a:ext cx="0" cy="0"/>
-          <a:chOff x="0" y="0"/>
-          <a:chExt cx="0" cy="0"/>
-        </a:xfrm>
-      </p:grpSpPr>
-      <p:sp>
-        <p:nvSpPr>
-          <p:cNvPr id="2" name="Title 1">
-            <a:extLst>
-              <a:ext uri="{FF2B5EF4-FFF2-40B4-BE49-F238E27FC236}">
-                <a16:creationId xmlns:a16="http://schemas.microsoft.com/office/drawing/2014/main" id="{70A4C97D-8F21-3D3B-6A90-EA7145324964}"/>
-              </a:ext>
-            </a:extLst>
-          </p:cNvPr>
-          <p:cNvSpPr>
-            <a:spLocks noGrp="1"/>
-          </p:cNvSpPr>
-          <p:nvPr>
-            <p:ph type="title"/>
-          </p:nvPr>
-        </p:nvSpPr>
-        <p:spPr>
-          <a:xfrm>
-            <a:off x="838200" y="593725"/>
-            <a:ext cx="10515600" cy="1325563"/>
-          </a:xfrm>
-        </p:spPr>
-        <p:txBody>
-          <a:bodyPr>
-            <a:normAutofit/>
-          </a:bodyPr>
-          <a:lstStyle/>
-          <a:p>
-            <a:r>
-              <a:rPr lang="en-US" dirty="0"/>
-              <a:t>Additional weak conclusion 3 from myocarditis dataset: public Treg TRAs less germline-like in </a:t>
-            </a:r>
-            <a:r>
-              <a:rPr lang="en-US" dirty="0" err="1"/>
-              <a:t>irAE</a:t>
-            </a:r>
-            <a:r>
-              <a:rPr lang="en-US" dirty="0"/>
-              <a:t> patients</a:t>
-            </a:r>
-          </a:p>
-        </p:txBody>
-      </p:sp>
-      <p:pic>
-        <p:nvPicPr>
-          <p:cNvPr id="13" name="Picture 12">
-            <a:extLst>
-              <a:ext uri="{FF2B5EF4-FFF2-40B4-BE49-F238E27FC236}">
-                <a16:creationId xmlns:a16="http://schemas.microsoft.com/office/drawing/2014/main" id="{5A080777-538D-D95B-1DB0-551EA30800B6}"/>
-              </a:ext>
-            </a:extLst>
-          </p:cNvPr>
-          <p:cNvPicPr>
-            <a:picLocks noChangeAspect="1"/>
-          </p:cNvPicPr>
-          <p:nvPr/>
-        </p:nvPicPr>
-        <p:blipFill>
-          <a:blip r:embed="rId3"/>
-          <a:stretch>
-            <a:fillRect/>
-          </a:stretch>
-        </p:blipFill>
-        <p:spPr>
-          <a:xfrm>
-            <a:off x="54689" y="1944688"/>
-            <a:ext cx="6791145" cy="3979037"/>
-          </a:xfrm>
-          <a:prstGeom prst="rect">
-            <a:avLst/>
-          </a:prstGeom>
-        </p:spPr>
-      </p:pic>
-      <p:sp>
-        <p:nvSpPr>
-          <p:cNvPr id="14" name="TextBox 13">
-            <a:extLst>
-              <a:ext uri="{FF2B5EF4-FFF2-40B4-BE49-F238E27FC236}">
-                <a16:creationId xmlns:a16="http://schemas.microsoft.com/office/drawing/2014/main" id="{DB0972C3-3D9C-7A5F-1DB1-05D124E8546C}"/>
-              </a:ext>
-            </a:extLst>
-          </p:cNvPr>
-          <p:cNvSpPr txBox="1"/>
-          <p:nvPr/>
-        </p:nvSpPr>
-        <p:spPr>
-          <a:xfrm>
-            <a:off x="3846800" y="2478909"/>
-            <a:ext cx="674399" cy="369332"/>
-          </a:xfrm>
-          <a:prstGeom prst="rect">
-            <a:avLst/>
-          </a:prstGeom>
-          <a:noFill/>
-        </p:spPr>
-        <p:txBody>
-          <a:bodyPr wrap="square" rtlCol="0">
-            <a:spAutoFit/>
-          </a:bodyPr>
-          <a:lstStyle/>
-          <a:p>
-            <a:r>
-              <a:rPr lang="en-US" dirty="0"/>
-              <a:t>*</a:t>
-            </a:r>
-          </a:p>
-        </p:txBody>
-      </p:sp>
-      <p:pic>
-        <p:nvPicPr>
-          <p:cNvPr id="15" name="Picture 14">
-            <a:extLst>
-              <a:ext uri="{FF2B5EF4-FFF2-40B4-BE49-F238E27FC236}">
-                <a16:creationId xmlns:a16="http://schemas.microsoft.com/office/drawing/2014/main" id="{89CFB0E3-CA3E-CB57-4C59-ADF959DE7B3F}"/>
-              </a:ext>
-            </a:extLst>
-          </p:cNvPr>
-          <p:cNvPicPr>
-            <a:picLocks noChangeAspect="1"/>
-          </p:cNvPicPr>
-          <p:nvPr/>
-        </p:nvPicPr>
-        <p:blipFill>
-          <a:blip r:embed="rId4"/>
-          <a:stretch>
-            <a:fillRect/>
-          </a:stretch>
-        </p:blipFill>
-        <p:spPr>
-          <a:xfrm>
-            <a:off x="6185472" y="1944688"/>
-            <a:ext cx="6034860" cy="3553477"/>
-          </a:xfrm>
-          <a:prstGeom prst="rect">
-            <a:avLst/>
-          </a:prstGeom>
-        </p:spPr>
-      </p:pic>
-      <p:sp>
-        <p:nvSpPr>
-          <p:cNvPr id="3" name="TextBox 2">
-            <a:extLst>
-              <a:ext uri="{FF2B5EF4-FFF2-40B4-BE49-F238E27FC236}">
-                <a16:creationId xmlns:a16="http://schemas.microsoft.com/office/drawing/2014/main" id="{0ACF6FA3-AA2F-D5BE-CE32-768201ABADDA}"/>
-              </a:ext>
-            </a:extLst>
-          </p:cNvPr>
-          <p:cNvSpPr txBox="1"/>
-          <p:nvPr/>
-        </p:nvSpPr>
-        <p:spPr>
-          <a:xfrm>
-            <a:off x="3483977" y="6483346"/>
-            <a:ext cx="4573688" cy="369332"/>
-          </a:xfrm>
-          <a:prstGeom prst="rect">
-            <a:avLst/>
-          </a:prstGeom>
-          <a:noFill/>
-        </p:spPr>
-        <p:txBody>
-          <a:bodyPr wrap="none" rtlCol="0">
-            <a:spAutoFit/>
-          </a:bodyPr>
-          <a:lstStyle/>
-          <a:p>
-            <a:r>
-              <a:rPr lang="en-US" dirty="0"/>
-              <a:t>Wilcoxon rank sum test.</a:t>
-            </a:r>
-            <a:r>
-              <a:rPr lang="en-US" dirty="0">
-                <a:latin typeface="Calibri" panose="020F0502020204030204" pitchFamily="34" charset="0"/>
-                <a:cs typeface="Times New Roman" panose="02020603050405020304" pitchFamily="18" charset="0"/>
-              </a:rPr>
-              <a:t> </a:t>
-            </a:r>
-            <a:r>
-              <a:rPr lang="en-US" sz="1800" dirty="0">
-                <a:effectLst/>
-                <a:latin typeface="Calibri" panose="020F0502020204030204" pitchFamily="34" charset="0"/>
-                <a:ea typeface="Calibri" panose="020F0502020204030204" pitchFamily="34" charset="0"/>
-                <a:cs typeface="Times New Roman" panose="02020603050405020304" pitchFamily="18" charset="0"/>
-              </a:rPr>
-              <a:t>**, p &lt;1e-2; *; p &lt;0.05</a:t>
-            </a:r>
-            <a:endParaRPr lang="en-US" b="0" i="0" u="none" strike="noStrike" dirty="0">
-              <a:solidFill>
-                <a:srgbClr val="212121"/>
-              </a:solidFill>
-              <a:effectLst/>
-              <a:latin typeface="Cambria" panose="02040503050406030204" pitchFamily="18" charset="0"/>
-            </a:endParaRPr>
-          </a:p>
-        </p:txBody>
-      </p:sp>
-    </p:spTree>
-    <p:extLst>
-      <p:ext uri="{BB962C8B-B14F-4D97-AF65-F5344CB8AC3E}">
-        <p14:creationId xmlns:p14="http://schemas.microsoft.com/office/powerpoint/2010/main" val="1430622526"/>
-      </p:ext>
-    </p:extLst>
-  </p:cSld>
-  <p:clrMapOvr>
-    <a:masterClrMapping/>
-  </p:clrMapOvr>
-</p:sld>
-</file>
-
-<file path=ppt/slides/slide13.xml><?xml version="1.0" encoding="utf-8"?>
-<p:sld xmlns:a="http://schemas.openxmlformats.org/drawingml/2006/main" xmlns:r="http://schemas.openxmlformats.org/officeDocument/2006/relationships" xmlns:p="http://schemas.openxmlformats.org/presentationml/2006/main">
-  <p:cSld>
-    <p:spTree>
-      <p:nvGrpSpPr>
-        <p:cNvPr id="1" name=""/>
-        <p:cNvGrpSpPr/>
-        <p:nvPr/>
-      </p:nvGrpSpPr>
-      <p:grpSpPr>
-        <a:xfrm>
-          <a:off x="0" y="0"/>
-          <a:ext cx="0" cy="0"/>
-          <a:chOff x="0" y="0"/>
-          <a:chExt cx="0" cy="0"/>
-        </a:xfrm>
-      </p:grpSpPr>
-      <p:sp>
-        <p:nvSpPr>
-          <p:cNvPr id="2" name="Title 1">
-            <a:extLst>
-              <a:ext uri="{FF2B5EF4-FFF2-40B4-BE49-F238E27FC236}">
-                <a16:creationId xmlns:a16="http://schemas.microsoft.com/office/drawing/2014/main" id="{70A4C97D-8F21-3D3B-6A90-EA7145324964}"/>
-              </a:ext>
-            </a:extLst>
-          </p:cNvPr>
-          <p:cNvSpPr>
-            <a:spLocks noGrp="1"/>
-          </p:cNvSpPr>
-          <p:nvPr>
-            <p:ph type="title"/>
-          </p:nvPr>
-        </p:nvSpPr>
-        <p:spPr>
-          <a:xfrm>
-            <a:off x="838200" y="593725"/>
-            <a:ext cx="10515600" cy="1325563"/>
-          </a:xfrm>
-        </p:spPr>
-        <p:txBody>
-          <a:bodyPr>
-            <a:normAutofit fontScale="90000"/>
-          </a:bodyPr>
-          <a:lstStyle/>
-          <a:p>
-            <a:r>
-              <a:rPr lang="en-US" dirty="0"/>
-              <a:t>Additional super weak conclusion 1 from myocarditis dataset: highly expanded CD8 Naïve TRBs less germline-like in </a:t>
-            </a:r>
-            <a:r>
-              <a:rPr lang="en-US" dirty="0" err="1"/>
-              <a:t>irAE</a:t>
-            </a:r>
-            <a:r>
-              <a:rPr lang="en-US" dirty="0"/>
-              <a:t> patients</a:t>
-            </a:r>
-          </a:p>
-        </p:txBody>
-      </p:sp>
-      <p:pic>
-        <p:nvPicPr>
-          <p:cNvPr id="21" name="Picture 20">
-            <a:extLst>
-              <a:ext uri="{FF2B5EF4-FFF2-40B4-BE49-F238E27FC236}">
-                <a16:creationId xmlns:a16="http://schemas.microsoft.com/office/drawing/2014/main" id="{8ED9DADA-4E48-4BA5-2B94-7B3234667549}"/>
-              </a:ext>
-            </a:extLst>
-          </p:cNvPr>
-          <p:cNvPicPr>
-            <a:picLocks noChangeAspect="1"/>
-          </p:cNvPicPr>
-          <p:nvPr/>
-        </p:nvPicPr>
-        <p:blipFill>
-          <a:blip r:embed="rId3"/>
-          <a:stretch>
-            <a:fillRect/>
-          </a:stretch>
-        </p:blipFill>
-        <p:spPr>
-          <a:xfrm>
-            <a:off x="211423" y="2104276"/>
-            <a:ext cx="6124440" cy="3523293"/>
-          </a:xfrm>
-          <a:prstGeom prst="rect">
-            <a:avLst/>
-          </a:prstGeom>
-        </p:spPr>
-      </p:pic>
-      <p:sp>
-        <p:nvSpPr>
-          <p:cNvPr id="22" name="TextBox 21">
-            <a:extLst>
-              <a:ext uri="{FF2B5EF4-FFF2-40B4-BE49-F238E27FC236}">
-                <a16:creationId xmlns:a16="http://schemas.microsoft.com/office/drawing/2014/main" id="{FB933261-9B70-5795-4D85-5E2FBB60D324}"/>
-              </a:ext>
-            </a:extLst>
-          </p:cNvPr>
-          <p:cNvSpPr txBox="1"/>
-          <p:nvPr/>
-        </p:nvSpPr>
-        <p:spPr>
-          <a:xfrm>
-            <a:off x="1934725" y="2528037"/>
-            <a:ext cx="415498" cy="369332"/>
-          </a:xfrm>
-          <a:prstGeom prst="rect">
-            <a:avLst/>
-          </a:prstGeom>
-          <a:noFill/>
-        </p:spPr>
-        <p:txBody>
-          <a:bodyPr wrap="none" rtlCol="0">
-            <a:spAutoFit/>
-          </a:bodyPr>
-          <a:lstStyle/>
-          <a:p>
-            <a:r>
-              <a:rPr lang="en-US" dirty="0"/>
-              <a:t>**</a:t>
-            </a:r>
-          </a:p>
-        </p:txBody>
-      </p:sp>
-      <p:pic>
-        <p:nvPicPr>
-          <p:cNvPr id="24" name="Picture 23">
-            <a:extLst>
-              <a:ext uri="{FF2B5EF4-FFF2-40B4-BE49-F238E27FC236}">
-                <a16:creationId xmlns:a16="http://schemas.microsoft.com/office/drawing/2014/main" id="{6195BBD5-08DD-16AD-FAB1-129B3A23552C}"/>
-              </a:ext>
-            </a:extLst>
-          </p:cNvPr>
-          <p:cNvPicPr>
-            <a:picLocks noChangeAspect="1"/>
-          </p:cNvPicPr>
-          <p:nvPr/>
-        </p:nvPicPr>
-        <p:blipFill>
-          <a:blip r:embed="rId4"/>
-          <a:stretch>
-            <a:fillRect/>
-          </a:stretch>
-        </p:blipFill>
-        <p:spPr>
-          <a:xfrm>
-            <a:off x="5877207" y="2213884"/>
-            <a:ext cx="6330513" cy="3598673"/>
-          </a:xfrm>
-          <a:prstGeom prst="rect">
-            <a:avLst/>
-          </a:prstGeom>
-        </p:spPr>
-      </p:pic>
-      <p:sp>
-        <p:nvSpPr>
-          <p:cNvPr id="3" name="TextBox 2">
-            <a:extLst>
-              <a:ext uri="{FF2B5EF4-FFF2-40B4-BE49-F238E27FC236}">
-                <a16:creationId xmlns:a16="http://schemas.microsoft.com/office/drawing/2014/main" id="{B710E3F1-65C1-846E-8D4A-82F1005D4DA6}"/>
-              </a:ext>
-            </a:extLst>
-          </p:cNvPr>
-          <p:cNvSpPr txBox="1"/>
-          <p:nvPr/>
-        </p:nvSpPr>
-        <p:spPr>
-          <a:xfrm>
-            <a:off x="3483977" y="6483346"/>
-            <a:ext cx="4573688" cy="369332"/>
-          </a:xfrm>
-          <a:prstGeom prst="rect">
-            <a:avLst/>
-          </a:prstGeom>
-          <a:noFill/>
-        </p:spPr>
-        <p:txBody>
-          <a:bodyPr wrap="none" rtlCol="0">
-            <a:spAutoFit/>
-          </a:bodyPr>
-          <a:lstStyle/>
-          <a:p>
-            <a:r>
-              <a:rPr lang="en-US" dirty="0"/>
-              <a:t>Wilcoxon rank sum test.</a:t>
-            </a:r>
-            <a:r>
-              <a:rPr lang="en-US" dirty="0">
-                <a:latin typeface="Calibri" panose="020F0502020204030204" pitchFamily="34" charset="0"/>
-                <a:cs typeface="Times New Roman" panose="02020603050405020304" pitchFamily="18" charset="0"/>
-              </a:rPr>
-              <a:t> </a:t>
-            </a:r>
-            <a:r>
-              <a:rPr lang="en-US" sz="1800" dirty="0">
-                <a:effectLst/>
-                <a:latin typeface="Calibri" panose="020F0502020204030204" pitchFamily="34" charset="0"/>
-                <a:ea typeface="Calibri" panose="020F0502020204030204" pitchFamily="34" charset="0"/>
-                <a:cs typeface="Times New Roman" panose="02020603050405020304" pitchFamily="18" charset="0"/>
-              </a:rPr>
-              <a:t>**, p &lt;1e-2; *; p &lt;0.05</a:t>
-            </a:r>
-            <a:endParaRPr lang="en-US" b="0" i="0" u="none" strike="noStrike" dirty="0">
-              <a:solidFill>
-                <a:srgbClr val="212121"/>
-              </a:solidFill>
-              <a:effectLst/>
-              <a:latin typeface="Cambria" panose="02040503050406030204" pitchFamily="18" charset="0"/>
-            </a:endParaRPr>
-          </a:p>
-        </p:txBody>
-      </p:sp>
-      <p:sp>
-        <p:nvSpPr>
-          <p:cNvPr id="4" name="TextBox 3">
-            <a:extLst>
-              <a:ext uri="{FF2B5EF4-FFF2-40B4-BE49-F238E27FC236}">
-                <a16:creationId xmlns:a16="http://schemas.microsoft.com/office/drawing/2014/main" id="{39C33379-B800-6813-2835-ABC582A1A4BC}"/>
-              </a:ext>
-            </a:extLst>
-          </p:cNvPr>
-          <p:cNvSpPr txBox="1"/>
-          <p:nvPr/>
-        </p:nvSpPr>
-        <p:spPr>
-          <a:xfrm>
-            <a:off x="1190348" y="5501459"/>
-            <a:ext cx="4166590" cy="369332"/>
-          </a:xfrm>
-          <a:prstGeom prst="rect">
-            <a:avLst/>
-          </a:prstGeom>
-          <a:noFill/>
-        </p:spPr>
-        <p:txBody>
-          <a:bodyPr wrap="none" rtlCol="0">
-            <a:spAutoFit/>
-          </a:bodyPr>
-          <a:lstStyle/>
-          <a:p>
-            <a:r>
-              <a:rPr lang="en-US" dirty="0"/>
-              <a:t>Not significant for top 5, 10, 20 clonotypes</a:t>
-            </a:r>
-          </a:p>
-        </p:txBody>
-      </p:sp>
-    </p:spTree>
-    <p:extLst>
-      <p:ext uri="{BB962C8B-B14F-4D97-AF65-F5344CB8AC3E}">
-        <p14:creationId xmlns:p14="http://schemas.microsoft.com/office/powerpoint/2010/main" val="83269482"/>
-      </p:ext>
-    </p:extLst>
-  </p:cSld>
-  <p:clrMapOvr>
-    <a:masterClrMapping/>
-  </p:clrMapOvr>
-</p:sld>
-</file>
-
-<file path=ppt/slides/slide14.xml><?xml version="1.0" encoding="utf-8"?>
-<p:sld xmlns:a="http://schemas.openxmlformats.org/drawingml/2006/main" xmlns:r="http://schemas.openxmlformats.org/officeDocument/2006/relationships" xmlns:p="http://schemas.openxmlformats.org/presentationml/2006/main">
-  <p:cSld>
-    <p:spTree>
-      <p:nvGrpSpPr>
-        <p:cNvPr id="1" name=""/>
-        <p:cNvGrpSpPr/>
-        <p:nvPr/>
-      </p:nvGrpSpPr>
-      <p:grpSpPr>
-        <a:xfrm>
-          <a:off x="0" y="0"/>
-          <a:ext cx="0" cy="0"/>
-          <a:chOff x="0" y="0"/>
-          <a:chExt cx="0" cy="0"/>
-        </a:xfrm>
-      </p:grpSpPr>
-      <p:sp>
-        <p:nvSpPr>
-          <p:cNvPr id="2" name="Title 1">
-            <a:extLst>
-              <a:ext uri="{FF2B5EF4-FFF2-40B4-BE49-F238E27FC236}">
-                <a16:creationId xmlns:a16="http://schemas.microsoft.com/office/drawing/2014/main" id="{70A4C97D-8F21-3D3B-6A90-EA7145324964}"/>
-              </a:ext>
-            </a:extLst>
-          </p:cNvPr>
-          <p:cNvSpPr>
-            <a:spLocks noGrp="1"/>
-          </p:cNvSpPr>
-          <p:nvPr>
-            <p:ph type="title"/>
-          </p:nvPr>
-        </p:nvSpPr>
-        <p:spPr>
-          <a:xfrm>
-            <a:off x="838200" y="593725"/>
-            <a:ext cx="10515600" cy="1325563"/>
-          </a:xfrm>
-        </p:spPr>
-        <p:txBody>
-          <a:bodyPr>
-            <a:normAutofit fontScale="90000"/>
-          </a:bodyPr>
-          <a:lstStyle/>
-          <a:p>
-            <a:r>
-              <a:rPr lang="en-US" dirty="0"/>
-              <a:t>Additional super weak conclusion 2 from myocarditis dataset: highly expanded CD4 TEM TRAs less germline-like in </a:t>
-            </a:r>
-            <a:r>
-              <a:rPr lang="en-US" dirty="0" err="1"/>
-              <a:t>irAE</a:t>
-            </a:r>
-            <a:r>
-              <a:rPr lang="en-US" dirty="0"/>
-              <a:t> patients</a:t>
-            </a:r>
-          </a:p>
-        </p:txBody>
-      </p:sp>
-      <p:pic>
-        <p:nvPicPr>
-          <p:cNvPr id="10" name="Picture 9">
-            <a:extLst>
-              <a:ext uri="{FF2B5EF4-FFF2-40B4-BE49-F238E27FC236}">
-                <a16:creationId xmlns:a16="http://schemas.microsoft.com/office/drawing/2014/main" id="{53EEA28D-131A-ED5F-D1B8-B8A5BBBE9C67}"/>
-              </a:ext>
-            </a:extLst>
-          </p:cNvPr>
-          <p:cNvPicPr>
-            <a:picLocks noChangeAspect="1"/>
-          </p:cNvPicPr>
-          <p:nvPr/>
-        </p:nvPicPr>
-        <p:blipFill>
-          <a:blip r:embed="rId3"/>
-          <a:stretch>
-            <a:fillRect/>
-          </a:stretch>
-        </p:blipFill>
-        <p:spPr>
-          <a:xfrm>
-            <a:off x="0" y="2482411"/>
-            <a:ext cx="6271793" cy="3673738"/>
-          </a:xfrm>
-          <a:prstGeom prst="rect">
-            <a:avLst/>
-          </a:prstGeom>
-        </p:spPr>
-      </p:pic>
-      <p:sp>
-        <p:nvSpPr>
-          <p:cNvPr id="11" name="TextBox 10">
-            <a:extLst>
-              <a:ext uri="{FF2B5EF4-FFF2-40B4-BE49-F238E27FC236}">
-                <a16:creationId xmlns:a16="http://schemas.microsoft.com/office/drawing/2014/main" id="{F3A11341-32FE-0A8A-0B5E-40D7CFBF2A67}"/>
-              </a:ext>
-            </a:extLst>
-          </p:cNvPr>
-          <p:cNvSpPr txBox="1"/>
-          <p:nvPr/>
-        </p:nvSpPr>
-        <p:spPr>
-          <a:xfrm>
-            <a:off x="1795504" y="2900103"/>
-            <a:ext cx="683535" cy="369332"/>
-          </a:xfrm>
-          <a:prstGeom prst="rect">
-            <a:avLst/>
-          </a:prstGeom>
-          <a:noFill/>
-        </p:spPr>
-        <p:txBody>
-          <a:bodyPr wrap="square" rtlCol="0">
-            <a:spAutoFit/>
-          </a:bodyPr>
-          <a:lstStyle/>
-          <a:p>
-            <a:r>
-              <a:rPr lang="en-US" dirty="0"/>
-              <a:t>*</a:t>
-            </a:r>
-          </a:p>
-        </p:txBody>
-      </p:sp>
-      <p:pic>
-        <p:nvPicPr>
-          <p:cNvPr id="12" name="Picture 11">
-            <a:extLst>
-              <a:ext uri="{FF2B5EF4-FFF2-40B4-BE49-F238E27FC236}">
-                <a16:creationId xmlns:a16="http://schemas.microsoft.com/office/drawing/2014/main" id="{A6C5CDB3-6B3B-21B9-0146-C46995AE0150}"/>
-              </a:ext>
-            </a:extLst>
-          </p:cNvPr>
-          <p:cNvPicPr>
-            <a:picLocks noChangeAspect="1"/>
-          </p:cNvPicPr>
-          <p:nvPr/>
-        </p:nvPicPr>
-        <p:blipFill>
-          <a:blip r:embed="rId4"/>
-          <a:stretch>
-            <a:fillRect/>
-          </a:stretch>
-        </p:blipFill>
-        <p:spPr>
-          <a:xfrm>
-            <a:off x="6690583" y="2295413"/>
-            <a:ext cx="5501417" cy="3211093"/>
-          </a:xfrm>
-          <a:prstGeom prst="rect">
-            <a:avLst/>
-          </a:prstGeom>
-        </p:spPr>
-      </p:pic>
-      <p:sp>
-        <p:nvSpPr>
-          <p:cNvPr id="3" name="TextBox 2">
-            <a:extLst>
-              <a:ext uri="{FF2B5EF4-FFF2-40B4-BE49-F238E27FC236}">
-                <a16:creationId xmlns:a16="http://schemas.microsoft.com/office/drawing/2014/main" id="{DAB45A85-3D1D-DEC2-E20D-C0D63B7818CA}"/>
-              </a:ext>
-            </a:extLst>
-          </p:cNvPr>
-          <p:cNvSpPr txBox="1"/>
-          <p:nvPr/>
-        </p:nvSpPr>
-        <p:spPr>
-          <a:xfrm>
-            <a:off x="3483977" y="6483346"/>
-            <a:ext cx="4573688" cy="369332"/>
-          </a:xfrm>
-          <a:prstGeom prst="rect">
-            <a:avLst/>
-          </a:prstGeom>
-          <a:noFill/>
-        </p:spPr>
-        <p:txBody>
-          <a:bodyPr wrap="none" rtlCol="0">
-            <a:spAutoFit/>
-          </a:bodyPr>
-          <a:lstStyle/>
-          <a:p>
-            <a:r>
-              <a:rPr lang="en-US" dirty="0"/>
-              <a:t>Wilcoxon rank sum test.</a:t>
-            </a:r>
-            <a:r>
-              <a:rPr lang="en-US" dirty="0">
-                <a:latin typeface="Calibri" panose="020F0502020204030204" pitchFamily="34" charset="0"/>
-                <a:cs typeface="Times New Roman" panose="02020603050405020304" pitchFamily="18" charset="0"/>
-              </a:rPr>
-              <a:t> </a:t>
-            </a:r>
-            <a:r>
-              <a:rPr lang="en-US" sz="1800" dirty="0">
-                <a:effectLst/>
-                <a:latin typeface="Calibri" panose="020F0502020204030204" pitchFamily="34" charset="0"/>
-                <a:ea typeface="Calibri" panose="020F0502020204030204" pitchFamily="34" charset="0"/>
-                <a:cs typeface="Times New Roman" panose="02020603050405020304" pitchFamily="18" charset="0"/>
-              </a:rPr>
-              <a:t>**, p &lt;1e-2; *; p &lt;0.05</a:t>
-            </a:r>
-            <a:endParaRPr lang="en-US" b="0" i="0" u="none" strike="noStrike" dirty="0">
-              <a:solidFill>
-                <a:srgbClr val="212121"/>
-              </a:solidFill>
-              <a:effectLst/>
-              <a:latin typeface="Cambria" panose="02040503050406030204" pitchFamily="18" charset="0"/>
-            </a:endParaRPr>
-          </a:p>
-        </p:txBody>
-      </p:sp>
-      <p:sp>
-        <p:nvSpPr>
-          <p:cNvPr id="6" name="TextBox 5">
-            <a:extLst>
-              <a:ext uri="{FF2B5EF4-FFF2-40B4-BE49-F238E27FC236}">
-                <a16:creationId xmlns:a16="http://schemas.microsoft.com/office/drawing/2014/main" id="{E7F0355D-6A5F-783C-3EDF-05DB6E4DD773}"/>
-              </a:ext>
-            </a:extLst>
-          </p:cNvPr>
-          <p:cNvSpPr txBox="1"/>
-          <p:nvPr/>
-        </p:nvSpPr>
-        <p:spPr>
-          <a:xfrm>
-            <a:off x="1052601" y="5950416"/>
-            <a:ext cx="4166590" cy="369332"/>
-          </a:xfrm>
-          <a:prstGeom prst="rect">
-            <a:avLst/>
-          </a:prstGeom>
-          <a:noFill/>
-        </p:spPr>
-        <p:txBody>
-          <a:bodyPr wrap="none" rtlCol="0">
-            <a:spAutoFit/>
-          </a:bodyPr>
-          <a:lstStyle/>
-          <a:p>
-            <a:r>
-              <a:rPr lang="en-US" dirty="0"/>
-              <a:t>Not significant for top 5, 10, 20 clonotypes</a:t>
-            </a:r>
-          </a:p>
-        </p:txBody>
-      </p:sp>
-    </p:spTree>
-    <p:extLst>
-      <p:ext uri="{BB962C8B-B14F-4D97-AF65-F5344CB8AC3E}">
-        <p14:creationId xmlns:p14="http://schemas.microsoft.com/office/powerpoint/2010/main" val="3284446982"/>
-      </p:ext>
-    </p:extLst>
-  </p:cSld>
-  <p:clrMapOvr>
-    <a:masterClrMapping/>
-  </p:clrMapOvr>
-</p:sld>
-</file>
-
-<file path=ppt/slides/slide15.xml><?xml version="1.0" encoding="utf-8"?>
-<p:sld xmlns:a="http://schemas.openxmlformats.org/drawingml/2006/main" xmlns:r="http://schemas.openxmlformats.org/officeDocument/2006/relationships" xmlns:p="http://schemas.openxmlformats.org/presentationml/2006/main">
-  <p:cSld>
-    <p:spTree>
-      <p:nvGrpSpPr>
-        <p:cNvPr id="1" name=""/>
-        <p:cNvGrpSpPr/>
-        <p:nvPr/>
-      </p:nvGrpSpPr>
-      <p:grpSpPr>
-        <a:xfrm>
-          <a:off x="0" y="0"/>
-          <a:ext cx="0" cy="0"/>
-          <a:chOff x="0" y="0"/>
-          <a:chExt cx="0" cy="0"/>
-        </a:xfrm>
-      </p:grpSpPr>
-      <p:sp>
-        <p:nvSpPr>
-          <p:cNvPr id="2" name="Title 1">
-            <a:extLst>
-              <a:ext uri="{FF2B5EF4-FFF2-40B4-BE49-F238E27FC236}">
-                <a16:creationId xmlns:a16="http://schemas.microsoft.com/office/drawing/2014/main" id="{70A4C97D-8F21-3D3B-6A90-EA7145324964}"/>
-              </a:ext>
-            </a:extLst>
-          </p:cNvPr>
-          <p:cNvSpPr>
-            <a:spLocks noGrp="1"/>
-          </p:cNvSpPr>
-          <p:nvPr>
-            <p:ph type="title"/>
-          </p:nvPr>
-        </p:nvSpPr>
-        <p:spPr>
-          <a:xfrm>
-            <a:off x="838200" y="593725"/>
-            <a:ext cx="10515600" cy="1325563"/>
-          </a:xfrm>
-        </p:spPr>
-        <p:txBody>
-          <a:bodyPr>
-            <a:normAutofit fontScale="90000"/>
-          </a:bodyPr>
-          <a:lstStyle/>
-          <a:p>
-            <a:r>
-              <a:rPr lang="en-US" dirty="0"/>
-              <a:t>Additional super weak conclusion 3 from myocarditis dataset: highly expanded CD4 TCM TRAs less germline-like in </a:t>
-            </a:r>
-            <a:r>
-              <a:rPr lang="en-US" dirty="0" err="1"/>
-              <a:t>irAE</a:t>
-            </a:r>
-            <a:r>
-              <a:rPr lang="en-US" dirty="0"/>
-              <a:t> patients</a:t>
-            </a:r>
-          </a:p>
-        </p:txBody>
-      </p:sp>
-      <p:pic>
-        <p:nvPicPr>
-          <p:cNvPr id="4" name="Picture 3">
-            <a:extLst>
-              <a:ext uri="{FF2B5EF4-FFF2-40B4-BE49-F238E27FC236}">
-                <a16:creationId xmlns:a16="http://schemas.microsoft.com/office/drawing/2014/main" id="{CB0345FA-A8C3-8FB2-F846-0BE892530310}"/>
-              </a:ext>
-            </a:extLst>
-          </p:cNvPr>
-          <p:cNvPicPr>
-            <a:picLocks noChangeAspect="1"/>
-          </p:cNvPicPr>
-          <p:nvPr/>
-        </p:nvPicPr>
-        <p:blipFill>
-          <a:blip r:embed="rId3"/>
-          <a:stretch>
-            <a:fillRect/>
-          </a:stretch>
-        </p:blipFill>
-        <p:spPr>
-          <a:xfrm>
-            <a:off x="0" y="2482197"/>
-            <a:ext cx="5357431" cy="3015978"/>
-          </a:xfrm>
-          <a:prstGeom prst="rect">
-            <a:avLst/>
-          </a:prstGeom>
-        </p:spPr>
-      </p:pic>
-      <p:sp>
-        <p:nvSpPr>
-          <p:cNvPr id="5" name="TextBox 4">
-            <a:extLst>
-              <a:ext uri="{FF2B5EF4-FFF2-40B4-BE49-F238E27FC236}">
-                <a16:creationId xmlns:a16="http://schemas.microsoft.com/office/drawing/2014/main" id="{4FC1DBAB-4112-92CC-8453-666F98679938}"/>
-              </a:ext>
-            </a:extLst>
-          </p:cNvPr>
-          <p:cNvSpPr txBox="1"/>
-          <p:nvPr/>
-        </p:nvSpPr>
-        <p:spPr>
-          <a:xfrm>
-            <a:off x="1493520" y="2651728"/>
-            <a:ext cx="300082" cy="369332"/>
-          </a:xfrm>
-          <a:prstGeom prst="rect">
-            <a:avLst/>
-          </a:prstGeom>
-          <a:noFill/>
-        </p:spPr>
-        <p:txBody>
-          <a:bodyPr wrap="none" rtlCol="0">
-            <a:spAutoFit/>
-          </a:bodyPr>
-          <a:lstStyle/>
-          <a:p>
-            <a:r>
-              <a:rPr lang="en-US" dirty="0"/>
-              <a:t>*</a:t>
-            </a:r>
-          </a:p>
-        </p:txBody>
-      </p:sp>
-      <p:pic>
-        <p:nvPicPr>
-          <p:cNvPr id="6" name="Picture 5">
-            <a:extLst>
-              <a:ext uri="{FF2B5EF4-FFF2-40B4-BE49-F238E27FC236}">
-                <a16:creationId xmlns:a16="http://schemas.microsoft.com/office/drawing/2014/main" id="{72C5FA71-987C-D11A-FF0C-09FE4B7AF7D3}"/>
-              </a:ext>
-            </a:extLst>
-          </p:cNvPr>
-          <p:cNvPicPr>
-            <a:picLocks noChangeAspect="1"/>
-          </p:cNvPicPr>
-          <p:nvPr/>
-        </p:nvPicPr>
-        <p:blipFill>
-          <a:blip r:embed="rId4"/>
-          <a:stretch>
-            <a:fillRect/>
-          </a:stretch>
-        </p:blipFill>
-        <p:spPr>
-          <a:xfrm>
-            <a:off x="6138307" y="2364252"/>
-            <a:ext cx="5770657" cy="3367603"/>
-          </a:xfrm>
-          <a:prstGeom prst="rect">
-            <a:avLst/>
-          </a:prstGeom>
-        </p:spPr>
-      </p:pic>
-      <p:sp>
-        <p:nvSpPr>
-          <p:cNvPr id="3" name="TextBox 2">
-            <a:extLst>
-              <a:ext uri="{FF2B5EF4-FFF2-40B4-BE49-F238E27FC236}">
-                <a16:creationId xmlns:a16="http://schemas.microsoft.com/office/drawing/2014/main" id="{9CC0B7DE-843F-4F91-7B15-E95101715101}"/>
-              </a:ext>
-            </a:extLst>
-          </p:cNvPr>
-          <p:cNvSpPr txBox="1"/>
-          <p:nvPr/>
-        </p:nvSpPr>
-        <p:spPr>
-          <a:xfrm>
-            <a:off x="3483977" y="6483346"/>
-            <a:ext cx="4573688" cy="369332"/>
-          </a:xfrm>
-          <a:prstGeom prst="rect">
-            <a:avLst/>
-          </a:prstGeom>
-          <a:noFill/>
-        </p:spPr>
-        <p:txBody>
-          <a:bodyPr wrap="none" rtlCol="0">
-            <a:spAutoFit/>
-          </a:bodyPr>
-          <a:lstStyle/>
-          <a:p>
-            <a:r>
-              <a:rPr lang="en-US" dirty="0"/>
-              <a:t>Wilcoxon rank sum test.</a:t>
-            </a:r>
-            <a:r>
-              <a:rPr lang="en-US" dirty="0">
-                <a:latin typeface="Calibri" panose="020F0502020204030204" pitchFamily="34" charset="0"/>
-                <a:cs typeface="Times New Roman" panose="02020603050405020304" pitchFamily="18" charset="0"/>
-              </a:rPr>
-              <a:t> </a:t>
-            </a:r>
-            <a:r>
-              <a:rPr lang="en-US" sz="1800" dirty="0">
-                <a:effectLst/>
-                <a:latin typeface="Calibri" panose="020F0502020204030204" pitchFamily="34" charset="0"/>
-                <a:ea typeface="Calibri" panose="020F0502020204030204" pitchFamily="34" charset="0"/>
-                <a:cs typeface="Times New Roman" panose="02020603050405020304" pitchFamily="18" charset="0"/>
-              </a:rPr>
-              <a:t>**, p &lt;1e-2; *; p &lt;0.05</a:t>
-            </a:r>
-            <a:endParaRPr lang="en-US" b="0" i="0" u="none" strike="noStrike" dirty="0">
-              <a:solidFill>
-                <a:srgbClr val="212121"/>
-              </a:solidFill>
-              <a:effectLst/>
-              <a:latin typeface="Cambria" panose="02040503050406030204" pitchFamily="18" charset="0"/>
-            </a:endParaRPr>
-          </a:p>
-        </p:txBody>
-      </p:sp>
-      <p:sp>
-        <p:nvSpPr>
-          <p:cNvPr id="9" name="TextBox 8">
-            <a:extLst>
-              <a:ext uri="{FF2B5EF4-FFF2-40B4-BE49-F238E27FC236}">
-                <a16:creationId xmlns:a16="http://schemas.microsoft.com/office/drawing/2014/main" id="{F847260B-E3B7-F10E-1FC0-B81360439B0A}"/>
-              </a:ext>
-            </a:extLst>
-          </p:cNvPr>
-          <p:cNvSpPr txBox="1"/>
-          <p:nvPr/>
-        </p:nvSpPr>
-        <p:spPr>
-          <a:xfrm>
-            <a:off x="731520" y="5621428"/>
-            <a:ext cx="4166590" cy="369332"/>
-          </a:xfrm>
-          <a:prstGeom prst="rect">
-            <a:avLst/>
-          </a:prstGeom>
-          <a:noFill/>
-        </p:spPr>
-        <p:txBody>
-          <a:bodyPr wrap="none" rtlCol="0">
-            <a:spAutoFit/>
-          </a:bodyPr>
-          <a:lstStyle/>
-          <a:p>
-            <a:r>
-              <a:rPr lang="en-US" dirty="0"/>
-              <a:t>Not significant for top 5, 10, 20 clonotypes</a:t>
-            </a:r>
-          </a:p>
-        </p:txBody>
-      </p:sp>
-    </p:spTree>
-    <p:extLst>
-      <p:ext uri="{BB962C8B-B14F-4D97-AF65-F5344CB8AC3E}">
-        <p14:creationId xmlns:p14="http://schemas.microsoft.com/office/powerpoint/2010/main" val="778138977"/>
-      </p:ext>
-    </p:extLst>
-  </p:cSld>
-  <p:clrMapOvr>
-    <a:masterClrMapping/>
-  </p:clrMapOvr>
-</p:sld>
-</file>
-
-<file path=ppt/slides/slide16.xml><?xml version="1.0" encoding="utf-8"?>
-<p:sld xmlns:a="http://schemas.openxmlformats.org/drawingml/2006/main" xmlns:r="http://schemas.openxmlformats.org/officeDocument/2006/relationships" xmlns:p="http://schemas.openxmlformats.org/presentationml/2006/main">
-  <p:cSld>
-    <p:spTree>
-      <p:nvGrpSpPr>
-        <p:cNvPr id="1" name=""/>
-        <p:cNvGrpSpPr/>
-        <p:nvPr/>
-      </p:nvGrpSpPr>
-      <p:grpSpPr>
-        <a:xfrm>
-          <a:off x="0" y="0"/>
-          <a:ext cx="0" cy="0"/>
-          <a:chOff x="0" y="0"/>
-          <a:chExt cx="0" cy="0"/>
-        </a:xfrm>
-      </p:grpSpPr>
-      <p:sp>
-        <p:nvSpPr>
-          <p:cNvPr id="2" name="Title 1">
-            <a:extLst>
-              <a:ext uri="{FF2B5EF4-FFF2-40B4-BE49-F238E27FC236}">
-                <a16:creationId xmlns:a16="http://schemas.microsoft.com/office/drawing/2014/main" id="{70A4C97D-8F21-3D3B-6A90-EA7145324964}"/>
-              </a:ext>
-            </a:extLst>
-          </p:cNvPr>
-          <p:cNvSpPr>
-            <a:spLocks noGrp="1"/>
-          </p:cNvSpPr>
-          <p:nvPr>
-            <p:ph type="title"/>
-          </p:nvPr>
-        </p:nvSpPr>
-        <p:spPr>
-          <a:xfrm>
-            <a:off x="838200" y="593725"/>
-            <a:ext cx="10515600" cy="1325563"/>
-          </a:xfrm>
-        </p:spPr>
-        <p:txBody>
-          <a:bodyPr>
-            <a:normAutofit/>
-          </a:bodyPr>
-          <a:lstStyle/>
-          <a:p>
-            <a:r>
-              <a:rPr lang="en-US"/>
-              <a:t>Weak conclusion </a:t>
-            </a:r>
-            <a:r>
-              <a:rPr lang="en-US" dirty="0"/>
-              <a:t>1</a:t>
-            </a:r>
-            <a:r>
-              <a:rPr lang="en-US"/>
-              <a:t> </a:t>
-            </a:r>
-            <a:r>
-              <a:rPr lang="en-US" dirty="0"/>
-              <a:t>from colitis dataset (seen last week):</a:t>
-            </a:r>
-          </a:p>
-        </p:txBody>
-      </p:sp>
-      <p:sp>
-        <p:nvSpPr>
-          <p:cNvPr id="3" name="TextBox 2">
-            <a:extLst>
-              <a:ext uri="{FF2B5EF4-FFF2-40B4-BE49-F238E27FC236}">
-                <a16:creationId xmlns:a16="http://schemas.microsoft.com/office/drawing/2014/main" id="{9CC0B7DE-843F-4F91-7B15-E95101715101}"/>
-              </a:ext>
-            </a:extLst>
-          </p:cNvPr>
-          <p:cNvSpPr txBox="1"/>
-          <p:nvPr/>
-        </p:nvSpPr>
-        <p:spPr>
-          <a:xfrm>
-            <a:off x="3483977" y="6483346"/>
-            <a:ext cx="4573688" cy="369332"/>
-          </a:xfrm>
-          <a:prstGeom prst="rect">
-            <a:avLst/>
-          </a:prstGeom>
-          <a:noFill/>
-        </p:spPr>
-        <p:txBody>
-          <a:bodyPr wrap="none" rtlCol="0">
-            <a:spAutoFit/>
-          </a:bodyPr>
-          <a:lstStyle/>
-          <a:p>
-            <a:r>
-              <a:rPr lang="en-US" dirty="0"/>
-              <a:t>Wilcoxon rank sum test.</a:t>
-            </a:r>
-            <a:r>
-              <a:rPr lang="en-US" dirty="0">
-                <a:latin typeface="Calibri" panose="020F0502020204030204" pitchFamily="34" charset="0"/>
-                <a:cs typeface="Times New Roman" panose="02020603050405020304" pitchFamily="18" charset="0"/>
-              </a:rPr>
-              <a:t> </a:t>
-            </a:r>
-            <a:r>
-              <a:rPr lang="en-US" sz="1800" dirty="0">
-                <a:effectLst/>
-                <a:latin typeface="Calibri" panose="020F0502020204030204" pitchFamily="34" charset="0"/>
-                <a:ea typeface="Calibri" panose="020F0502020204030204" pitchFamily="34" charset="0"/>
-                <a:cs typeface="Times New Roman" panose="02020603050405020304" pitchFamily="18" charset="0"/>
-              </a:rPr>
-              <a:t>**, p &lt;1e-2; *; p &lt;0.05</a:t>
-            </a:r>
-            <a:endParaRPr lang="en-US" b="0" i="0" u="none" strike="noStrike" dirty="0">
-              <a:solidFill>
-                <a:srgbClr val="212121"/>
-              </a:solidFill>
-              <a:effectLst/>
-              <a:latin typeface="Cambria" panose="02040503050406030204" pitchFamily="18" charset="0"/>
-            </a:endParaRPr>
-          </a:p>
-        </p:txBody>
-      </p:sp>
-      <p:pic>
-        <p:nvPicPr>
-          <p:cNvPr id="5" name="Picture 4">
-            <a:extLst>
-              <a:ext uri="{FF2B5EF4-FFF2-40B4-BE49-F238E27FC236}">
-                <a16:creationId xmlns:a16="http://schemas.microsoft.com/office/drawing/2014/main" id="{0FAF4098-EA3F-8047-A14D-0DB653ECA8CD}"/>
-              </a:ext>
-            </a:extLst>
-          </p:cNvPr>
-          <p:cNvPicPr>
-            <a:picLocks noChangeAspect="1"/>
-          </p:cNvPicPr>
-          <p:nvPr/>
-        </p:nvPicPr>
-        <p:blipFill>
-          <a:blip r:embed="rId3"/>
-          <a:stretch>
-            <a:fillRect/>
-          </a:stretch>
-        </p:blipFill>
-        <p:spPr>
-          <a:xfrm>
-            <a:off x="2209800" y="1663621"/>
-            <a:ext cx="7025640" cy="3950678"/>
-          </a:xfrm>
-          <a:prstGeom prst="rect">
-            <a:avLst/>
-          </a:prstGeom>
-        </p:spPr>
-      </p:pic>
-      <p:sp>
-        <p:nvSpPr>
-          <p:cNvPr id="6" name="TextBox 5">
-            <a:extLst>
-              <a:ext uri="{FF2B5EF4-FFF2-40B4-BE49-F238E27FC236}">
-                <a16:creationId xmlns:a16="http://schemas.microsoft.com/office/drawing/2014/main" id="{2AD06CAF-DA31-938F-C215-BD840618A111}"/>
-              </a:ext>
-            </a:extLst>
-          </p:cNvPr>
-          <p:cNvSpPr txBox="1"/>
-          <p:nvPr/>
-        </p:nvSpPr>
-        <p:spPr>
-          <a:xfrm>
-            <a:off x="4084320" y="5494824"/>
-            <a:ext cx="2804679" cy="369332"/>
-          </a:xfrm>
-          <a:prstGeom prst="rect">
-            <a:avLst/>
-          </a:prstGeom>
-          <a:noFill/>
-        </p:spPr>
-        <p:txBody>
-          <a:bodyPr wrap="none" rtlCol="0">
-            <a:spAutoFit/>
-          </a:bodyPr>
-          <a:lstStyle/>
-          <a:p>
-            <a:r>
-              <a:rPr lang="en-US" dirty="0"/>
-              <a:t>Label wrong not normalized</a:t>
-            </a:r>
-          </a:p>
-        </p:txBody>
-      </p:sp>
-      <p:sp>
-        <p:nvSpPr>
-          <p:cNvPr id="7" name="TextBox 6">
-            <a:extLst>
-              <a:ext uri="{FF2B5EF4-FFF2-40B4-BE49-F238E27FC236}">
-                <a16:creationId xmlns:a16="http://schemas.microsoft.com/office/drawing/2014/main" id="{A7A97028-62D0-E4A6-8B67-1495CFF0B258}"/>
-              </a:ext>
-            </a:extLst>
-          </p:cNvPr>
-          <p:cNvSpPr txBox="1"/>
-          <p:nvPr/>
-        </p:nvSpPr>
-        <p:spPr>
-          <a:xfrm>
-            <a:off x="7082039" y="2146989"/>
-            <a:ext cx="885576" cy="369332"/>
-          </a:xfrm>
-          <a:prstGeom prst="rect">
-            <a:avLst/>
-          </a:prstGeom>
-          <a:noFill/>
-        </p:spPr>
-        <p:txBody>
-          <a:bodyPr wrap="square" rtlCol="0">
-            <a:spAutoFit/>
-          </a:bodyPr>
-          <a:lstStyle/>
-          <a:p>
-            <a:r>
-              <a:rPr lang="en-US" dirty="0"/>
-              <a:t>*</a:t>
-            </a:r>
-          </a:p>
-        </p:txBody>
-      </p:sp>
-    </p:spTree>
-    <p:extLst>
-      <p:ext uri="{BB962C8B-B14F-4D97-AF65-F5344CB8AC3E}">
-        <p14:creationId xmlns:p14="http://schemas.microsoft.com/office/powerpoint/2010/main" val="3033499721"/>
-      </p:ext>
-    </p:extLst>
-  </p:cSld>
-  <p:clrMapOvr>
-    <a:masterClrMapping/>
-  </p:clrMapOvr>
-</p:sld>
-</file>
-
-<file path=ppt/slides/slide17.xml><?xml version="1.0" encoding="utf-8"?>
-<p:sld xmlns:a="http://schemas.openxmlformats.org/drawingml/2006/main" xmlns:r="http://schemas.openxmlformats.org/officeDocument/2006/relationships" xmlns:p="http://schemas.openxmlformats.org/presentationml/2006/main">
-  <p:cSld>
-    <p:spTree>
-      <p:nvGrpSpPr>
-        <p:cNvPr id="1" name=""/>
-        <p:cNvGrpSpPr/>
-        <p:nvPr/>
-      </p:nvGrpSpPr>
-      <p:grpSpPr>
-        <a:xfrm>
-          <a:off x="0" y="0"/>
-          <a:ext cx="0" cy="0"/>
-          <a:chOff x="0" y="0"/>
-          <a:chExt cx="0" cy="0"/>
-        </a:xfrm>
-      </p:grpSpPr>
-      <p:sp>
-        <p:nvSpPr>
-          <p:cNvPr id="2" name="Title 1">
-            <a:extLst>
-              <a:ext uri="{FF2B5EF4-FFF2-40B4-BE49-F238E27FC236}">
-                <a16:creationId xmlns:a16="http://schemas.microsoft.com/office/drawing/2014/main" id="{70A4C97D-8F21-3D3B-6A90-EA7145324964}"/>
-              </a:ext>
-            </a:extLst>
-          </p:cNvPr>
-          <p:cNvSpPr>
-            <a:spLocks noGrp="1"/>
-          </p:cNvSpPr>
-          <p:nvPr>
-            <p:ph type="title"/>
-          </p:nvPr>
-        </p:nvSpPr>
-        <p:spPr>
-          <a:xfrm>
-            <a:off x="838200" y="593725"/>
-            <a:ext cx="10515600" cy="1325563"/>
-          </a:xfrm>
-        </p:spPr>
-        <p:txBody>
-          <a:bodyPr>
-            <a:normAutofit fontScale="90000"/>
-          </a:bodyPr>
-          <a:lstStyle/>
-          <a:p>
-            <a:r>
-              <a:rPr lang="en-US" dirty="0"/>
-              <a:t>Additional weak conclusion 1 from colitis dataset: highly expanded CD8 TCM TRBs less germline-like in colitis patients</a:t>
-            </a:r>
-          </a:p>
-        </p:txBody>
-      </p:sp>
-      <p:sp>
-        <p:nvSpPr>
-          <p:cNvPr id="3" name="TextBox 2">
-            <a:extLst>
-              <a:ext uri="{FF2B5EF4-FFF2-40B4-BE49-F238E27FC236}">
-                <a16:creationId xmlns:a16="http://schemas.microsoft.com/office/drawing/2014/main" id="{9CC0B7DE-843F-4F91-7B15-E95101715101}"/>
-              </a:ext>
-            </a:extLst>
-          </p:cNvPr>
-          <p:cNvSpPr txBox="1"/>
-          <p:nvPr/>
-        </p:nvSpPr>
-        <p:spPr>
-          <a:xfrm>
-            <a:off x="3483977" y="6483346"/>
-            <a:ext cx="4573688" cy="369332"/>
-          </a:xfrm>
-          <a:prstGeom prst="rect">
-            <a:avLst/>
-          </a:prstGeom>
-          <a:noFill/>
-        </p:spPr>
-        <p:txBody>
-          <a:bodyPr wrap="none" rtlCol="0">
-            <a:spAutoFit/>
-          </a:bodyPr>
-          <a:lstStyle/>
-          <a:p>
-            <a:r>
-              <a:rPr lang="en-US" dirty="0"/>
-              <a:t>Wilcoxon rank sum test.</a:t>
-            </a:r>
-            <a:r>
-              <a:rPr lang="en-US" dirty="0">
-                <a:latin typeface="Calibri" panose="020F0502020204030204" pitchFamily="34" charset="0"/>
-                <a:cs typeface="Times New Roman" panose="02020603050405020304" pitchFamily="18" charset="0"/>
-              </a:rPr>
-              <a:t> </a:t>
-            </a:r>
-            <a:r>
-              <a:rPr lang="en-US" sz="1800" dirty="0">
-                <a:effectLst/>
-                <a:latin typeface="Calibri" panose="020F0502020204030204" pitchFamily="34" charset="0"/>
-                <a:ea typeface="Calibri" panose="020F0502020204030204" pitchFamily="34" charset="0"/>
-                <a:cs typeface="Times New Roman" panose="02020603050405020304" pitchFamily="18" charset="0"/>
-              </a:rPr>
-              <a:t>**, p &lt;1e-2; *; p &lt;0.05</a:t>
-            </a:r>
-            <a:endParaRPr lang="en-US" b="0" i="0" u="none" strike="noStrike" dirty="0">
-              <a:solidFill>
-                <a:srgbClr val="212121"/>
-              </a:solidFill>
-              <a:effectLst/>
-              <a:latin typeface="Cambria" panose="02040503050406030204" pitchFamily="18" charset="0"/>
-            </a:endParaRPr>
-          </a:p>
-        </p:txBody>
-      </p:sp>
-      <p:pic>
-        <p:nvPicPr>
-          <p:cNvPr id="10" name="Picture 9">
-            <a:extLst>
-              <a:ext uri="{FF2B5EF4-FFF2-40B4-BE49-F238E27FC236}">
-                <a16:creationId xmlns:a16="http://schemas.microsoft.com/office/drawing/2014/main" id="{DCD7A14F-5A6D-D412-BC2D-00D49F736035}"/>
-              </a:ext>
-            </a:extLst>
-          </p:cNvPr>
-          <p:cNvPicPr>
-            <a:picLocks noChangeAspect="1"/>
-          </p:cNvPicPr>
-          <p:nvPr/>
-        </p:nvPicPr>
-        <p:blipFill>
-          <a:blip r:embed="rId3"/>
-          <a:stretch>
-            <a:fillRect/>
-          </a:stretch>
-        </p:blipFill>
-        <p:spPr>
-          <a:xfrm>
-            <a:off x="137160" y="2611120"/>
-            <a:ext cx="5166875" cy="3012797"/>
-          </a:xfrm>
-          <a:prstGeom prst="rect">
-            <a:avLst/>
-          </a:prstGeom>
-        </p:spPr>
-      </p:pic>
-      <p:pic>
-        <p:nvPicPr>
-          <p:cNvPr id="11" name="Picture 10">
-            <a:extLst>
-              <a:ext uri="{FF2B5EF4-FFF2-40B4-BE49-F238E27FC236}">
-                <a16:creationId xmlns:a16="http://schemas.microsoft.com/office/drawing/2014/main" id="{5D322030-C8D2-4436-B13C-9B720F6FC9D3}"/>
-              </a:ext>
-            </a:extLst>
-          </p:cNvPr>
-          <p:cNvPicPr>
-            <a:picLocks noChangeAspect="1"/>
-          </p:cNvPicPr>
-          <p:nvPr/>
-        </p:nvPicPr>
-        <p:blipFill>
-          <a:blip r:embed="rId4"/>
-          <a:stretch>
-            <a:fillRect/>
-          </a:stretch>
-        </p:blipFill>
-        <p:spPr>
-          <a:xfrm>
-            <a:off x="6096000" y="2285999"/>
-            <a:ext cx="5427931" cy="3165649"/>
-          </a:xfrm>
-          <a:prstGeom prst="rect">
-            <a:avLst/>
-          </a:prstGeom>
-        </p:spPr>
-      </p:pic>
-      <p:sp>
-        <p:nvSpPr>
-          <p:cNvPr id="12" name="TextBox 11">
-            <a:extLst>
-              <a:ext uri="{FF2B5EF4-FFF2-40B4-BE49-F238E27FC236}">
-                <a16:creationId xmlns:a16="http://schemas.microsoft.com/office/drawing/2014/main" id="{30D60984-4D87-31FB-0C01-891AB3173D52}"/>
-              </a:ext>
-            </a:extLst>
-          </p:cNvPr>
-          <p:cNvSpPr txBox="1"/>
-          <p:nvPr/>
-        </p:nvSpPr>
-        <p:spPr>
-          <a:xfrm>
-            <a:off x="1117600" y="2865088"/>
-            <a:ext cx="589280" cy="369332"/>
-          </a:xfrm>
-          <a:prstGeom prst="rect">
-            <a:avLst/>
-          </a:prstGeom>
-          <a:noFill/>
-        </p:spPr>
-        <p:txBody>
-          <a:bodyPr wrap="square" rtlCol="0">
-            <a:spAutoFit/>
-          </a:bodyPr>
-          <a:lstStyle/>
-          <a:p>
-            <a:r>
-              <a:rPr lang="en-US" dirty="0"/>
-              <a:t>*</a:t>
-            </a:r>
-          </a:p>
-        </p:txBody>
-      </p:sp>
-      <p:sp>
-        <p:nvSpPr>
-          <p:cNvPr id="4" name="TextBox 3">
-            <a:extLst>
-              <a:ext uri="{FF2B5EF4-FFF2-40B4-BE49-F238E27FC236}">
-                <a16:creationId xmlns:a16="http://schemas.microsoft.com/office/drawing/2014/main" id="{9BC7556D-DC34-2EB8-EF24-7639E7CC1E0B}"/>
-              </a:ext>
-            </a:extLst>
-          </p:cNvPr>
-          <p:cNvSpPr txBox="1"/>
-          <p:nvPr/>
-        </p:nvSpPr>
-        <p:spPr>
-          <a:xfrm>
-            <a:off x="731520" y="5499633"/>
-            <a:ext cx="4166590" cy="369332"/>
-          </a:xfrm>
-          <a:prstGeom prst="rect">
-            <a:avLst/>
-          </a:prstGeom>
-          <a:noFill/>
-        </p:spPr>
-        <p:txBody>
-          <a:bodyPr wrap="none" rtlCol="0">
-            <a:spAutoFit/>
-          </a:bodyPr>
-          <a:lstStyle/>
-          <a:p>
-            <a:r>
-              <a:rPr lang="en-US" dirty="0"/>
-              <a:t>Not significant for top 5, 10, 20 clonotypes</a:t>
-            </a:r>
-          </a:p>
-        </p:txBody>
-      </p:sp>
-    </p:spTree>
-    <p:extLst>
-      <p:ext uri="{BB962C8B-B14F-4D97-AF65-F5344CB8AC3E}">
-        <p14:creationId xmlns:p14="http://schemas.microsoft.com/office/powerpoint/2010/main" val="1684791587"/>
-      </p:ext>
-    </p:extLst>
-  </p:cSld>
-  <p:clrMapOvr>
-    <a:masterClrMapping/>
-  </p:clrMapOvr>
-</p:sld>
-</file>
-
-<file path=ppt/slides/slide18.xml><?xml version="1.0" encoding="utf-8"?>
-<p:sld xmlns:a="http://schemas.openxmlformats.org/drawingml/2006/main" xmlns:r="http://schemas.openxmlformats.org/officeDocument/2006/relationships" xmlns:p="http://schemas.openxmlformats.org/presentationml/2006/main">
-  <p:cSld>
-    <p:spTree>
-      <p:nvGrpSpPr>
-        <p:cNvPr id="1" name=""/>
-        <p:cNvGrpSpPr/>
-        <p:nvPr/>
-      </p:nvGrpSpPr>
-      <p:grpSpPr>
-        <a:xfrm>
-          <a:off x="0" y="0"/>
-          <a:ext cx="0" cy="0"/>
-          <a:chOff x="0" y="0"/>
-          <a:chExt cx="0" cy="0"/>
-        </a:xfrm>
-      </p:grpSpPr>
-      <p:sp>
-        <p:nvSpPr>
-          <p:cNvPr id="2" name="Title 1">
-            <a:extLst>
-              <a:ext uri="{FF2B5EF4-FFF2-40B4-BE49-F238E27FC236}">
-                <a16:creationId xmlns:a16="http://schemas.microsoft.com/office/drawing/2014/main" id="{70A4C97D-8F21-3D3B-6A90-EA7145324964}"/>
-              </a:ext>
-            </a:extLst>
-          </p:cNvPr>
-          <p:cNvSpPr>
-            <a:spLocks noGrp="1"/>
-          </p:cNvSpPr>
-          <p:nvPr>
-            <p:ph type="title"/>
-          </p:nvPr>
-        </p:nvSpPr>
-        <p:spPr>
-          <a:xfrm>
-            <a:off x="838200" y="593725"/>
-            <a:ext cx="10515600" cy="1325563"/>
-          </a:xfrm>
-        </p:spPr>
-        <p:txBody>
-          <a:bodyPr>
-            <a:normAutofit/>
-          </a:bodyPr>
-          <a:lstStyle/>
-          <a:p>
-            <a:r>
-              <a:rPr lang="en-US" dirty="0"/>
-              <a:t>Additional weak conclusion 2 from colitis dataset: highly expanded Treg TRA CDR3s longer in </a:t>
-            </a:r>
-            <a:r>
-              <a:rPr lang="en-US" dirty="0" err="1"/>
-              <a:t>irAE</a:t>
-            </a:r>
-            <a:r>
-              <a:rPr lang="en-US" dirty="0"/>
-              <a:t> patients</a:t>
-            </a:r>
-          </a:p>
-        </p:txBody>
-      </p:sp>
-      <p:sp>
-        <p:nvSpPr>
-          <p:cNvPr id="3" name="TextBox 2">
-            <a:extLst>
-              <a:ext uri="{FF2B5EF4-FFF2-40B4-BE49-F238E27FC236}">
-                <a16:creationId xmlns:a16="http://schemas.microsoft.com/office/drawing/2014/main" id="{9CC0B7DE-843F-4F91-7B15-E95101715101}"/>
-              </a:ext>
-            </a:extLst>
-          </p:cNvPr>
-          <p:cNvSpPr txBox="1"/>
-          <p:nvPr/>
-        </p:nvSpPr>
-        <p:spPr>
-          <a:xfrm>
-            <a:off x="3483977" y="6483346"/>
-            <a:ext cx="4573688" cy="369332"/>
-          </a:xfrm>
-          <a:prstGeom prst="rect">
-            <a:avLst/>
-          </a:prstGeom>
-          <a:noFill/>
-        </p:spPr>
-        <p:txBody>
-          <a:bodyPr wrap="none" rtlCol="0">
-            <a:spAutoFit/>
-          </a:bodyPr>
-          <a:lstStyle/>
-          <a:p>
-            <a:r>
-              <a:rPr lang="en-US" dirty="0"/>
-              <a:t>Wilcoxon rank sum test.</a:t>
-            </a:r>
-            <a:r>
-              <a:rPr lang="en-US" dirty="0">
-                <a:latin typeface="Calibri" panose="020F0502020204030204" pitchFamily="34" charset="0"/>
-                <a:cs typeface="Times New Roman" panose="02020603050405020304" pitchFamily="18" charset="0"/>
-              </a:rPr>
-              <a:t> </a:t>
-            </a:r>
-            <a:r>
-              <a:rPr lang="en-US" sz="1800" dirty="0">
-                <a:effectLst/>
-                <a:latin typeface="Calibri" panose="020F0502020204030204" pitchFamily="34" charset="0"/>
-                <a:ea typeface="Calibri" panose="020F0502020204030204" pitchFamily="34" charset="0"/>
-                <a:cs typeface="Times New Roman" panose="02020603050405020304" pitchFamily="18" charset="0"/>
-              </a:rPr>
-              <a:t>**, p &lt;1e-2; *; p &lt;0.05</a:t>
-            </a:r>
-            <a:endParaRPr lang="en-US" b="0" i="0" u="none" strike="noStrike" dirty="0">
-              <a:solidFill>
-                <a:srgbClr val="212121"/>
-              </a:solidFill>
-              <a:effectLst/>
-              <a:latin typeface="Cambria" panose="02040503050406030204" pitchFamily="18" charset="0"/>
-            </a:endParaRPr>
-          </a:p>
-        </p:txBody>
-      </p:sp>
-      <p:pic>
-        <p:nvPicPr>
-          <p:cNvPr id="13" name="Picture 12">
-            <a:extLst>
-              <a:ext uri="{FF2B5EF4-FFF2-40B4-BE49-F238E27FC236}">
-                <a16:creationId xmlns:a16="http://schemas.microsoft.com/office/drawing/2014/main" id="{71EEF2DF-04CE-CC47-1647-C102E809861A}"/>
-              </a:ext>
-            </a:extLst>
-          </p:cNvPr>
-          <p:cNvPicPr>
-            <a:picLocks noChangeAspect="1"/>
-          </p:cNvPicPr>
-          <p:nvPr/>
-        </p:nvPicPr>
-        <p:blipFill>
-          <a:blip r:embed="rId3"/>
-          <a:stretch>
-            <a:fillRect/>
-          </a:stretch>
-        </p:blipFill>
-        <p:spPr>
-          <a:xfrm>
-            <a:off x="1183640" y="2437308"/>
-            <a:ext cx="4871720" cy="2952346"/>
-          </a:xfrm>
-          <a:prstGeom prst="rect">
-            <a:avLst/>
-          </a:prstGeom>
-        </p:spPr>
-      </p:pic>
-      <p:sp>
-        <p:nvSpPr>
-          <p:cNvPr id="12" name="TextBox 11">
-            <a:extLst>
-              <a:ext uri="{FF2B5EF4-FFF2-40B4-BE49-F238E27FC236}">
-                <a16:creationId xmlns:a16="http://schemas.microsoft.com/office/drawing/2014/main" id="{30D60984-4D87-31FB-0C01-891AB3173D52}"/>
-              </a:ext>
-            </a:extLst>
-          </p:cNvPr>
-          <p:cNvSpPr txBox="1"/>
-          <p:nvPr/>
-        </p:nvSpPr>
-        <p:spPr>
-          <a:xfrm>
-            <a:off x="2052320" y="3059668"/>
-            <a:ext cx="558800" cy="369332"/>
-          </a:xfrm>
-          <a:prstGeom prst="rect">
-            <a:avLst/>
-          </a:prstGeom>
-          <a:noFill/>
-        </p:spPr>
-        <p:txBody>
-          <a:bodyPr wrap="square" rtlCol="0">
-            <a:spAutoFit/>
-          </a:bodyPr>
-          <a:lstStyle/>
-          <a:p>
-            <a:r>
-              <a:rPr lang="en-US" dirty="0"/>
-              <a:t>*</a:t>
-            </a:r>
-          </a:p>
-        </p:txBody>
-      </p:sp>
-      <p:pic>
-        <p:nvPicPr>
-          <p:cNvPr id="4" name="Picture 3">
-            <a:extLst>
-              <a:ext uri="{FF2B5EF4-FFF2-40B4-BE49-F238E27FC236}">
-                <a16:creationId xmlns:a16="http://schemas.microsoft.com/office/drawing/2014/main" id="{BFC699EB-C5C4-804C-3CF9-145176526AFC}"/>
-              </a:ext>
-            </a:extLst>
-          </p:cNvPr>
-          <p:cNvPicPr>
-            <a:picLocks noChangeAspect="1"/>
-          </p:cNvPicPr>
-          <p:nvPr/>
-        </p:nvPicPr>
-        <p:blipFill>
-          <a:blip r:embed="rId4"/>
-          <a:stretch>
-            <a:fillRect/>
-          </a:stretch>
-        </p:blipFill>
-        <p:spPr>
-          <a:xfrm>
-            <a:off x="6380480" y="2437308"/>
-            <a:ext cx="5501640" cy="3175232"/>
-          </a:xfrm>
-          <a:prstGeom prst="rect">
-            <a:avLst/>
-          </a:prstGeom>
-        </p:spPr>
-      </p:pic>
-      <p:sp>
-        <p:nvSpPr>
-          <p:cNvPr id="7" name="TextBox 6">
-            <a:extLst>
-              <a:ext uri="{FF2B5EF4-FFF2-40B4-BE49-F238E27FC236}">
-                <a16:creationId xmlns:a16="http://schemas.microsoft.com/office/drawing/2014/main" id="{67E2777B-09E4-6D58-FA81-BAD030D91B72}"/>
-              </a:ext>
-            </a:extLst>
-          </p:cNvPr>
-          <p:cNvSpPr txBox="1"/>
-          <p:nvPr/>
-        </p:nvSpPr>
-        <p:spPr>
-          <a:xfrm>
-            <a:off x="1400682" y="5427874"/>
-            <a:ext cx="4166590" cy="369332"/>
-          </a:xfrm>
-          <a:prstGeom prst="rect">
-            <a:avLst/>
-          </a:prstGeom>
-          <a:noFill/>
-        </p:spPr>
-        <p:txBody>
-          <a:bodyPr wrap="none" rtlCol="0">
-            <a:spAutoFit/>
-          </a:bodyPr>
-          <a:lstStyle/>
-          <a:p>
-            <a:r>
-              <a:rPr lang="en-US" dirty="0"/>
-              <a:t>Not significant for top 5, 10, 20 clonotypes</a:t>
-            </a:r>
-          </a:p>
-        </p:txBody>
-      </p:sp>
-    </p:spTree>
-    <p:extLst>
-      <p:ext uri="{BB962C8B-B14F-4D97-AF65-F5344CB8AC3E}">
-        <p14:creationId xmlns:p14="http://schemas.microsoft.com/office/powerpoint/2010/main" val="1058591766"/>
       </p:ext>
     </p:extLst>
   </p:cSld>
@@ -8341,46 +4612,7 @@
           </a:bodyPr>
           <a:lstStyle/>
           <a:p>
-            <a:r>
-              <a:rPr lang="en-US" dirty="0"/>
-              <a:t>Cell type abundance differences by </a:t>
-            </a:r>
-            <a:r>
-              <a:rPr lang="en-US" dirty="0" err="1"/>
-              <a:t>irAE</a:t>
-            </a:r>
-            <a:r>
-              <a:rPr lang="en-US" dirty="0"/>
-              <a:t> group</a:t>
-            </a:r>
-          </a:p>
-          <a:p>
-            <a:r>
-              <a:rPr lang="en-US" dirty="0"/>
-              <a:t>VJ gene usage differences by </a:t>
-            </a:r>
-            <a:r>
-              <a:rPr lang="en-US" dirty="0" err="1"/>
-              <a:t>irAE</a:t>
-            </a:r>
-            <a:r>
-              <a:rPr lang="en-US" dirty="0"/>
-              <a:t> group</a:t>
-            </a:r>
-          </a:p>
-          <a:p>
-            <a:r>
-              <a:rPr lang="en-US" dirty="0"/>
-              <a:t>Donors/junction (AA) vs. donors/junction (</a:t>
-            </a:r>
-            <a:r>
-              <a:rPr lang="en-US" dirty="0" err="1"/>
-              <a:t>nt</a:t>
-            </a:r>
-            <a:r>
-              <a:rPr lang="en-US" dirty="0"/>
-              <a:t>) plots</a:t>
-            </a:r>
+            <a:endParaRPr lang="en-US" dirty="0"/>
           </a:p>
         </p:txBody>
       </p:sp>
@@ -9276,7 +5508,15 @@
           <a:p>
             <a:r>
               <a:rPr lang="en-US" dirty="0"/>
-              <a:t>In colitis dataset, see more convergence in </a:t>
+              <a:t>In colitis dataset, there is higher “dominance” of specific CDR3 </a:t>
+            </a:r>
+            <a:r>
+              <a:rPr lang="en-US" dirty="0" err="1"/>
+              <a:t>nts</a:t>
+            </a:r>
+            <a:r>
+              <a:rPr lang="en-US" dirty="0"/>
+              <a:t> in </a:t>
             </a:r>
             <a:r>
               <a:rPr lang="en-US" dirty="0" err="1"/>
@@ -9284,145 +5524,15 @@
             </a:r>
             <a:r>
               <a:rPr lang="en-US" dirty="0"/>
-              <a:t> group</a:t>
-            </a:r>
-          </a:p>
-        </p:txBody>
-      </p:sp>
-      <p:sp>
-        <p:nvSpPr>
-          <p:cNvPr id="5" name="TextBox 4">
-            <a:extLst>
-              <a:ext uri="{FF2B5EF4-FFF2-40B4-BE49-F238E27FC236}">
-                <a16:creationId xmlns:a16="http://schemas.microsoft.com/office/drawing/2014/main" id="{58E592AD-3CC6-6B33-F23A-A5E4B8FEF0EF}"/>
-              </a:ext>
-            </a:extLst>
-          </p:cNvPr>
-          <p:cNvSpPr txBox="1"/>
-          <p:nvPr/>
-        </p:nvSpPr>
-        <p:spPr>
-          <a:xfrm>
-            <a:off x="2072640" y="2072640"/>
-            <a:ext cx="2031838" cy="369332"/>
-          </a:xfrm>
-          <a:prstGeom prst="rect">
-            <a:avLst/>
-          </a:prstGeom>
-          <a:noFill/>
-        </p:spPr>
-        <p:txBody>
-          <a:bodyPr wrap="none" rtlCol="0">
-            <a:spAutoFit/>
-          </a:bodyPr>
-          <a:lstStyle/>
-          <a:p>
-            <a:r>
-              <a:rPr lang="en-US" dirty="0"/>
-              <a:t>Myocarditis dataset</a:t>
-            </a:r>
-          </a:p>
-        </p:txBody>
-      </p:sp>
-      <p:sp>
-        <p:nvSpPr>
-          <p:cNvPr id="10" name="TextBox 9">
-            <a:extLst>
-              <a:ext uri="{FF2B5EF4-FFF2-40B4-BE49-F238E27FC236}">
-                <a16:creationId xmlns:a16="http://schemas.microsoft.com/office/drawing/2014/main" id="{112D5CA9-873E-ED75-FE11-360041F8A761}"/>
-              </a:ext>
-            </a:extLst>
-          </p:cNvPr>
-          <p:cNvSpPr txBox="1"/>
-          <p:nvPr/>
-        </p:nvSpPr>
-        <p:spPr>
-          <a:xfrm>
-            <a:off x="8839200" y="2072640"/>
-            <a:ext cx="1504194" cy="369332"/>
-          </a:xfrm>
-          <a:prstGeom prst="rect">
-            <a:avLst/>
-          </a:prstGeom>
-          <a:noFill/>
-        </p:spPr>
-        <p:txBody>
-          <a:bodyPr wrap="none" rtlCol="0">
-            <a:spAutoFit/>
-          </a:bodyPr>
-          <a:lstStyle/>
-          <a:p>
-            <a:r>
-              <a:rPr lang="en-US" dirty="0"/>
-              <a:t>Colitis dataset</a:t>
-            </a:r>
-          </a:p>
-        </p:txBody>
-      </p:sp>
-      <p:pic>
-        <p:nvPicPr>
-          <p:cNvPr id="11" name="Picture 10">
-            <a:extLst>
-              <a:ext uri="{FF2B5EF4-FFF2-40B4-BE49-F238E27FC236}">
-                <a16:creationId xmlns:a16="http://schemas.microsoft.com/office/drawing/2014/main" id="{AB108FFE-C089-3E84-3A0B-1AC0ABF74B8E}"/>
-              </a:ext>
-            </a:extLst>
-          </p:cNvPr>
-          <p:cNvPicPr>
-            <a:picLocks noChangeAspect="1"/>
-          </p:cNvPicPr>
-          <p:nvPr/>
-        </p:nvPicPr>
-        <p:blipFill>
-          <a:blip r:embed="rId3"/>
-          <a:stretch>
-            <a:fillRect/>
-          </a:stretch>
-        </p:blipFill>
-        <p:spPr>
-          <a:xfrm>
-            <a:off x="30480" y="2472099"/>
-            <a:ext cx="5984403" cy="3594008"/>
-          </a:xfrm>
-          <a:prstGeom prst="rect">
-            <a:avLst/>
-          </a:prstGeom>
-        </p:spPr>
-      </p:pic>
-      <p:pic>
-        <p:nvPicPr>
-          <p:cNvPr id="12" name="Picture 11">
-            <a:extLst>
-              <a:ext uri="{FF2B5EF4-FFF2-40B4-BE49-F238E27FC236}">
-                <a16:creationId xmlns:a16="http://schemas.microsoft.com/office/drawing/2014/main" id="{EF79A75C-39A5-9864-FB33-69BC65066F00}"/>
-              </a:ext>
-            </a:extLst>
-          </p:cNvPr>
-          <p:cNvPicPr>
-            <a:picLocks noChangeAspect="1"/>
-          </p:cNvPicPr>
-          <p:nvPr/>
-        </p:nvPicPr>
-        <p:blipFill>
-          <a:blip r:embed="rId4"/>
-          <a:stretch>
-            <a:fillRect/>
-          </a:stretch>
-        </p:blipFill>
-        <p:spPr>
-          <a:xfrm>
-            <a:off x="6207596" y="2448225"/>
-            <a:ext cx="5984403" cy="3617882"/>
-          </a:xfrm>
-          <a:prstGeom prst="rect">
-            <a:avLst/>
-          </a:prstGeom>
-        </p:spPr>
-      </p:pic>
+              <a:t> patients</a:t>
+            </a:r>
+          </a:p>
+        </p:txBody>
+      </p:sp>
     </p:spTree>
     <p:extLst>
       <p:ext uri="{BB962C8B-B14F-4D97-AF65-F5344CB8AC3E}">
-        <p14:creationId xmlns:p14="http://schemas.microsoft.com/office/powerpoint/2010/main" val="560129648"/>
+        <p14:creationId xmlns:p14="http://schemas.microsoft.com/office/powerpoint/2010/main" val="3648184813"/>
       </p:ext>
     </p:extLst>
   </p:cSld>
@@ -9479,125 +5589,45 @@
           <a:p>
             <a:r>
               <a:rPr lang="en-US" dirty="0"/>
-              <a:t>Conclusions</a:t>
-            </a:r>
-          </a:p>
-        </p:txBody>
-      </p:sp>
-      <p:sp>
-        <p:nvSpPr>
-          <p:cNvPr id="3" name="Content Placeholder 2">
-            <a:extLst>
-              <a:ext uri="{FF2B5EF4-FFF2-40B4-BE49-F238E27FC236}">
-                <a16:creationId xmlns:a16="http://schemas.microsoft.com/office/drawing/2014/main" id="{B9501834-7B32-1ACA-4358-B630FB8EEC36}"/>
-              </a:ext>
-            </a:extLst>
-          </p:cNvPr>
-          <p:cNvSpPr>
-            <a:spLocks noGrp="1"/>
-          </p:cNvSpPr>
-          <p:nvPr>
-            <p:ph idx="1"/>
-          </p:nvPr>
-        </p:nvSpPr>
+              <a:t>Summary heatmaps</a:t>
+            </a:r>
+          </a:p>
+        </p:txBody>
+      </p:sp>
+      <p:pic>
+        <p:nvPicPr>
+          <p:cNvPr id="3" name="Picture 2">
+            <a:extLst>
+              <a:ext uri="{FF2B5EF4-FFF2-40B4-BE49-F238E27FC236}">
+                <a16:creationId xmlns:a16="http://schemas.microsoft.com/office/drawing/2014/main" id="{9B4217F0-1004-40AC-9B87-C4BC6BCBD76B}"/>
+              </a:ext>
+            </a:extLst>
+          </p:cNvPr>
+          <p:cNvPicPr>
+            <a:picLocks noChangeAspect="1"/>
+          </p:cNvPicPr>
+          <p:nvPr/>
+        </p:nvPicPr>
+        <p:blipFill>
+          <a:blip r:embed="rId3"/>
+          <a:stretch>
+            <a:fillRect/>
+          </a:stretch>
+        </p:blipFill>
         <p:spPr>
           <a:xfrm>
-            <a:off x="838200" y="1919289"/>
-            <a:ext cx="10612120" cy="4623402"/>
+            <a:off x="0" y="1859653"/>
+            <a:ext cx="7772400" cy="4953220"/>
           </a:xfrm>
+          <a:prstGeom prst="rect">
+            <a:avLst/>
+          </a:prstGeom>
         </p:spPr>
-        <p:txBody>
-          <a:bodyPr>
-            <a:normAutofit/>
-          </a:bodyPr>
-          <a:lstStyle/>
-          <a:p>
-            <a:r>
-              <a:rPr lang="en-US" dirty="0"/>
-              <a:t>In myocarditis dataset, a few VJ genes are differentially encountered in different </a:t>
-            </a:r>
-            <a:r>
-              <a:rPr lang="en-US" dirty="0" err="1"/>
-              <a:t>irAE</a:t>
-            </a:r>
-            <a:r>
-              <a:rPr lang="en-US" dirty="0"/>
-              <a:t> groups</a:t>
-            </a:r>
-            <a:endParaRPr lang="en-US" sz="2800" dirty="0"/>
-          </a:p>
-          <a:p>
-            <a:r>
-              <a:rPr lang="en-US" sz="2800" dirty="0"/>
-              <a:t>Colitis dataset</a:t>
-            </a:r>
-          </a:p>
-          <a:p>
-            <a:pPr lvl="1"/>
-            <a:r>
-              <a:rPr lang="en-US" dirty="0"/>
-              <a:t>More proliferating T cells (CD4 and CD8), fewer memory T cells (CD4 TEM, CD8 TCM), fewer MAITs in </a:t>
-            </a:r>
-            <a:r>
-              <a:rPr lang="en-US" dirty="0" err="1"/>
-              <a:t>irAE</a:t>
-            </a:r>
-            <a:r>
-              <a:rPr lang="en-US" dirty="0"/>
-              <a:t> tissue</a:t>
-            </a:r>
-          </a:p>
-          <a:p>
-            <a:pPr lvl="1"/>
-            <a:r>
-              <a:rPr lang="en-US" dirty="0"/>
-              <a:t>More convergence in </a:t>
-            </a:r>
-            <a:r>
-              <a:rPr lang="en-US" dirty="0" err="1"/>
-              <a:t>irAE</a:t>
-            </a:r>
-            <a:r>
-              <a:rPr lang="en-US" dirty="0"/>
-              <a:t> group</a:t>
-            </a:r>
-          </a:p>
-          <a:p>
-            <a:r>
-              <a:rPr lang="en-US" dirty="0"/>
-              <a:t>Found some additional weak TCR feature (junction length, chain germline-ness) differences between </a:t>
-            </a:r>
-            <a:r>
-              <a:rPr lang="en-US" dirty="0" err="1"/>
-              <a:t>irAE</a:t>
-            </a:r>
-            <a:r>
-              <a:rPr lang="en-US" dirty="0"/>
-              <a:t> groups (data not shown), but nothing consistent between both datasets or as strong as CD8 TEM TRB </a:t>
-            </a:r>
-            <a:r>
-              <a:rPr lang="en-US" dirty="0" err="1"/>
-              <a:t>pgen</a:t>
-            </a:r>
-            <a:r>
-              <a:rPr lang="en-US" dirty="0"/>
-              <a:t> feature different between </a:t>
-            </a:r>
-            <a:r>
-              <a:rPr lang="en-US" dirty="0" err="1"/>
-              <a:t>irAE</a:t>
-            </a:r>
-            <a:r>
-              <a:rPr lang="en-US" dirty="0"/>
-              <a:t> groups</a:t>
-            </a:r>
-          </a:p>
-        </p:txBody>
-      </p:sp>
+      </p:pic>
     </p:spTree>
     <p:extLst>
       <p:ext uri="{BB962C8B-B14F-4D97-AF65-F5344CB8AC3E}">
-        <p14:creationId xmlns:p14="http://schemas.microsoft.com/office/powerpoint/2010/main" val="638429564"/>
+        <p14:creationId xmlns:p14="http://schemas.microsoft.com/office/powerpoint/2010/main" val="4227537615"/>
       </p:ext>
     </p:extLst>
   </p:cSld>
@@ -9654,90 +5684,17 @@
           <a:p>
             <a:r>
               <a:rPr lang="en-US" dirty="0"/>
-              <a:t>Next steps on </a:t>
-            </a:r>
-            <a:r>
-              <a:rPr lang="en-US" dirty="0" err="1"/>
-              <a:t>irAE</a:t>
-            </a:r>
-            <a:r>
-              <a:rPr lang="en-US" dirty="0"/>
-              <a:t> datasets</a:t>
-            </a:r>
-          </a:p>
-        </p:txBody>
-      </p:sp>
-      <p:sp>
-        <p:nvSpPr>
-          <p:cNvPr id="5" name="TextBox 4">
-            <a:extLst>
-              <a:ext uri="{FF2B5EF4-FFF2-40B4-BE49-F238E27FC236}">
-                <a16:creationId xmlns:a16="http://schemas.microsoft.com/office/drawing/2014/main" id="{FC1A1405-6AB2-2277-9816-EE54BC98F06E}"/>
-              </a:ext>
-            </a:extLst>
-          </p:cNvPr>
-          <p:cNvSpPr txBox="1"/>
-          <p:nvPr/>
-        </p:nvSpPr>
-        <p:spPr>
-          <a:xfrm>
-            <a:off x="6614160" y="1558067"/>
-            <a:ext cx="3089820" cy="369332"/>
-          </a:xfrm>
-          <a:prstGeom prst="rect">
-            <a:avLst/>
-          </a:prstGeom>
-          <a:noFill/>
-        </p:spPr>
-        <p:txBody>
-          <a:bodyPr wrap="none" rtlCol="0">
-            <a:spAutoFit/>
-          </a:bodyPr>
-          <a:lstStyle/>
-          <a:p>
-            <a:r>
-              <a:rPr lang="en-US" dirty="0"/>
-              <a:t>Myocarditis dataset, CD8 TEMs</a:t>
-            </a:r>
-          </a:p>
-        </p:txBody>
-      </p:sp>
-      <p:pic>
-        <p:nvPicPr>
-          <p:cNvPr id="6" name="Picture 5">
-            <a:extLst>
-              <a:ext uri="{FF2B5EF4-FFF2-40B4-BE49-F238E27FC236}">
-                <a16:creationId xmlns:a16="http://schemas.microsoft.com/office/drawing/2014/main" id="{F5CFE561-EBA4-D576-BD2F-810D411B68D3}"/>
-              </a:ext>
-            </a:extLst>
-          </p:cNvPr>
-          <p:cNvPicPr>
-            <a:picLocks noChangeAspect="1"/>
-          </p:cNvPicPr>
-          <p:nvPr/>
-        </p:nvPicPr>
-        <p:blipFill>
-          <a:blip r:embed="rId3"/>
-          <a:stretch>
-            <a:fillRect/>
-          </a:stretch>
-        </p:blipFill>
-        <p:spPr>
-          <a:xfrm>
-            <a:off x="3825240" y="1919288"/>
-            <a:ext cx="7772400" cy="4850859"/>
-          </a:xfrm>
-          <a:prstGeom prst="rect">
-            <a:avLst/>
-          </a:prstGeom>
-        </p:spPr>
-      </p:pic>
-      <p:sp>
-        <p:nvSpPr>
-          <p:cNvPr id="9" name="Content Placeholder 2">
-            <a:extLst>
-              <a:ext uri="{FF2B5EF4-FFF2-40B4-BE49-F238E27FC236}">
-                <a16:creationId xmlns:a16="http://schemas.microsoft.com/office/drawing/2014/main" id="{8CBEDB99-E936-1505-3B14-7330EC32F84F}"/>
+              <a:t>Conclusions</a:t>
+            </a:r>
+          </a:p>
+        </p:txBody>
+      </p:sp>
+      <p:sp>
+        <p:nvSpPr>
+          <p:cNvPr id="3" name="Content Placeholder 2">
+            <a:extLst>
+              <a:ext uri="{FF2B5EF4-FFF2-40B4-BE49-F238E27FC236}">
+                <a16:creationId xmlns:a16="http://schemas.microsoft.com/office/drawing/2014/main" id="{B9501834-7B32-1ACA-4358-B630FB8EEC36}"/>
               </a:ext>
             </a:extLst>
           </p:cNvPr>
@@ -9751,51 +5708,23 @@
         <p:spPr>
           <a:xfrm>
             <a:off x="838200" y="1919289"/>
-            <a:ext cx="2636520" cy="4623402"/>
+            <a:ext cx="10612120" cy="4623402"/>
           </a:xfrm>
         </p:spPr>
         <p:txBody>
           <a:bodyPr>
-            <a:normAutofit fontScale="92500"/>
+            <a:normAutofit/>
           </a:bodyPr>
           <a:lstStyle/>
           <a:p>
-            <a:r>
-              <a:rPr lang="en-US" dirty="0"/>
-              <a:t>Summary plots?</a:t>
-            </a:r>
-          </a:p>
-          <a:p>
-            <a:r>
-              <a:rPr lang="en-US" dirty="0"/>
-              <a:t>UMAP “contour plots” for cell type abundance differences +/- </a:t>
-            </a:r>
-            <a:r>
-              <a:rPr lang="en-US" dirty="0" err="1"/>
-              <a:t>irAE</a:t>
-            </a:r>
             <a:endParaRPr lang="en-US" dirty="0"/>
-          </a:p>
-          <a:p>
-            <a:r>
-              <a:rPr lang="en-US" dirty="0"/>
-              <a:t>Extend cell type abundance comparisons +/- </a:t>
-            </a:r>
-            <a:r>
-              <a:rPr lang="en-US" dirty="0" err="1"/>
-              <a:t>irAE</a:t>
-            </a:r>
-            <a:r>
-              <a:rPr lang="en-US" dirty="0"/>
-              <a:t> to non-T cells?</a:t>
-            </a:r>
           </a:p>
         </p:txBody>
       </p:sp>
     </p:spTree>
     <p:extLst>
       <p:ext uri="{BB962C8B-B14F-4D97-AF65-F5344CB8AC3E}">
-        <p14:creationId xmlns:p14="http://schemas.microsoft.com/office/powerpoint/2010/main" val="3146602281"/>
+        <p14:creationId xmlns:p14="http://schemas.microsoft.com/office/powerpoint/2010/main" val="638429564"/>
       </p:ext>
     </p:extLst>
   </p:cSld>
@@ -9852,7 +5781,7 @@
           <a:p>
             <a:r>
               <a:rPr lang="en-US" dirty="0"/>
-              <a:t>Next steps: JC prep</a:t>
+              <a:t>Next steps</a:t>
             </a:r>
           </a:p>
         </p:txBody>
@@ -9876,7 +5805,7 @@
         <p:spPr>
           <a:xfrm>
             <a:off x="838200" y="1919289"/>
-            <a:ext cx="3459480" cy="4623402"/>
+            <a:ext cx="10215880" cy="4623402"/>
           </a:xfrm>
         </p:spPr>
         <p:txBody>
@@ -9887,7 +5816,13 @@
           <a:p>
             <a:r>
               <a:rPr lang="en-US" dirty="0"/>
-              <a:t>use </a:t>
+              <a:t>Should I use VJ genes for convergence/publicity calling? i.e. clonotype vs. CDR3 publicity</a:t>
+            </a:r>
+          </a:p>
+          <a:p>
+            <a:r>
+              <a:rPr lang="en-US" dirty="0"/>
+              <a:t>JC prep: use </a:t>
             </a:r>
             <a:r>
               <a:rPr lang="en-US" dirty="0" err="1"/>
@@ -9901,7 +5836,7 @@
           <a:p>
             <a:r>
               <a:rPr lang="en-US" dirty="0"/>
-              <a:t>After 1/9 JC focus more on </a:t>
+              <a:t>After 1/16 JC focus on </a:t>
             </a:r>
             <a:r>
               <a:rPr lang="en-US" dirty="0" err="1"/>
@@ -9909,303 +5844,21 @@
             </a:r>
             <a:r>
               <a:rPr lang="en-US" dirty="0"/>
-              <a:t> prep.</a:t>
-            </a:r>
-          </a:p>
-        </p:txBody>
-      </p:sp>
-      <p:pic>
-        <p:nvPicPr>
-          <p:cNvPr id="4" name="Picture 3">
-            <a:extLst>
-              <a:ext uri="{FF2B5EF4-FFF2-40B4-BE49-F238E27FC236}">
-                <a16:creationId xmlns:a16="http://schemas.microsoft.com/office/drawing/2014/main" id="{635D38B6-F04F-7D70-5020-4EA2EB13C3FC}"/>
-              </a:ext>
-            </a:extLst>
-          </p:cNvPr>
-          <p:cNvPicPr>
-            <a:picLocks noChangeAspect="1"/>
-          </p:cNvPicPr>
-          <p:nvPr/>
-        </p:nvPicPr>
-        <p:blipFill>
-          <a:blip r:embed="rId3"/>
-          <a:stretch>
-            <a:fillRect/>
-          </a:stretch>
-        </p:blipFill>
-        <p:spPr>
-          <a:xfrm>
-            <a:off x="4297680" y="315309"/>
-            <a:ext cx="7894320" cy="5923374"/>
-          </a:xfrm>
-          <a:prstGeom prst="rect">
-            <a:avLst/>
-          </a:prstGeom>
-        </p:spPr>
-      </p:pic>
+              <a:t> prep. and 2/1 SI talk prep</a:t>
+            </a:r>
+          </a:p>
+          <a:p>
+            <a:endParaRPr lang="en-US" dirty="0"/>
+          </a:p>
+          <a:p>
+            <a:endParaRPr lang="en-US" dirty="0"/>
+          </a:p>
+        </p:txBody>
+      </p:sp>
     </p:spTree>
     <p:extLst>
       <p:ext uri="{BB962C8B-B14F-4D97-AF65-F5344CB8AC3E}">
         <p14:creationId xmlns:p14="http://schemas.microsoft.com/office/powerpoint/2010/main" val="1759230395"/>
-      </p:ext>
-    </p:extLst>
-  </p:cSld>
-  <p:clrMapOvr>
-    <a:masterClrMapping/>
-  </p:clrMapOvr>
-</p:sld>
-</file>
-
-<file path=ppt/slides/slide9.xml><?xml version="1.0" encoding="utf-8"?>
-<p:sld xmlns:a="http://schemas.openxmlformats.org/drawingml/2006/main" xmlns:r="http://schemas.openxmlformats.org/officeDocument/2006/relationships" xmlns:p="http://schemas.openxmlformats.org/presentationml/2006/main">
-  <p:cSld>
-    <p:spTree>
-      <p:nvGrpSpPr>
-        <p:cNvPr id="1" name=""/>
-        <p:cNvGrpSpPr/>
-        <p:nvPr/>
-      </p:nvGrpSpPr>
-      <p:grpSpPr>
-        <a:xfrm>
-          <a:off x="0" y="0"/>
-          <a:ext cx="0" cy="0"/>
-          <a:chOff x="0" y="0"/>
-          <a:chExt cx="0" cy="0"/>
-        </a:xfrm>
-      </p:grpSpPr>
-      <p:sp>
-        <p:nvSpPr>
-          <p:cNvPr id="2" name="Title 1">
-            <a:extLst>
-              <a:ext uri="{FF2B5EF4-FFF2-40B4-BE49-F238E27FC236}">
-                <a16:creationId xmlns:a16="http://schemas.microsoft.com/office/drawing/2014/main" id="{70A4C97D-8F21-3D3B-6A90-EA7145324964}"/>
-              </a:ext>
-            </a:extLst>
-          </p:cNvPr>
-          <p:cNvSpPr>
-            <a:spLocks noGrp="1"/>
-          </p:cNvSpPr>
-          <p:nvPr>
-            <p:ph type="title"/>
-          </p:nvPr>
-        </p:nvSpPr>
-        <p:spPr>
-          <a:xfrm>
-            <a:off x="838200" y="593725"/>
-            <a:ext cx="10515600" cy="1325563"/>
-          </a:xfrm>
-        </p:spPr>
-        <p:txBody>
-          <a:bodyPr>
-            <a:normAutofit/>
-          </a:bodyPr>
-          <a:lstStyle/>
-          <a:p>
-            <a:r>
-              <a:rPr lang="en-US" dirty="0"/>
-              <a:t>Strongest myocarditis conclusion for comparison</a:t>
-            </a:r>
-          </a:p>
-        </p:txBody>
-      </p:sp>
-      <p:pic>
-        <p:nvPicPr>
-          <p:cNvPr id="4" name="Picture 3">
-            <a:extLst>
-              <a:ext uri="{FF2B5EF4-FFF2-40B4-BE49-F238E27FC236}">
-                <a16:creationId xmlns:a16="http://schemas.microsoft.com/office/drawing/2014/main" id="{22064411-2632-A287-93B9-78DA0B6E7314}"/>
-              </a:ext>
-            </a:extLst>
-          </p:cNvPr>
-          <p:cNvPicPr>
-            <a:picLocks noChangeAspect="1"/>
-          </p:cNvPicPr>
-          <p:nvPr/>
-        </p:nvPicPr>
-        <p:blipFill>
-          <a:blip r:embed="rId3"/>
-          <a:stretch>
-            <a:fillRect/>
-          </a:stretch>
-        </p:blipFill>
-        <p:spPr>
-          <a:xfrm>
-            <a:off x="1203960" y="1627522"/>
-            <a:ext cx="7772400" cy="4636753"/>
-          </a:xfrm>
-          <a:prstGeom prst="rect">
-            <a:avLst/>
-          </a:prstGeom>
-        </p:spPr>
-      </p:pic>
-      <p:sp>
-        <p:nvSpPr>
-          <p:cNvPr id="5" name="TextBox 4">
-            <a:extLst>
-              <a:ext uri="{FF2B5EF4-FFF2-40B4-BE49-F238E27FC236}">
-                <a16:creationId xmlns:a16="http://schemas.microsoft.com/office/drawing/2014/main" id="{F125686D-CEE9-CF68-4BA3-C080BE32C00C}"/>
-              </a:ext>
-            </a:extLst>
-          </p:cNvPr>
-          <p:cNvSpPr txBox="1"/>
-          <p:nvPr/>
-        </p:nvSpPr>
-        <p:spPr>
-          <a:xfrm>
-            <a:off x="3483977" y="6483346"/>
-            <a:ext cx="4573688" cy="369332"/>
-          </a:xfrm>
-          <a:prstGeom prst="rect">
-            <a:avLst/>
-          </a:prstGeom>
-          <a:noFill/>
-        </p:spPr>
-        <p:txBody>
-          <a:bodyPr wrap="none" rtlCol="0">
-            <a:spAutoFit/>
-          </a:bodyPr>
-          <a:lstStyle/>
-          <a:p>
-            <a:r>
-              <a:rPr lang="en-US" dirty="0"/>
-              <a:t>Wilcoxon rank sum test.</a:t>
-            </a:r>
-            <a:r>
-              <a:rPr lang="en-US" dirty="0">
-                <a:latin typeface="Calibri" panose="020F0502020204030204" pitchFamily="34" charset="0"/>
-                <a:cs typeface="Times New Roman" panose="02020603050405020304" pitchFamily="18" charset="0"/>
-              </a:rPr>
-              <a:t> </a:t>
-            </a:r>
-            <a:r>
-              <a:rPr lang="en-US" sz="1800" dirty="0">
-                <a:effectLst/>
-                <a:latin typeface="Calibri" panose="020F0502020204030204" pitchFamily="34" charset="0"/>
-                <a:ea typeface="Calibri" panose="020F0502020204030204" pitchFamily="34" charset="0"/>
-                <a:cs typeface="Times New Roman" panose="02020603050405020304" pitchFamily="18" charset="0"/>
-              </a:rPr>
-              <a:t>**, p &lt;1e-2; *; p &lt;0.05</a:t>
-            </a:r>
-            <a:endParaRPr lang="en-US" b="0" i="0" u="none" strike="noStrike" dirty="0">
-              <a:solidFill>
-                <a:srgbClr val="212121"/>
-              </a:solidFill>
-              <a:effectLst/>
-              <a:latin typeface="Cambria" panose="02040503050406030204" pitchFamily="18" charset="0"/>
-            </a:endParaRPr>
-          </a:p>
-        </p:txBody>
-      </p:sp>
-      <p:sp>
-        <p:nvSpPr>
-          <p:cNvPr id="6" name="TextBox 5">
-            <a:extLst>
-              <a:ext uri="{FF2B5EF4-FFF2-40B4-BE49-F238E27FC236}">
-                <a16:creationId xmlns:a16="http://schemas.microsoft.com/office/drawing/2014/main" id="{A1FA9CBB-C193-F78E-BE9D-D7887FFB22C7}"/>
-              </a:ext>
-            </a:extLst>
-          </p:cNvPr>
-          <p:cNvSpPr txBox="1"/>
-          <p:nvPr/>
-        </p:nvSpPr>
-        <p:spPr>
-          <a:xfrm>
-            <a:off x="5645435" y="2219581"/>
-            <a:ext cx="589280" cy="369332"/>
-          </a:xfrm>
-          <a:prstGeom prst="rect">
-            <a:avLst/>
-          </a:prstGeom>
-          <a:noFill/>
-        </p:spPr>
-        <p:txBody>
-          <a:bodyPr wrap="square" rtlCol="0">
-            <a:spAutoFit/>
-          </a:bodyPr>
-          <a:lstStyle/>
-          <a:p>
-            <a:r>
-              <a:rPr lang="en-US" dirty="0"/>
-              <a:t>*</a:t>
-            </a:r>
-          </a:p>
-        </p:txBody>
-      </p:sp>
-      <p:sp>
-        <p:nvSpPr>
-          <p:cNvPr id="7" name="TextBox 6">
-            <a:extLst>
-              <a:ext uri="{FF2B5EF4-FFF2-40B4-BE49-F238E27FC236}">
-                <a16:creationId xmlns:a16="http://schemas.microsoft.com/office/drawing/2014/main" id="{AA02738C-558B-5971-7406-F80142D56ECD}"/>
-              </a:ext>
-            </a:extLst>
-          </p:cNvPr>
-          <p:cNvSpPr txBox="1"/>
-          <p:nvPr/>
-        </p:nvSpPr>
-        <p:spPr>
-          <a:xfrm>
-            <a:off x="6905275" y="2219581"/>
-            <a:ext cx="589280" cy="369332"/>
-          </a:xfrm>
-          <a:prstGeom prst="rect">
-            <a:avLst/>
-          </a:prstGeom>
-          <a:noFill/>
-        </p:spPr>
-        <p:txBody>
-          <a:bodyPr wrap="square" rtlCol="0">
-            <a:spAutoFit/>
-          </a:bodyPr>
-          <a:lstStyle/>
-          <a:p>
-            <a:r>
-              <a:rPr lang="en-US" dirty="0"/>
-              <a:t>*</a:t>
-            </a:r>
-          </a:p>
-        </p:txBody>
-      </p:sp>
-      <p:sp>
-        <p:nvSpPr>
-          <p:cNvPr id="3" name="TextBox 2">
-            <a:extLst>
-              <a:ext uri="{FF2B5EF4-FFF2-40B4-BE49-F238E27FC236}">
-                <a16:creationId xmlns:a16="http://schemas.microsoft.com/office/drawing/2014/main" id="{33151649-41B4-9230-8670-C92EC0D33DF7}"/>
-              </a:ext>
-            </a:extLst>
-          </p:cNvPr>
-          <p:cNvSpPr txBox="1"/>
-          <p:nvPr/>
-        </p:nvSpPr>
-        <p:spPr>
-          <a:xfrm>
-            <a:off x="2379059" y="6004479"/>
-            <a:ext cx="5678606" cy="369332"/>
-          </a:xfrm>
-          <a:prstGeom prst="rect">
-            <a:avLst/>
-          </a:prstGeom>
-          <a:noFill/>
-        </p:spPr>
-        <p:txBody>
-          <a:bodyPr wrap="none" rtlCol="0">
-            <a:spAutoFit/>
-          </a:bodyPr>
-          <a:lstStyle/>
-          <a:p>
-            <a:r>
-              <a:rPr lang="en-US" dirty="0"/>
-              <a:t>Not just seen for not normalized (reason why its not weak)</a:t>
-            </a:r>
-          </a:p>
-        </p:txBody>
-      </p:sp>
-    </p:spTree>
-    <p:extLst>
-      <p:ext uri="{BB962C8B-B14F-4D97-AF65-F5344CB8AC3E}">
-        <p14:creationId xmlns:p14="http://schemas.microsoft.com/office/powerpoint/2010/main" val="2854579076"/>
       </p:ext>
     </p:extLst>
   </p:cSld>

--- a/linsley_postdoc/presentations/weekly_meetings/1_11_24.pptx
+++ b/linsley_postdoc/presentations/weekly_meetings/1_11_24.pptx
@@ -5,17 +5,18 @@
     <p:sldMasterId id="2147483648" r:id="rId1"/>
   </p:sldMasterIdLst>
   <p:notesMasterIdLst>
-    <p:notesMasterId r:id="rId10"/>
+    <p:notesMasterId r:id="rId11"/>
   </p:notesMasterIdLst>
   <p:sldIdLst>
     <p:sldId id="477" r:id="rId2"/>
     <p:sldId id="499" r:id="rId3"/>
     <p:sldId id="506" r:id="rId4"/>
-    <p:sldId id="517" r:id="rId5"/>
-    <p:sldId id="520" r:id="rId6"/>
-    <p:sldId id="505" r:id="rId7"/>
+    <p:sldId id="521" r:id="rId5"/>
+    <p:sldId id="505" r:id="rId6"/>
+    <p:sldId id="520" r:id="rId7"/>
     <p:sldId id="516" r:id="rId8"/>
     <p:sldId id="519" r:id="rId9"/>
+    <p:sldId id="522" r:id="rId10"/>
   </p:sldIdLst>
   <p:sldSz cx="12192000" cy="6858000"/>
   <p:notesSz cx="6858000" cy="9144000"/>
@@ -215,7 +216,7 @@
           <a:p>
             <a:fld id="{E933A773-0DCE-3544-BB67-D5FA58DF903C}" type="datetimeFigureOut">
               <a:rPr lang="en-US" smtClean="0"/>
-              <a:t>1/6/24</a:t>
+              <a:t>1/8/24</a:t>
             </a:fld>
             <a:endParaRPr lang="en-US"/>
           </a:p>
@@ -731,6 +732,27 @@
               <a:t> in literature, don’t see that here though, don’t even see ICI decreasing Tregs…</a:t>
             </a:r>
           </a:p>
+          <a:p>
+            <a:endParaRPr lang="en-US" b="0" dirty="0">
+              <a:solidFill>
+                <a:srgbClr val="CCCCCC"/>
+              </a:solidFill>
+              <a:effectLst/>
+              <a:latin typeface="Menlo" panose="020B0609030804020204" pitchFamily="49" charset="0"/>
+            </a:endParaRPr>
+          </a:p>
+          <a:p>
+            <a:r>
+              <a:rPr lang="en-US" b="0" dirty="0">
+                <a:solidFill>
+                  <a:srgbClr val="CCCCCC"/>
+                </a:solidFill>
+                <a:effectLst/>
+                <a:latin typeface="Menlo" panose="020B0609030804020204" pitchFamily="49" charset="0"/>
+              </a:rPr>
+              <a:t>Wilcox rank sum test doesn’t assume equal variances (t test does)</a:t>
+            </a:r>
+          </a:p>
         </p:txBody>
       </p:sp>
       <p:sp>
@@ -813,13 +835,36 @@
           <a:bodyPr/>
           <a:lstStyle/>
           <a:p>
-            <a:endParaRPr lang="en-US" b="0" dirty="0">
-              <a:solidFill>
-                <a:srgbClr val="CCCCCC"/>
-              </a:solidFill>
-              <a:effectLst/>
-              <a:latin typeface="Menlo" panose="020B0609030804020204" pitchFamily="49" charset="0"/>
-            </a:endParaRPr>
+            <a:r>
+              <a:rPr lang="en-US" b="0" dirty="0">
+                <a:solidFill>
+                  <a:srgbClr val="CCCCCC"/>
+                </a:solidFill>
+                <a:effectLst/>
+                <a:latin typeface="Menlo" panose="020B0609030804020204" pitchFamily="49" charset="0"/>
+              </a:rPr>
+              <a:t>Fewer Tregs associated with </a:t>
+            </a:r>
+            <a:r>
+              <a:rPr lang="en-US" b="0" dirty="0" err="1">
+                <a:solidFill>
+                  <a:srgbClr val="CCCCCC"/>
+                </a:solidFill>
+                <a:effectLst/>
+                <a:latin typeface="Menlo" panose="020B0609030804020204" pitchFamily="49" charset="0"/>
+              </a:rPr>
+              <a:t>irAEs</a:t>
+            </a:r>
+            <a:r>
+              <a:rPr lang="en-US" b="0" dirty="0">
+                <a:solidFill>
+                  <a:srgbClr val="CCCCCC"/>
+                </a:solidFill>
+                <a:effectLst/>
+                <a:latin typeface="Menlo" panose="020B0609030804020204" pitchFamily="49" charset="0"/>
+              </a:rPr>
+              <a:t> in literature, don’t see that here though, don’t even see ICI decreasing Tregs…</a:t>
+            </a:r>
           </a:p>
         </p:txBody>
       </p:sp>
@@ -849,7 +894,7 @@
     </p:spTree>
     <p:extLst>
       <p:ext uri="{BB962C8B-B14F-4D97-AF65-F5344CB8AC3E}">
-        <p14:creationId xmlns:p14="http://schemas.microsoft.com/office/powerpoint/2010/main" val="3673769963"/>
+        <p14:creationId xmlns:p14="http://schemas.microsoft.com/office/powerpoint/2010/main" val="2994565858"/>
       </p:ext>
     </p:extLst>
   </p:cSld>
@@ -903,13 +948,36 @@
           <a:bodyPr/>
           <a:lstStyle/>
           <a:p>
-            <a:endParaRPr lang="en-US" b="0" dirty="0">
-              <a:solidFill>
-                <a:srgbClr val="CCCCCC"/>
-              </a:solidFill>
-              <a:effectLst/>
-              <a:latin typeface="Menlo" panose="020B0609030804020204" pitchFamily="49" charset="0"/>
-            </a:endParaRPr>
+            <a:r>
+              <a:rPr lang="en-US" b="0" dirty="0">
+                <a:solidFill>
+                  <a:srgbClr val="CCCCCC"/>
+                </a:solidFill>
+                <a:effectLst/>
+                <a:latin typeface="Menlo" panose="020B0609030804020204" pitchFamily="49" charset="0"/>
+              </a:rPr>
+              <a:t>P = 0.02 for CD8 TEM </a:t>
+            </a:r>
+            <a:r>
+              <a:rPr lang="en-US" b="0" dirty="0" err="1">
+                <a:solidFill>
+                  <a:srgbClr val="CCCCCC"/>
+                </a:solidFill>
+                <a:effectLst/>
+                <a:latin typeface="Menlo" panose="020B0609030804020204" pitchFamily="49" charset="0"/>
+              </a:rPr>
+              <a:t>pgen</a:t>
+            </a:r>
+            <a:r>
+              <a:rPr lang="en-US" b="0" dirty="0">
+                <a:solidFill>
+                  <a:srgbClr val="CCCCCC"/>
+                </a:solidFill>
+                <a:effectLst/>
+                <a:latin typeface="Menlo" panose="020B0609030804020204" pitchFamily="49" charset="0"/>
+              </a:rPr>
+              <a:t> TRB 10% cutoff</a:t>
+            </a:r>
           </a:p>
         </p:txBody>
       </p:sp>
@@ -939,7 +1007,7 @@
     </p:spTree>
     <p:extLst>
       <p:ext uri="{BB962C8B-B14F-4D97-AF65-F5344CB8AC3E}">
-        <p14:creationId xmlns:p14="http://schemas.microsoft.com/office/powerpoint/2010/main" val="2726104982"/>
+        <p14:creationId xmlns:p14="http://schemas.microsoft.com/office/powerpoint/2010/main" val="313742005"/>
       </p:ext>
     </p:extLst>
   </p:cSld>
@@ -1029,7 +1097,7 @@
     </p:spTree>
     <p:extLst>
       <p:ext uri="{BB962C8B-B14F-4D97-AF65-F5344CB8AC3E}">
-        <p14:creationId xmlns:p14="http://schemas.microsoft.com/office/powerpoint/2010/main" val="313742005"/>
+        <p14:creationId xmlns:p14="http://schemas.microsoft.com/office/powerpoint/2010/main" val="2327222038"/>
       </p:ext>
     </p:extLst>
   </p:cSld>
@@ -1210,6 +1278,119 @@
     <p:extLst>
       <p:ext uri="{BB962C8B-B14F-4D97-AF65-F5344CB8AC3E}">
         <p14:creationId xmlns:p14="http://schemas.microsoft.com/office/powerpoint/2010/main" val="906140516"/>
+      </p:ext>
+    </p:extLst>
+  </p:cSld>
+  <p:clrMapOvr>
+    <a:masterClrMapping/>
+  </p:clrMapOvr>
+</p:notes>
+</file>
+
+<file path=ppt/notesSlides/notesSlide9.xml><?xml version="1.0" encoding="utf-8"?>
+<p:notes xmlns:a="http://schemas.openxmlformats.org/drawingml/2006/main" xmlns:r="http://schemas.openxmlformats.org/officeDocument/2006/relationships" xmlns:p="http://schemas.openxmlformats.org/presentationml/2006/main">
+  <p:cSld>
+    <p:spTree>
+      <p:nvGrpSpPr>
+        <p:cNvPr id="1" name=""/>
+        <p:cNvGrpSpPr/>
+        <p:nvPr/>
+      </p:nvGrpSpPr>
+      <p:grpSpPr>
+        <a:xfrm>
+          <a:off x="0" y="0"/>
+          <a:ext cx="0" cy="0"/>
+          <a:chOff x="0" y="0"/>
+          <a:chExt cx="0" cy="0"/>
+        </a:xfrm>
+      </p:grpSpPr>
+      <p:sp>
+        <p:nvSpPr>
+          <p:cNvPr id="2" name="Slide Image Placeholder 1"/>
+          <p:cNvSpPr>
+            <a:spLocks noGrp="1" noRot="1" noChangeAspect="1"/>
+          </p:cNvSpPr>
+          <p:nvPr>
+            <p:ph type="sldImg"/>
+          </p:nvPr>
+        </p:nvSpPr>
+        <p:spPr/>
+      </p:sp>
+      <p:sp>
+        <p:nvSpPr>
+          <p:cNvPr id="3" name="Notes Placeholder 2"/>
+          <p:cNvSpPr>
+            <a:spLocks noGrp="1"/>
+          </p:cNvSpPr>
+          <p:nvPr>
+            <p:ph type="body" idx="1"/>
+          </p:nvPr>
+        </p:nvSpPr>
+        <p:spPr/>
+        <p:txBody>
+          <a:bodyPr/>
+          <a:lstStyle/>
+          <a:p>
+            <a:r>
+              <a:rPr lang="en-US" b="0" dirty="0">
+                <a:solidFill>
+                  <a:srgbClr val="CCCCCC"/>
+                </a:solidFill>
+                <a:effectLst/>
+                <a:latin typeface="Menlo" panose="020B0609030804020204" pitchFamily="49" charset="0"/>
+              </a:rPr>
+              <a:t>Fewer Tregs associated with </a:t>
+            </a:r>
+            <a:r>
+              <a:rPr lang="en-US" b="0" dirty="0" err="1">
+                <a:solidFill>
+                  <a:srgbClr val="CCCCCC"/>
+                </a:solidFill>
+                <a:effectLst/>
+                <a:latin typeface="Menlo" panose="020B0609030804020204" pitchFamily="49" charset="0"/>
+              </a:rPr>
+              <a:t>irAEs</a:t>
+            </a:r>
+            <a:r>
+              <a:rPr lang="en-US" b="0" dirty="0">
+                <a:solidFill>
+                  <a:srgbClr val="CCCCCC"/>
+                </a:solidFill>
+                <a:effectLst/>
+                <a:latin typeface="Menlo" panose="020B0609030804020204" pitchFamily="49" charset="0"/>
+              </a:rPr>
+              <a:t> in literature, don’t see that here though, don’t even see ICI decreasing Tregs…</a:t>
+            </a:r>
+          </a:p>
+        </p:txBody>
+      </p:sp>
+      <p:sp>
+        <p:nvSpPr>
+          <p:cNvPr id="4" name="Slide Number Placeholder 3"/>
+          <p:cNvSpPr>
+            <a:spLocks noGrp="1"/>
+          </p:cNvSpPr>
+          <p:nvPr>
+            <p:ph type="sldNum" sz="quarter" idx="5"/>
+          </p:nvPr>
+        </p:nvSpPr>
+        <p:spPr/>
+        <p:txBody>
+          <a:bodyPr/>
+          <a:lstStyle/>
+          <a:p>
+            <a:fld id="{061BAA8C-FDC6-D345-B4E0-3B02449209FB}" type="slidenum">
+              <a:rPr lang="en-US" smtClean="0"/>
+              <a:t>9</a:t>
+            </a:fld>
+            <a:endParaRPr lang="en-US"/>
+          </a:p>
+        </p:txBody>
+      </p:sp>
+    </p:spTree>
+    <p:extLst>
+      <p:ext uri="{BB962C8B-B14F-4D97-AF65-F5344CB8AC3E}">
+        <p14:creationId xmlns:p14="http://schemas.microsoft.com/office/powerpoint/2010/main" val="1936316929"/>
       </p:ext>
     </p:extLst>
   </p:cSld>
@@ -1366,7 +1547,7 @@
           <a:p>
             <a:fld id="{80FC6068-BAFB-FC44-B9D8-F4B3BB105DE6}" type="datetimeFigureOut">
               <a:rPr lang="en-US" smtClean="0"/>
-              <a:t>1/6/24</a:t>
+              <a:t>1/8/24</a:t>
             </a:fld>
             <a:endParaRPr lang="en-US"/>
           </a:p>
@@ -1564,7 +1745,7 @@
           <a:p>
             <a:fld id="{80FC6068-BAFB-FC44-B9D8-F4B3BB105DE6}" type="datetimeFigureOut">
               <a:rPr lang="en-US" smtClean="0"/>
-              <a:t>1/6/24</a:t>
+              <a:t>1/8/24</a:t>
             </a:fld>
             <a:endParaRPr lang="en-US"/>
           </a:p>
@@ -1772,7 +1953,7 @@
           <a:p>
             <a:fld id="{80FC6068-BAFB-FC44-B9D8-F4B3BB105DE6}" type="datetimeFigureOut">
               <a:rPr lang="en-US" smtClean="0"/>
-              <a:t>1/6/24</a:t>
+              <a:t>1/8/24</a:t>
             </a:fld>
             <a:endParaRPr lang="en-US"/>
           </a:p>
@@ -1976,7 +2157,7 @@
           <a:p>
             <a:fld id="{80FC6068-BAFB-FC44-B9D8-F4B3BB105DE6}" type="datetimeFigureOut">
               <a:rPr lang="en-US" smtClean="0"/>
-              <a:t>1/6/24</a:t>
+              <a:t>1/8/24</a:t>
             </a:fld>
             <a:endParaRPr lang="en-US"/>
           </a:p>
@@ -2267,7 +2448,7 @@
           <a:p>
             <a:fld id="{80FC6068-BAFB-FC44-B9D8-F4B3BB105DE6}" type="datetimeFigureOut">
               <a:rPr lang="en-US" smtClean="0"/>
-              <a:t>1/6/24</a:t>
+              <a:t>1/8/24</a:t>
             </a:fld>
             <a:endParaRPr lang="en-US"/>
           </a:p>
@@ -2532,7 +2713,7 @@
           <a:p>
             <a:fld id="{80FC6068-BAFB-FC44-B9D8-F4B3BB105DE6}" type="datetimeFigureOut">
               <a:rPr lang="en-US" smtClean="0"/>
-              <a:t>1/6/24</a:t>
+              <a:t>1/8/24</a:t>
             </a:fld>
             <a:endParaRPr lang="en-US"/>
           </a:p>
@@ -2944,7 +3125,7 @@
           <a:p>
             <a:fld id="{80FC6068-BAFB-FC44-B9D8-F4B3BB105DE6}" type="datetimeFigureOut">
               <a:rPr lang="en-US" smtClean="0"/>
-              <a:t>1/6/24</a:t>
+              <a:t>1/8/24</a:t>
             </a:fld>
             <a:endParaRPr lang="en-US"/>
           </a:p>
@@ -3085,7 +3266,7 @@
           <a:p>
             <a:fld id="{80FC6068-BAFB-FC44-B9D8-F4B3BB105DE6}" type="datetimeFigureOut">
               <a:rPr lang="en-US" smtClean="0"/>
-              <a:t>1/6/24</a:t>
+              <a:t>1/8/24</a:t>
             </a:fld>
             <a:endParaRPr lang="en-US"/>
           </a:p>
@@ -3198,7 +3379,7 @@
           <a:p>
             <a:fld id="{80FC6068-BAFB-FC44-B9D8-F4B3BB105DE6}" type="datetimeFigureOut">
               <a:rPr lang="en-US" smtClean="0"/>
-              <a:t>1/6/24</a:t>
+              <a:t>1/8/24</a:t>
             </a:fld>
             <a:endParaRPr lang="en-US"/>
           </a:p>
@@ -3509,7 +3690,7 @@
           <a:p>
             <a:fld id="{80FC6068-BAFB-FC44-B9D8-F4B3BB105DE6}" type="datetimeFigureOut">
               <a:rPr lang="en-US" smtClean="0"/>
-              <a:t>1/6/24</a:t>
+              <a:t>1/8/24</a:t>
             </a:fld>
             <a:endParaRPr lang="en-US"/>
           </a:p>
@@ -3797,7 +3978,7 @@
           <a:p>
             <a:fld id="{80FC6068-BAFB-FC44-B9D8-F4B3BB105DE6}" type="datetimeFigureOut">
               <a:rPr lang="en-US" smtClean="0"/>
-              <a:t>1/6/24</a:t>
+              <a:t>1/8/24</a:t>
             </a:fld>
             <a:endParaRPr lang="en-US"/>
           </a:p>
@@ -4038,7 +4219,7 @@
           <a:p>
             <a:fld id="{80FC6068-BAFB-FC44-B9D8-F4B3BB105DE6}" type="datetimeFigureOut">
               <a:rPr lang="en-US" smtClean="0"/>
-              <a:t>1/6/24</a:t>
+              <a:t>1/8/24</a:t>
             </a:fld>
             <a:endParaRPr lang="en-US"/>
           </a:p>
@@ -4612,7 +4793,32 @@
           </a:bodyPr>
           <a:lstStyle/>
           <a:p>
-            <a:endParaRPr lang="en-US" dirty="0"/>
+            <a:r>
+              <a:rPr lang="en-US" dirty="0"/>
+              <a:t>Cleaned up cell type abundance comparisons between </a:t>
+            </a:r>
+            <a:r>
+              <a:rPr lang="en-US" dirty="0" err="1"/>
+              <a:t>irAE</a:t>
+            </a:r>
+            <a:r>
+              <a:rPr lang="en-US" dirty="0"/>
+              <a:t> groups across both datasets, UMAP contour plot</a:t>
+            </a:r>
+          </a:p>
+          <a:p>
+            <a:r>
+              <a:rPr lang="en-US" dirty="0"/>
+              <a:t>Looking at feature differences between </a:t>
+            </a:r>
+            <a:r>
+              <a:rPr lang="en-US" dirty="0" err="1"/>
+              <a:t>irAE</a:t>
+            </a:r>
+            <a:r>
+              <a:rPr lang="en-US" dirty="0"/>
+              <a:t> groups across datasets across different bins of top clonotype %s using heatmaps</a:t>
+            </a:r>
           </a:p>
         </p:txBody>
       </p:sp>
@@ -4646,63 +4852,12 @@
           <a:chExt cx="0" cy="0"/>
         </a:xfrm>
       </p:grpSpPr>
-      <p:sp>
-        <p:nvSpPr>
-          <p:cNvPr id="2" name="Title 1">
-            <a:extLst>
-              <a:ext uri="{FF2B5EF4-FFF2-40B4-BE49-F238E27FC236}">
-                <a16:creationId xmlns:a16="http://schemas.microsoft.com/office/drawing/2014/main" id="{70A4C97D-8F21-3D3B-6A90-EA7145324964}"/>
-              </a:ext>
-            </a:extLst>
-          </p:cNvPr>
-          <p:cNvSpPr>
-            <a:spLocks noGrp="1"/>
-          </p:cNvSpPr>
-          <p:nvPr>
-            <p:ph type="title"/>
-          </p:nvPr>
-        </p:nvSpPr>
-        <p:spPr>
-          <a:xfrm>
-            <a:off x="838200" y="593725"/>
-            <a:ext cx="10515600" cy="1325563"/>
-          </a:xfrm>
-        </p:spPr>
-        <p:txBody>
-          <a:bodyPr>
-            <a:normAutofit/>
-          </a:bodyPr>
-          <a:lstStyle/>
-          <a:p>
-            <a:r>
-              <a:rPr lang="en-US" dirty="0"/>
-              <a:t>Some cell type normalized abundances in </a:t>
-            </a:r>
-            <a:r>
-              <a:rPr lang="en-US" dirty="0" err="1"/>
-              <a:t>irAE</a:t>
-            </a:r>
-            <a:r>
-              <a:rPr lang="en-US" dirty="0"/>
-              <a:t> tissue (colitis dataset) are different between </a:t>
-            </a:r>
-            <a:r>
-              <a:rPr lang="en-US" dirty="0" err="1"/>
-              <a:t>irAE</a:t>
-            </a:r>
-            <a:r>
-              <a:rPr lang="en-US" dirty="0"/>
-              <a:t> groups</a:t>
-            </a:r>
-          </a:p>
-        </p:txBody>
-      </p:sp>
       <p:pic>
         <p:nvPicPr>
-          <p:cNvPr id="4" name="Picture 3">
-            <a:extLst>
-              <a:ext uri="{FF2B5EF4-FFF2-40B4-BE49-F238E27FC236}">
-                <a16:creationId xmlns:a16="http://schemas.microsoft.com/office/drawing/2014/main" id="{DC4C55AC-6D75-3C99-5786-CE9BE67AC93A}"/>
+          <p:cNvPr id="6" name="Picture 5">
+            <a:extLst>
+              <a:ext uri="{FF2B5EF4-FFF2-40B4-BE49-F238E27FC236}">
+                <a16:creationId xmlns:a16="http://schemas.microsoft.com/office/drawing/2014/main" id="{5DE8FA55-C9B5-0FD6-D2C0-F7897C5D17C9}"/>
               </a:ext>
             </a:extLst>
           </p:cNvPr>
@@ -4719,14 +4874,57 @@
         </p:blipFill>
         <p:spPr>
           <a:xfrm>
-            <a:off x="0" y="2230955"/>
-            <a:ext cx="5745480" cy="3519526"/>
+            <a:off x="6096000" y="2227045"/>
+            <a:ext cx="5257800" cy="3193058"/>
           </a:xfrm>
           <a:prstGeom prst="rect">
             <a:avLst/>
           </a:prstGeom>
         </p:spPr>
       </p:pic>
+      <p:sp>
+        <p:nvSpPr>
+          <p:cNvPr id="2" name="Title 1">
+            <a:extLst>
+              <a:ext uri="{FF2B5EF4-FFF2-40B4-BE49-F238E27FC236}">
+                <a16:creationId xmlns:a16="http://schemas.microsoft.com/office/drawing/2014/main" id="{70A4C97D-8F21-3D3B-6A90-EA7145324964}"/>
+              </a:ext>
+            </a:extLst>
+          </p:cNvPr>
+          <p:cNvSpPr>
+            <a:spLocks noGrp="1"/>
+          </p:cNvSpPr>
+          <p:nvPr>
+            <p:ph type="title"/>
+          </p:nvPr>
+        </p:nvSpPr>
+        <p:spPr>
+          <a:xfrm>
+            <a:off x="838200" y="593725"/>
+            <a:ext cx="10515600" cy="1325563"/>
+          </a:xfrm>
+        </p:spPr>
+        <p:txBody>
+          <a:bodyPr>
+            <a:normAutofit/>
+          </a:bodyPr>
+          <a:lstStyle/>
+          <a:p>
+            <a:r>
+              <a:rPr lang="en-US" sz="3600" dirty="0"/>
+              <a:t>More proliferating T cells (CD4 and CD8), fewer memory T cells (CD4 TEM, CD8 TCM), fewer MAITs in </a:t>
+            </a:r>
+            <a:r>
+              <a:rPr lang="en-US" sz="3600" dirty="0" err="1"/>
+              <a:t>irAE</a:t>
+            </a:r>
+            <a:r>
+              <a:rPr lang="en-US" sz="3600" dirty="0"/>
+              <a:t> tissue</a:t>
+            </a:r>
+          </a:p>
+        </p:txBody>
+      </p:sp>
       <p:sp>
         <p:nvSpPr>
           <p:cNvPr id="5" name="TextBox 4">
@@ -4776,7 +4974,7 @@
         </p:nvSpPr>
         <p:spPr>
           <a:xfrm>
-            <a:off x="8239924" y="1861622"/>
+            <a:off x="7972803" y="1861623"/>
             <a:ext cx="1504194" cy="369332"/>
           </a:xfrm>
           <a:prstGeom prst="rect">
@@ -4797,12 +4995,242 @@
           </a:p>
         </p:txBody>
       </p:sp>
+      <p:sp>
+        <p:nvSpPr>
+          <p:cNvPr id="9" name="TextBox 8">
+            <a:extLst>
+              <a:ext uri="{FF2B5EF4-FFF2-40B4-BE49-F238E27FC236}">
+                <a16:creationId xmlns:a16="http://schemas.microsoft.com/office/drawing/2014/main" id="{4FD04972-7431-A8DF-F214-0CA56CC31F94}"/>
+              </a:ext>
+            </a:extLst>
+          </p:cNvPr>
+          <p:cNvSpPr txBox="1"/>
+          <p:nvPr/>
+        </p:nvSpPr>
+        <p:spPr>
+          <a:xfrm>
+            <a:off x="6687024" y="5591472"/>
+            <a:ext cx="3594510" cy="307777"/>
+          </a:xfrm>
+          <a:prstGeom prst="rect">
+            <a:avLst/>
+          </a:prstGeom>
+          <a:noFill/>
+        </p:spPr>
+        <p:txBody>
+          <a:bodyPr wrap="none" rtlCol="0">
+            <a:spAutoFit/>
+          </a:bodyPr>
+          <a:lstStyle/>
+          <a:p>
+            <a:r>
+              <a:rPr lang="en-US" sz="1400" dirty="0"/>
+              <a:t>Wilcoxon rank sum test.</a:t>
+            </a:r>
+            <a:r>
+              <a:rPr lang="en-US" sz="1400" dirty="0">
+                <a:cs typeface="Times New Roman" panose="02020603050405020304" pitchFamily="18" charset="0"/>
+              </a:rPr>
+              <a:t> </a:t>
+            </a:r>
+            <a:r>
+              <a:rPr lang="en-US" sz="1400" dirty="0">
+                <a:effectLst/>
+                <a:ea typeface="Calibri" panose="020F0502020204030204" pitchFamily="34" charset="0"/>
+                <a:cs typeface="Times New Roman" panose="02020603050405020304" pitchFamily="18" charset="0"/>
+              </a:rPr>
+              <a:t>**, p &lt;1e-2; *; p &lt;0.05</a:t>
+            </a:r>
+            <a:endParaRPr lang="en-US" sz="1400" b="0" i="0" u="none" strike="noStrike" dirty="0">
+              <a:solidFill>
+                <a:srgbClr val="212121"/>
+              </a:solidFill>
+              <a:effectLst/>
+            </a:endParaRPr>
+          </a:p>
+        </p:txBody>
+      </p:sp>
+      <p:sp>
+        <p:nvSpPr>
+          <p:cNvPr id="10" name="TextBox 9">
+            <a:extLst>
+              <a:ext uri="{FF2B5EF4-FFF2-40B4-BE49-F238E27FC236}">
+                <a16:creationId xmlns:a16="http://schemas.microsoft.com/office/drawing/2014/main" id="{CEE05D2D-A200-4B71-9407-51E00BEE8CB1}"/>
+              </a:ext>
+            </a:extLst>
+          </p:cNvPr>
+          <p:cNvSpPr txBox="1"/>
+          <p:nvPr/>
+        </p:nvSpPr>
+        <p:spPr>
+          <a:xfrm>
+            <a:off x="7771314" y="2655791"/>
+            <a:ext cx="674399" cy="369332"/>
+          </a:xfrm>
+          <a:prstGeom prst="rect">
+            <a:avLst/>
+          </a:prstGeom>
+          <a:noFill/>
+        </p:spPr>
+        <p:txBody>
+          <a:bodyPr wrap="square" rtlCol="0">
+            <a:spAutoFit/>
+          </a:bodyPr>
+          <a:lstStyle/>
+          <a:p>
+            <a:r>
+              <a:rPr lang="en-US" dirty="0"/>
+              <a:t>**</a:t>
+            </a:r>
+          </a:p>
+        </p:txBody>
+      </p:sp>
+      <p:sp>
+        <p:nvSpPr>
+          <p:cNvPr id="11" name="TextBox 10">
+            <a:extLst>
+              <a:ext uri="{FF2B5EF4-FFF2-40B4-BE49-F238E27FC236}">
+                <a16:creationId xmlns:a16="http://schemas.microsoft.com/office/drawing/2014/main" id="{9B3A035E-CF79-F577-26A2-9DDBF7593AB8}"/>
+              </a:ext>
+            </a:extLst>
+          </p:cNvPr>
+          <p:cNvSpPr txBox="1"/>
+          <p:nvPr/>
+        </p:nvSpPr>
+        <p:spPr>
+          <a:xfrm>
+            <a:off x="9751403" y="2677807"/>
+            <a:ext cx="674399" cy="369332"/>
+          </a:xfrm>
+          <a:prstGeom prst="rect">
+            <a:avLst/>
+          </a:prstGeom>
+          <a:noFill/>
+        </p:spPr>
+        <p:txBody>
+          <a:bodyPr wrap="square" rtlCol="0">
+            <a:spAutoFit/>
+          </a:bodyPr>
+          <a:lstStyle/>
+          <a:p>
+            <a:r>
+              <a:rPr lang="en-US" dirty="0"/>
+              <a:t>**</a:t>
+            </a:r>
+          </a:p>
+        </p:txBody>
+      </p:sp>
+      <p:sp>
+        <p:nvSpPr>
+          <p:cNvPr id="12" name="TextBox 11">
+            <a:extLst>
+              <a:ext uri="{FF2B5EF4-FFF2-40B4-BE49-F238E27FC236}">
+                <a16:creationId xmlns:a16="http://schemas.microsoft.com/office/drawing/2014/main" id="{851B0F4D-1B2B-499E-62ED-A459DCDF2C0D}"/>
+              </a:ext>
+            </a:extLst>
+          </p:cNvPr>
+          <p:cNvSpPr txBox="1"/>
+          <p:nvPr/>
+        </p:nvSpPr>
+        <p:spPr>
+          <a:xfrm>
+            <a:off x="7113544" y="2665730"/>
+            <a:ext cx="674399" cy="369332"/>
+          </a:xfrm>
+          <a:prstGeom prst="rect">
+            <a:avLst/>
+          </a:prstGeom>
+          <a:noFill/>
+        </p:spPr>
+        <p:txBody>
+          <a:bodyPr wrap="square" rtlCol="0">
+            <a:spAutoFit/>
+          </a:bodyPr>
+          <a:lstStyle/>
+          <a:p>
+            <a:r>
+              <a:rPr lang="en-US" dirty="0"/>
+              <a:t>**</a:t>
+            </a:r>
+          </a:p>
+        </p:txBody>
+      </p:sp>
+      <p:sp>
+        <p:nvSpPr>
+          <p:cNvPr id="13" name="TextBox 12">
+            <a:extLst>
+              <a:ext uri="{FF2B5EF4-FFF2-40B4-BE49-F238E27FC236}">
+                <a16:creationId xmlns:a16="http://schemas.microsoft.com/office/drawing/2014/main" id="{47BF5AFD-0B8A-DF3B-9573-2866AF4DB562}"/>
+              </a:ext>
+            </a:extLst>
+          </p:cNvPr>
+          <p:cNvSpPr txBox="1"/>
+          <p:nvPr/>
+        </p:nvSpPr>
+        <p:spPr>
+          <a:xfrm>
+            <a:off x="8484279" y="2659418"/>
+            <a:ext cx="674399" cy="369332"/>
+          </a:xfrm>
+          <a:prstGeom prst="rect">
+            <a:avLst/>
+          </a:prstGeom>
+          <a:noFill/>
+        </p:spPr>
+        <p:txBody>
+          <a:bodyPr wrap="square" rtlCol="0">
+            <a:spAutoFit/>
+          </a:bodyPr>
+          <a:lstStyle/>
+          <a:p>
+            <a:r>
+              <a:rPr lang="en-US" dirty="0"/>
+              <a:t>*</a:t>
+            </a:r>
+          </a:p>
+        </p:txBody>
+      </p:sp>
+      <p:sp>
+        <p:nvSpPr>
+          <p:cNvPr id="14" name="TextBox 13">
+            <a:extLst>
+              <a:ext uri="{FF2B5EF4-FFF2-40B4-BE49-F238E27FC236}">
+                <a16:creationId xmlns:a16="http://schemas.microsoft.com/office/drawing/2014/main" id="{6A946E68-5EFE-F2FA-4842-A758670F4EFB}"/>
+              </a:ext>
+            </a:extLst>
+          </p:cNvPr>
+          <p:cNvSpPr txBox="1"/>
+          <p:nvPr/>
+        </p:nvSpPr>
+        <p:spPr>
+          <a:xfrm>
+            <a:off x="9112232" y="2658846"/>
+            <a:ext cx="674399" cy="369332"/>
+          </a:xfrm>
+          <a:prstGeom prst="rect">
+            <a:avLst/>
+          </a:prstGeom>
+          <a:noFill/>
+        </p:spPr>
+        <p:txBody>
+          <a:bodyPr wrap="square" rtlCol="0">
+            <a:spAutoFit/>
+          </a:bodyPr>
+          <a:lstStyle/>
+          <a:p>
+            <a:r>
+              <a:rPr lang="en-US" dirty="0"/>
+              <a:t>**</a:t>
+            </a:r>
+          </a:p>
+        </p:txBody>
+      </p:sp>
       <p:pic>
         <p:nvPicPr>
-          <p:cNvPr id="8" name="Picture 7">
-            <a:extLst>
-              <a:ext uri="{FF2B5EF4-FFF2-40B4-BE49-F238E27FC236}">
-                <a16:creationId xmlns:a16="http://schemas.microsoft.com/office/drawing/2014/main" id="{8BBCF908-21A1-C77A-83FE-5EEEC47210AE}"/>
+          <p:cNvPr id="3" name="Picture 2">
+            <a:extLst>
+              <a:ext uri="{FF2B5EF4-FFF2-40B4-BE49-F238E27FC236}">
+                <a16:creationId xmlns:a16="http://schemas.microsoft.com/office/drawing/2014/main" id="{5936EA34-EF39-48BB-3DBF-9AF7936FCD84}"/>
               </a:ext>
             </a:extLst>
           </p:cNvPr>
@@ -4819,8 +5247,8 @@
         </p:blipFill>
         <p:spPr>
           <a:xfrm>
-            <a:off x="5865251" y="2230954"/>
-            <a:ext cx="6351645" cy="3519526"/>
+            <a:off x="508035" y="2264879"/>
+            <a:ext cx="5155544" cy="3155223"/>
           </a:xfrm>
           <a:prstGeom prst="rect">
             <a:avLst/>
@@ -4829,10 +5257,10 @@
       </p:pic>
       <p:sp>
         <p:nvSpPr>
-          <p:cNvPr id="9" name="TextBox 8">
-            <a:extLst>
-              <a:ext uri="{FF2B5EF4-FFF2-40B4-BE49-F238E27FC236}">
-                <a16:creationId xmlns:a16="http://schemas.microsoft.com/office/drawing/2014/main" id="{4FD04972-7431-A8DF-F214-0CA56CC31F94}"/>
+          <p:cNvPr id="17" name="TextBox 16">
+            <a:extLst>
+              <a:ext uri="{FF2B5EF4-FFF2-40B4-BE49-F238E27FC236}">
+                <a16:creationId xmlns:a16="http://schemas.microsoft.com/office/drawing/2014/main" id="{410F48CE-6488-C631-0AA3-90C948933747}"/>
               </a:ext>
             </a:extLst>
           </p:cNvPr>
@@ -4841,8 +5269,8 @@
         </p:nvSpPr>
         <p:spPr>
           <a:xfrm>
-            <a:off x="3483977" y="6483346"/>
-            <a:ext cx="4573688" cy="369332"/>
+            <a:off x="655750" y="5611804"/>
+            <a:ext cx="4860113" cy="307777"/>
           </a:xfrm>
           <a:prstGeom prst="rect">
             <a:avLst/>
@@ -4856,255 +5284,8 @@
           <a:lstStyle/>
           <a:p>
             <a:r>
-              <a:rPr lang="en-US" dirty="0"/>
-              <a:t>Wilcoxon rank sum test.</a:t>
-            </a:r>
-            <a:r>
-              <a:rPr lang="en-US" dirty="0">
-                <a:latin typeface="Calibri" panose="020F0502020204030204" pitchFamily="34" charset="0"/>
-                <a:cs typeface="Times New Roman" panose="02020603050405020304" pitchFamily="18" charset="0"/>
-              </a:rPr>
-              <a:t> </a:t>
-            </a:r>
-            <a:r>
-              <a:rPr lang="en-US" sz="1800" dirty="0">
-                <a:effectLst/>
-                <a:latin typeface="Calibri" panose="020F0502020204030204" pitchFamily="34" charset="0"/>
-                <a:ea typeface="Calibri" panose="020F0502020204030204" pitchFamily="34" charset="0"/>
-                <a:cs typeface="Times New Roman" panose="02020603050405020304" pitchFamily="18" charset="0"/>
-              </a:rPr>
-              <a:t>**, p &lt;1e-2; *; p &lt;0.05</a:t>
-            </a:r>
-            <a:endParaRPr lang="en-US" b="0" i="0" u="none" strike="noStrike" dirty="0">
-              <a:solidFill>
-                <a:srgbClr val="212121"/>
-              </a:solidFill>
-              <a:effectLst/>
-              <a:latin typeface="Cambria" panose="02040503050406030204" pitchFamily="18" charset="0"/>
-            </a:endParaRPr>
-          </a:p>
-        </p:txBody>
-      </p:sp>
-      <p:sp>
-        <p:nvSpPr>
-          <p:cNvPr id="10" name="TextBox 9">
-            <a:extLst>
-              <a:ext uri="{FF2B5EF4-FFF2-40B4-BE49-F238E27FC236}">
-                <a16:creationId xmlns:a16="http://schemas.microsoft.com/office/drawing/2014/main" id="{CEE05D2D-A200-4B71-9407-51E00BEE8CB1}"/>
-              </a:ext>
-            </a:extLst>
-          </p:cNvPr>
-          <p:cNvSpPr txBox="1"/>
-          <p:nvPr/>
-        </p:nvSpPr>
-        <p:spPr>
-          <a:xfrm>
-            <a:off x="8189124" y="2817853"/>
-            <a:ext cx="674399" cy="369332"/>
-          </a:xfrm>
-          <a:prstGeom prst="rect">
-            <a:avLst/>
-          </a:prstGeom>
-          <a:noFill/>
-        </p:spPr>
-        <p:txBody>
-          <a:bodyPr wrap="square" rtlCol="0">
-            <a:spAutoFit/>
-          </a:bodyPr>
-          <a:lstStyle/>
-          <a:p>
-            <a:r>
-              <a:rPr lang="en-US" dirty="0"/>
-              <a:t>**</a:t>
-            </a:r>
-          </a:p>
-        </p:txBody>
-      </p:sp>
-      <p:sp>
-        <p:nvSpPr>
-          <p:cNvPr id="11" name="TextBox 10">
-            <a:extLst>
-              <a:ext uri="{FF2B5EF4-FFF2-40B4-BE49-F238E27FC236}">
-                <a16:creationId xmlns:a16="http://schemas.microsoft.com/office/drawing/2014/main" id="{9B3A035E-CF79-F577-26A2-9DDBF7593AB8}"/>
-              </a:ext>
-            </a:extLst>
-          </p:cNvPr>
-          <p:cNvSpPr txBox="1"/>
-          <p:nvPr/>
-        </p:nvSpPr>
-        <p:spPr>
-          <a:xfrm>
-            <a:off x="10192850" y="2817853"/>
-            <a:ext cx="674399" cy="369332"/>
-          </a:xfrm>
-          <a:prstGeom prst="rect">
-            <a:avLst/>
-          </a:prstGeom>
-          <a:noFill/>
-        </p:spPr>
-        <p:txBody>
-          <a:bodyPr wrap="square" rtlCol="0">
-            <a:spAutoFit/>
-          </a:bodyPr>
-          <a:lstStyle/>
-          <a:p>
-            <a:r>
-              <a:rPr lang="en-US" dirty="0"/>
-              <a:t>**</a:t>
-            </a:r>
-          </a:p>
-        </p:txBody>
-      </p:sp>
-      <p:sp>
-        <p:nvSpPr>
-          <p:cNvPr id="12" name="TextBox 11">
-            <a:extLst>
-              <a:ext uri="{FF2B5EF4-FFF2-40B4-BE49-F238E27FC236}">
-                <a16:creationId xmlns:a16="http://schemas.microsoft.com/office/drawing/2014/main" id="{851B0F4D-1B2B-499E-62ED-A459DCDF2C0D}"/>
-              </a:ext>
-            </a:extLst>
-          </p:cNvPr>
-          <p:cNvSpPr txBox="1"/>
-          <p:nvPr/>
-        </p:nvSpPr>
-        <p:spPr>
-          <a:xfrm>
-            <a:off x="7565525" y="2814798"/>
-            <a:ext cx="674399" cy="369332"/>
-          </a:xfrm>
-          <a:prstGeom prst="rect">
-            <a:avLst/>
-          </a:prstGeom>
-          <a:noFill/>
-        </p:spPr>
-        <p:txBody>
-          <a:bodyPr wrap="square" rtlCol="0">
-            <a:spAutoFit/>
-          </a:bodyPr>
-          <a:lstStyle/>
-          <a:p>
-            <a:r>
-              <a:rPr lang="en-US" dirty="0"/>
-              <a:t>**</a:t>
-            </a:r>
-          </a:p>
-        </p:txBody>
-      </p:sp>
-      <p:sp>
-        <p:nvSpPr>
-          <p:cNvPr id="13" name="TextBox 12">
-            <a:extLst>
-              <a:ext uri="{FF2B5EF4-FFF2-40B4-BE49-F238E27FC236}">
-                <a16:creationId xmlns:a16="http://schemas.microsoft.com/office/drawing/2014/main" id="{47BF5AFD-0B8A-DF3B-9573-2866AF4DB562}"/>
-              </a:ext>
-            </a:extLst>
-          </p:cNvPr>
-          <p:cNvSpPr txBox="1"/>
-          <p:nvPr/>
-        </p:nvSpPr>
-        <p:spPr>
-          <a:xfrm>
-            <a:off x="8973298" y="2810253"/>
-            <a:ext cx="674399" cy="369332"/>
-          </a:xfrm>
-          <a:prstGeom prst="rect">
-            <a:avLst/>
-          </a:prstGeom>
-          <a:noFill/>
-        </p:spPr>
-        <p:txBody>
-          <a:bodyPr wrap="square" rtlCol="0">
-            <a:spAutoFit/>
-          </a:bodyPr>
-          <a:lstStyle/>
-          <a:p>
-            <a:r>
-              <a:rPr lang="en-US" dirty="0"/>
-              <a:t>*</a:t>
-            </a:r>
-          </a:p>
-        </p:txBody>
-      </p:sp>
-      <p:sp>
-        <p:nvSpPr>
-          <p:cNvPr id="14" name="TextBox 13">
-            <a:extLst>
-              <a:ext uri="{FF2B5EF4-FFF2-40B4-BE49-F238E27FC236}">
-                <a16:creationId xmlns:a16="http://schemas.microsoft.com/office/drawing/2014/main" id="{6A946E68-5EFE-F2FA-4842-A758670F4EFB}"/>
-              </a:ext>
-            </a:extLst>
-          </p:cNvPr>
-          <p:cNvSpPr txBox="1"/>
-          <p:nvPr/>
-        </p:nvSpPr>
-        <p:spPr>
-          <a:xfrm>
-            <a:off x="9316779" y="2810253"/>
-            <a:ext cx="674399" cy="369332"/>
-          </a:xfrm>
-          <a:prstGeom prst="rect">
-            <a:avLst/>
-          </a:prstGeom>
-          <a:noFill/>
-        </p:spPr>
-        <p:txBody>
-          <a:bodyPr wrap="square" rtlCol="0">
-            <a:spAutoFit/>
-          </a:bodyPr>
-          <a:lstStyle/>
-          <a:p>
-            <a:r>
-              <a:rPr lang="en-US" dirty="0"/>
-              <a:t>*</a:t>
-            </a:r>
-          </a:p>
-        </p:txBody>
-      </p:sp>
-      <p:sp>
-        <p:nvSpPr>
-          <p:cNvPr id="16" name="TextBox 15">
-            <a:extLst>
-              <a:ext uri="{FF2B5EF4-FFF2-40B4-BE49-F238E27FC236}">
-                <a16:creationId xmlns:a16="http://schemas.microsoft.com/office/drawing/2014/main" id="{0956E71C-1C54-4166-F07D-4F94B1E9B006}"/>
-              </a:ext>
-            </a:extLst>
-          </p:cNvPr>
-          <p:cNvSpPr txBox="1"/>
-          <p:nvPr/>
-        </p:nvSpPr>
-        <p:spPr>
-          <a:xfrm>
-            <a:off x="5865251" y="5725379"/>
-            <a:ext cx="6374694" cy="523220"/>
-          </a:xfrm>
-          <a:prstGeom prst="rect">
-            <a:avLst/>
-          </a:prstGeom>
-          <a:noFill/>
-        </p:spPr>
-        <p:txBody>
-          <a:bodyPr wrap="none" rtlCol="0">
-            <a:spAutoFit/>
-          </a:bodyPr>
-          <a:lstStyle/>
-          <a:p>
-            <a:r>
               <a:rPr lang="en-US" sz="1400" dirty="0"/>
-              <a:t>More proliferating T cells (CD4 and CD8), fewer memory T cells (CD4 TEM, CD8 TCM),</a:t>
-            </a:r>
-          </a:p>
-          <a:p>
-            <a:r>
-              <a:rPr lang="en-US" sz="1400" dirty="0"/>
-              <a:t>fewer MAITs in </a:t>
-            </a:r>
-            <a:r>
-              <a:rPr lang="en-US" sz="1400" dirty="0" err="1"/>
-              <a:t>irAE</a:t>
-            </a:r>
-            <a:r>
-              <a:rPr lang="en-US" sz="1400" dirty="0"/>
-              <a:t> tissue</a:t>
+              <a:t>None significant even with t test instead of Wilcox rank sum test</a:t>
             </a:r>
           </a:p>
         </p:txBody>
@@ -5168,26 +5349,27 @@
           <a:lstStyle/>
           <a:p>
             <a:r>
-              <a:rPr lang="en-US" dirty="0"/>
-              <a:t>In myocarditis dataset, a few VJ genes are differentially encountered in different </a:t>
-            </a:r>
-            <a:r>
-              <a:rPr lang="en-US" dirty="0" err="1"/>
+              <a:rPr lang="en-US" sz="3600" dirty="0"/>
+              <a:t>More proliferating T cells, fewer memory T cells (CD4 TEM, CD8 TCM), fewer MAITs in colitis </a:t>
+            </a:r>
+            <a:r>
+              <a:rPr lang="en-US" sz="3600" dirty="0" err="1"/>
               <a:t>irAE</a:t>
             </a:r>
             <a:r>
-              <a:rPr lang="en-US" dirty="0"/>
-              <a:t> groups</a:t>
-            </a:r>
-          </a:p>
-        </p:txBody>
-      </p:sp>
-      <p:sp>
-        <p:nvSpPr>
-          <p:cNvPr id="9" name="TextBox 8">
-            <a:extLst>
-              <a:ext uri="{FF2B5EF4-FFF2-40B4-BE49-F238E27FC236}">
-                <a16:creationId xmlns:a16="http://schemas.microsoft.com/office/drawing/2014/main" id="{4FD04972-7431-A8DF-F214-0CA56CC31F94}"/>
+              <a:rPr lang="en-US" sz="3600" dirty="0"/>
+              <a:t> tissue</a:t>
+            </a:r>
+            <a:endParaRPr lang="en-US" dirty="0"/>
+          </a:p>
+        </p:txBody>
+      </p:sp>
+      <p:sp>
+        <p:nvSpPr>
+          <p:cNvPr id="16" name="TextBox 15">
+            <a:extLst>
+              <a:ext uri="{FF2B5EF4-FFF2-40B4-BE49-F238E27FC236}">
+                <a16:creationId xmlns:a16="http://schemas.microsoft.com/office/drawing/2014/main" id="{0956E71C-1C54-4166-F07D-4F94B1E9B006}"/>
               </a:ext>
             </a:extLst>
           </p:cNvPr>
@@ -5196,8 +5378,8 @@
         </p:nvSpPr>
         <p:spPr>
           <a:xfrm>
-            <a:off x="3483977" y="6483346"/>
-            <a:ext cx="4573688" cy="369332"/>
+            <a:off x="4836644" y="6085706"/>
+            <a:ext cx="1272400" cy="307777"/>
           </a:xfrm>
           <a:prstGeom prst="rect">
             <a:avLst/>
@@ -5211,41 +5393,19 @@
           <a:lstStyle/>
           <a:p>
             <a:r>
-              <a:rPr lang="en-US" dirty="0"/>
-              <a:t>Wilcoxon rank sum test.</a:t>
-            </a:r>
-            <a:r>
-              <a:rPr lang="en-US" dirty="0">
-                <a:latin typeface="Calibri" panose="020F0502020204030204" pitchFamily="34" charset="0"/>
-                <a:cs typeface="Times New Roman" panose="02020603050405020304" pitchFamily="18" charset="0"/>
-              </a:rPr>
-              <a:t> </a:t>
-            </a:r>
-            <a:r>
-              <a:rPr lang="en-US" sz="1800" dirty="0">
-                <a:effectLst/>
-                <a:latin typeface="Calibri" panose="020F0502020204030204" pitchFamily="34" charset="0"/>
-                <a:ea typeface="Calibri" panose="020F0502020204030204" pitchFamily="34" charset="0"/>
-                <a:cs typeface="Times New Roman" panose="02020603050405020304" pitchFamily="18" charset="0"/>
-              </a:rPr>
-              <a:t>**, p &lt;1e-2; *; p &lt;0.05</a:t>
-            </a:r>
-            <a:endParaRPr lang="en-US" b="0" i="0" u="none" strike="noStrike" dirty="0">
-              <a:solidFill>
-                <a:srgbClr val="212121"/>
-              </a:solidFill>
-              <a:effectLst/>
-              <a:latin typeface="Cambria" panose="02040503050406030204" pitchFamily="18" charset="0"/>
-            </a:endParaRPr>
+              <a:rPr lang="en-US" sz="1400" dirty="0" err="1"/>
+              <a:t>Downsampled</a:t>
+            </a:r>
+            <a:endParaRPr lang="en-US" sz="1400" dirty="0"/>
           </a:p>
         </p:txBody>
       </p:sp>
       <p:pic>
         <p:nvPicPr>
-          <p:cNvPr id="3" name="Picture 2">
-            <a:extLst>
-              <a:ext uri="{FF2B5EF4-FFF2-40B4-BE49-F238E27FC236}">
-                <a16:creationId xmlns:a16="http://schemas.microsoft.com/office/drawing/2014/main" id="{AEC8A77D-ED0C-947C-6CFD-81F3A92ADB24}"/>
+          <p:cNvPr id="19" name="Picture 18">
+            <a:extLst>
+              <a:ext uri="{FF2B5EF4-FFF2-40B4-BE49-F238E27FC236}">
+                <a16:creationId xmlns:a16="http://schemas.microsoft.com/office/drawing/2014/main" id="{A730EA13-8287-F584-1A7A-7B931218EC72}"/>
               </a:ext>
             </a:extLst>
           </p:cNvPr>
@@ -5262,196 +5422,18 @@
         </p:blipFill>
         <p:spPr>
           <a:xfrm>
-            <a:off x="-5356" y="2155412"/>
-            <a:ext cx="6121676" cy="3632835"/>
+            <a:off x="2270787" y="2022706"/>
+            <a:ext cx="6404113" cy="3959582"/>
           </a:xfrm>
           <a:prstGeom prst="rect">
             <a:avLst/>
           </a:prstGeom>
         </p:spPr>
       </p:pic>
-      <p:pic>
-        <p:nvPicPr>
-          <p:cNvPr id="6" name="Picture 5">
-            <a:extLst>
-              <a:ext uri="{FF2B5EF4-FFF2-40B4-BE49-F238E27FC236}">
-                <a16:creationId xmlns:a16="http://schemas.microsoft.com/office/drawing/2014/main" id="{606B4FED-87EA-A232-E032-B7C2FFDB63EE}"/>
-              </a:ext>
-            </a:extLst>
-          </p:cNvPr>
-          <p:cNvPicPr>
-            <a:picLocks noChangeAspect="1"/>
-          </p:cNvPicPr>
-          <p:nvPr/>
-        </p:nvPicPr>
-        <p:blipFill>
-          <a:blip r:embed="rId4"/>
-          <a:stretch>
-            <a:fillRect/>
-          </a:stretch>
-        </p:blipFill>
-        <p:spPr>
-          <a:xfrm>
-            <a:off x="6024880" y="2155412"/>
-            <a:ext cx="6121676" cy="3598910"/>
-          </a:xfrm>
-          <a:prstGeom prst="rect">
-            <a:avLst/>
-          </a:prstGeom>
-        </p:spPr>
-      </p:pic>
-      <p:sp>
-        <p:nvSpPr>
-          <p:cNvPr id="17" name="TextBox 16">
-            <a:extLst>
-              <a:ext uri="{FF2B5EF4-FFF2-40B4-BE49-F238E27FC236}">
-                <a16:creationId xmlns:a16="http://schemas.microsoft.com/office/drawing/2014/main" id="{96FD2CFA-222D-7A6E-BC22-96303AF8FCED}"/>
-              </a:ext>
-            </a:extLst>
-          </p:cNvPr>
-          <p:cNvSpPr txBox="1"/>
-          <p:nvPr/>
-        </p:nvSpPr>
-        <p:spPr>
-          <a:xfrm>
-            <a:off x="3004682" y="2998708"/>
-            <a:ext cx="674399" cy="369332"/>
-          </a:xfrm>
-          <a:prstGeom prst="rect">
-            <a:avLst/>
-          </a:prstGeom>
-          <a:noFill/>
-        </p:spPr>
-        <p:txBody>
-          <a:bodyPr wrap="square" rtlCol="0">
-            <a:spAutoFit/>
-          </a:bodyPr>
-          <a:lstStyle/>
-          <a:p>
-            <a:r>
-              <a:rPr lang="en-US" dirty="0"/>
-              <a:t>*</a:t>
-            </a:r>
-          </a:p>
-        </p:txBody>
-      </p:sp>
-      <p:sp>
-        <p:nvSpPr>
-          <p:cNvPr id="18" name="TextBox 17">
-            <a:extLst>
-              <a:ext uri="{FF2B5EF4-FFF2-40B4-BE49-F238E27FC236}">
-                <a16:creationId xmlns:a16="http://schemas.microsoft.com/office/drawing/2014/main" id="{4B813F1E-1D0D-843E-BAF4-B662BAD90C57}"/>
-              </a:ext>
-            </a:extLst>
-          </p:cNvPr>
-          <p:cNvSpPr txBox="1"/>
-          <p:nvPr/>
-        </p:nvSpPr>
-        <p:spPr>
-          <a:xfrm>
-            <a:off x="1172624" y="2988548"/>
-            <a:ext cx="674399" cy="369332"/>
-          </a:xfrm>
-          <a:prstGeom prst="rect">
-            <a:avLst/>
-          </a:prstGeom>
-          <a:noFill/>
-        </p:spPr>
-        <p:txBody>
-          <a:bodyPr wrap="square" rtlCol="0">
-            <a:spAutoFit/>
-          </a:bodyPr>
-          <a:lstStyle/>
-          <a:p>
-            <a:r>
-              <a:rPr lang="en-US" dirty="0"/>
-              <a:t>*</a:t>
-            </a:r>
-          </a:p>
-        </p:txBody>
-      </p:sp>
-      <p:sp>
-        <p:nvSpPr>
-          <p:cNvPr id="19" name="TextBox 18">
-            <a:extLst>
-              <a:ext uri="{FF2B5EF4-FFF2-40B4-BE49-F238E27FC236}">
-                <a16:creationId xmlns:a16="http://schemas.microsoft.com/office/drawing/2014/main" id="{A726C593-874A-0322-E9A0-A890E4D720A0}"/>
-              </a:ext>
-            </a:extLst>
-          </p:cNvPr>
-          <p:cNvSpPr txBox="1"/>
-          <p:nvPr/>
-        </p:nvSpPr>
-        <p:spPr>
-          <a:xfrm>
-            <a:off x="6658639" y="3044428"/>
-            <a:ext cx="674399" cy="369332"/>
-          </a:xfrm>
-          <a:prstGeom prst="rect">
-            <a:avLst/>
-          </a:prstGeom>
-          <a:noFill/>
-        </p:spPr>
-        <p:txBody>
-          <a:bodyPr wrap="square" rtlCol="0">
-            <a:spAutoFit/>
-          </a:bodyPr>
-          <a:lstStyle/>
-          <a:p>
-            <a:r>
-              <a:rPr lang="en-US" dirty="0"/>
-              <a:t>**</a:t>
-            </a:r>
-          </a:p>
-        </p:txBody>
-      </p:sp>
-      <p:sp>
-        <p:nvSpPr>
-          <p:cNvPr id="20" name="TextBox 19">
-            <a:extLst>
-              <a:ext uri="{FF2B5EF4-FFF2-40B4-BE49-F238E27FC236}">
-                <a16:creationId xmlns:a16="http://schemas.microsoft.com/office/drawing/2014/main" id="{1E7D4730-9B66-BA02-2F6D-121581FAEF3B}"/>
-              </a:ext>
-            </a:extLst>
-          </p:cNvPr>
-          <p:cNvSpPr txBox="1"/>
-          <p:nvPr/>
-        </p:nvSpPr>
-        <p:spPr>
-          <a:xfrm>
-            <a:off x="1847023" y="5805780"/>
-            <a:ext cx="9223807" cy="369332"/>
-          </a:xfrm>
-          <a:prstGeom prst="rect">
-            <a:avLst/>
-          </a:prstGeom>
-          <a:noFill/>
-        </p:spPr>
-        <p:txBody>
-          <a:bodyPr wrap="none" rtlCol="0">
-            <a:spAutoFit/>
-          </a:bodyPr>
-          <a:lstStyle/>
-          <a:p>
-            <a:r>
-              <a:rPr lang="en-US" dirty="0"/>
-              <a:t>Showing 10 V/J genes with highest differences in median normalized counts between </a:t>
-            </a:r>
-            <a:r>
-              <a:rPr lang="en-US" dirty="0" err="1"/>
-              <a:t>irAE</a:t>
-            </a:r>
-            <a:r>
-              <a:rPr lang="en-US" dirty="0"/>
-              <a:t> groups</a:t>
-            </a:r>
-          </a:p>
-        </p:txBody>
-      </p:sp>
     </p:spTree>
     <p:extLst>
       <p:ext uri="{BB962C8B-B14F-4D97-AF65-F5344CB8AC3E}">
-        <p14:creationId xmlns:p14="http://schemas.microsoft.com/office/powerpoint/2010/main" val="297799472"/>
+        <p14:creationId xmlns:p14="http://schemas.microsoft.com/office/powerpoint/2010/main" val="788155484"/>
       </p:ext>
     </p:extLst>
   </p:cSld>
@@ -5502,21 +5484,21 @@
         </p:spPr>
         <p:txBody>
           <a:bodyPr>
-            <a:normAutofit/>
+            <a:normAutofit fontScale="90000"/>
           </a:bodyPr>
           <a:lstStyle/>
           <a:p>
             <a:r>
               <a:rPr lang="en-US" dirty="0"/>
-              <a:t>In colitis dataset, there is higher “dominance” of specific CDR3 </a:t>
+              <a:t>TRB </a:t>
             </a:r>
             <a:r>
               <a:rPr lang="en-US" dirty="0" err="1"/>
-              <a:t>nts</a:t>
+              <a:t>pgen</a:t>
             </a:r>
             <a:r>
               <a:rPr lang="en-US" dirty="0"/>
-              <a:t> in </a:t>
+              <a:t> difference between </a:t>
             </a:r>
             <a:r>
               <a:rPr lang="en-US" dirty="0" err="1"/>
@@ -5524,15 +5506,246 @@
             </a:r>
             <a:r>
               <a:rPr lang="en-US" dirty="0"/>
-              <a:t> patients</a:t>
-            </a:r>
-          </a:p>
-        </p:txBody>
-      </p:sp>
+              <a:t> groups in highly expanded CD8 TEMs pops out in summary heatmaps (myocarditis dataset)</a:t>
+            </a:r>
+          </a:p>
+        </p:txBody>
+      </p:sp>
+      <p:pic>
+        <p:nvPicPr>
+          <p:cNvPr id="5" name="Picture 4">
+            <a:extLst>
+              <a:ext uri="{FF2B5EF4-FFF2-40B4-BE49-F238E27FC236}">
+                <a16:creationId xmlns:a16="http://schemas.microsoft.com/office/drawing/2014/main" id="{86696B83-18C8-325B-69E6-9B91F2AEA1CC}"/>
+              </a:ext>
+            </a:extLst>
+          </p:cNvPr>
+          <p:cNvPicPr>
+            <a:picLocks noChangeAspect="1"/>
+          </p:cNvPicPr>
+          <p:nvPr/>
+        </p:nvPicPr>
+        <p:blipFill>
+          <a:blip r:embed="rId3"/>
+          <a:stretch>
+            <a:fillRect/>
+          </a:stretch>
+        </p:blipFill>
+        <p:spPr>
+          <a:xfrm>
+            <a:off x="6246351" y="2405267"/>
+            <a:ext cx="5945650" cy="3723538"/>
+          </a:xfrm>
+          <a:prstGeom prst="rect">
+            <a:avLst/>
+          </a:prstGeom>
+        </p:spPr>
+      </p:pic>
+      <p:sp>
+        <p:nvSpPr>
+          <p:cNvPr id="6" name="TextBox 5">
+            <a:extLst>
+              <a:ext uri="{FF2B5EF4-FFF2-40B4-BE49-F238E27FC236}">
+                <a16:creationId xmlns:a16="http://schemas.microsoft.com/office/drawing/2014/main" id="{C5E997F9-73E0-70F6-C1C4-2CDB31F88B88}"/>
+              </a:ext>
+            </a:extLst>
+          </p:cNvPr>
+          <p:cNvSpPr txBox="1"/>
+          <p:nvPr/>
+        </p:nvSpPr>
+        <p:spPr>
+          <a:xfrm>
+            <a:off x="8453229" y="2035935"/>
+            <a:ext cx="1531894" cy="369332"/>
+          </a:xfrm>
+          <a:prstGeom prst="rect">
+            <a:avLst/>
+          </a:prstGeom>
+          <a:noFill/>
+        </p:spPr>
+        <p:txBody>
+          <a:bodyPr wrap="none" rtlCol="0">
+            <a:spAutoFit/>
+          </a:bodyPr>
+          <a:lstStyle/>
+          <a:p>
+            <a:r>
+              <a:rPr lang="en-US" dirty="0" err="1"/>
+              <a:t>Downsampled</a:t>
+            </a:r>
+            <a:endParaRPr lang="en-US" dirty="0"/>
+          </a:p>
+        </p:txBody>
+      </p:sp>
+      <p:sp>
+        <p:nvSpPr>
+          <p:cNvPr id="7" name="TextBox 6">
+            <a:extLst>
+              <a:ext uri="{FF2B5EF4-FFF2-40B4-BE49-F238E27FC236}">
+                <a16:creationId xmlns:a16="http://schemas.microsoft.com/office/drawing/2014/main" id="{4DCF4FE7-F626-52E0-5138-50BC8583940D}"/>
+              </a:ext>
+            </a:extLst>
+          </p:cNvPr>
+          <p:cNvSpPr txBox="1"/>
+          <p:nvPr/>
+        </p:nvSpPr>
+        <p:spPr>
+          <a:xfrm>
+            <a:off x="1521078" y="2035935"/>
+            <a:ext cx="3267882" cy="369332"/>
+          </a:xfrm>
+          <a:prstGeom prst="rect">
+            <a:avLst/>
+          </a:prstGeom>
+          <a:noFill/>
+        </p:spPr>
+        <p:txBody>
+          <a:bodyPr wrap="none" rtlCol="0">
+            <a:spAutoFit/>
+          </a:bodyPr>
+          <a:lstStyle/>
+          <a:p>
+            <a:r>
+              <a:rPr lang="en-US" dirty="0"/>
+              <a:t>Normalized by sequencing depth</a:t>
+            </a:r>
+          </a:p>
+        </p:txBody>
+      </p:sp>
+      <p:sp>
+        <p:nvSpPr>
+          <p:cNvPr id="9" name="TextBox 8">
+            <a:extLst>
+              <a:ext uri="{FF2B5EF4-FFF2-40B4-BE49-F238E27FC236}">
+                <a16:creationId xmlns:a16="http://schemas.microsoft.com/office/drawing/2014/main" id="{7ED180BF-242E-5A3A-1C1D-C8E5E1F7EC49}"/>
+              </a:ext>
+            </a:extLst>
+          </p:cNvPr>
+          <p:cNvSpPr txBox="1"/>
+          <p:nvPr/>
+        </p:nvSpPr>
+        <p:spPr>
+          <a:xfrm>
+            <a:off x="1630924" y="6128805"/>
+            <a:ext cx="2797304" cy="369332"/>
+          </a:xfrm>
+          <a:prstGeom prst="rect">
+            <a:avLst/>
+          </a:prstGeom>
+          <a:noFill/>
+        </p:spPr>
+        <p:txBody>
+          <a:bodyPr wrap="none" rtlCol="0">
+            <a:spAutoFit/>
+          </a:bodyPr>
+          <a:lstStyle/>
+          <a:p>
+            <a:r>
+              <a:rPr lang="en-US" dirty="0"/>
+              <a:t>Highly expanded ---------- All</a:t>
+            </a:r>
+          </a:p>
+        </p:txBody>
+      </p:sp>
+      <p:sp>
+        <p:nvSpPr>
+          <p:cNvPr id="10" name="TextBox 9">
+            <a:extLst>
+              <a:ext uri="{FF2B5EF4-FFF2-40B4-BE49-F238E27FC236}">
+                <a16:creationId xmlns:a16="http://schemas.microsoft.com/office/drawing/2014/main" id="{B1D54062-1C0B-0484-EE2A-1D1281CB124A}"/>
+              </a:ext>
+            </a:extLst>
+          </p:cNvPr>
+          <p:cNvSpPr txBox="1"/>
+          <p:nvPr/>
+        </p:nvSpPr>
+        <p:spPr>
+          <a:xfrm>
+            <a:off x="7820524" y="6128805"/>
+            <a:ext cx="2797304" cy="369332"/>
+          </a:xfrm>
+          <a:prstGeom prst="rect">
+            <a:avLst/>
+          </a:prstGeom>
+          <a:noFill/>
+        </p:spPr>
+        <p:txBody>
+          <a:bodyPr wrap="none" rtlCol="0">
+            <a:spAutoFit/>
+          </a:bodyPr>
+          <a:lstStyle/>
+          <a:p>
+            <a:r>
+              <a:rPr lang="en-US" dirty="0"/>
+              <a:t>Highly expanded ---------- All</a:t>
+            </a:r>
+          </a:p>
+        </p:txBody>
+      </p:sp>
+      <p:pic>
+        <p:nvPicPr>
+          <p:cNvPr id="11" name="Picture 10">
+            <a:extLst>
+              <a:ext uri="{FF2B5EF4-FFF2-40B4-BE49-F238E27FC236}">
+                <a16:creationId xmlns:a16="http://schemas.microsoft.com/office/drawing/2014/main" id="{6492DA14-FF0B-419A-94A0-A212F5633227}"/>
+              </a:ext>
+            </a:extLst>
+          </p:cNvPr>
+          <p:cNvPicPr>
+            <a:picLocks noChangeAspect="1"/>
+          </p:cNvPicPr>
+          <p:nvPr/>
+        </p:nvPicPr>
+        <p:blipFill>
+          <a:blip r:embed="rId4"/>
+          <a:stretch>
+            <a:fillRect/>
+          </a:stretch>
+        </p:blipFill>
+        <p:spPr>
+          <a:xfrm>
+            <a:off x="175064" y="1919288"/>
+            <a:ext cx="1045314" cy="647314"/>
+          </a:xfrm>
+          <a:prstGeom prst="rect">
+            <a:avLst/>
+          </a:prstGeom>
+        </p:spPr>
+      </p:pic>
+      <p:pic>
+        <p:nvPicPr>
+          <p:cNvPr id="12" name="Picture 11">
+            <a:extLst>
+              <a:ext uri="{FF2B5EF4-FFF2-40B4-BE49-F238E27FC236}">
+                <a16:creationId xmlns:a16="http://schemas.microsoft.com/office/drawing/2014/main" id="{4D5ED362-7A63-5EA0-01CC-F70E056151D9}"/>
+              </a:ext>
+            </a:extLst>
+          </p:cNvPr>
+          <p:cNvPicPr>
+            <a:picLocks noChangeAspect="1"/>
+          </p:cNvPicPr>
+          <p:nvPr/>
+        </p:nvPicPr>
+        <p:blipFill>
+          <a:blip r:embed="rId5"/>
+          <a:stretch>
+            <a:fillRect/>
+          </a:stretch>
+        </p:blipFill>
+        <p:spPr>
+          <a:xfrm>
+            <a:off x="-8626" y="2406104"/>
+            <a:ext cx="5813078" cy="3722701"/>
+          </a:xfrm>
+          <a:prstGeom prst="rect">
+            <a:avLst/>
+          </a:prstGeom>
+        </p:spPr>
+      </p:pic>
     </p:spTree>
     <p:extLst>
       <p:ext uri="{BB962C8B-B14F-4D97-AF65-F5344CB8AC3E}">
-        <p14:creationId xmlns:p14="http://schemas.microsoft.com/office/powerpoint/2010/main" val="3648184813"/>
+        <p14:creationId xmlns:p14="http://schemas.microsoft.com/office/powerpoint/2010/main" val="4227537615"/>
       </p:ext>
     </p:extLst>
   </p:cSld>
@@ -5583,23 +5796,193 @@
         </p:spPr>
         <p:txBody>
           <a:bodyPr>
-            <a:normAutofit/>
+            <a:normAutofit fontScale="90000"/>
           </a:bodyPr>
           <a:lstStyle/>
           <a:p>
             <a:r>
               <a:rPr lang="en-US" dirty="0"/>
-              <a:t>Summary heatmaps</a:t>
+              <a:t>Colitis dataset</a:t>
+            </a:r>
+            <a:br>
+              <a:rPr lang="en-US" dirty="0"/>
+            </a:br>
+            <a:r>
+              <a:rPr lang="en-US" sz="2700" dirty="0"/>
+              <a:t> - CD8 TEM </a:t>
+            </a:r>
+            <a:r>
+              <a:rPr lang="en-US" sz="2700" dirty="0" err="1"/>
+              <a:t>pgen</a:t>
+            </a:r>
+            <a:r>
+              <a:rPr lang="en-US" sz="2700" dirty="0"/>
+              <a:t> TRB difference at higher cutoff (40%) &amp; only in left heatmap</a:t>
+            </a:r>
+            <a:br>
+              <a:rPr lang="en-US" sz="2700" dirty="0"/>
+            </a:br>
+            <a:r>
+              <a:rPr lang="en-US" sz="2700" dirty="0"/>
+              <a:t> - TRB CDR3 length pops out among highly expanded CD4 TEMs (didn’t see in myocarditis dataset)</a:t>
+            </a:r>
+            <a:br>
+              <a:rPr lang="en-US" sz="2700" dirty="0"/>
+            </a:br>
+            <a:r>
+              <a:rPr lang="en-US" sz="2700" dirty="0"/>
+              <a:t> - CD4 proliferating TRB CDR3 length pops out at all level</a:t>
+            </a:r>
+          </a:p>
+        </p:txBody>
+      </p:sp>
+      <p:sp>
+        <p:nvSpPr>
+          <p:cNvPr id="6" name="TextBox 5">
+            <a:extLst>
+              <a:ext uri="{FF2B5EF4-FFF2-40B4-BE49-F238E27FC236}">
+                <a16:creationId xmlns:a16="http://schemas.microsoft.com/office/drawing/2014/main" id="{C5E997F9-73E0-70F6-C1C4-2CDB31F88B88}"/>
+              </a:ext>
+            </a:extLst>
+          </p:cNvPr>
+          <p:cNvSpPr txBox="1"/>
+          <p:nvPr/>
+        </p:nvSpPr>
+        <p:spPr>
+          <a:xfrm>
+            <a:off x="8453229" y="2224776"/>
+            <a:ext cx="1531894" cy="369332"/>
+          </a:xfrm>
+          <a:prstGeom prst="rect">
+            <a:avLst/>
+          </a:prstGeom>
+          <a:noFill/>
+        </p:spPr>
+        <p:txBody>
+          <a:bodyPr wrap="none" rtlCol="0">
+            <a:spAutoFit/>
+          </a:bodyPr>
+          <a:lstStyle/>
+          <a:p>
+            <a:r>
+              <a:rPr lang="en-US" dirty="0" err="1"/>
+              <a:t>Downsampled</a:t>
+            </a:r>
+            <a:endParaRPr lang="en-US" dirty="0"/>
+          </a:p>
+        </p:txBody>
+      </p:sp>
+      <p:sp>
+        <p:nvSpPr>
+          <p:cNvPr id="7" name="TextBox 6">
+            <a:extLst>
+              <a:ext uri="{FF2B5EF4-FFF2-40B4-BE49-F238E27FC236}">
+                <a16:creationId xmlns:a16="http://schemas.microsoft.com/office/drawing/2014/main" id="{4DCF4FE7-F626-52E0-5138-50BC8583940D}"/>
+              </a:ext>
+            </a:extLst>
+          </p:cNvPr>
+          <p:cNvSpPr txBox="1"/>
+          <p:nvPr/>
+        </p:nvSpPr>
+        <p:spPr>
+          <a:xfrm>
+            <a:off x="1521078" y="2224776"/>
+            <a:ext cx="3267882" cy="369332"/>
+          </a:xfrm>
+          <a:prstGeom prst="rect">
+            <a:avLst/>
+          </a:prstGeom>
+          <a:noFill/>
+        </p:spPr>
+        <p:txBody>
+          <a:bodyPr wrap="none" rtlCol="0">
+            <a:spAutoFit/>
+          </a:bodyPr>
+          <a:lstStyle/>
+          <a:p>
+            <a:r>
+              <a:rPr lang="en-US" dirty="0"/>
+              <a:t>Normalized by sequencing depth</a:t>
+            </a:r>
+          </a:p>
+        </p:txBody>
+      </p:sp>
+      <p:sp>
+        <p:nvSpPr>
+          <p:cNvPr id="9" name="TextBox 8">
+            <a:extLst>
+              <a:ext uri="{FF2B5EF4-FFF2-40B4-BE49-F238E27FC236}">
+                <a16:creationId xmlns:a16="http://schemas.microsoft.com/office/drawing/2014/main" id="{986581FA-36BC-D204-DCA5-BEDFA0BFB587}"/>
+              </a:ext>
+            </a:extLst>
+          </p:cNvPr>
+          <p:cNvSpPr txBox="1"/>
+          <p:nvPr/>
+        </p:nvSpPr>
+        <p:spPr>
+          <a:xfrm>
+            <a:off x="1700498" y="6264275"/>
+            <a:ext cx="2797304" cy="369332"/>
+          </a:xfrm>
+          <a:prstGeom prst="rect">
+            <a:avLst/>
+          </a:prstGeom>
+          <a:noFill/>
+        </p:spPr>
+        <p:txBody>
+          <a:bodyPr wrap="none" rtlCol="0">
+            <a:spAutoFit/>
+          </a:bodyPr>
+          <a:lstStyle/>
+          <a:p>
+            <a:r>
+              <a:rPr lang="en-US" dirty="0"/>
+              <a:t>Highly expanded ---------- All</a:t>
+            </a:r>
+          </a:p>
+        </p:txBody>
+      </p:sp>
+      <p:sp>
+        <p:nvSpPr>
+          <p:cNvPr id="10" name="TextBox 9">
+            <a:extLst>
+              <a:ext uri="{FF2B5EF4-FFF2-40B4-BE49-F238E27FC236}">
+                <a16:creationId xmlns:a16="http://schemas.microsoft.com/office/drawing/2014/main" id="{F7B9FCBE-981F-EFFF-A205-61DD1D00CFA7}"/>
+              </a:ext>
+            </a:extLst>
+          </p:cNvPr>
+          <p:cNvSpPr txBox="1"/>
+          <p:nvPr/>
+        </p:nvSpPr>
+        <p:spPr>
+          <a:xfrm>
+            <a:off x="7703733" y="6264275"/>
+            <a:ext cx="2797304" cy="369332"/>
+          </a:xfrm>
+          <a:prstGeom prst="rect">
+            <a:avLst/>
+          </a:prstGeom>
+          <a:noFill/>
+        </p:spPr>
+        <p:txBody>
+          <a:bodyPr wrap="none" rtlCol="0">
+            <a:spAutoFit/>
+          </a:bodyPr>
+          <a:lstStyle/>
+          <a:p>
+            <a:r>
+              <a:rPr lang="en-US" dirty="0"/>
+              <a:t>Highly expanded ---------- All</a:t>
             </a:r>
           </a:p>
         </p:txBody>
       </p:sp>
       <p:pic>
         <p:nvPicPr>
-          <p:cNvPr id="3" name="Picture 2">
-            <a:extLst>
-              <a:ext uri="{FF2B5EF4-FFF2-40B4-BE49-F238E27FC236}">
-                <a16:creationId xmlns:a16="http://schemas.microsoft.com/office/drawing/2014/main" id="{9B4217F0-1004-40AC-9B87-C4BC6BCBD76B}"/>
+          <p:cNvPr id="13" name="Picture 12">
+            <a:extLst>
+              <a:ext uri="{FF2B5EF4-FFF2-40B4-BE49-F238E27FC236}">
+                <a16:creationId xmlns:a16="http://schemas.microsoft.com/office/drawing/2014/main" id="{A5EEB928-3855-0CD3-E26D-A6E99CAE6FD7}"/>
               </a:ext>
             </a:extLst>
           </p:cNvPr>
@@ -5616,8 +5999,38 @@
         </p:blipFill>
         <p:spPr>
           <a:xfrm>
-            <a:off x="0" y="1859653"/>
-            <a:ext cx="7772400" cy="4953220"/>
+            <a:off x="6218584" y="2690136"/>
+            <a:ext cx="5845674" cy="3569627"/>
+          </a:xfrm>
+          <a:prstGeom prst="rect">
+            <a:avLst/>
+          </a:prstGeom>
+        </p:spPr>
+      </p:pic>
+      <p:pic>
+        <p:nvPicPr>
+          <p:cNvPr id="14" name="Picture 13">
+            <a:extLst>
+              <a:ext uri="{FF2B5EF4-FFF2-40B4-BE49-F238E27FC236}">
+                <a16:creationId xmlns:a16="http://schemas.microsoft.com/office/drawing/2014/main" id="{EB0C5C67-8100-EBA6-8AA4-71E987A748C9}"/>
+              </a:ext>
+            </a:extLst>
+          </p:cNvPr>
+          <p:cNvPicPr>
+            <a:picLocks noChangeAspect="1"/>
+          </p:cNvPicPr>
+          <p:nvPr/>
+        </p:nvPicPr>
+        <p:blipFill>
+          <a:blip r:embed="rId4"/>
+          <a:stretch>
+            <a:fillRect/>
+          </a:stretch>
+        </p:blipFill>
+        <p:spPr>
+          <a:xfrm>
+            <a:off x="212841" y="2690136"/>
+            <a:ext cx="5760577" cy="3574139"/>
           </a:xfrm>
           <a:prstGeom prst="rect">
             <a:avLst/>
@@ -5627,7 +6040,7 @@
     </p:spTree>
     <p:extLst>
       <p:ext uri="{BB962C8B-B14F-4D97-AF65-F5344CB8AC3E}">
-        <p14:creationId xmlns:p14="http://schemas.microsoft.com/office/powerpoint/2010/main" val="4227537615"/>
+        <p14:creationId xmlns:p14="http://schemas.microsoft.com/office/powerpoint/2010/main" val="4189438596"/>
       </p:ext>
     </p:extLst>
   </p:cSld>
@@ -5717,6 +6130,18 @@
           </a:bodyPr>
           <a:lstStyle/>
           <a:p>
+            <a:r>
+              <a:rPr lang="en-US" sz="2800" dirty="0"/>
+              <a:t>More proliferating T cells, fewer memory T cells (CD4 TEM, CD8 TCM), fewer MAITs in colitis </a:t>
+            </a:r>
+            <a:r>
+              <a:rPr lang="en-US" sz="2800" dirty="0" err="1"/>
+              <a:t>irAE</a:t>
+            </a:r>
+            <a:r>
+              <a:rPr lang="en-US" sz="2800" dirty="0"/>
+              <a:t> tissue</a:t>
+            </a:r>
             <a:endParaRPr lang="en-US" dirty="0"/>
           </a:p>
         </p:txBody>
@@ -5859,6 +6284,110 @@
     <p:extLst>
       <p:ext uri="{BB962C8B-B14F-4D97-AF65-F5344CB8AC3E}">
         <p14:creationId xmlns:p14="http://schemas.microsoft.com/office/powerpoint/2010/main" val="1759230395"/>
+      </p:ext>
+    </p:extLst>
+  </p:cSld>
+  <p:clrMapOvr>
+    <a:masterClrMapping/>
+  </p:clrMapOvr>
+</p:sld>
+</file>
+
+<file path=ppt/slides/slide9.xml><?xml version="1.0" encoding="utf-8"?>
+<p:sld xmlns:a="http://schemas.openxmlformats.org/drawingml/2006/main" xmlns:r="http://schemas.openxmlformats.org/officeDocument/2006/relationships" xmlns:p="http://schemas.openxmlformats.org/presentationml/2006/main">
+  <p:cSld>
+    <p:spTree>
+      <p:nvGrpSpPr>
+        <p:cNvPr id="1" name=""/>
+        <p:cNvGrpSpPr/>
+        <p:nvPr/>
+      </p:nvGrpSpPr>
+      <p:grpSpPr>
+        <a:xfrm>
+          <a:off x="0" y="0"/>
+          <a:ext cx="0" cy="0"/>
+          <a:chOff x="0" y="0"/>
+          <a:chExt cx="0" cy="0"/>
+        </a:xfrm>
+      </p:grpSpPr>
+      <p:sp>
+        <p:nvSpPr>
+          <p:cNvPr id="2" name="Title 1">
+            <a:extLst>
+              <a:ext uri="{FF2B5EF4-FFF2-40B4-BE49-F238E27FC236}">
+                <a16:creationId xmlns:a16="http://schemas.microsoft.com/office/drawing/2014/main" id="{70A4C97D-8F21-3D3B-6A90-EA7145324964}"/>
+              </a:ext>
+            </a:extLst>
+          </p:cNvPr>
+          <p:cNvSpPr>
+            <a:spLocks noGrp="1"/>
+          </p:cNvSpPr>
+          <p:nvPr>
+            <p:ph type="title"/>
+          </p:nvPr>
+        </p:nvSpPr>
+        <p:spPr>
+          <a:xfrm>
+            <a:off x="838200" y="593725"/>
+            <a:ext cx="10515600" cy="1325563"/>
+          </a:xfrm>
+        </p:spPr>
+        <p:txBody>
+          <a:bodyPr>
+            <a:normAutofit/>
+          </a:bodyPr>
+          <a:lstStyle/>
+          <a:p>
+            <a:r>
+              <a:rPr lang="en-US" sz="3600" dirty="0"/>
+              <a:t>Don’t see cell type abundance differences in </a:t>
+            </a:r>
+            <a:r>
+              <a:rPr lang="en-US" sz="3600" dirty="0" err="1"/>
+              <a:t>downsampled</a:t>
+            </a:r>
+            <a:r>
+              <a:rPr lang="en-US" sz="3600" dirty="0"/>
+              <a:t> myocarditis UMAP</a:t>
+            </a:r>
+            <a:endParaRPr lang="en-US" dirty="0"/>
+          </a:p>
+        </p:txBody>
+      </p:sp>
+      <p:pic>
+        <p:nvPicPr>
+          <p:cNvPr id="4" name="Picture 3">
+            <a:extLst>
+              <a:ext uri="{FF2B5EF4-FFF2-40B4-BE49-F238E27FC236}">
+                <a16:creationId xmlns:a16="http://schemas.microsoft.com/office/drawing/2014/main" id="{C5A3AA54-4E2A-36FA-8C11-2924C6822F00}"/>
+              </a:ext>
+            </a:extLst>
+          </p:cNvPr>
+          <p:cNvPicPr>
+            <a:picLocks noChangeAspect="1"/>
+          </p:cNvPicPr>
+          <p:nvPr/>
+        </p:nvPicPr>
+        <p:blipFill>
+          <a:blip r:embed="rId3"/>
+          <a:stretch>
+            <a:fillRect/>
+          </a:stretch>
+        </p:blipFill>
+        <p:spPr>
+          <a:xfrm>
+            <a:off x="2215628" y="2122568"/>
+            <a:ext cx="6779285" cy="4075188"/>
+          </a:xfrm>
+          <a:prstGeom prst="rect">
+            <a:avLst/>
+          </a:prstGeom>
+        </p:spPr>
+      </p:pic>
+    </p:spTree>
+    <p:extLst>
+      <p:ext uri="{BB962C8B-B14F-4D97-AF65-F5344CB8AC3E}">
+        <p14:creationId xmlns:p14="http://schemas.microsoft.com/office/powerpoint/2010/main" val="1300599112"/>
       </p:ext>
     </p:extLst>
   </p:cSld>

--- a/linsley_postdoc/presentations/weekly_meetings/1_11_24.pptx
+++ b/linsley_postdoc/presentations/weekly_meetings/1_11_24.pptx
@@ -5,7 +5,7 @@
     <p:sldMasterId id="2147483648" r:id="rId1"/>
   </p:sldMasterIdLst>
   <p:notesMasterIdLst>
-    <p:notesMasterId r:id="rId11"/>
+    <p:notesMasterId r:id="rId15"/>
   </p:notesMasterIdLst>
   <p:sldIdLst>
     <p:sldId id="477" r:id="rId2"/>
@@ -13,10 +13,14 @@
     <p:sldId id="506" r:id="rId4"/>
     <p:sldId id="521" r:id="rId5"/>
     <p:sldId id="505" r:id="rId6"/>
-    <p:sldId id="520" r:id="rId7"/>
-    <p:sldId id="516" r:id="rId8"/>
-    <p:sldId id="519" r:id="rId9"/>
-    <p:sldId id="522" r:id="rId10"/>
+    <p:sldId id="525" r:id="rId7"/>
+    <p:sldId id="520" r:id="rId8"/>
+    <p:sldId id="524" r:id="rId9"/>
+    <p:sldId id="519" r:id="rId10"/>
+    <p:sldId id="527" r:id="rId11"/>
+    <p:sldId id="522" r:id="rId12"/>
+    <p:sldId id="526" r:id="rId13"/>
+    <p:sldId id="523" r:id="rId14"/>
   </p:sldIdLst>
   <p:sldSz cx="12192000" cy="6858000"/>
   <p:notesSz cx="6858000" cy="9144000"/>
@@ -216,7 +220,7 @@
           <a:p>
             <a:fld id="{E933A773-0DCE-3544-BB67-D5FA58DF903C}" type="datetimeFigureOut">
               <a:rPr lang="en-US" smtClean="0"/>
-              <a:t>1/8/24</a:t>
+              <a:t>1/9/24</a:t>
             </a:fld>
             <a:endParaRPr lang="en-US"/>
           </a:p>
@@ -567,6 +571,534 @@
 </p:notes>
 </file>
 
+<file path=ppt/notesSlides/notesSlide10.xml><?xml version="1.0" encoding="utf-8"?>
+<p:notes xmlns:a="http://schemas.openxmlformats.org/drawingml/2006/main" xmlns:r="http://schemas.openxmlformats.org/officeDocument/2006/relationships" xmlns:p="http://schemas.openxmlformats.org/presentationml/2006/main">
+  <p:cSld>
+    <p:spTree>
+      <p:nvGrpSpPr>
+        <p:cNvPr id="1" name=""/>
+        <p:cNvGrpSpPr/>
+        <p:nvPr/>
+      </p:nvGrpSpPr>
+      <p:grpSpPr>
+        <a:xfrm>
+          <a:off x="0" y="0"/>
+          <a:ext cx="0" cy="0"/>
+          <a:chOff x="0" y="0"/>
+          <a:chExt cx="0" cy="0"/>
+        </a:xfrm>
+      </p:grpSpPr>
+      <p:sp>
+        <p:nvSpPr>
+          <p:cNvPr id="2" name="Slide Image Placeholder 1"/>
+          <p:cNvSpPr>
+            <a:spLocks noGrp="1" noRot="1" noChangeAspect="1"/>
+          </p:cNvSpPr>
+          <p:nvPr>
+            <p:ph type="sldImg"/>
+          </p:nvPr>
+        </p:nvSpPr>
+        <p:spPr/>
+      </p:sp>
+      <p:sp>
+        <p:nvSpPr>
+          <p:cNvPr id="3" name="Notes Placeholder 2"/>
+          <p:cNvSpPr>
+            <a:spLocks noGrp="1"/>
+          </p:cNvSpPr>
+          <p:nvPr>
+            <p:ph type="body" idx="1"/>
+          </p:nvPr>
+        </p:nvSpPr>
+        <p:spPr/>
+        <p:txBody>
+          <a:bodyPr/>
+          <a:lstStyle/>
+          <a:p>
+            <a:r>
+              <a:rPr lang="en-US" b="0" dirty="0">
+                <a:solidFill>
+                  <a:srgbClr val="CCCCCC"/>
+                </a:solidFill>
+                <a:effectLst/>
+                <a:latin typeface="Menlo" panose="020B0609030804020204" pitchFamily="49" charset="0"/>
+              </a:rPr>
+              <a:t>Fewer Tregs associated with </a:t>
+            </a:r>
+            <a:r>
+              <a:rPr lang="en-US" b="0" dirty="0" err="1">
+                <a:solidFill>
+                  <a:srgbClr val="CCCCCC"/>
+                </a:solidFill>
+                <a:effectLst/>
+                <a:latin typeface="Menlo" panose="020B0609030804020204" pitchFamily="49" charset="0"/>
+              </a:rPr>
+              <a:t>irAEs</a:t>
+            </a:r>
+            <a:r>
+              <a:rPr lang="en-US" b="0" dirty="0">
+                <a:solidFill>
+                  <a:srgbClr val="CCCCCC"/>
+                </a:solidFill>
+                <a:effectLst/>
+                <a:latin typeface="Menlo" panose="020B0609030804020204" pitchFamily="49" charset="0"/>
+              </a:rPr>
+              <a:t> in literature, don’t see that here though, don’t even see ICI decreasing Tregs…</a:t>
+            </a:r>
+          </a:p>
+          <a:p>
+            <a:endParaRPr lang="en-US" b="0" dirty="0">
+              <a:solidFill>
+                <a:srgbClr val="CCCCCC"/>
+              </a:solidFill>
+              <a:effectLst/>
+              <a:latin typeface="Menlo" panose="020B0609030804020204" pitchFamily="49" charset="0"/>
+            </a:endParaRPr>
+          </a:p>
+          <a:p>
+            <a:r>
+              <a:rPr lang="en-US" b="0" dirty="0">
+                <a:solidFill>
+                  <a:srgbClr val="CCCCCC"/>
+                </a:solidFill>
+                <a:effectLst/>
+                <a:latin typeface="Menlo" panose="020B0609030804020204" pitchFamily="49" charset="0"/>
+              </a:rPr>
+              <a:t>Wilcox rank sum test doesn’t assume equal variances (t test does)</a:t>
+            </a:r>
+          </a:p>
+          <a:p>
+            <a:endParaRPr lang="en-US" b="0" dirty="0">
+              <a:solidFill>
+                <a:srgbClr val="CCCCCC"/>
+              </a:solidFill>
+              <a:effectLst/>
+              <a:latin typeface="Menlo" panose="020B0609030804020204" pitchFamily="49" charset="0"/>
+            </a:endParaRPr>
+          </a:p>
+          <a:p>
+            <a:pPr marL="0" marR="0" lvl="0" indent="0" algn="l" defTabSz="914400" rtl="0" eaLnBrk="1" fontAlgn="auto" latinLnBrk="0" hangingPunct="1">
+              <a:lnSpc>
+                <a:spcPct val="100000"/>
+              </a:lnSpc>
+              <a:spcBef>
+                <a:spcPts val="0"/>
+              </a:spcBef>
+              <a:spcAft>
+                <a:spcPts val="0"/>
+              </a:spcAft>
+              <a:buClrTx/>
+              <a:buSzTx/>
+              <a:buFontTx/>
+              <a:buNone/>
+              <a:tabLst/>
+              <a:defRPr/>
+            </a:pPr>
+            <a:r>
+              <a:rPr lang="en-US" b="1" dirty="0"/>
+              <a:t>~similar to what I see here: low baseline circulating MAITs associated with </a:t>
+            </a:r>
+            <a:r>
+              <a:rPr lang="en-US" b="1" dirty="0" err="1"/>
+              <a:t>irAE</a:t>
+            </a:r>
+            <a:r>
+              <a:rPr lang="en-US" b="1" dirty="0"/>
+              <a:t> colitis (PMID: 32734627)</a:t>
+            </a:r>
+          </a:p>
+          <a:p>
+            <a:pPr marL="0" marR="0" lvl="0" indent="0" algn="l" defTabSz="914400" rtl="0" eaLnBrk="1" fontAlgn="auto" latinLnBrk="0" hangingPunct="1">
+              <a:lnSpc>
+                <a:spcPct val="100000"/>
+              </a:lnSpc>
+              <a:spcBef>
+                <a:spcPts val="0"/>
+              </a:spcBef>
+              <a:spcAft>
+                <a:spcPts val="0"/>
+              </a:spcAft>
+              <a:buClrTx/>
+              <a:buSzTx/>
+              <a:buFontTx/>
+              <a:buNone/>
+              <a:tabLst/>
+              <a:defRPr/>
+            </a:pPr>
+            <a:endParaRPr lang="en-US" b="1" dirty="0"/>
+          </a:p>
+          <a:p>
+            <a:pPr marL="0" marR="0" lvl="0" indent="0" algn="l" defTabSz="914400" rtl="0" eaLnBrk="1" fontAlgn="auto" latinLnBrk="0" hangingPunct="1">
+              <a:lnSpc>
+                <a:spcPct val="100000"/>
+              </a:lnSpc>
+              <a:spcBef>
+                <a:spcPts val="0"/>
+              </a:spcBef>
+              <a:spcAft>
+                <a:spcPts val="0"/>
+              </a:spcAft>
+              <a:buClrTx/>
+              <a:buSzTx/>
+              <a:buFontTx/>
+              <a:buNone/>
+              <a:tabLst/>
+              <a:defRPr/>
+            </a:pPr>
+            <a:r>
+              <a:rPr lang="en-US" b="1" dirty="0"/>
+              <a:t>~opposite to what I see here: activated CD4 TEM abundance (in PBMCs) associated with </a:t>
+            </a:r>
+            <a:r>
+              <a:rPr lang="en-US" b="1" dirty="0" err="1"/>
+              <a:t>irAE</a:t>
+            </a:r>
+            <a:r>
+              <a:rPr lang="en-US" b="1" dirty="0"/>
+              <a:t> development (</a:t>
+            </a:r>
+            <a:r>
+              <a:rPr lang="en-US" b="1" i="0" strike="noStrike" dirty="0">
+                <a:effectLst/>
+              </a:rPr>
+              <a:t>PMID: 35027754</a:t>
+            </a:r>
+            <a:r>
+              <a:rPr lang="en-US" b="1" dirty="0"/>
+              <a:t>)</a:t>
+            </a:r>
+          </a:p>
+        </p:txBody>
+      </p:sp>
+      <p:sp>
+        <p:nvSpPr>
+          <p:cNvPr id="4" name="Slide Number Placeholder 3"/>
+          <p:cNvSpPr>
+            <a:spLocks noGrp="1"/>
+          </p:cNvSpPr>
+          <p:nvPr>
+            <p:ph type="sldNum" sz="quarter" idx="5"/>
+          </p:nvPr>
+        </p:nvSpPr>
+        <p:spPr/>
+        <p:txBody>
+          <a:bodyPr/>
+          <a:lstStyle/>
+          <a:p>
+            <a:fld id="{061BAA8C-FDC6-D345-B4E0-3B02449209FB}" type="slidenum">
+              <a:rPr lang="en-US" smtClean="0"/>
+              <a:t>10</a:t>
+            </a:fld>
+            <a:endParaRPr lang="en-US"/>
+          </a:p>
+        </p:txBody>
+      </p:sp>
+    </p:spTree>
+    <p:extLst>
+      <p:ext uri="{BB962C8B-B14F-4D97-AF65-F5344CB8AC3E}">
+        <p14:creationId xmlns:p14="http://schemas.microsoft.com/office/powerpoint/2010/main" val="1613119316"/>
+      </p:ext>
+    </p:extLst>
+  </p:cSld>
+  <p:clrMapOvr>
+    <a:masterClrMapping/>
+  </p:clrMapOvr>
+</p:notes>
+</file>
+
+<file path=ppt/notesSlides/notesSlide11.xml><?xml version="1.0" encoding="utf-8"?>
+<p:notes xmlns:a="http://schemas.openxmlformats.org/drawingml/2006/main" xmlns:r="http://schemas.openxmlformats.org/officeDocument/2006/relationships" xmlns:p="http://schemas.openxmlformats.org/presentationml/2006/main">
+  <p:cSld>
+    <p:spTree>
+      <p:nvGrpSpPr>
+        <p:cNvPr id="1" name=""/>
+        <p:cNvGrpSpPr/>
+        <p:nvPr/>
+      </p:nvGrpSpPr>
+      <p:grpSpPr>
+        <a:xfrm>
+          <a:off x="0" y="0"/>
+          <a:ext cx="0" cy="0"/>
+          <a:chOff x="0" y="0"/>
+          <a:chExt cx="0" cy="0"/>
+        </a:xfrm>
+      </p:grpSpPr>
+      <p:sp>
+        <p:nvSpPr>
+          <p:cNvPr id="2" name="Slide Image Placeholder 1"/>
+          <p:cNvSpPr>
+            <a:spLocks noGrp="1" noRot="1" noChangeAspect="1"/>
+          </p:cNvSpPr>
+          <p:nvPr>
+            <p:ph type="sldImg"/>
+          </p:nvPr>
+        </p:nvSpPr>
+        <p:spPr/>
+      </p:sp>
+      <p:sp>
+        <p:nvSpPr>
+          <p:cNvPr id="3" name="Notes Placeholder 2"/>
+          <p:cNvSpPr>
+            <a:spLocks noGrp="1"/>
+          </p:cNvSpPr>
+          <p:nvPr>
+            <p:ph type="body" idx="1"/>
+          </p:nvPr>
+        </p:nvSpPr>
+        <p:spPr/>
+        <p:txBody>
+          <a:bodyPr/>
+          <a:lstStyle/>
+          <a:p>
+            <a:endParaRPr lang="en-US" b="0" dirty="0">
+              <a:solidFill>
+                <a:srgbClr val="CCCCCC"/>
+              </a:solidFill>
+              <a:effectLst/>
+              <a:latin typeface="Menlo" panose="020B0609030804020204" pitchFamily="49" charset="0"/>
+            </a:endParaRPr>
+          </a:p>
+        </p:txBody>
+      </p:sp>
+      <p:sp>
+        <p:nvSpPr>
+          <p:cNvPr id="4" name="Slide Number Placeholder 3"/>
+          <p:cNvSpPr>
+            <a:spLocks noGrp="1"/>
+          </p:cNvSpPr>
+          <p:nvPr>
+            <p:ph type="sldNum" sz="quarter" idx="5"/>
+          </p:nvPr>
+        </p:nvSpPr>
+        <p:spPr/>
+        <p:txBody>
+          <a:bodyPr/>
+          <a:lstStyle/>
+          <a:p>
+            <a:fld id="{061BAA8C-FDC6-D345-B4E0-3B02449209FB}" type="slidenum">
+              <a:rPr lang="en-US" smtClean="0"/>
+              <a:t>11</a:t>
+            </a:fld>
+            <a:endParaRPr lang="en-US"/>
+          </a:p>
+        </p:txBody>
+      </p:sp>
+    </p:spTree>
+    <p:extLst>
+      <p:ext uri="{BB962C8B-B14F-4D97-AF65-F5344CB8AC3E}">
+        <p14:creationId xmlns:p14="http://schemas.microsoft.com/office/powerpoint/2010/main" val="3791552686"/>
+      </p:ext>
+    </p:extLst>
+  </p:cSld>
+  <p:clrMapOvr>
+    <a:masterClrMapping/>
+  </p:clrMapOvr>
+</p:notes>
+</file>
+
+<file path=ppt/notesSlides/notesSlide12.xml><?xml version="1.0" encoding="utf-8"?>
+<p:notes xmlns:a="http://schemas.openxmlformats.org/drawingml/2006/main" xmlns:r="http://schemas.openxmlformats.org/officeDocument/2006/relationships" xmlns:p="http://schemas.openxmlformats.org/presentationml/2006/main">
+  <p:cSld>
+    <p:spTree>
+      <p:nvGrpSpPr>
+        <p:cNvPr id="1" name=""/>
+        <p:cNvGrpSpPr/>
+        <p:nvPr/>
+      </p:nvGrpSpPr>
+      <p:grpSpPr>
+        <a:xfrm>
+          <a:off x="0" y="0"/>
+          <a:ext cx="0" cy="0"/>
+          <a:chOff x="0" y="0"/>
+          <a:chExt cx="0" cy="0"/>
+        </a:xfrm>
+      </p:grpSpPr>
+      <p:sp>
+        <p:nvSpPr>
+          <p:cNvPr id="2" name="Slide Image Placeholder 1"/>
+          <p:cNvSpPr>
+            <a:spLocks noGrp="1" noRot="1" noChangeAspect="1"/>
+          </p:cNvSpPr>
+          <p:nvPr>
+            <p:ph type="sldImg"/>
+          </p:nvPr>
+        </p:nvSpPr>
+        <p:spPr/>
+      </p:sp>
+      <p:sp>
+        <p:nvSpPr>
+          <p:cNvPr id="3" name="Notes Placeholder 2"/>
+          <p:cNvSpPr>
+            <a:spLocks noGrp="1"/>
+          </p:cNvSpPr>
+          <p:nvPr>
+            <p:ph type="body" idx="1"/>
+          </p:nvPr>
+        </p:nvSpPr>
+        <p:spPr/>
+        <p:txBody>
+          <a:bodyPr/>
+          <a:lstStyle/>
+          <a:p>
+            <a:endParaRPr lang="en-US" b="0" dirty="0">
+              <a:solidFill>
+                <a:srgbClr val="CCCCCC"/>
+              </a:solidFill>
+              <a:effectLst/>
+              <a:latin typeface="Menlo" panose="020B0609030804020204" pitchFamily="49" charset="0"/>
+            </a:endParaRPr>
+          </a:p>
+        </p:txBody>
+      </p:sp>
+      <p:sp>
+        <p:nvSpPr>
+          <p:cNvPr id="4" name="Slide Number Placeholder 3"/>
+          <p:cNvSpPr>
+            <a:spLocks noGrp="1"/>
+          </p:cNvSpPr>
+          <p:nvPr>
+            <p:ph type="sldNum" sz="quarter" idx="5"/>
+          </p:nvPr>
+        </p:nvSpPr>
+        <p:spPr/>
+        <p:txBody>
+          <a:bodyPr/>
+          <a:lstStyle/>
+          <a:p>
+            <a:fld id="{061BAA8C-FDC6-D345-B4E0-3B02449209FB}" type="slidenum">
+              <a:rPr lang="en-US" smtClean="0"/>
+              <a:t>12</a:t>
+            </a:fld>
+            <a:endParaRPr lang="en-US"/>
+          </a:p>
+        </p:txBody>
+      </p:sp>
+    </p:spTree>
+    <p:extLst>
+      <p:ext uri="{BB962C8B-B14F-4D97-AF65-F5344CB8AC3E}">
+        <p14:creationId xmlns:p14="http://schemas.microsoft.com/office/powerpoint/2010/main" val="4106654918"/>
+      </p:ext>
+    </p:extLst>
+  </p:cSld>
+  <p:clrMapOvr>
+    <a:masterClrMapping/>
+  </p:clrMapOvr>
+</p:notes>
+</file>
+
+<file path=ppt/notesSlides/notesSlide13.xml><?xml version="1.0" encoding="utf-8"?>
+<p:notes xmlns:a="http://schemas.openxmlformats.org/drawingml/2006/main" xmlns:r="http://schemas.openxmlformats.org/officeDocument/2006/relationships" xmlns:p="http://schemas.openxmlformats.org/presentationml/2006/main">
+  <p:cSld>
+    <p:spTree>
+      <p:nvGrpSpPr>
+        <p:cNvPr id="1" name=""/>
+        <p:cNvGrpSpPr/>
+        <p:nvPr/>
+      </p:nvGrpSpPr>
+      <p:grpSpPr>
+        <a:xfrm>
+          <a:off x="0" y="0"/>
+          <a:ext cx="0" cy="0"/>
+          <a:chOff x="0" y="0"/>
+          <a:chExt cx="0" cy="0"/>
+        </a:xfrm>
+      </p:grpSpPr>
+      <p:sp>
+        <p:nvSpPr>
+          <p:cNvPr id="2" name="Slide Image Placeholder 1"/>
+          <p:cNvSpPr>
+            <a:spLocks noGrp="1" noRot="1" noChangeAspect="1"/>
+          </p:cNvSpPr>
+          <p:nvPr>
+            <p:ph type="sldImg"/>
+          </p:nvPr>
+        </p:nvSpPr>
+        <p:spPr/>
+      </p:sp>
+      <p:sp>
+        <p:nvSpPr>
+          <p:cNvPr id="3" name="Notes Placeholder 2"/>
+          <p:cNvSpPr>
+            <a:spLocks noGrp="1"/>
+          </p:cNvSpPr>
+          <p:nvPr>
+            <p:ph type="body" idx="1"/>
+          </p:nvPr>
+        </p:nvSpPr>
+        <p:spPr/>
+        <p:txBody>
+          <a:bodyPr/>
+          <a:lstStyle/>
+          <a:p>
+            <a:r>
+              <a:rPr lang="en-US" b="0" dirty="0">
+                <a:solidFill>
+                  <a:srgbClr val="CCCCCC"/>
+                </a:solidFill>
+                <a:effectLst/>
+                <a:latin typeface="Menlo" panose="020B0609030804020204" pitchFamily="49" charset="0"/>
+              </a:rPr>
+              <a:t>P = 0.02 for CD8 TEM </a:t>
+            </a:r>
+            <a:r>
+              <a:rPr lang="en-US" b="0" dirty="0" err="1">
+                <a:solidFill>
+                  <a:srgbClr val="CCCCCC"/>
+                </a:solidFill>
+                <a:effectLst/>
+                <a:latin typeface="Menlo" panose="020B0609030804020204" pitchFamily="49" charset="0"/>
+              </a:rPr>
+              <a:t>pgen</a:t>
+            </a:r>
+            <a:r>
+              <a:rPr lang="en-US" b="0" dirty="0">
+                <a:solidFill>
+                  <a:srgbClr val="CCCCCC"/>
+                </a:solidFill>
+                <a:effectLst/>
+                <a:latin typeface="Menlo" panose="020B0609030804020204" pitchFamily="49" charset="0"/>
+              </a:rPr>
+              <a:t> TRB 10% cutoff</a:t>
+            </a:r>
+          </a:p>
+        </p:txBody>
+      </p:sp>
+      <p:sp>
+        <p:nvSpPr>
+          <p:cNvPr id="4" name="Slide Number Placeholder 3"/>
+          <p:cNvSpPr>
+            <a:spLocks noGrp="1"/>
+          </p:cNvSpPr>
+          <p:nvPr>
+            <p:ph type="sldNum" sz="quarter" idx="5"/>
+          </p:nvPr>
+        </p:nvSpPr>
+        <p:spPr/>
+        <p:txBody>
+          <a:bodyPr/>
+          <a:lstStyle/>
+          <a:p>
+            <a:fld id="{061BAA8C-FDC6-D345-B4E0-3B02449209FB}" type="slidenum">
+              <a:rPr lang="en-US" smtClean="0"/>
+              <a:t>13</a:t>
+            </a:fld>
+            <a:endParaRPr lang="en-US"/>
+          </a:p>
+        </p:txBody>
+      </p:sp>
+    </p:spTree>
+    <p:extLst>
+      <p:ext uri="{BB962C8B-B14F-4D97-AF65-F5344CB8AC3E}">
+        <p14:creationId xmlns:p14="http://schemas.microsoft.com/office/powerpoint/2010/main" val="653651634"/>
+      </p:ext>
+    </p:extLst>
+  </p:cSld>
+  <p:clrMapOvr>
+    <a:masterClrMapping/>
+  </p:clrMapOvr>
+</p:notes>
+</file>
+
 <file path=ppt/notesSlides/notesSlide2.xml><?xml version="1.0" encoding="utf-8"?>
 <p:notes xmlns:a="http://schemas.openxmlformats.org/drawingml/2006/main" xmlns:r="http://schemas.openxmlformats.org/officeDocument/2006/relationships" xmlns:p="http://schemas.openxmlformats.org/presentationml/2006/main">
   <p:cSld>
@@ -753,6 +1285,107 @@
               <a:t>Wilcox rank sum test doesn’t assume equal variances (t test does)</a:t>
             </a:r>
           </a:p>
+          <a:p>
+            <a:endParaRPr lang="en-US" b="0" dirty="0">
+              <a:solidFill>
+                <a:srgbClr val="CCCCCC"/>
+              </a:solidFill>
+              <a:effectLst/>
+              <a:latin typeface="Menlo" panose="020B0609030804020204" pitchFamily="49" charset="0"/>
+            </a:endParaRPr>
+          </a:p>
+          <a:p>
+            <a:pPr marL="0" marR="0" lvl="0" indent="0" algn="l" defTabSz="914400" rtl="0" eaLnBrk="1" fontAlgn="auto" latinLnBrk="0" hangingPunct="1">
+              <a:lnSpc>
+                <a:spcPct val="100000"/>
+              </a:lnSpc>
+              <a:spcBef>
+                <a:spcPts val="0"/>
+              </a:spcBef>
+              <a:spcAft>
+                <a:spcPts val="0"/>
+              </a:spcAft>
+              <a:buClrTx/>
+              <a:buSzTx/>
+              <a:buFontTx/>
+              <a:buNone/>
+              <a:tabLst/>
+              <a:defRPr/>
+            </a:pPr>
+            <a:r>
+              <a:rPr lang="en-US" b="1" dirty="0"/>
+              <a:t>~similar to what I see here: low baseline circulating MAITs associated with </a:t>
+            </a:r>
+            <a:r>
+              <a:rPr lang="en-US" b="1" dirty="0" err="1"/>
+              <a:t>irAE</a:t>
+            </a:r>
+            <a:r>
+              <a:rPr lang="en-US" b="1" dirty="0"/>
+              <a:t> colitis (PMID: 32734627)</a:t>
+            </a:r>
+          </a:p>
+          <a:p>
+            <a:pPr marL="0" marR="0" lvl="0" indent="0" algn="l" defTabSz="914400" rtl="0" eaLnBrk="1" fontAlgn="auto" latinLnBrk="0" hangingPunct="1">
+              <a:lnSpc>
+                <a:spcPct val="100000"/>
+              </a:lnSpc>
+              <a:spcBef>
+                <a:spcPts val="0"/>
+              </a:spcBef>
+              <a:spcAft>
+                <a:spcPts val="0"/>
+              </a:spcAft>
+              <a:buClrTx/>
+              <a:buSzTx/>
+              <a:buFontTx/>
+              <a:buNone/>
+              <a:tabLst/>
+              <a:defRPr/>
+            </a:pPr>
+            <a:endParaRPr lang="en-US" b="1" dirty="0"/>
+          </a:p>
+          <a:p>
+            <a:pPr marL="0" marR="0" lvl="0" indent="0" algn="l" defTabSz="914400" rtl="0" eaLnBrk="1" fontAlgn="auto" latinLnBrk="0" hangingPunct="1">
+              <a:lnSpc>
+                <a:spcPct val="100000"/>
+              </a:lnSpc>
+              <a:spcBef>
+                <a:spcPts val="0"/>
+              </a:spcBef>
+              <a:spcAft>
+                <a:spcPts val="0"/>
+              </a:spcAft>
+              <a:buClrTx/>
+              <a:buSzTx/>
+              <a:buFontTx/>
+              <a:buNone/>
+              <a:tabLst/>
+              <a:defRPr/>
+            </a:pPr>
+            <a:r>
+              <a:rPr lang="en-US" b="1" dirty="0"/>
+              <a:t>~opposite to what I see here: activated CD4 TEM abundance (in PBMCs) associated with </a:t>
+            </a:r>
+            <a:r>
+              <a:rPr lang="en-US" b="1" dirty="0" err="1"/>
+              <a:t>irAE</a:t>
+            </a:r>
+            <a:r>
+              <a:rPr lang="en-US" b="1" dirty="0"/>
+              <a:t> development (</a:t>
+            </a:r>
+            <a:r>
+              <a:rPr lang="en-US" b="1" i="0" strike="noStrike" dirty="0">
+                <a:effectLst/>
+              </a:rPr>
+              <a:t>PMID: 35027754</a:t>
+            </a:r>
+            <a:r>
+              <a:rPr lang="en-US" b="1" dirty="0"/>
+              <a:t>)</a:t>
+            </a:r>
+          </a:p>
         </p:txBody>
       </p:sp>
       <p:sp>
@@ -866,6 +1499,107 @@
               <a:t> in literature, don’t see that here though, don’t even see ICI decreasing Tregs…</a:t>
             </a:r>
           </a:p>
+          <a:p>
+            <a:endParaRPr lang="en-US" b="0" dirty="0">
+              <a:solidFill>
+                <a:srgbClr val="CCCCCC"/>
+              </a:solidFill>
+              <a:effectLst/>
+              <a:latin typeface="Menlo" panose="020B0609030804020204" pitchFamily="49" charset="0"/>
+            </a:endParaRPr>
+          </a:p>
+          <a:p>
+            <a:pPr marL="0" marR="0" lvl="0" indent="0" algn="l" defTabSz="914400" rtl="0" eaLnBrk="1" fontAlgn="auto" latinLnBrk="0" hangingPunct="1">
+              <a:lnSpc>
+                <a:spcPct val="100000"/>
+              </a:lnSpc>
+              <a:spcBef>
+                <a:spcPts val="0"/>
+              </a:spcBef>
+              <a:spcAft>
+                <a:spcPts val="0"/>
+              </a:spcAft>
+              <a:buClrTx/>
+              <a:buSzTx/>
+              <a:buFontTx/>
+              <a:buNone/>
+              <a:tabLst/>
+              <a:defRPr/>
+            </a:pPr>
+            <a:r>
+              <a:rPr lang="en-US" b="1" dirty="0"/>
+              <a:t>~similar to what I see here: low baseline circulating MAITs associated with </a:t>
+            </a:r>
+            <a:r>
+              <a:rPr lang="en-US" b="1" dirty="0" err="1"/>
+              <a:t>irAE</a:t>
+            </a:r>
+            <a:r>
+              <a:rPr lang="en-US" b="1" dirty="0"/>
+              <a:t> colitis (PMID: 32734627)</a:t>
+            </a:r>
+          </a:p>
+          <a:p>
+            <a:pPr marL="0" marR="0" lvl="0" indent="0" algn="l" defTabSz="914400" rtl="0" eaLnBrk="1" fontAlgn="auto" latinLnBrk="0" hangingPunct="1">
+              <a:lnSpc>
+                <a:spcPct val="100000"/>
+              </a:lnSpc>
+              <a:spcBef>
+                <a:spcPts val="0"/>
+              </a:spcBef>
+              <a:spcAft>
+                <a:spcPts val="0"/>
+              </a:spcAft>
+              <a:buClrTx/>
+              <a:buSzTx/>
+              <a:buFontTx/>
+              <a:buNone/>
+              <a:tabLst/>
+              <a:defRPr/>
+            </a:pPr>
+            <a:endParaRPr lang="en-US" b="1" dirty="0"/>
+          </a:p>
+          <a:p>
+            <a:pPr marL="0" marR="0" lvl="0" indent="0" algn="l" defTabSz="914400" rtl="0" eaLnBrk="1" fontAlgn="auto" latinLnBrk="0" hangingPunct="1">
+              <a:lnSpc>
+                <a:spcPct val="100000"/>
+              </a:lnSpc>
+              <a:spcBef>
+                <a:spcPts val="0"/>
+              </a:spcBef>
+              <a:spcAft>
+                <a:spcPts val="0"/>
+              </a:spcAft>
+              <a:buClrTx/>
+              <a:buSzTx/>
+              <a:buFontTx/>
+              <a:buNone/>
+              <a:tabLst/>
+              <a:defRPr/>
+            </a:pPr>
+            <a:r>
+              <a:rPr lang="en-US" b="1" dirty="0"/>
+              <a:t>~opposite to what I see here: activated CD4 TEM abundance (in PBMCs) associated with </a:t>
+            </a:r>
+            <a:r>
+              <a:rPr lang="en-US" b="1" dirty="0" err="1"/>
+              <a:t>irAE</a:t>
+            </a:r>
+            <a:r>
+              <a:rPr lang="en-US" b="1" dirty="0"/>
+              <a:t> development (</a:t>
+            </a:r>
+            <a:r>
+              <a:rPr lang="en-US" b="1" i="0" strike="noStrike" dirty="0">
+                <a:effectLst/>
+              </a:rPr>
+              <a:t>PMID: 35027754</a:t>
+            </a:r>
+            <a:r>
+              <a:rPr lang="en-US" b="1" dirty="0"/>
+              <a:t>)</a:t>
+            </a:r>
+          </a:p>
         </p:txBody>
       </p:sp>
       <p:sp>
@@ -943,41 +1677,23 @@
             <p:ph type="body" idx="1"/>
           </p:nvPr>
         </p:nvSpPr>
-        <p:spPr/>
+        <p:spPr>
+          <a:xfrm>
+            <a:off x="685800" y="4220528"/>
+            <a:ext cx="5486400" cy="3960495"/>
+          </a:xfrm>
+        </p:spPr>
         <p:txBody>
           <a:bodyPr/>
           <a:lstStyle/>
           <a:p>
-            <a:r>
-              <a:rPr lang="en-US" b="0" dirty="0">
-                <a:solidFill>
-                  <a:srgbClr val="CCCCCC"/>
-                </a:solidFill>
-                <a:effectLst/>
-                <a:latin typeface="Menlo" panose="020B0609030804020204" pitchFamily="49" charset="0"/>
-              </a:rPr>
-              <a:t>P = 0.02 for CD8 TEM </a:t>
-            </a:r>
-            <a:r>
-              <a:rPr lang="en-US" b="0" dirty="0" err="1">
-                <a:solidFill>
-                  <a:srgbClr val="CCCCCC"/>
-                </a:solidFill>
-                <a:effectLst/>
-                <a:latin typeface="Menlo" panose="020B0609030804020204" pitchFamily="49" charset="0"/>
-              </a:rPr>
-              <a:t>pgen</a:t>
-            </a:r>
-            <a:r>
-              <a:rPr lang="en-US" b="0" dirty="0">
-                <a:solidFill>
-                  <a:srgbClr val="CCCCCC"/>
-                </a:solidFill>
-                <a:effectLst/>
-                <a:latin typeface="Menlo" panose="020B0609030804020204" pitchFamily="49" charset="0"/>
-              </a:rPr>
-              <a:t> TRB 10% cutoff</a:t>
-            </a:r>
+            <a:endParaRPr lang="en-US" b="0" dirty="0">
+              <a:solidFill>
+                <a:srgbClr val="CCCCCC"/>
+              </a:solidFill>
+              <a:effectLst/>
+              <a:latin typeface="Menlo" panose="020B0609030804020204" pitchFamily="49" charset="0"/>
+            </a:endParaRPr>
           </a:p>
         </p:txBody>
       </p:sp>
@@ -1056,7 +1772,12 @@
             <p:ph type="body" idx="1"/>
           </p:nvPr>
         </p:nvSpPr>
-        <p:spPr/>
+        <p:spPr>
+          <a:xfrm>
+            <a:off x="685800" y="4220528"/>
+            <a:ext cx="5486400" cy="3960495"/>
+          </a:xfrm>
+        </p:spPr>
         <p:txBody>
           <a:bodyPr/>
           <a:lstStyle/>
@@ -1097,7 +1818,7 @@
     </p:spTree>
     <p:extLst>
       <p:ext uri="{BB962C8B-B14F-4D97-AF65-F5344CB8AC3E}">
-        <p14:creationId xmlns:p14="http://schemas.microsoft.com/office/powerpoint/2010/main" val="2327222038"/>
+        <p14:creationId xmlns:p14="http://schemas.microsoft.com/office/powerpoint/2010/main" val="532067067"/>
       </p:ext>
     </p:extLst>
   </p:cSld>
@@ -1146,18 +1867,40 @@
             <p:ph type="body" idx="1"/>
           </p:nvPr>
         </p:nvSpPr>
-        <p:spPr/>
+        <p:spPr>
+          <a:xfrm>
+            <a:off x="133792" y="4564207"/>
+            <a:ext cx="6638544" cy="3273136"/>
+          </a:xfrm>
+        </p:spPr>
         <p:txBody>
           <a:bodyPr/>
           <a:lstStyle/>
           <a:p>
-            <a:endParaRPr lang="en-US" b="0" dirty="0">
-              <a:solidFill>
-                <a:srgbClr val="CCCCCC"/>
-              </a:solidFill>
-              <a:effectLst/>
-              <a:latin typeface="Menlo" panose="020B0609030804020204" pitchFamily="49" charset="0"/>
-            </a:endParaRPr>
+            <a:r>
+              <a:rPr lang="en-US" sz="2000" dirty="0">
+                <a:effectLst/>
+              </a:rPr>
+              <a:t>CD4 TEM TRB CDR3 length</a:t>
+            </a:r>
+          </a:p>
+          <a:p>
+            <a:pPr lvl="1"/>
+            <a:r>
+              <a:rPr lang="en-US" sz="1600" dirty="0">
+                <a:effectLst/>
+              </a:rPr>
+              <a:t>Colitis down: 10-40%, 70-80%</a:t>
+            </a:r>
+          </a:p>
+          <a:p>
+            <a:pPr lvl="1"/>
+            <a:r>
+              <a:rPr lang="en-US" sz="1600" dirty="0">
+                <a:effectLst/>
+              </a:rPr>
+              <a:t>Colitis norm: 30, 70%</a:t>
+            </a:r>
           </a:p>
         </p:txBody>
       </p:sp>
@@ -1187,7 +1930,7 @@
     </p:spTree>
     <p:extLst>
       <p:ext uri="{BB962C8B-B14F-4D97-AF65-F5344CB8AC3E}">
-        <p14:creationId xmlns:p14="http://schemas.microsoft.com/office/powerpoint/2010/main" val="890911387"/>
+        <p14:creationId xmlns:p14="http://schemas.microsoft.com/office/powerpoint/2010/main" val="2327222038"/>
       </p:ext>
     </p:extLst>
   </p:cSld>
@@ -1277,7 +2020,7 @@
     </p:spTree>
     <p:extLst>
       <p:ext uri="{BB962C8B-B14F-4D97-AF65-F5344CB8AC3E}">
-        <p14:creationId xmlns:p14="http://schemas.microsoft.com/office/powerpoint/2010/main" val="906140516"/>
+        <p14:creationId xmlns:p14="http://schemas.microsoft.com/office/powerpoint/2010/main" val="1028129820"/>
       </p:ext>
     </p:extLst>
   </p:cSld>
@@ -1331,36 +2074,13 @@
           <a:bodyPr/>
           <a:lstStyle/>
           <a:p>
-            <a:r>
-              <a:rPr lang="en-US" b="0" dirty="0">
-                <a:solidFill>
-                  <a:srgbClr val="CCCCCC"/>
-                </a:solidFill>
-                <a:effectLst/>
-                <a:latin typeface="Menlo" panose="020B0609030804020204" pitchFamily="49" charset="0"/>
-              </a:rPr>
-              <a:t>Fewer Tregs associated with </a:t>
-            </a:r>
-            <a:r>
-              <a:rPr lang="en-US" b="0" dirty="0" err="1">
-                <a:solidFill>
-                  <a:srgbClr val="CCCCCC"/>
-                </a:solidFill>
-                <a:effectLst/>
-                <a:latin typeface="Menlo" panose="020B0609030804020204" pitchFamily="49" charset="0"/>
-              </a:rPr>
-              <a:t>irAEs</a:t>
-            </a:r>
-            <a:r>
-              <a:rPr lang="en-US" b="0" dirty="0">
-                <a:solidFill>
-                  <a:srgbClr val="CCCCCC"/>
-                </a:solidFill>
-                <a:effectLst/>
-                <a:latin typeface="Menlo" panose="020B0609030804020204" pitchFamily="49" charset="0"/>
-              </a:rPr>
-              <a:t> in literature, don’t see that here though, don’t even see ICI decreasing Tregs…</a:t>
-            </a:r>
+            <a:endParaRPr lang="en-US" b="0" dirty="0">
+              <a:solidFill>
+                <a:srgbClr val="CCCCCC"/>
+              </a:solidFill>
+              <a:effectLst/>
+              <a:latin typeface="Menlo" panose="020B0609030804020204" pitchFamily="49" charset="0"/>
+            </a:endParaRPr>
           </a:p>
         </p:txBody>
       </p:sp>
@@ -1390,7 +2110,7 @@
     </p:spTree>
     <p:extLst>
       <p:ext uri="{BB962C8B-B14F-4D97-AF65-F5344CB8AC3E}">
-        <p14:creationId xmlns:p14="http://schemas.microsoft.com/office/powerpoint/2010/main" val="1936316929"/>
+        <p14:creationId xmlns:p14="http://schemas.microsoft.com/office/powerpoint/2010/main" val="906140516"/>
       </p:ext>
     </p:extLst>
   </p:cSld>
@@ -1547,7 +2267,7 @@
           <a:p>
             <a:fld id="{80FC6068-BAFB-FC44-B9D8-F4B3BB105DE6}" type="datetimeFigureOut">
               <a:rPr lang="en-US" smtClean="0"/>
-              <a:t>1/8/24</a:t>
+              <a:t>1/9/24</a:t>
             </a:fld>
             <a:endParaRPr lang="en-US"/>
           </a:p>
@@ -1745,7 +2465,7 @@
           <a:p>
             <a:fld id="{80FC6068-BAFB-FC44-B9D8-F4B3BB105DE6}" type="datetimeFigureOut">
               <a:rPr lang="en-US" smtClean="0"/>
-              <a:t>1/8/24</a:t>
+              <a:t>1/9/24</a:t>
             </a:fld>
             <a:endParaRPr lang="en-US"/>
           </a:p>
@@ -1953,7 +2673,7 @@
           <a:p>
             <a:fld id="{80FC6068-BAFB-FC44-B9D8-F4B3BB105DE6}" type="datetimeFigureOut">
               <a:rPr lang="en-US" smtClean="0"/>
-              <a:t>1/8/24</a:t>
+              <a:t>1/9/24</a:t>
             </a:fld>
             <a:endParaRPr lang="en-US"/>
           </a:p>
@@ -2157,7 +2877,7 @@
           <a:p>
             <a:fld id="{80FC6068-BAFB-FC44-B9D8-F4B3BB105DE6}" type="datetimeFigureOut">
               <a:rPr lang="en-US" smtClean="0"/>
-              <a:t>1/8/24</a:t>
+              <a:t>1/9/24</a:t>
             </a:fld>
             <a:endParaRPr lang="en-US"/>
           </a:p>
@@ -2448,7 +3168,7 @@
           <a:p>
             <a:fld id="{80FC6068-BAFB-FC44-B9D8-F4B3BB105DE6}" type="datetimeFigureOut">
               <a:rPr lang="en-US" smtClean="0"/>
-              <a:t>1/8/24</a:t>
+              <a:t>1/9/24</a:t>
             </a:fld>
             <a:endParaRPr lang="en-US"/>
           </a:p>
@@ -2713,7 +3433,7 @@
           <a:p>
             <a:fld id="{80FC6068-BAFB-FC44-B9D8-F4B3BB105DE6}" type="datetimeFigureOut">
               <a:rPr lang="en-US" smtClean="0"/>
-              <a:t>1/8/24</a:t>
+              <a:t>1/9/24</a:t>
             </a:fld>
             <a:endParaRPr lang="en-US"/>
           </a:p>
@@ -3125,7 +3845,7 @@
           <a:p>
             <a:fld id="{80FC6068-BAFB-FC44-B9D8-F4B3BB105DE6}" type="datetimeFigureOut">
               <a:rPr lang="en-US" smtClean="0"/>
-              <a:t>1/8/24</a:t>
+              <a:t>1/9/24</a:t>
             </a:fld>
             <a:endParaRPr lang="en-US"/>
           </a:p>
@@ -3266,7 +3986,7 @@
           <a:p>
             <a:fld id="{80FC6068-BAFB-FC44-B9D8-F4B3BB105DE6}" type="datetimeFigureOut">
               <a:rPr lang="en-US" smtClean="0"/>
-              <a:t>1/8/24</a:t>
+              <a:t>1/9/24</a:t>
             </a:fld>
             <a:endParaRPr lang="en-US"/>
           </a:p>
@@ -3379,7 +4099,7 @@
           <a:p>
             <a:fld id="{80FC6068-BAFB-FC44-B9D8-F4B3BB105DE6}" type="datetimeFigureOut">
               <a:rPr lang="en-US" smtClean="0"/>
-              <a:t>1/8/24</a:t>
+              <a:t>1/9/24</a:t>
             </a:fld>
             <a:endParaRPr lang="en-US"/>
           </a:p>
@@ -3690,7 +4410,7 @@
           <a:p>
             <a:fld id="{80FC6068-BAFB-FC44-B9D8-F4B3BB105DE6}" type="datetimeFigureOut">
               <a:rPr lang="en-US" smtClean="0"/>
-              <a:t>1/8/24</a:t>
+              <a:t>1/9/24</a:t>
             </a:fld>
             <a:endParaRPr lang="en-US"/>
           </a:p>
@@ -3978,7 +4698,7 @@
           <a:p>
             <a:fld id="{80FC6068-BAFB-FC44-B9D8-F4B3BB105DE6}" type="datetimeFigureOut">
               <a:rPr lang="en-US" smtClean="0"/>
-              <a:t>1/8/24</a:t>
+              <a:t>1/9/24</a:t>
             </a:fld>
             <a:endParaRPr lang="en-US"/>
           </a:p>
@@ -4219,7 +4939,7 @@
           <a:p>
             <a:fld id="{80FC6068-BAFB-FC44-B9D8-F4B3BB105DE6}" type="datetimeFigureOut">
               <a:rPr lang="en-US" smtClean="0"/>
-              <a:t>1/8/24</a:t>
+              <a:t>1/9/24</a:t>
             </a:fld>
             <a:endParaRPr lang="en-US"/>
           </a:p>
@@ -4713,6 +5433,1444 @@
 </p:sld>
 </file>
 
+<file path=ppt/slides/slide10.xml><?xml version="1.0" encoding="utf-8"?>
+<p:sld xmlns:a="http://schemas.openxmlformats.org/drawingml/2006/main" xmlns:r="http://schemas.openxmlformats.org/officeDocument/2006/relationships" xmlns:p="http://schemas.openxmlformats.org/presentationml/2006/main">
+  <p:cSld>
+    <p:spTree>
+      <p:nvGrpSpPr>
+        <p:cNvPr id="1" name=""/>
+        <p:cNvGrpSpPr/>
+        <p:nvPr/>
+      </p:nvGrpSpPr>
+      <p:grpSpPr>
+        <a:xfrm>
+          <a:off x="0" y="0"/>
+          <a:ext cx="0" cy="0"/>
+          <a:chOff x="0" y="0"/>
+          <a:chExt cx="0" cy="0"/>
+        </a:xfrm>
+      </p:grpSpPr>
+      <p:pic>
+        <p:nvPicPr>
+          <p:cNvPr id="6" name="Picture 5">
+            <a:extLst>
+              <a:ext uri="{FF2B5EF4-FFF2-40B4-BE49-F238E27FC236}">
+                <a16:creationId xmlns:a16="http://schemas.microsoft.com/office/drawing/2014/main" id="{5DE8FA55-C9B5-0FD6-D2C0-F7897C5D17C9}"/>
+              </a:ext>
+            </a:extLst>
+          </p:cNvPr>
+          <p:cNvPicPr>
+            <a:picLocks noChangeAspect="1"/>
+          </p:cNvPicPr>
+          <p:nvPr/>
+        </p:nvPicPr>
+        <p:blipFill>
+          <a:blip r:embed="rId3"/>
+          <a:stretch>
+            <a:fillRect/>
+          </a:stretch>
+        </p:blipFill>
+        <p:spPr>
+          <a:xfrm>
+            <a:off x="436880" y="2290563"/>
+            <a:ext cx="5257800" cy="3193058"/>
+          </a:xfrm>
+          <a:prstGeom prst="rect">
+            <a:avLst/>
+          </a:prstGeom>
+        </p:spPr>
+      </p:pic>
+      <p:sp>
+        <p:nvSpPr>
+          <p:cNvPr id="2" name="Title 1">
+            <a:extLst>
+              <a:ext uri="{FF2B5EF4-FFF2-40B4-BE49-F238E27FC236}">
+                <a16:creationId xmlns:a16="http://schemas.microsoft.com/office/drawing/2014/main" id="{70A4C97D-8F21-3D3B-6A90-EA7145324964}"/>
+              </a:ext>
+            </a:extLst>
+          </p:cNvPr>
+          <p:cNvSpPr>
+            <a:spLocks noGrp="1"/>
+          </p:cNvSpPr>
+          <p:nvPr>
+            <p:ph type="title"/>
+          </p:nvPr>
+        </p:nvSpPr>
+        <p:spPr>
+          <a:xfrm>
+            <a:off x="838200" y="593725"/>
+            <a:ext cx="10515600" cy="1325563"/>
+          </a:xfrm>
+        </p:spPr>
+        <p:txBody>
+          <a:bodyPr>
+            <a:normAutofit/>
+          </a:bodyPr>
+          <a:lstStyle/>
+          <a:p>
+            <a:r>
+              <a:rPr lang="en-US" sz="3600" dirty="0" err="1"/>
+              <a:t>Downsampled</a:t>
+            </a:r>
+            <a:r>
+              <a:rPr lang="en-US" sz="3600" dirty="0"/>
+              <a:t> colitis dataset shows same cell type abundances differences (boxplot)</a:t>
+            </a:r>
+          </a:p>
+        </p:txBody>
+      </p:sp>
+      <p:sp>
+        <p:nvSpPr>
+          <p:cNvPr id="7" name="TextBox 6">
+            <a:extLst>
+              <a:ext uri="{FF2B5EF4-FFF2-40B4-BE49-F238E27FC236}">
+                <a16:creationId xmlns:a16="http://schemas.microsoft.com/office/drawing/2014/main" id="{33AC99D1-BBFB-364D-C93D-F9EFA893D647}"/>
+              </a:ext>
+            </a:extLst>
+          </p:cNvPr>
+          <p:cNvSpPr txBox="1"/>
+          <p:nvPr/>
+        </p:nvSpPr>
+        <p:spPr>
+          <a:xfrm>
+            <a:off x="1528417" y="1934528"/>
+            <a:ext cx="3267882" cy="369332"/>
+          </a:xfrm>
+          <a:prstGeom prst="rect">
+            <a:avLst/>
+          </a:prstGeom>
+          <a:noFill/>
+        </p:spPr>
+        <p:txBody>
+          <a:bodyPr wrap="none" rtlCol="0">
+            <a:spAutoFit/>
+          </a:bodyPr>
+          <a:lstStyle/>
+          <a:p>
+            <a:r>
+              <a:rPr lang="en-US" dirty="0"/>
+              <a:t>Normalized by sequencing depth</a:t>
+            </a:r>
+          </a:p>
+        </p:txBody>
+      </p:sp>
+      <p:sp>
+        <p:nvSpPr>
+          <p:cNvPr id="9" name="TextBox 8">
+            <a:extLst>
+              <a:ext uri="{FF2B5EF4-FFF2-40B4-BE49-F238E27FC236}">
+                <a16:creationId xmlns:a16="http://schemas.microsoft.com/office/drawing/2014/main" id="{4FD04972-7431-A8DF-F214-0CA56CC31F94}"/>
+              </a:ext>
+            </a:extLst>
+          </p:cNvPr>
+          <p:cNvSpPr txBox="1"/>
+          <p:nvPr/>
+        </p:nvSpPr>
+        <p:spPr>
+          <a:xfrm>
+            <a:off x="3897425" y="6496687"/>
+            <a:ext cx="3594510" cy="307777"/>
+          </a:xfrm>
+          <a:prstGeom prst="rect">
+            <a:avLst/>
+          </a:prstGeom>
+          <a:noFill/>
+        </p:spPr>
+        <p:txBody>
+          <a:bodyPr wrap="none" rtlCol="0">
+            <a:spAutoFit/>
+          </a:bodyPr>
+          <a:lstStyle/>
+          <a:p>
+            <a:r>
+              <a:rPr lang="en-US" sz="1400" dirty="0"/>
+              <a:t>Wilcoxon rank sum test.</a:t>
+            </a:r>
+            <a:r>
+              <a:rPr lang="en-US" sz="1400" dirty="0">
+                <a:cs typeface="Times New Roman" panose="02020603050405020304" pitchFamily="18" charset="0"/>
+              </a:rPr>
+              <a:t> </a:t>
+            </a:r>
+            <a:r>
+              <a:rPr lang="en-US" sz="1400" dirty="0">
+                <a:effectLst/>
+                <a:ea typeface="Calibri" panose="020F0502020204030204" pitchFamily="34" charset="0"/>
+                <a:cs typeface="Times New Roman" panose="02020603050405020304" pitchFamily="18" charset="0"/>
+              </a:rPr>
+              <a:t>**, p &lt;1e-2; *; p &lt;0.05</a:t>
+            </a:r>
+            <a:endParaRPr lang="en-US" sz="1400" b="0" i="0" u="none" strike="noStrike" dirty="0">
+              <a:solidFill>
+                <a:srgbClr val="212121"/>
+              </a:solidFill>
+              <a:effectLst/>
+            </a:endParaRPr>
+          </a:p>
+        </p:txBody>
+      </p:sp>
+      <p:sp>
+        <p:nvSpPr>
+          <p:cNvPr id="10" name="TextBox 9">
+            <a:extLst>
+              <a:ext uri="{FF2B5EF4-FFF2-40B4-BE49-F238E27FC236}">
+                <a16:creationId xmlns:a16="http://schemas.microsoft.com/office/drawing/2014/main" id="{CEE05D2D-A200-4B71-9407-51E00BEE8CB1}"/>
+              </a:ext>
+            </a:extLst>
+          </p:cNvPr>
+          <p:cNvSpPr txBox="1"/>
+          <p:nvPr/>
+        </p:nvSpPr>
+        <p:spPr>
+          <a:xfrm>
+            <a:off x="2112194" y="2719309"/>
+            <a:ext cx="674399" cy="369332"/>
+          </a:xfrm>
+          <a:prstGeom prst="rect">
+            <a:avLst/>
+          </a:prstGeom>
+          <a:noFill/>
+        </p:spPr>
+        <p:txBody>
+          <a:bodyPr wrap="square" rtlCol="0">
+            <a:spAutoFit/>
+          </a:bodyPr>
+          <a:lstStyle/>
+          <a:p>
+            <a:r>
+              <a:rPr lang="en-US" dirty="0"/>
+              <a:t>**</a:t>
+            </a:r>
+          </a:p>
+        </p:txBody>
+      </p:sp>
+      <p:sp>
+        <p:nvSpPr>
+          <p:cNvPr id="11" name="TextBox 10">
+            <a:extLst>
+              <a:ext uri="{FF2B5EF4-FFF2-40B4-BE49-F238E27FC236}">
+                <a16:creationId xmlns:a16="http://schemas.microsoft.com/office/drawing/2014/main" id="{9B3A035E-CF79-F577-26A2-9DDBF7593AB8}"/>
+              </a:ext>
+            </a:extLst>
+          </p:cNvPr>
+          <p:cNvSpPr txBox="1"/>
+          <p:nvPr/>
+        </p:nvSpPr>
+        <p:spPr>
+          <a:xfrm>
+            <a:off x="4092283" y="2741325"/>
+            <a:ext cx="674399" cy="369332"/>
+          </a:xfrm>
+          <a:prstGeom prst="rect">
+            <a:avLst/>
+          </a:prstGeom>
+          <a:noFill/>
+        </p:spPr>
+        <p:txBody>
+          <a:bodyPr wrap="square" rtlCol="0">
+            <a:spAutoFit/>
+          </a:bodyPr>
+          <a:lstStyle/>
+          <a:p>
+            <a:r>
+              <a:rPr lang="en-US" dirty="0"/>
+              <a:t>**</a:t>
+            </a:r>
+          </a:p>
+        </p:txBody>
+      </p:sp>
+      <p:sp>
+        <p:nvSpPr>
+          <p:cNvPr id="12" name="TextBox 11">
+            <a:extLst>
+              <a:ext uri="{FF2B5EF4-FFF2-40B4-BE49-F238E27FC236}">
+                <a16:creationId xmlns:a16="http://schemas.microsoft.com/office/drawing/2014/main" id="{851B0F4D-1B2B-499E-62ED-A459DCDF2C0D}"/>
+              </a:ext>
+            </a:extLst>
+          </p:cNvPr>
+          <p:cNvSpPr txBox="1"/>
+          <p:nvPr/>
+        </p:nvSpPr>
+        <p:spPr>
+          <a:xfrm>
+            <a:off x="1454424" y="2729248"/>
+            <a:ext cx="674399" cy="369332"/>
+          </a:xfrm>
+          <a:prstGeom prst="rect">
+            <a:avLst/>
+          </a:prstGeom>
+          <a:noFill/>
+        </p:spPr>
+        <p:txBody>
+          <a:bodyPr wrap="square" rtlCol="0">
+            <a:spAutoFit/>
+          </a:bodyPr>
+          <a:lstStyle/>
+          <a:p>
+            <a:r>
+              <a:rPr lang="en-US" dirty="0"/>
+              <a:t>**</a:t>
+            </a:r>
+          </a:p>
+        </p:txBody>
+      </p:sp>
+      <p:sp>
+        <p:nvSpPr>
+          <p:cNvPr id="13" name="TextBox 12">
+            <a:extLst>
+              <a:ext uri="{FF2B5EF4-FFF2-40B4-BE49-F238E27FC236}">
+                <a16:creationId xmlns:a16="http://schemas.microsoft.com/office/drawing/2014/main" id="{47BF5AFD-0B8A-DF3B-9573-2866AF4DB562}"/>
+              </a:ext>
+            </a:extLst>
+          </p:cNvPr>
+          <p:cNvSpPr txBox="1"/>
+          <p:nvPr/>
+        </p:nvSpPr>
+        <p:spPr>
+          <a:xfrm>
+            <a:off x="2825159" y="2722936"/>
+            <a:ext cx="674399" cy="369332"/>
+          </a:xfrm>
+          <a:prstGeom prst="rect">
+            <a:avLst/>
+          </a:prstGeom>
+          <a:noFill/>
+        </p:spPr>
+        <p:txBody>
+          <a:bodyPr wrap="square" rtlCol="0">
+            <a:spAutoFit/>
+          </a:bodyPr>
+          <a:lstStyle/>
+          <a:p>
+            <a:r>
+              <a:rPr lang="en-US" dirty="0"/>
+              <a:t>*</a:t>
+            </a:r>
+          </a:p>
+        </p:txBody>
+      </p:sp>
+      <p:sp>
+        <p:nvSpPr>
+          <p:cNvPr id="14" name="TextBox 13">
+            <a:extLst>
+              <a:ext uri="{FF2B5EF4-FFF2-40B4-BE49-F238E27FC236}">
+                <a16:creationId xmlns:a16="http://schemas.microsoft.com/office/drawing/2014/main" id="{6A946E68-5EFE-F2FA-4842-A758670F4EFB}"/>
+              </a:ext>
+            </a:extLst>
+          </p:cNvPr>
+          <p:cNvSpPr txBox="1"/>
+          <p:nvPr/>
+        </p:nvSpPr>
+        <p:spPr>
+          <a:xfrm>
+            <a:off x="3453112" y="2722364"/>
+            <a:ext cx="674399" cy="369332"/>
+          </a:xfrm>
+          <a:prstGeom prst="rect">
+            <a:avLst/>
+          </a:prstGeom>
+          <a:noFill/>
+        </p:spPr>
+        <p:txBody>
+          <a:bodyPr wrap="square" rtlCol="0">
+            <a:spAutoFit/>
+          </a:bodyPr>
+          <a:lstStyle/>
+          <a:p>
+            <a:r>
+              <a:rPr lang="en-US" dirty="0"/>
+              <a:t>**</a:t>
+            </a:r>
+          </a:p>
+        </p:txBody>
+      </p:sp>
+      <p:pic>
+        <p:nvPicPr>
+          <p:cNvPr id="8" name="Picture 7">
+            <a:extLst>
+              <a:ext uri="{FF2B5EF4-FFF2-40B4-BE49-F238E27FC236}">
+                <a16:creationId xmlns:a16="http://schemas.microsoft.com/office/drawing/2014/main" id="{E1D680AF-6615-5248-88CD-7A90397D5B61}"/>
+              </a:ext>
+            </a:extLst>
+          </p:cNvPr>
+          <p:cNvPicPr>
+            <a:picLocks noChangeAspect="1"/>
+          </p:cNvPicPr>
+          <p:nvPr/>
+        </p:nvPicPr>
+        <p:blipFill>
+          <a:blip r:embed="rId4"/>
+          <a:stretch>
+            <a:fillRect/>
+          </a:stretch>
+        </p:blipFill>
+        <p:spPr>
+          <a:xfrm>
+            <a:off x="6438404" y="2290563"/>
+            <a:ext cx="5234143" cy="3193058"/>
+          </a:xfrm>
+          <a:prstGeom prst="rect">
+            <a:avLst/>
+          </a:prstGeom>
+        </p:spPr>
+      </p:pic>
+      <p:sp>
+        <p:nvSpPr>
+          <p:cNvPr id="4" name="TextBox 3">
+            <a:extLst>
+              <a:ext uri="{FF2B5EF4-FFF2-40B4-BE49-F238E27FC236}">
+                <a16:creationId xmlns:a16="http://schemas.microsoft.com/office/drawing/2014/main" id="{0B607B22-3EB2-DFCF-1109-ADE9B14B6EB4}"/>
+              </a:ext>
+            </a:extLst>
+          </p:cNvPr>
+          <p:cNvSpPr txBox="1"/>
+          <p:nvPr/>
+        </p:nvSpPr>
+        <p:spPr>
+          <a:xfrm>
+            <a:off x="8081934" y="1919288"/>
+            <a:ext cx="1531894" cy="369332"/>
+          </a:xfrm>
+          <a:prstGeom prst="rect">
+            <a:avLst/>
+          </a:prstGeom>
+          <a:noFill/>
+        </p:spPr>
+        <p:txBody>
+          <a:bodyPr wrap="none" rtlCol="0">
+            <a:spAutoFit/>
+          </a:bodyPr>
+          <a:lstStyle/>
+          <a:p>
+            <a:r>
+              <a:rPr lang="en-US" dirty="0" err="1"/>
+              <a:t>Downsampled</a:t>
+            </a:r>
+            <a:endParaRPr lang="en-US" dirty="0"/>
+          </a:p>
+        </p:txBody>
+      </p:sp>
+      <p:sp>
+        <p:nvSpPr>
+          <p:cNvPr id="15" name="TextBox 14">
+            <a:extLst>
+              <a:ext uri="{FF2B5EF4-FFF2-40B4-BE49-F238E27FC236}">
+                <a16:creationId xmlns:a16="http://schemas.microsoft.com/office/drawing/2014/main" id="{BCDD32FC-0432-4D50-23A3-A0E0F91687DF}"/>
+              </a:ext>
+            </a:extLst>
+          </p:cNvPr>
+          <p:cNvSpPr txBox="1"/>
+          <p:nvPr/>
+        </p:nvSpPr>
+        <p:spPr>
+          <a:xfrm>
+            <a:off x="8059023" y="2637879"/>
+            <a:ext cx="674399" cy="369332"/>
+          </a:xfrm>
+          <a:prstGeom prst="rect">
+            <a:avLst/>
+          </a:prstGeom>
+          <a:noFill/>
+        </p:spPr>
+        <p:txBody>
+          <a:bodyPr wrap="square" rtlCol="0">
+            <a:spAutoFit/>
+          </a:bodyPr>
+          <a:lstStyle/>
+          <a:p>
+            <a:r>
+              <a:rPr lang="en-US" dirty="0"/>
+              <a:t>**</a:t>
+            </a:r>
+          </a:p>
+        </p:txBody>
+      </p:sp>
+      <p:sp>
+        <p:nvSpPr>
+          <p:cNvPr id="16" name="TextBox 15">
+            <a:extLst>
+              <a:ext uri="{FF2B5EF4-FFF2-40B4-BE49-F238E27FC236}">
+                <a16:creationId xmlns:a16="http://schemas.microsoft.com/office/drawing/2014/main" id="{34D79130-86FD-589C-B636-5F6D60947F86}"/>
+              </a:ext>
+            </a:extLst>
+          </p:cNvPr>
+          <p:cNvSpPr txBox="1"/>
+          <p:nvPr/>
+        </p:nvSpPr>
+        <p:spPr>
+          <a:xfrm>
+            <a:off x="10079752" y="2659895"/>
+            <a:ext cx="674399" cy="369332"/>
+          </a:xfrm>
+          <a:prstGeom prst="rect">
+            <a:avLst/>
+          </a:prstGeom>
+          <a:noFill/>
+        </p:spPr>
+        <p:txBody>
+          <a:bodyPr wrap="square" rtlCol="0">
+            <a:spAutoFit/>
+          </a:bodyPr>
+          <a:lstStyle/>
+          <a:p>
+            <a:r>
+              <a:rPr lang="en-US" dirty="0"/>
+              <a:t>**</a:t>
+            </a:r>
+          </a:p>
+        </p:txBody>
+      </p:sp>
+      <p:sp>
+        <p:nvSpPr>
+          <p:cNvPr id="18" name="TextBox 17">
+            <a:extLst>
+              <a:ext uri="{FF2B5EF4-FFF2-40B4-BE49-F238E27FC236}">
+                <a16:creationId xmlns:a16="http://schemas.microsoft.com/office/drawing/2014/main" id="{1A8866CD-A18A-2D1E-E73E-1480EB7A72F6}"/>
+              </a:ext>
+            </a:extLst>
+          </p:cNvPr>
+          <p:cNvSpPr txBox="1"/>
+          <p:nvPr/>
+        </p:nvSpPr>
+        <p:spPr>
+          <a:xfrm>
+            <a:off x="7360613" y="2647818"/>
+            <a:ext cx="674399" cy="369332"/>
+          </a:xfrm>
+          <a:prstGeom prst="rect">
+            <a:avLst/>
+          </a:prstGeom>
+          <a:noFill/>
+        </p:spPr>
+        <p:txBody>
+          <a:bodyPr wrap="square" rtlCol="0">
+            <a:spAutoFit/>
+          </a:bodyPr>
+          <a:lstStyle/>
+          <a:p>
+            <a:r>
+              <a:rPr lang="en-US" dirty="0"/>
+              <a:t>**</a:t>
+            </a:r>
+          </a:p>
+        </p:txBody>
+      </p:sp>
+      <p:sp>
+        <p:nvSpPr>
+          <p:cNvPr id="19" name="TextBox 18">
+            <a:extLst>
+              <a:ext uri="{FF2B5EF4-FFF2-40B4-BE49-F238E27FC236}">
+                <a16:creationId xmlns:a16="http://schemas.microsoft.com/office/drawing/2014/main" id="{89A26572-E29E-3837-2E8C-ACD7B611FC2D}"/>
+              </a:ext>
+            </a:extLst>
+          </p:cNvPr>
+          <p:cNvSpPr txBox="1"/>
+          <p:nvPr/>
+        </p:nvSpPr>
+        <p:spPr>
+          <a:xfrm>
+            <a:off x="8792308" y="2641506"/>
+            <a:ext cx="674399" cy="369332"/>
+          </a:xfrm>
+          <a:prstGeom prst="rect">
+            <a:avLst/>
+          </a:prstGeom>
+          <a:noFill/>
+        </p:spPr>
+        <p:txBody>
+          <a:bodyPr wrap="square" rtlCol="0">
+            <a:spAutoFit/>
+          </a:bodyPr>
+          <a:lstStyle/>
+          <a:p>
+            <a:r>
+              <a:rPr lang="en-US" dirty="0"/>
+              <a:t>*</a:t>
+            </a:r>
+          </a:p>
+        </p:txBody>
+      </p:sp>
+      <p:sp>
+        <p:nvSpPr>
+          <p:cNvPr id="20" name="TextBox 19">
+            <a:extLst>
+              <a:ext uri="{FF2B5EF4-FFF2-40B4-BE49-F238E27FC236}">
+                <a16:creationId xmlns:a16="http://schemas.microsoft.com/office/drawing/2014/main" id="{640B551A-7B9E-8211-5B8B-360208AB6C49}"/>
+              </a:ext>
+            </a:extLst>
+          </p:cNvPr>
+          <p:cNvSpPr txBox="1"/>
+          <p:nvPr/>
+        </p:nvSpPr>
+        <p:spPr>
+          <a:xfrm>
+            <a:off x="9399941" y="2640934"/>
+            <a:ext cx="674399" cy="369332"/>
+          </a:xfrm>
+          <a:prstGeom prst="rect">
+            <a:avLst/>
+          </a:prstGeom>
+          <a:noFill/>
+        </p:spPr>
+        <p:txBody>
+          <a:bodyPr wrap="square" rtlCol="0">
+            <a:spAutoFit/>
+          </a:bodyPr>
+          <a:lstStyle/>
+          <a:p>
+            <a:r>
+              <a:rPr lang="en-US" dirty="0"/>
+              <a:t>**</a:t>
+            </a:r>
+          </a:p>
+        </p:txBody>
+      </p:sp>
+    </p:spTree>
+    <p:extLst>
+      <p:ext uri="{BB962C8B-B14F-4D97-AF65-F5344CB8AC3E}">
+        <p14:creationId xmlns:p14="http://schemas.microsoft.com/office/powerpoint/2010/main" val="639746255"/>
+      </p:ext>
+    </p:extLst>
+  </p:cSld>
+  <p:clrMapOvr>
+    <a:masterClrMapping/>
+  </p:clrMapOvr>
+</p:sld>
+</file>
+
+<file path=ppt/slides/slide11.xml><?xml version="1.0" encoding="utf-8"?>
+<p:sld xmlns:a="http://schemas.openxmlformats.org/drawingml/2006/main" xmlns:r="http://schemas.openxmlformats.org/officeDocument/2006/relationships" xmlns:p="http://schemas.openxmlformats.org/presentationml/2006/main">
+  <p:cSld>
+    <p:spTree>
+      <p:nvGrpSpPr>
+        <p:cNvPr id="1" name=""/>
+        <p:cNvGrpSpPr/>
+        <p:nvPr/>
+      </p:nvGrpSpPr>
+      <p:grpSpPr>
+        <a:xfrm>
+          <a:off x="0" y="0"/>
+          <a:ext cx="0" cy="0"/>
+          <a:chOff x="0" y="0"/>
+          <a:chExt cx="0" cy="0"/>
+        </a:xfrm>
+      </p:grpSpPr>
+      <p:sp>
+        <p:nvSpPr>
+          <p:cNvPr id="2" name="Title 1">
+            <a:extLst>
+              <a:ext uri="{FF2B5EF4-FFF2-40B4-BE49-F238E27FC236}">
+                <a16:creationId xmlns:a16="http://schemas.microsoft.com/office/drawing/2014/main" id="{70A4C97D-8F21-3D3B-6A90-EA7145324964}"/>
+              </a:ext>
+            </a:extLst>
+          </p:cNvPr>
+          <p:cNvSpPr>
+            <a:spLocks noGrp="1"/>
+          </p:cNvSpPr>
+          <p:nvPr>
+            <p:ph type="title"/>
+          </p:nvPr>
+        </p:nvSpPr>
+        <p:spPr>
+          <a:xfrm>
+            <a:off x="838200" y="593725"/>
+            <a:ext cx="10515600" cy="1325563"/>
+          </a:xfrm>
+        </p:spPr>
+        <p:txBody>
+          <a:bodyPr>
+            <a:normAutofit fontScale="90000"/>
+          </a:bodyPr>
+          <a:lstStyle/>
+          <a:p>
+            <a:r>
+              <a:rPr lang="en-US" sz="3600" dirty="0"/>
+              <a:t>Don’t see cell type abundance differences in </a:t>
+            </a:r>
+            <a:r>
+              <a:rPr lang="en-US" sz="3600" dirty="0" err="1"/>
+              <a:t>downsampled</a:t>
+            </a:r>
+            <a:r>
+              <a:rPr lang="en-US" sz="3600" dirty="0"/>
+              <a:t> myocarditis UMAP</a:t>
+            </a:r>
+            <a:br>
+              <a:rPr lang="en-US" sz="3600" dirty="0"/>
+            </a:br>
+            <a:r>
+              <a:rPr lang="en-US" sz="2700" dirty="0"/>
+              <a:t> - extreme sequencing depth differences between patients</a:t>
+            </a:r>
+          </a:p>
+        </p:txBody>
+      </p:sp>
+      <p:pic>
+        <p:nvPicPr>
+          <p:cNvPr id="4" name="Picture 3">
+            <a:extLst>
+              <a:ext uri="{FF2B5EF4-FFF2-40B4-BE49-F238E27FC236}">
+                <a16:creationId xmlns:a16="http://schemas.microsoft.com/office/drawing/2014/main" id="{C5A3AA54-4E2A-36FA-8C11-2924C6822F00}"/>
+              </a:ext>
+            </a:extLst>
+          </p:cNvPr>
+          <p:cNvPicPr>
+            <a:picLocks noChangeAspect="1"/>
+          </p:cNvPicPr>
+          <p:nvPr/>
+        </p:nvPicPr>
+        <p:blipFill>
+          <a:blip r:embed="rId3"/>
+          <a:stretch>
+            <a:fillRect/>
+          </a:stretch>
+        </p:blipFill>
+        <p:spPr>
+          <a:xfrm>
+            <a:off x="2215628" y="2122568"/>
+            <a:ext cx="6779285" cy="4075188"/>
+          </a:xfrm>
+          <a:prstGeom prst="rect">
+            <a:avLst/>
+          </a:prstGeom>
+        </p:spPr>
+      </p:pic>
+    </p:spTree>
+    <p:extLst>
+      <p:ext uri="{BB962C8B-B14F-4D97-AF65-F5344CB8AC3E}">
+        <p14:creationId xmlns:p14="http://schemas.microsoft.com/office/powerpoint/2010/main" val="2645033844"/>
+      </p:ext>
+    </p:extLst>
+  </p:cSld>
+  <p:clrMapOvr>
+    <a:masterClrMapping/>
+  </p:clrMapOvr>
+</p:sld>
+</file>
+
+<file path=ppt/slides/slide12.xml><?xml version="1.0" encoding="utf-8"?>
+<p:sld xmlns:a="http://schemas.openxmlformats.org/drawingml/2006/main" xmlns:r="http://schemas.openxmlformats.org/officeDocument/2006/relationships" xmlns:p="http://schemas.openxmlformats.org/presentationml/2006/main">
+  <p:cSld>
+    <p:spTree>
+      <p:nvGrpSpPr>
+        <p:cNvPr id="1" name=""/>
+        <p:cNvGrpSpPr/>
+        <p:nvPr/>
+      </p:nvGrpSpPr>
+      <p:grpSpPr>
+        <a:xfrm>
+          <a:off x="0" y="0"/>
+          <a:ext cx="0" cy="0"/>
+          <a:chOff x="0" y="0"/>
+          <a:chExt cx="0" cy="0"/>
+        </a:xfrm>
+      </p:grpSpPr>
+      <p:sp>
+        <p:nvSpPr>
+          <p:cNvPr id="2" name="Title 1">
+            <a:extLst>
+              <a:ext uri="{FF2B5EF4-FFF2-40B4-BE49-F238E27FC236}">
+                <a16:creationId xmlns:a16="http://schemas.microsoft.com/office/drawing/2014/main" id="{70A4C97D-8F21-3D3B-6A90-EA7145324964}"/>
+              </a:ext>
+            </a:extLst>
+          </p:cNvPr>
+          <p:cNvSpPr>
+            <a:spLocks noGrp="1"/>
+          </p:cNvSpPr>
+          <p:nvPr>
+            <p:ph type="title"/>
+          </p:nvPr>
+        </p:nvSpPr>
+        <p:spPr>
+          <a:xfrm>
+            <a:off x="838200" y="593725"/>
+            <a:ext cx="10515600" cy="1325563"/>
+          </a:xfrm>
+        </p:spPr>
+        <p:txBody>
+          <a:bodyPr>
+            <a:normAutofit/>
+          </a:bodyPr>
+          <a:lstStyle/>
+          <a:p>
+            <a:r>
+              <a:rPr lang="en-US" sz="3600" dirty="0"/>
+              <a:t>Literature evidence of cell type abundances associated with </a:t>
+            </a:r>
+            <a:r>
+              <a:rPr lang="en-US" sz="3600" dirty="0" err="1"/>
+              <a:t>irAE</a:t>
+            </a:r>
+            <a:r>
+              <a:rPr lang="en-US" sz="3600" dirty="0"/>
+              <a:t> </a:t>
+            </a:r>
+            <a:r>
+              <a:rPr lang="en-US" sz="3600" dirty="0" err="1"/>
+              <a:t>devlepment</a:t>
+            </a:r>
+            <a:r>
+              <a:rPr lang="en-US" sz="3600" dirty="0"/>
+              <a:t> </a:t>
+            </a:r>
+          </a:p>
+        </p:txBody>
+      </p:sp>
+      <p:sp>
+        <p:nvSpPr>
+          <p:cNvPr id="4" name="Content Placeholder 2">
+            <a:extLst>
+              <a:ext uri="{FF2B5EF4-FFF2-40B4-BE49-F238E27FC236}">
+                <a16:creationId xmlns:a16="http://schemas.microsoft.com/office/drawing/2014/main" id="{31D9D997-15BC-5060-2E97-ADC484826F44}"/>
+              </a:ext>
+            </a:extLst>
+          </p:cNvPr>
+          <p:cNvSpPr>
+            <a:spLocks noGrp="1"/>
+          </p:cNvSpPr>
+          <p:nvPr>
+            <p:ph idx="1"/>
+          </p:nvPr>
+        </p:nvSpPr>
+        <p:spPr>
+          <a:xfrm>
+            <a:off x="838200" y="1919289"/>
+            <a:ext cx="10215880" cy="4938711"/>
+          </a:xfrm>
+        </p:spPr>
+        <p:txBody>
+          <a:bodyPr>
+            <a:normAutofit fontScale="77500" lnSpcReduction="20000"/>
+          </a:bodyPr>
+          <a:lstStyle/>
+          <a:p>
+            <a:r>
+              <a:rPr lang="en-US" dirty="0"/>
+              <a:t>I observe ~same effect in my data mining</a:t>
+            </a:r>
+          </a:p>
+          <a:p>
+            <a:pPr lvl="1"/>
+            <a:r>
+              <a:rPr lang="en-US" dirty="0"/>
+              <a:t>Low baseline circulating MAITs associated with </a:t>
+            </a:r>
+            <a:r>
+              <a:rPr lang="en-US" dirty="0" err="1"/>
+              <a:t>irAE</a:t>
+            </a:r>
+            <a:r>
+              <a:rPr lang="en-US" dirty="0"/>
+              <a:t> colitis (PMID: 32734627)</a:t>
+            </a:r>
+          </a:p>
+          <a:p>
+            <a:r>
+              <a:rPr lang="en-US" dirty="0"/>
+              <a:t>I don’t observe in my data mining</a:t>
+            </a:r>
+          </a:p>
+          <a:p>
+            <a:pPr lvl="1"/>
+            <a:r>
+              <a:rPr lang="en-US" dirty="0"/>
+              <a:t>More macrophages in organs developing </a:t>
+            </a:r>
+            <a:r>
+              <a:rPr lang="en-US" dirty="0" err="1"/>
+              <a:t>irAEs</a:t>
+            </a:r>
+            <a:r>
+              <a:rPr lang="en-US" dirty="0"/>
+              <a:t> (</a:t>
+            </a:r>
+            <a:r>
+              <a:rPr lang="en-US" i="0" strike="noStrike" dirty="0">
+                <a:effectLst/>
+              </a:rPr>
+              <a:t>PMID: 37857527</a:t>
+            </a:r>
+            <a:r>
+              <a:rPr lang="en-US" dirty="0"/>
+              <a:t>)</a:t>
+            </a:r>
+          </a:p>
+          <a:p>
+            <a:pPr lvl="1"/>
+            <a:r>
+              <a:rPr lang="en-US" dirty="0"/>
+              <a:t>Dendritic cell , CD4 naïve T cell abundances correlate with </a:t>
+            </a:r>
+            <a:r>
+              <a:rPr lang="en-US" dirty="0" err="1"/>
+              <a:t>irAE</a:t>
+            </a:r>
+            <a:r>
+              <a:rPr lang="en-US" dirty="0"/>
+              <a:t> risk (</a:t>
+            </a:r>
+            <a:r>
+              <a:rPr lang="en-US" i="0" strike="noStrike" dirty="0">
+                <a:effectLst/>
+              </a:rPr>
+              <a:t>PMID: 36505471</a:t>
+            </a:r>
+            <a:r>
+              <a:rPr lang="en-US" dirty="0">
+                <a:effectLst/>
+              </a:rPr>
+              <a:t>)</a:t>
+            </a:r>
+          </a:p>
+          <a:p>
+            <a:pPr lvl="1"/>
+            <a:r>
+              <a:rPr lang="en-US" dirty="0"/>
+              <a:t>Neutrophil/platelet to lymphocyte ratios mark </a:t>
+            </a:r>
+            <a:r>
+              <a:rPr lang="en-US" dirty="0" err="1"/>
+              <a:t>irAE</a:t>
+            </a:r>
+            <a:r>
+              <a:rPr lang="en-US" dirty="0"/>
+              <a:t> development in gastric cancer (</a:t>
+            </a:r>
+            <a:r>
+              <a:rPr lang="en-US" b="0" i="0" strike="noStrike" dirty="0">
+                <a:effectLst/>
+              </a:rPr>
+              <a:t>PMID: </a:t>
+            </a:r>
+            <a:r>
+              <a:rPr lang="en-US" b="0" i="0" dirty="0">
+                <a:effectLst/>
+              </a:rPr>
+              <a:t>37936161)</a:t>
+            </a:r>
+          </a:p>
+          <a:p>
+            <a:pPr lvl="1"/>
+            <a:r>
+              <a:rPr lang="en-US" dirty="0"/>
+              <a:t>CD3</a:t>
+            </a:r>
+            <a:r>
+              <a:rPr lang="en-US" baseline="30000" dirty="0"/>
+              <a:t>+</a:t>
+            </a:r>
+            <a:r>
+              <a:rPr lang="en-US" dirty="0"/>
+              <a:t> CD56</a:t>
+            </a:r>
+            <a:r>
+              <a:rPr lang="en-US" baseline="30000" dirty="0"/>
+              <a:t>+</a:t>
+            </a:r>
+            <a:r>
+              <a:rPr lang="en-US" dirty="0"/>
+              <a:t> CD16</a:t>
+            </a:r>
+            <a:r>
+              <a:rPr lang="en-US" baseline="30000" dirty="0"/>
+              <a:t>+</a:t>
+            </a:r>
+            <a:r>
+              <a:rPr lang="en-US" dirty="0"/>
+              <a:t> NKT-like cells correlate with </a:t>
+            </a:r>
+            <a:r>
+              <a:rPr lang="en-US" dirty="0" err="1"/>
+              <a:t>irAE</a:t>
+            </a:r>
+            <a:r>
+              <a:rPr lang="en-US" dirty="0"/>
+              <a:t> development in NSCLC patients (</a:t>
+            </a:r>
+            <a:r>
+              <a:rPr lang="en-US" b="0" i="0" u="none" strike="noStrike" dirty="0">
+                <a:solidFill>
+                  <a:srgbClr val="212121"/>
+                </a:solidFill>
+                <a:effectLst/>
+              </a:rPr>
+              <a:t>PMID: 36849947)</a:t>
+            </a:r>
+          </a:p>
+          <a:p>
+            <a:pPr lvl="1"/>
+            <a:r>
+              <a:rPr lang="en-US" dirty="0"/>
+              <a:t>CD8</a:t>
+            </a:r>
+            <a:r>
+              <a:rPr lang="en-US" baseline="30000" dirty="0"/>
+              <a:t>+</a:t>
+            </a:r>
+            <a:r>
+              <a:rPr lang="en-US" dirty="0"/>
+              <a:t> CD28</a:t>
+            </a:r>
+            <a:r>
+              <a:rPr lang="en-US" baseline="30000" dirty="0"/>
+              <a:t>+</a:t>
+            </a:r>
+            <a:r>
+              <a:rPr lang="en-US" dirty="0"/>
+              <a:t> levels associated with </a:t>
+            </a:r>
+            <a:r>
+              <a:rPr lang="en-US" dirty="0" err="1"/>
+              <a:t>irAE</a:t>
+            </a:r>
+            <a:r>
+              <a:rPr lang="en-US" dirty="0"/>
+              <a:t> development (</a:t>
+            </a:r>
+            <a:r>
+              <a:rPr lang="en-US" b="0" i="0" u="none" strike="noStrike" dirty="0">
+                <a:solidFill>
+                  <a:srgbClr val="212121"/>
+                </a:solidFill>
+                <a:effectLst/>
+              </a:rPr>
+              <a:t>PMID: 36969245)</a:t>
+            </a:r>
+          </a:p>
+          <a:p>
+            <a:pPr lvl="1"/>
+            <a:r>
+              <a:rPr lang="en-US" dirty="0">
+                <a:solidFill>
+                  <a:srgbClr val="212121"/>
+                </a:solidFill>
+              </a:rPr>
+              <a:t>CD4</a:t>
+            </a:r>
+            <a:r>
+              <a:rPr lang="en-US" baseline="30000" dirty="0">
+                <a:solidFill>
+                  <a:srgbClr val="212121"/>
+                </a:solidFill>
+              </a:rPr>
+              <a:t>+</a:t>
+            </a:r>
+            <a:r>
+              <a:rPr lang="en-US" dirty="0">
+                <a:solidFill>
+                  <a:srgbClr val="212121"/>
+                </a:solidFill>
+              </a:rPr>
+              <a:t> higher in </a:t>
+            </a:r>
+            <a:r>
+              <a:rPr lang="en-US" dirty="0" err="1">
+                <a:solidFill>
+                  <a:srgbClr val="212121"/>
+                </a:solidFill>
+              </a:rPr>
+              <a:t>irAE</a:t>
+            </a:r>
+            <a:r>
+              <a:rPr lang="en-US" dirty="0">
+                <a:solidFill>
+                  <a:srgbClr val="212121"/>
+                </a:solidFill>
+              </a:rPr>
+              <a:t>, CD8</a:t>
+            </a:r>
+            <a:r>
+              <a:rPr lang="en-US" baseline="30000" dirty="0">
+                <a:solidFill>
+                  <a:srgbClr val="212121"/>
+                </a:solidFill>
+              </a:rPr>
+              <a:t>+</a:t>
+            </a:r>
+            <a:r>
+              <a:rPr lang="en-US" dirty="0">
+                <a:solidFill>
+                  <a:srgbClr val="212121"/>
+                </a:solidFill>
+              </a:rPr>
+              <a:t> CD38+ associated with </a:t>
+            </a:r>
+            <a:r>
+              <a:rPr lang="en-US" dirty="0" err="1">
+                <a:solidFill>
+                  <a:srgbClr val="212121"/>
+                </a:solidFill>
+              </a:rPr>
+              <a:t>irAEs</a:t>
+            </a:r>
+            <a:r>
+              <a:rPr lang="en-US" dirty="0">
+                <a:solidFill>
+                  <a:srgbClr val="212121"/>
+                </a:solidFill>
+              </a:rPr>
+              <a:t> (</a:t>
+            </a:r>
+            <a:r>
+              <a:rPr lang="en-US" b="0" i="0" u="none" strike="noStrike" dirty="0">
+                <a:solidFill>
+                  <a:srgbClr val="212121"/>
+                </a:solidFill>
+                <a:effectLst/>
+              </a:rPr>
+              <a:t>PMID: 35844502)</a:t>
+            </a:r>
+          </a:p>
+          <a:p>
+            <a:pPr lvl="1"/>
+            <a:r>
+              <a:rPr lang="en-US" dirty="0"/>
+              <a:t>Lower baseline levels of CD8 TCM cells in arthritis </a:t>
+            </a:r>
+            <a:r>
+              <a:rPr lang="en-US" dirty="0" err="1"/>
+              <a:t>irAE</a:t>
+            </a:r>
+            <a:r>
+              <a:rPr lang="en-US" dirty="0"/>
+              <a:t> patients, higher CD4 Th2 baseline levels in pneumonitis </a:t>
+            </a:r>
+            <a:r>
+              <a:rPr lang="en-US" dirty="0" err="1"/>
+              <a:t>irAE</a:t>
+            </a:r>
+            <a:r>
+              <a:rPr lang="en-US" dirty="0"/>
+              <a:t> patients, higher CD4 Th17 baseline levels in thyroiditis </a:t>
+            </a:r>
+            <a:r>
+              <a:rPr lang="en-US" dirty="0" err="1"/>
+              <a:t>irAE</a:t>
+            </a:r>
+            <a:r>
+              <a:rPr lang="en-US" dirty="0"/>
+              <a:t> patients (</a:t>
+            </a:r>
+            <a:r>
+              <a:rPr lang="en-US" b="0" i="0" u="none" strike="noStrike" dirty="0">
+                <a:solidFill>
+                  <a:srgbClr val="212121"/>
+                </a:solidFill>
+                <a:effectLst/>
+              </a:rPr>
+              <a:t>PMID: 36513074)</a:t>
+            </a:r>
+          </a:p>
+          <a:p>
+            <a:pPr lvl="1"/>
+            <a:r>
+              <a:rPr lang="en-US" dirty="0"/>
+              <a:t>Fewer Tregs in </a:t>
+            </a:r>
+            <a:r>
+              <a:rPr lang="en-US" dirty="0" err="1"/>
+              <a:t>irAE</a:t>
+            </a:r>
+            <a:r>
+              <a:rPr lang="en-US" dirty="0"/>
+              <a:t> patients (PMID: 37593676)</a:t>
+            </a:r>
+          </a:p>
+          <a:p>
+            <a:r>
+              <a:rPr lang="en-US" dirty="0"/>
+              <a:t>I observe ~opposite effect in my data mining</a:t>
+            </a:r>
+          </a:p>
+          <a:p>
+            <a:pPr lvl="1"/>
+            <a:r>
+              <a:rPr lang="en-US" dirty="0"/>
+              <a:t>Activated CD4 TEM abundance (in PBMCs) associated with </a:t>
+            </a:r>
+            <a:r>
+              <a:rPr lang="en-US" dirty="0" err="1"/>
+              <a:t>irAE</a:t>
+            </a:r>
+            <a:r>
+              <a:rPr lang="en-US" dirty="0"/>
+              <a:t> development (</a:t>
+            </a:r>
+            <a:r>
+              <a:rPr lang="en-US" i="0" strike="noStrike" dirty="0">
+                <a:effectLst/>
+              </a:rPr>
+              <a:t>PMID: 35027754</a:t>
+            </a:r>
+            <a:r>
+              <a:rPr lang="en-US" dirty="0"/>
+              <a:t>)</a:t>
+            </a:r>
+          </a:p>
+        </p:txBody>
+      </p:sp>
+    </p:spTree>
+    <p:extLst>
+      <p:ext uri="{BB962C8B-B14F-4D97-AF65-F5344CB8AC3E}">
+        <p14:creationId xmlns:p14="http://schemas.microsoft.com/office/powerpoint/2010/main" val="708532528"/>
+      </p:ext>
+    </p:extLst>
+  </p:cSld>
+  <p:clrMapOvr>
+    <a:masterClrMapping/>
+  </p:clrMapOvr>
+</p:sld>
+</file>
+
+<file path=ppt/slides/slide13.xml><?xml version="1.0" encoding="utf-8"?>
+<p:sld xmlns:a="http://schemas.openxmlformats.org/drawingml/2006/main" xmlns:r="http://schemas.openxmlformats.org/officeDocument/2006/relationships" xmlns:p="http://schemas.openxmlformats.org/presentationml/2006/main">
+  <p:cSld>
+    <p:spTree>
+      <p:nvGrpSpPr>
+        <p:cNvPr id="1" name=""/>
+        <p:cNvGrpSpPr/>
+        <p:nvPr/>
+      </p:nvGrpSpPr>
+      <p:grpSpPr>
+        <a:xfrm>
+          <a:off x="0" y="0"/>
+          <a:ext cx="0" cy="0"/>
+          <a:chOff x="0" y="0"/>
+          <a:chExt cx="0" cy="0"/>
+        </a:xfrm>
+      </p:grpSpPr>
+      <p:sp>
+        <p:nvSpPr>
+          <p:cNvPr id="2" name="Title 1">
+            <a:extLst>
+              <a:ext uri="{FF2B5EF4-FFF2-40B4-BE49-F238E27FC236}">
+                <a16:creationId xmlns:a16="http://schemas.microsoft.com/office/drawing/2014/main" id="{70A4C97D-8F21-3D3B-6A90-EA7145324964}"/>
+              </a:ext>
+            </a:extLst>
+          </p:cNvPr>
+          <p:cNvSpPr>
+            <a:spLocks noGrp="1"/>
+          </p:cNvSpPr>
+          <p:nvPr>
+            <p:ph type="title"/>
+          </p:nvPr>
+        </p:nvSpPr>
+        <p:spPr>
+          <a:xfrm>
+            <a:off x="838200" y="593725"/>
+            <a:ext cx="10515600" cy="1325563"/>
+          </a:xfrm>
+        </p:spPr>
+        <p:txBody>
+          <a:bodyPr>
+            <a:normAutofit/>
+          </a:bodyPr>
+          <a:lstStyle/>
+          <a:p>
+            <a:r>
+              <a:rPr lang="en-US" dirty="0"/>
+              <a:t>Boxplot of CD8 TEM TRB </a:t>
+            </a:r>
+            <a:r>
+              <a:rPr lang="en-US" dirty="0" err="1"/>
+              <a:t>pgen</a:t>
+            </a:r>
+            <a:r>
+              <a:rPr lang="en-US" dirty="0"/>
+              <a:t> difference at 10% cutoff (normalized method)</a:t>
+            </a:r>
+          </a:p>
+        </p:txBody>
+      </p:sp>
+      <p:pic>
+        <p:nvPicPr>
+          <p:cNvPr id="11" name="Picture 10">
+            <a:extLst>
+              <a:ext uri="{FF2B5EF4-FFF2-40B4-BE49-F238E27FC236}">
+                <a16:creationId xmlns:a16="http://schemas.microsoft.com/office/drawing/2014/main" id="{6492DA14-FF0B-419A-94A0-A212F5633227}"/>
+              </a:ext>
+            </a:extLst>
+          </p:cNvPr>
+          <p:cNvPicPr>
+            <a:picLocks noChangeAspect="1"/>
+          </p:cNvPicPr>
+          <p:nvPr/>
+        </p:nvPicPr>
+        <p:blipFill>
+          <a:blip r:embed="rId3"/>
+          <a:stretch>
+            <a:fillRect/>
+          </a:stretch>
+        </p:blipFill>
+        <p:spPr>
+          <a:xfrm>
+            <a:off x="2431247" y="2175085"/>
+            <a:ext cx="6603422" cy="4089190"/>
+          </a:xfrm>
+          <a:prstGeom prst="rect">
+            <a:avLst/>
+          </a:prstGeom>
+        </p:spPr>
+      </p:pic>
+      <p:sp>
+        <p:nvSpPr>
+          <p:cNvPr id="5" name="TextBox 4">
+            <a:extLst>
+              <a:ext uri="{FF2B5EF4-FFF2-40B4-BE49-F238E27FC236}">
+                <a16:creationId xmlns:a16="http://schemas.microsoft.com/office/drawing/2014/main" id="{CD0859B9-AC67-5565-934D-3EAFB9DD95A4}"/>
+              </a:ext>
+            </a:extLst>
+          </p:cNvPr>
+          <p:cNvSpPr txBox="1"/>
+          <p:nvPr/>
+        </p:nvSpPr>
+        <p:spPr>
+          <a:xfrm rot="16200000">
+            <a:off x="1585973" y="2853044"/>
+            <a:ext cx="1068779" cy="369332"/>
+          </a:xfrm>
+          <a:prstGeom prst="rect">
+            <a:avLst/>
+          </a:prstGeom>
+          <a:noFill/>
+        </p:spPr>
+        <p:txBody>
+          <a:bodyPr wrap="square" rtlCol="0">
+            <a:spAutoFit/>
+          </a:bodyPr>
+          <a:lstStyle/>
+          <a:p>
+            <a:r>
+              <a:rPr lang="en-US" dirty="0">
+                <a:sym typeface="Wingdings" pitchFamily="2" charset="2"/>
+              </a:rPr>
+              <a:t></a:t>
+            </a:r>
+            <a:endParaRPr lang="en-US" dirty="0"/>
+          </a:p>
+        </p:txBody>
+      </p:sp>
+      <p:sp>
+        <p:nvSpPr>
+          <p:cNvPr id="8" name="TextBox 7">
+            <a:extLst>
+              <a:ext uri="{FF2B5EF4-FFF2-40B4-BE49-F238E27FC236}">
+                <a16:creationId xmlns:a16="http://schemas.microsoft.com/office/drawing/2014/main" id="{4599592F-9DB3-2A19-CCE3-96C8C427C5F8}"/>
+              </a:ext>
+            </a:extLst>
+          </p:cNvPr>
+          <p:cNvSpPr txBox="1"/>
+          <p:nvPr/>
+        </p:nvSpPr>
+        <p:spPr>
+          <a:xfrm>
+            <a:off x="552182" y="3541813"/>
+            <a:ext cx="1967655" cy="369332"/>
+          </a:xfrm>
+          <a:prstGeom prst="rect">
+            <a:avLst/>
+          </a:prstGeom>
+          <a:noFill/>
+        </p:spPr>
+        <p:txBody>
+          <a:bodyPr wrap="none" rtlCol="0">
+            <a:spAutoFit/>
+          </a:bodyPr>
+          <a:lstStyle/>
+          <a:p>
+            <a:r>
+              <a:rPr lang="en-US" dirty="0"/>
+              <a:t>More germline-like</a:t>
+            </a:r>
+          </a:p>
+        </p:txBody>
+      </p:sp>
+      <p:sp>
+        <p:nvSpPr>
+          <p:cNvPr id="12" name="TextBox 11">
+            <a:extLst>
+              <a:ext uri="{FF2B5EF4-FFF2-40B4-BE49-F238E27FC236}">
+                <a16:creationId xmlns:a16="http://schemas.microsoft.com/office/drawing/2014/main" id="{62EB90AF-A2E9-6D3B-C279-AE6017BD8320}"/>
+              </a:ext>
+            </a:extLst>
+          </p:cNvPr>
+          <p:cNvSpPr txBox="1"/>
+          <p:nvPr/>
+        </p:nvSpPr>
+        <p:spPr>
+          <a:xfrm rot="5400000">
+            <a:off x="1565652" y="4662627"/>
+            <a:ext cx="1068779" cy="369332"/>
+          </a:xfrm>
+          <a:prstGeom prst="rect">
+            <a:avLst/>
+          </a:prstGeom>
+          <a:noFill/>
+        </p:spPr>
+        <p:txBody>
+          <a:bodyPr wrap="square" rtlCol="0">
+            <a:spAutoFit/>
+          </a:bodyPr>
+          <a:lstStyle/>
+          <a:p>
+            <a:r>
+              <a:rPr lang="en-US" dirty="0">
+                <a:sym typeface="Wingdings" pitchFamily="2" charset="2"/>
+              </a:rPr>
+              <a:t></a:t>
+            </a:r>
+            <a:endParaRPr lang="en-US" dirty="0"/>
+          </a:p>
+        </p:txBody>
+      </p:sp>
+      <p:sp>
+        <p:nvSpPr>
+          <p:cNvPr id="13" name="TextBox 12">
+            <a:extLst>
+              <a:ext uri="{FF2B5EF4-FFF2-40B4-BE49-F238E27FC236}">
+                <a16:creationId xmlns:a16="http://schemas.microsoft.com/office/drawing/2014/main" id="{C77E0C6E-DE80-CD68-D733-CDDF4FBD37E0}"/>
+              </a:ext>
+            </a:extLst>
+          </p:cNvPr>
+          <p:cNvSpPr txBox="1"/>
+          <p:nvPr/>
+        </p:nvSpPr>
+        <p:spPr>
+          <a:xfrm>
+            <a:off x="552181" y="3999612"/>
+            <a:ext cx="1848839" cy="369332"/>
+          </a:xfrm>
+          <a:prstGeom prst="rect">
+            <a:avLst/>
+          </a:prstGeom>
+          <a:noFill/>
+        </p:spPr>
+        <p:txBody>
+          <a:bodyPr wrap="none" rtlCol="0">
+            <a:spAutoFit/>
+          </a:bodyPr>
+          <a:lstStyle/>
+          <a:p>
+            <a:r>
+              <a:rPr lang="en-US" dirty="0"/>
+              <a:t>Less germline-like</a:t>
+            </a:r>
+          </a:p>
+        </p:txBody>
+      </p:sp>
+    </p:spTree>
+    <p:extLst>
+      <p:ext uri="{BB962C8B-B14F-4D97-AF65-F5344CB8AC3E}">
+        <p14:creationId xmlns:p14="http://schemas.microsoft.com/office/powerpoint/2010/main" val="1906614717"/>
+      </p:ext>
+    </p:extLst>
+  </p:cSld>
+  <p:clrMapOvr>
+    <a:masterClrMapping/>
+  </p:clrMapOvr>
+</p:sld>
+</file>
+
 <file path=ppt/slides/slide2.xml><?xml version="1.0" encoding="utf-8"?>
 <p:sld xmlns:a="http://schemas.openxmlformats.org/drawingml/2006/main" xmlns:r="http://schemas.openxmlformats.org/officeDocument/2006/relationships" xmlns:p="http://schemas.openxmlformats.org/presentationml/2006/main">
   <p:cSld>
@@ -4906,13 +7064,13 @@
         </p:spPr>
         <p:txBody>
           <a:bodyPr>
-            <a:normAutofit/>
+            <a:normAutofit fontScale="90000"/>
           </a:bodyPr>
           <a:lstStyle/>
           <a:p>
             <a:r>
               <a:rPr lang="en-US" sz="3600" dirty="0"/>
-              <a:t>More proliferating T cells (CD4 and CD8), fewer memory T cells (CD4 TEM, CD8 TCM), fewer MAITs in </a:t>
+              <a:t>More proliferating T cells, fewer memory T cells (CD4 TEM, CD8 TCM), fewer MAITs in colitis </a:t>
             </a:r>
             <a:r>
               <a:rPr lang="en-US" sz="3600" dirty="0" err="1"/>
@@ -4920,7 +7078,7 @@
             </a:r>
             <a:r>
               <a:rPr lang="en-US" sz="3600" dirty="0"/>
-              <a:t> tissue</a:t>
+              <a:t> tissue: normalized by sequencing depth approach</a:t>
             </a:r>
           </a:p>
         </p:txBody>
@@ -4939,7 +7097,7 @@
         </p:nvSpPr>
         <p:spPr>
           <a:xfrm>
-            <a:off x="1920240" y="1861623"/>
+            <a:off x="1920240" y="1902263"/>
             <a:ext cx="2031838" cy="369332"/>
           </a:xfrm>
           <a:prstGeom prst="rect">
@@ -4974,7 +7132,7 @@
         </p:nvSpPr>
         <p:spPr>
           <a:xfrm>
-            <a:off x="7972803" y="1861623"/>
+            <a:off x="7972803" y="1902263"/>
             <a:ext cx="1504194" cy="369332"/>
           </a:xfrm>
           <a:prstGeom prst="rect">
@@ -5344,7 +7502,7 @@
         </p:spPr>
         <p:txBody>
           <a:bodyPr>
-            <a:normAutofit/>
+            <a:normAutofit fontScale="90000"/>
           </a:bodyPr>
           <a:lstStyle/>
           <a:p>
@@ -5358,45 +7516,17 @@
             </a:r>
             <a:r>
               <a:rPr lang="en-US" sz="3600" dirty="0"/>
-              <a:t> tissue</a:t>
+              <a:t> tissue: </a:t>
+            </a:r>
+            <a:r>
+              <a:rPr lang="en-US" sz="3600" dirty="0" err="1"/>
+              <a:t>downsampling</a:t>
+            </a:r>
+            <a:r>
+              <a:rPr lang="en-US" sz="3600" dirty="0"/>
+              <a:t> approach</a:t>
             </a:r>
             <a:endParaRPr lang="en-US" dirty="0"/>
-          </a:p>
-        </p:txBody>
-      </p:sp>
-      <p:sp>
-        <p:nvSpPr>
-          <p:cNvPr id="16" name="TextBox 15">
-            <a:extLst>
-              <a:ext uri="{FF2B5EF4-FFF2-40B4-BE49-F238E27FC236}">
-                <a16:creationId xmlns:a16="http://schemas.microsoft.com/office/drawing/2014/main" id="{0956E71C-1C54-4166-F07D-4F94B1E9B006}"/>
-              </a:ext>
-            </a:extLst>
-          </p:cNvPr>
-          <p:cNvSpPr txBox="1"/>
-          <p:nvPr/>
-        </p:nvSpPr>
-        <p:spPr>
-          <a:xfrm>
-            <a:off x="4836644" y="6085706"/>
-            <a:ext cx="1272400" cy="307777"/>
-          </a:xfrm>
-          <a:prstGeom prst="rect">
-            <a:avLst/>
-          </a:prstGeom>
-          <a:noFill/>
-        </p:spPr>
-        <p:txBody>
-          <a:bodyPr wrap="none" rtlCol="0">
-            <a:spAutoFit/>
-          </a:bodyPr>
-          <a:lstStyle/>
-          <a:p>
-            <a:r>
-              <a:rPr lang="en-US" sz="1400" dirty="0" err="1"/>
-              <a:t>Downsampled</a:t>
-            </a:r>
-            <a:endParaRPr lang="en-US" sz="1400" dirty="0"/>
           </a:p>
         </p:txBody>
       </p:sp>
@@ -5422,7 +7552,7 @@
         </p:blipFill>
         <p:spPr>
           <a:xfrm>
-            <a:off x="2270787" y="2022706"/>
+            <a:off x="0" y="2304693"/>
             <a:ext cx="6404113" cy="3959582"/>
           </a:xfrm>
           <a:prstGeom prst="rect">
@@ -5430,6 +7560,127 @@
           </a:prstGeom>
         </p:spPr>
       </p:pic>
+      <p:sp>
+        <p:nvSpPr>
+          <p:cNvPr id="3" name="TextBox 2">
+            <a:extLst>
+              <a:ext uri="{FF2B5EF4-FFF2-40B4-BE49-F238E27FC236}">
+                <a16:creationId xmlns:a16="http://schemas.microsoft.com/office/drawing/2014/main" id="{F466BB83-43D0-443B-4946-0A6E7E870817}"/>
+              </a:ext>
+            </a:extLst>
+          </p:cNvPr>
+          <p:cNvSpPr txBox="1"/>
+          <p:nvPr/>
+        </p:nvSpPr>
+        <p:spPr>
+          <a:xfrm>
+            <a:off x="3897425" y="6496687"/>
+            <a:ext cx="3594510" cy="307777"/>
+          </a:xfrm>
+          <a:prstGeom prst="rect">
+            <a:avLst/>
+          </a:prstGeom>
+          <a:noFill/>
+        </p:spPr>
+        <p:txBody>
+          <a:bodyPr wrap="none" rtlCol="0">
+            <a:spAutoFit/>
+          </a:bodyPr>
+          <a:lstStyle/>
+          <a:p>
+            <a:r>
+              <a:rPr lang="en-US" sz="1400" dirty="0"/>
+              <a:t>Wilcoxon rank sum test.</a:t>
+            </a:r>
+            <a:r>
+              <a:rPr lang="en-US" sz="1400" dirty="0">
+                <a:cs typeface="Times New Roman" panose="02020603050405020304" pitchFamily="18" charset="0"/>
+              </a:rPr>
+              <a:t> </a:t>
+            </a:r>
+            <a:r>
+              <a:rPr lang="en-US" sz="1400" dirty="0">
+                <a:effectLst/>
+                <a:ea typeface="Calibri" panose="020F0502020204030204" pitchFamily="34" charset="0"/>
+                <a:cs typeface="Times New Roman" panose="02020603050405020304" pitchFamily="18" charset="0"/>
+              </a:rPr>
+              <a:t>**, p &lt;1e-2; *; p &lt;0.05</a:t>
+            </a:r>
+            <a:endParaRPr lang="en-US" sz="1400" b="0" i="0" u="none" strike="noStrike" dirty="0">
+              <a:solidFill>
+                <a:srgbClr val="212121"/>
+              </a:solidFill>
+              <a:effectLst/>
+            </a:endParaRPr>
+          </a:p>
+        </p:txBody>
+      </p:sp>
+      <p:pic>
+        <p:nvPicPr>
+          <p:cNvPr id="4" name="Picture 3">
+            <a:extLst>
+              <a:ext uri="{FF2B5EF4-FFF2-40B4-BE49-F238E27FC236}">
+                <a16:creationId xmlns:a16="http://schemas.microsoft.com/office/drawing/2014/main" id="{1CFCB867-5E95-17D0-993F-78CEA0DAC81A}"/>
+              </a:ext>
+            </a:extLst>
+          </p:cNvPr>
+          <p:cNvPicPr>
+            <a:picLocks noChangeAspect="1"/>
+          </p:cNvPicPr>
+          <p:nvPr/>
+        </p:nvPicPr>
+        <p:blipFill>
+          <a:blip r:embed="rId4"/>
+          <a:stretch>
+            <a:fillRect/>
+          </a:stretch>
+        </p:blipFill>
+        <p:spPr>
+          <a:xfrm>
+            <a:off x="6404113" y="2761536"/>
+            <a:ext cx="5234143" cy="3193058"/>
+          </a:xfrm>
+          <a:prstGeom prst="rect">
+            <a:avLst/>
+          </a:prstGeom>
+        </p:spPr>
+      </p:pic>
+      <p:sp>
+        <p:nvSpPr>
+          <p:cNvPr id="5" name="TextBox 4">
+            <a:extLst>
+              <a:ext uri="{FF2B5EF4-FFF2-40B4-BE49-F238E27FC236}">
+                <a16:creationId xmlns:a16="http://schemas.microsoft.com/office/drawing/2014/main" id="{D66756B7-09CB-99D1-2738-F281CCEE27C9}"/>
+              </a:ext>
+            </a:extLst>
+          </p:cNvPr>
+          <p:cNvSpPr txBox="1"/>
+          <p:nvPr/>
+        </p:nvSpPr>
+        <p:spPr>
+          <a:xfrm>
+            <a:off x="8342283" y="2343349"/>
+            <a:ext cx="1531894" cy="369332"/>
+          </a:xfrm>
+          <a:prstGeom prst="rect">
+            <a:avLst/>
+          </a:prstGeom>
+          <a:noFill/>
+        </p:spPr>
+        <p:txBody>
+          <a:bodyPr wrap="none" rtlCol="0">
+            <a:spAutoFit/>
+          </a:bodyPr>
+          <a:lstStyle/>
+          <a:p>
+            <a:r>
+              <a:rPr lang="en-US" dirty="0" err="1"/>
+              <a:t>Downsampled</a:t>
+            </a:r>
+            <a:endParaRPr lang="en-US" dirty="0"/>
+          </a:p>
+        </p:txBody>
+      </p:sp>
     </p:spTree>
     <p:extLst>
       <p:ext uri="{BB962C8B-B14F-4D97-AF65-F5344CB8AC3E}">
@@ -5484,264 +7735,154 @@
         </p:spPr>
         <p:txBody>
           <a:bodyPr>
-            <a:normAutofit fontScale="90000"/>
+            <a:noAutofit/>
           </a:bodyPr>
           <a:lstStyle/>
           <a:p>
             <a:r>
-              <a:rPr lang="en-US" dirty="0"/>
-              <a:t>TRB </a:t>
+              <a:rPr lang="en-US" sz="3200" dirty="0"/>
+              <a:t>Heatmap methods</a:t>
+            </a:r>
+          </a:p>
+        </p:txBody>
+      </p:sp>
+      <p:sp>
+        <p:nvSpPr>
+          <p:cNvPr id="15" name="Content Placeholder 2">
+            <a:extLst>
+              <a:ext uri="{FF2B5EF4-FFF2-40B4-BE49-F238E27FC236}">
+                <a16:creationId xmlns:a16="http://schemas.microsoft.com/office/drawing/2014/main" id="{56D95AB4-B436-5BF6-67A4-2B11960C930A}"/>
+              </a:ext>
+            </a:extLst>
+          </p:cNvPr>
+          <p:cNvSpPr>
+            <a:spLocks noGrp="1"/>
+          </p:cNvSpPr>
+          <p:nvPr>
+            <p:ph idx="1"/>
+          </p:nvPr>
+        </p:nvSpPr>
+        <p:spPr>
+          <a:xfrm>
+            <a:off x="838200" y="1919289"/>
+            <a:ext cx="10612120" cy="4623402"/>
+          </a:xfrm>
+        </p:spPr>
+        <p:txBody>
+          <a:bodyPr>
+            <a:normAutofit fontScale="92500" lnSpcReduction="20000"/>
+          </a:bodyPr>
+          <a:lstStyle/>
+          <a:p>
+            <a:pPr marL="514350" indent="-514350">
+              <a:buFont typeface="+mj-lt"/>
+              <a:buAutoNum type="arabicPeriod"/>
+            </a:pPr>
+            <a:r>
+              <a:rPr lang="en-US" dirty="0"/>
+              <a:t>Calculate clonotype (chain-CDR3-V-J) counts within each patient</a:t>
+            </a:r>
+          </a:p>
+          <a:p>
+            <a:pPr marL="514350" indent="-514350">
+              <a:buFont typeface="+mj-lt"/>
+              <a:buAutoNum type="arabicPeriod"/>
+            </a:pPr>
+            <a:r>
+              <a:rPr lang="en-US" dirty="0"/>
+              <a:t>Normalize clonotype counts within each patient by sum of clonotypes for each patient (sequencing depth)</a:t>
+            </a:r>
+          </a:p>
+          <a:p>
+            <a:pPr lvl="1"/>
+            <a:r>
+              <a:rPr lang="en-US" dirty="0"/>
+              <a:t>If </a:t>
             </a:r>
             <a:r>
               <a:rPr lang="en-US" dirty="0" err="1"/>
-              <a:t>pgen</a:t>
-            </a:r>
-            <a:r>
-              <a:rPr lang="en-US" dirty="0"/>
-              <a:t> difference between </a:t>
+              <a:t>downsampling</a:t>
+            </a:r>
+            <a:r>
+              <a:rPr lang="en-US" dirty="0"/>
+              <a:t>, skip this step</a:t>
+            </a:r>
+          </a:p>
+          <a:p>
+            <a:pPr marL="514350" indent="-514350">
+              <a:buFont typeface="+mj-lt"/>
+              <a:buAutoNum type="arabicPeriod"/>
+            </a:pPr>
+            <a:r>
+              <a:rPr lang="en-US" dirty="0"/>
+              <a:t>Slice to only look at unique clonotypes from each patient</a:t>
+            </a:r>
+          </a:p>
+          <a:p>
+            <a:pPr marL="514350" indent="-514350">
+              <a:buFont typeface="+mj-lt"/>
+              <a:buAutoNum type="arabicPeriod"/>
+            </a:pPr>
+            <a:r>
+              <a:rPr lang="en-US" dirty="0"/>
+              <a:t>Arrange by normalized clonotype counts within cell type, chain groups</a:t>
+            </a:r>
+          </a:p>
+          <a:p>
+            <a:pPr lvl="1"/>
+            <a:r>
+              <a:rPr lang="en-US" dirty="0"/>
+              <a:t>If </a:t>
             </a:r>
             <a:r>
               <a:rPr lang="en-US" dirty="0" err="1"/>
-              <a:t>irAE</a:t>
-            </a:r>
-            <a:r>
-              <a:rPr lang="en-US" dirty="0"/>
-              <a:t> groups in highly expanded CD8 TEMs pops out in summary heatmaps (myocarditis dataset)</a:t>
-            </a:r>
-          </a:p>
-        </p:txBody>
-      </p:sp>
-      <p:pic>
-        <p:nvPicPr>
-          <p:cNvPr id="5" name="Picture 4">
-            <a:extLst>
-              <a:ext uri="{FF2B5EF4-FFF2-40B4-BE49-F238E27FC236}">
-                <a16:creationId xmlns:a16="http://schemas.microsoft.com/office/drawing/2014/main" id="{86696B83-18C8-325B-69E6-9B91F2AEA1CC}"/>
-              </a:ext>
-            </a:extLst>
-          </p:cNvPr>
-          <p:cNvPicPr>
-            <a:picLocks noChangeAspect="1"/>
-          </p:cNvPicPr>
-          <p:nvPr/>
-        </p:nvPicPr>
-        <p:blipFill>
-          <a:blip r:embed="rId3"/>
-          <a:stretch>
-            <a:fillRect/>
-          </a:stretch>
-        </p:blipFill>
-        <p:spPr>
-          <a:xfrm>
-            <a:off x="6246351" y="2405267"/>
-            <a:ext cx="5945650" cy="3723538"/>
-          </a:xfrm>
-          <a:prstGeom prst="rect">
-            <a:avLst/>
-          </a:prstGeom>
-        </p:spPr>
-      </p:pic>
-      <p:sp>
-        <p:nvSpPr>
-          <p:cNvPr id="6" name="TextBox 5">
-            <a:extLst>
-              <a:ext uri="{FF2B5EF4-FFF2-40B4-BE49-F238E27FC236}">
-                <a16:creationId xmlns:a16="http://schemas.microsoft.com/office/drawing/2014/main" id="{C5E997F9-73E0-70F6-C1C4-2CDB31F88B88}"/>
-              </a:ext>
-            </a:extLst>
-          </p:cNvPr>
-          <p:cNvSpPr txBox="1"/>
-          <p:nvPr/>
-        </p:nvSpPr>
-        <p:spPr>
-          <a:xfrm>
-            <a:off x="8453229" y="2035935"/>
-            <a:ext cx="1531894" cy="369332"/>
-          </a:xfrm>
-          <a:prstGeom prst="rect">
-            <a:avLst/>
-          </a:prstGeom>
-          <a:noFill/>
-        </p:spPr>
-        <p:txBody>
-          <a:bodyPr wrap="none" rtlCol="0">
-            <a:spAutoFit/>
-          </a:bodyPr>
-          <a:lstStyle/>
-          <a:p>
-            <a:r>
-              <a:rPr lang="en-US" dirty="0" err="1"/>
-              <a:t>Downsampled</a:t>
-            </a:r>
-            <a:endParaRPr lang="en-US" dirty="0"/>
-          </a:p>
-        </p:txBody>
-      </p:sp>
-      <p:sp>
-        <p:nvSpPr>
-          <p:cNvPr id="7" name="TextBox 6">
-            <a:extLst>
-              <a:ext uri="{FF2B5EF4-FFF2-40B4-BE49-F238E27FC236}">
-                <a16:creationId xmlns:a16="http://schemas.microsoft.com/office/drawing/2014/main" id="{4DCF4FE7-F626-52E0-5138-50BC8583940D}"/>
-              </a:ext>
-            </a:extLst>
-          </p:cNvPr>
-          <p:cNvSpPr txBox="1"/>
-          <p:nvPr/>
-        </p:nvSpPr>
-        <p:spPr>
-          <a:xfrm>
-            <a:off x="1521078" y="2035935"/>
-            <a:ext cx="3267882" cy="369332"/>
-          </a:xfrm>
-          <a:prstGeom prst="rect">
-            <a:avLst/>
-          </a:prstGeom>
-          <a:noFill/>
-        </p:spPr>
-        <p:txBody>
-          <a:bodyPr wrap="none" rtlCol="0">
-            <a:spAutoFit/>
-          </a:bodyPr>
-          <a:lstStyle/>
-          <a:p>
-            <a:r>
-              <a:rPr lang="en-US" dirty="0"/>
-              <a:t>Normalized by sequencing depth</a:t>
-            </a:r>
-          </a:p>
-        </p:txBody>
-      </p:sp>
-      <p:sp>
-        <p:nvSpPr>
-          <p:cNvPr id="9" name="TextBox 8">
-            <a:extLst>
-              <a:ext uri="{FF2B5EF4-FFF2-40B4-BE49-F238E27FC236}">
-                <a16:creationId xmlns:a16="http://schemas.microsoft.com/office/drawing/2014/main" id="{7ED180BF-242E-5A3A-1C1D-C8E5E1F7EC49}"/>
-              </a:ext>
-            </a:extLst>
-          </p:cNvPr>
-          <p:cNvSpPr txBox="1"/>
-          <p:nvPr/>
-        </p:nvSpPr>
-        <p:spPr>
-          <a:xfrm>
-            <a:off x="1630924" y="6128805"/>
-            <a:ext cx="2797304" cy="369332"/>
-          </a:xfrm>
-          <a:prstGeom prst="rect">
-            <a:avLst/>
-          </a:prstGeom>
-          <a:noFill/>
-        </p:spPr>
-        <p:txBody>
-          <a:bodyPr wrap="none" rtlCol="0">
-            <a:spAutoFit/>
-          </a:bodyPr>
-          <a:lstStyle/>
-          <a:p>
-            <a:r>
-              <a:rPr lang="en-US" dirty="0"/>
-              <a:t>Highly expanded ---------- All</a:t>
-            </a:r>
-          </a:p>
-        </p:txBody>
-      </p:sp>
-      <p:sp>
-        <p:nvSpPr>
-          <p:cNvPr id="10" name="TextBox 9">
-            <a:extLst>
-              <a:ext uri="{FF2B5EF4-FFF2-40B4-BE49-F238E27FC236}">
-                <a16:creationId xmlns:a16="http://schemas.microsoft.com/office/drawing/2014/main" id="{B1D54062-1C0B-0484-EE2A-1D1281CB124A}"/>
-              </a:ext>
-            </a:extLst>
-          </p:cNvPr>
-          <p:cNvSpPr txBox="1"/>
-          <p:nvPr/>
-        </p:nvSpPr>
-        <p:spPr>
-          <a:xfrm>
-            <a:off x="7820524" y="6128805"/>
-            <a:ext cx="2797304" cy="369332"/>
-          </a:xfrm>
-          <a:prstGeom prst="rect">
-            <a:avLst/>
-          </a:prstGeom>
-          <a:noFill/>
-        </p:spPr>
-        <p:txBody>
-          <a:bodyPr wrap="none" rtlCol="0">
-            <a:spAutoFit/>
-          </a:bodyPr>
-          <a:lstStyle/>
-          <a:p>
-            <a:r>
-              <a:rPr lang="en-US" dirty="0"/>
-              <a:t>Highly expanded ---------- All</a:t>
-            </a:r>
-          </a:p>
-        </p:txBody>
-      </p:sp>
-      <p:pic>
-        <p:nvPicPr>
-          <p:cNvPr id="11" name="Picture 10">
-            <a:extLst>
-              <a:ext uri="{FF2B5EF4-FFF2-40B4-BE49-F238E27FC236}">
-                <a16:creationId xmlns:a16="http://schemas.microsoft.com/office/drawing/2014/main" id="{6492DA14-FF0B-419A-94A0-A212F5633227}"/>
-              </a:ext>
-            </a:extLst>
-          </p:cNvPr>
-          <p:cNvPicPr>
-            <a:picLocks noChangeAspect="1"/>
-          </p:cNvPicPr>
-          <p:nvPr/>
-        </p:nvPicPr>
-        <p:blipFill>
-          <a:blip r:embed="rId4"/>
-          <a:stretch>
-            <a:fillRect/>
-          </a:stretch>
-        </p:blipFill>
-        <p:spPr>
-          <a:xfrm>
-            <a:off x="175064" y="1919288"/>
-            <a:ext cx="1045314" cy="647314"/>
-          </a:xfrm>
-          <a:prstGeom prst="rect">
-            <a:avLst/>
-          </a:prstGeom>
-        </p:spPr>
-      </p:pic>
-      <p:pic>
-        <p:nvPicPr>
-          <p:cNvPr id="12" name="Picture 11">
-            <a:extLst>
-              <a:ext uri="{FF2B5EF4-FFF2-40B4-BE49-F238E27FC236}">
-                <a16:creationId xmlns:a16="http://schemas.microsoft.com/office/drawing/2014/main" id="{4D5ED362-7A63-5EA0-01CC-F70E056151D9}"/>
-              </a:ext>
-            </a:extLst>
-          </p:cNvPr>
-          <p:cNvPicPr>
-            <a:picLocks noChangeAspect="1"/>
-          </p:cNvPicPr>
-          <p:nvPr/>
-        </p:nvPicPr>
-        <p:blipFill>
-          <a:blip r:embed="rId5"/>
-          <a:stretch>
-            <a:fillRect/>
-          </a:stretch>
-        </p:blipFill>
-        <p:spPr>
-          <a:xfrm>
-            <a:off x="-8626" y="2406104"/>
-            <a:ext cx="5813078" cy="3722701"/>
-          </a:xfrm>
-          <a:prstGeom prst="rect">
-            <a:avLst/>
-          </a:prstGeom>
-        </p:spPr>
-      </p:pic>
+              <a:t>downsampling</a:t>
+            </a:r>
+            <a:r>
+              <a:rPr lang="en-US" dirty="0"/>
+              <a:t>, instead arrange by raw clonotype counts</a:t>
+            </a:r>
+          </a:p>
+          <a:p>
+            <a:pPr marL="514350" indent="-514350">
+              <a:buFont typeface="+mj-lt"/>
+              <a:buAutoNum type="arabicPeriod"/>
+            </a:pPr>
+            <a:r>
+              <a:rPr lang="en-US" dirty="0"/>
+              <a:t>Create 10 bins per cell type, chain group, i.e. bin 1 is top 10% clonotypes for that chain-cell type across patients</a:t>
+            </a:r>
+          </a:p>
+          <a:p>
+            <a:pPr marL="514350" indent="-514350">
+              <a:buFont typeface="+mj-lt"/>
+              <a:buAutoNum type="arabicPeriod"/>
+            </a:pPr>
+            <a:r>
+              <a:rPr lang="en-US" dirty="0"/>
+              <a:t>Perform Wilcox rank sum test iteratively up to n</a:t>
+            </a:r>
+            <a:r>
+              <a:rPr lang="en-US" baseline="30000" dirty="0"/>
+              <a:t>th</a:t>
+            </a:r>
+            <a:r>
+              <a:rPr lang="en-US" dirty="0"/>
+              <a:t> bin within cell type, chain groups for features of interest</a:t>
+            </a:r>
+          </a:p>
+          <a:p>
+            <a:pPr marL="514350" indent="-514350">
+              <a:buFont typeface="+mj-lt"/>
+              <a:buAutoNum type="arabicPeriod"/>
+            </a:pPr>
+            <a:r>
+              <a:rPr lang="en-US" dirty="0"/>
+              <a:t>Create heatmaps of –log10(p value) by cell type, chain, feature groups across % repertoire bins</a:t>
+            </a:r>
+          </a:p>
+        </p:txBody>
+      </p:sp>
     </p:spTree>
     <p:extLst>
       <p:ext uri="{BB962C8B-B14F-4D97-AF65-F5344CB8AC3E}">
@@ -5796,42 +7937,29 @@
         </p:spPr>
         <p:txBody>
           <a:bodyPr>
-            <a:normAutofit fontScale="90000"/>
+            <a:noAutofit/>
           </a:bodyPr>
           <a:lstStyle/>
           <a:p>
             <a:r>
-              <a:rPr lang="en-US" dirty="0"/>
-              <a:t>Colitis dataset</a:t>
-            </a:r>
-            <a:br>
-              <a:rPr lang="en-US" dirty="0"/>
-            </a:br>
-            <a:r>
-              <a:rPr lang="en-US" sz="2700" dirty="0"/>
-              <a:t> - CD8 TEM </a:t>
-            </a:r>
-            <a:r>
-              <a:rPr lang="en-US" sz="2700" dirty="0" err="1"/>
+              <a:rPr lang="en-US" sz="2600" dirty="0"/>
+              <a:t>Myocarditis dataset: TRB </a:t>
+            </a:r>
+            <a:r>
+              <a:rPr lang="en-US" sz="2600" dirty="0" err="1"/>
               <a:t>pgen</a:t>
             </a:r>
             <a:r>
-              <a:rPr lang="en-US" sz="2700" dirty="0"/>
-              <a:t> TRB difference at higher cutoff (40%) &amp; only in left heatmap</a:t>
-            </a:r>
-            <a:br>
-              <a:rPr lang="en-US" sz="2700" dirty="0"/>
-            </a:br>
-            <a:r>
-              <a:rPr lang="en-US" sz="2700" dirty="0"/>
-              <a:t> - TRB CDR3 length pops out among highly expanded CD4 TEMs (didn’t see in myocarditis dataset)</a:t>
-            </a:r>
-            <a:br>
-              <a:rPr lang="en-US" sz="2700" dirty="0"/>
-            </a:br>
-            <a:r>
-              <a:rPr lang="en-US" sz="2700" dirty="0"/>
-              <a:t> - CD4 proliferating TRB CDR3 length pops out at all level</a:t>
+              <a:rPr lang="en-US" sz="2600" dirty="0"/>
+              <a:t> difference between </a:t>
+            </a:r>
+            <a:r>
+              <a:rPr lang="en-US" sz="2600" dirty="0" err="1"/>
+              <a:t>irAE</a:t>
+            </a:r>
+            <a:r>
+              <a:rPr lang="en-US" sz="2600" dirty="0"/>
+              <a:t> groups in highly expanded CD8 TEMs pops out in summary heatmaps (highlighted rows), also see TRB CDR3 length difference in highly expanded CD8 TEMs (right heatmap)</a:t>
             </a:r>
           </a:p>
         </p:txBody>
@@ -5850,7 +7978,7 @@
         </p:nvSpPr>
         <p:spPr>
           <a:xfrm>
-            <a:off x="8453229" y="2224776"/>
+            <a:off x="7767429" y="1956420"/>
             <a:ext cx="1531894" cy="369332"/>
           </a:xfrm>
           <a:prstGeom prst="rect">
@@ -5886,7 +8014,7 @@
         </p:nvSpPr>
         <p:spPr>
           <a:xfrm>
-            <a:off x="1521078" y="2224776"/>
+            <a:off x="838200" y="1956420"/>
             <a:ext cx="3267882" cy="369332"/>
           </a:xfrm>
           <a:prstGeom prst="rect">
@@ -5912,7 +8040,7 @@
           <p:cNvPr id="9" name="TextBox 8">
             <a:extLst>
               <a:ext uri="{FF2B5EF4-FFF2-40B4-BE49-F238E27FC236}">
-                <a16:creationId xmlns:a16="http://schemas.microsoft.com/office/drawing/2014/main" id="{986581FA-36BC-D204-DCA5-BEDFA0BFB587}"/>
+                <a16:creationId xmlns:a16="http://schemas.microsoft.com/office/drawing/2014/main" id="{7ED180BF-242E-5A3A-1C1D-C8E5E1F7EC49}"/>
               </a:ext>
             </a:extLst>
           </p:cNvPr>
@@ -5921,8 +8049,8 @@
         </p:nvSpPr>
         <p:spPr>
           <a:xfrm>
-            <a:off x="1700498" y="6264275"/>
-            <a:ext cx="2797304" cy="369332"/>
+            <a:off x="0" y="5885002"/>
+            <a:ext cx="2656240" cy="369332"/>
           </a:xfrm>
           <a:prstGeom prst="rect">
             <a:avLst/>
@@ -5937,7 +8065,7 @@
           <a:p>
             <a:r>
               <a:rPr lang="en-US" dirty="0"/>
-              <a:t>Highly expanded ---------- All</a:t>
+              <a:t>Highly expanded ------- All</a:t>
             </a:r>
           </a:p>
         </p:txBody>
@@ -5947,7 +8075,7 @@
           <p:cNvPr id="10" name="TextBox 9">
             <a:extLst>
               <a:ext uri="{FF2B5EF4-FFF2-40B4-BE49-F238E27FC236}">
-                <a16:creationId xmlns:a16="http://schemas.microsoft.com/office/drawing/2014/main" id="{F7B9FCBE-981F-EFFF-A205-61DD1D00CFA7}"/>
+                <a16:creationId xmlns:a16="http://schemas.microsoft.com/office/drawing/2014/main" id="{B1D54062-1C0B-0484-EE2A-1D1281CB124A}"/>
               </a:ext>
             </a:extLst>
           </p:cNvPr>
@@ -5956,8 +8084,8 @@
         </p:nvSpPr>
         <p:spPr>
           <a:xfrm>
-            <a:off x="7703733" y="6264275"/>
-            <a:ext cx="2797304" cy="369332"/>
+            <a:off x="6262978" y="5885002"/>
+            <a:ext cx="3573158" cy="369332"/>
           </a:xfrm>
           <a:prstGeom prst="rect">
             <a:avLst/>
@@ -5972,17 +8100,17 @@
           <a:p>
             <a:r>
               <a:rPr lang="en-US" dirty="0"/>
-              <a:t>Highly expanded ---------- All</a:t>
+              <a:t>Highly expanded --------------------- All</a:t>
             </a:r>
           </a:p>
         </p:txBody>
       </p:sp>
       <p:pic>
         <p:nvPicPr>
-          <p:cNvPr id="13" name="Picture 12">
-            <a:extLst>
-              <a:ext uri="{FF2B5EF4-FFF2-40B4-BE49-F238E27FC236}">
-                <a16:creationId xmlns:a16="http://schemas.microsoft.com/office/drawing/2014/main" id="{A5EEB928-3855-0CD3-E26D-A6E99CAE6FD7}"/>
+          <p:cNvPr id="8" name="Picture 7">
+            <a:extLst>
+              <a:ext uri="{FF2B5EF4-FFF2-40B4-BE49-F238E27FC236}">
+                <a16:creationId xmlns:a16="http://schemas.microsoft.com/office/drawing/2014/main" id="{43315652-A355-246B-A358-8C6D939FB7AF}"/>
               </a:ext>
             </a:extLst>
           </p:cNvPr>
@@ -5999,8 +8127,8 @@
         </p:blipFill>
         <p:spPr>
           <a:xfrm>
-            <a:off x="6218584" y="2690136"/>
-            <a:ext cx="5845674" cy="3569627"/>
+            <a:off x="6231835" y="2347301"/>
+            <a:ext cx="5960165" cy="3595667"/>
           </a:xfrm>
           <a:prstGeom prst="rect">
             <a:avLst/>
@@ -6009,10 +8137,10 @@
       </p:pic>
       <p:pic>
         <p:nvPicPr>
-          <p:cNvPr id="14" name="Picture 13">
-            <a:extLst>
-              <a:ext uri="{FF2B5EF4-FFF2-40B4-BE49-F238E27FC236}">
-                <a16:creationId xmlns:a16="http://schemas.microsoft.com/office/drawing/2014/main" id="{EB0C5C67-8100-EBA6-8AA4-71E987A748C9}"/>
+          <p:cNvPr id="13" name="Picture 12">
+            <a:extLst>
+              <a:ext uri="{FF2B5EF4-FFF2-40B4-BE49-F238E27FC236}">
+                <a16:creationId xmlns:a16="http://schemas.microsoft.com/office/drawing/2014/main" id="{62B154AD-CA34-F34C-0A06-A6B4B76EB1B4}"/>
               </a:ext>
             </a:extLst>
           </p:cNvPr>
@@ -6029,18 +8157,53 @@
         </p:blipFill>
         <p:spPr>
           <a:xfrm>
-            <a:off x="212841" y="2690136"/>
-            <a:ext cx="5760577" cy="3574139"/>
+            <a:off x="0" y="2347301"/>
+            <a:ext cx="6115918" cy="3595667"/>
           </a:xfrm>
           <a:prstGeom prst="rect">
             <a:avLst/>
           </a:prstGeom>
         </p:spPr>
       </p:pic>
+      <p:sp>
+        <p:nvSpPr>
+          <p:cNvPr id="14" name="TextBox 13">
+            <a:extLst>
+              <a:ext uri="{FF2B5EF4-FFF2-40B4-BE49-F238E27FC236}">
+                <a16:creationId xmlns:a16="http://schemas.microsoft.com/office/drawing/2014/main" id="{F528919C-E6E5-150C-6917-5E0AB2904EA6}"/>
+              </a:ext>
+            </a:extLst>
+          </p:cNvPr>
+          <p:cNvSpPr txBox="1"/>
+          <p:nvPr/>
+        </p:nvSpPr>
+        <p:spPr>
+          <a:xfrm>
+            <a:off x="3847664" y="6488668"/>
+            <a:ext cx="3687804" cy="369332"/>
+          </a:xfrm>
+          <a:prstGeom prst="rect">
+            <a:avLst/>
+          </a:prstGeom>
+          <a:noFill/>
+        </p:spPr>
+        <p:txBody>
+          <a:bodyPr wrap="none" rtlCol="0">
+            <a:spAutoFit/>
+          </a:bodyPr>
+          <a:lstStyle/>
+          <a:p>
+            <a:r>
+              <a:rPr lang="en-US" dirty="0"/>
+              <a:t>Filtered for rows with &gt; 1 p &lt; 0.05 tile</a:t>
+            </a:r>
+          </a:p>
+        </p:txBody>
+      </p:sp>
     </p:spTree>
     <p:extLst>
       <p:ext uri="{BB962C8B-B14F-4D97-AF65-F5344CB8AC3E}">
-        <p14:creationId xmlns:p14="http://schemas.microsoft.com/office/powerpoint/2010/main" val="4189438596"/>
+        <p14:creationId xmlns:p14="http://schemas.microsoft.com/office/powerpoint/2010/main" val="2255738442"/>
       </p:ext>
     </p:extLst>
   </p:cSld>
@@ -6091,65 +8254,265 @@
         </p:spPr>
         <p:txBody>
           <a:bodyPr>
-            <a:normAutofit/>
+            <a:normAutofit fontScale="90000"/>
           </a:bodyPr>
           <a:lstStyle/>
           <a:p>
             <a:r>
-              <a:rPr lang="en-US" dirty="0"/>
-              <a:t>Conclusions</a:t>
-            </a:r>
-          </a:p>
-        </p:txBody>
-      </p:sp>
-      <p:sp>
-        <p:nvSpPr>
-          <p:cNvPr id="3" name="Content Placeholder 2">
-            <a:extLst>
-              <a:ext uri="{FF2B5EF4-FFF2-40B4-BE49-F238E27FC236}">
-                <a16:creationId xmlns:a16="http://schemas.microsoft.com/office/drawing/2014/main" id="{B9501834-7B32-1ACA-4358-B630FB8EEC36}"/>
-              </a:ext>
-            </a:extLst>
-          </p:cNvPr>
-          <p:cNvSpPr>
-            <a:spLocks noGrp="1"/>
-          </p:cNvSpPr>
-          <p:nvPr>
-            <p:ph idx="1"/>
-          </p:nvPr>
-        </p:nvSpPr>
-        <p:spPr>
-          <a:xfrm>
-            <a:off x="838200" y="1919289"/>
-            <a:ext cx="10612120" cy="4623402"/>
-          </a:xfrm>
-        </p:spPr>
-        <p:txBody>
-          <a:bodyPr>
-            <a:normAutofit/>
+              <a:rPr lang="en-US" sz="3200" dirty="0"/>
+              <a:t>Colitis dataset: in left (normalized) heatmap, see CD8 TEM </a:t>
+            </a:r>
+            <a:r>
+              <a:rPr lang="en-US" sz="3200" dirty="0" err="1"/>
+              <a:t>pgen</a:t>
+            </a:r>
+            <a:r>
+              <a:rPr lang="en-US" sz="3200" dirty="0"/>
+              <a:t> TRB difference at 40% cutoff and CD8 TEM TRB CDR3 length difference at 20-40% cutoffs (highlighted rows)</a:t>
+            </a:r>
+          </a:p>
+        </p:txBody>
+      </p:sp>
+      <p:sp>
+        <p:nvSpPr>
+          <p:cNvPr id="6" name="TextBox 5">
+            <a:extLst>
+              <a:ext uri="{FF2B5EF4-FFF2-40B4-BE49-F238E27FC236}">
+                <a16:creationId xmlns:a16="http://schemas.microsoft.com/office/drawing/2014/main" id="{C5E997F9-73E0-70F6-C1C4-2CDB31F88B88}"/>
+              </a:ext>
+            </a:extLst>
+          </p:cNvPr>
+          <p:cNvSpPr txBox="1"/>
+          <p:nvPr/>
+        </p:nvSpPr>
+        <p:spPr>
+          <a:xfrm>
+            <a:off x="7061751" y="2224771"/>
+            <a:ext cx="1531894" cy="369332"/>
+          </a:xfrm>
+          <a:prstGeom prst="rect">
+            <a:avLst/>
+          </a:prstGeom>
+          <a:noFill/>
+        </p:spPr>
+        <p:txBody>
+          <a:bodyPr wrap="none" rtlCol="0">
+            <a:spAutoFit/>
           </a:bodyPr>
           <a:lstStyle/>
           <a:p>
             <a:r>
-              <a:rPr lang="en-US" sz="2800" dirty="0"/>
-              <a:t>More proliferating T cells, fewer memory T cells (CD4 TEM, CD8 TCM), fewer MAITs in colitis </a:t>
-            </a:r>
-            <a:r>
-              <a:rPr lang="en-US" sz="2800" dirty="0" err="1"/>
-              <a:t>irAE</a:t>
-            </a:r>
-            <a:r>
-              <a:rPr lang="en-US" sz="2800" dirty="0"/>
-              <a:t> tissue</a:t>
+              <a:rPr lang="en-US" dirty="0" err="1"/>
+              <a:t>Downsampled</a:t>
             </a:r>
             <a:endParaRPr lang="en-US" dirty="0"/>
           </a:p>
         </p:txBody>
       </p:sp>
+      <p:sp>
+        <p:nvSpPr>
+          <p:cNvPr id="7" name="TextBox 6">
+            <a:extLst>
+              <a:ext uri="{FF2B5EF4-FFF2-40B4-BE49-F238E27FC236}">
+                <a16:creationId xmlns:a16="http://schemas.microsoft.com/office/drawing/2014/main" id="{4DCF4FE7-F626-52E0-5138-50BC8583940D}"/>
+              </a:ext>
+            </a:extLst>
+          </p:cNvPr>
+          <p:cNvSpPr txBox="1"/>
+          <p:nvPr/>
+        </p:nvSpPr>
+        <p:spPr>
+          <a:xfrm>
+            <a:off x="427774" y="2224771"/>
+            <a:ext cx="3267882" cy="369332"/>
+          </a:xfrm>
+          <a:prstGeom prst="rect">
+            <a:avLst/>
+          </a:prstGeom>
+          <a:noFill/>
+        </p:spPr>
+        <p:txBody>
+          <a:bodyPr wrap="none" rtlCol="0">
+            <a:spAutoFit/>
+          </a:bodyPr>
+          <a:lstStyle/>
+          <a:p>
+            <a:r>
+              <a:rPr lang="en-US" dirty="0"/>
+              <a:t>Normalized by sequencing depth</a:t>
+            </a:r>
+          </a:p>
+        </p:txBody>
+      </p:sp>
+      <p:sp>
+        <p:nvSpPr>
+          <p:cNvPr id="9" name="TextBox 8">
+            <a:extLst>
+              <a:ext uri="{FF2B5EF4-FFF2-40B4-BE49-F238E27FC236}">
+                <a16:creationId xmlns:a16="http://schemas.microsoft.com/office/drawing/2014/main" id="{986581FA-36BC-D204-DCA5-BEDFA0BFB587}"/>
+              </a:ext>
+            </a:extLst>
+          </p:cNvPr>
+          <p:cNvSpPr txBox="1"/>
+          <p:nvPr/>
+        </p:nvSpPr>
+        <p:spPr>
+          <a:xfrm>
+            <a:off x="0" y="6133482"/>
+            <a:ext cx="2515176" cy="369332"/>
+          </a:xfrm>
+          <a:prstGeom prst="rect">
+            <a:avLst/>
+          </a:prstGeom>
+          <a:noFill/>
+        </p:spPr>
+        <p:txBody>
+          <a:bodyPr wrap="none" rtlCol="0">
+            <a:spAutoFit/>
+          </a:bodyPr>
+          <a:lstStyle/>
+          <a:p>
+            <a:r>
+              <a:rPr lang="en-US" dirty="0"/>
+              <a:t>Highly expanded ----- All</a:t>
+            </a:r>
+          </a:p>
+        </p:txBody>
+      </p:sp>
+      <p:sp>
+        <p:nvSpPr>
+          <p:cNvPr id="10" name="TextBox 9">
+            <a:extLst>
+              <a:ext uri="{FF2B5EF4-FFF2-40B4-BE49-F238E27FC236}">
+                <a16:creationId xmlns:a16="http://schemas.microsoft.com/office/drawing/2014/main" id="{F7B9FCBE-981F-EFFF-A205-61DD1D00CFA7}"/>
+              </a:ext>
+            </a:extLst>
+          </p:cNvPr>
+          <p:cNvSpPr txBox="1"/>
+          <p:nvPr/>
+        </p:nvSpPr>
+        <p:spPr>
+          <a:xfrm>
+            <a:off x="6136816" y="6133482"/>
+            <a:ext cx="2515176" cy="369332"/>
+          </a:xfrm>
+          <a:prstGeom prst="rect">
+            <a:avLst/>
+          </a:prstGeom>
+          <a:noFill/>
+        </p:spPr>
+        <p:txBody>
+          <a:bodyPr wrap="none" rtlCol="0">
+            <a:spAutoFit/>
+          </a:bodyPr>
+          <a:lstStyle/>
+          <a:p>
+            <a:r>
+              <a:rPr lang="en-US" dirty="0"/>
+              <a:t>Highly expanded ----- All</a:t>
+            </a:r>
+          </a:p>
+        </p:txBody>
+      </p:sp>
+      <p:sp>
+        <p:nvSpPr>
+          <p:cNvPr id="3" name="TextBox 2">
+            <a:extLst>
+              <a:ext uri="{FF2B5EF4-FFF2-40B4-BE49-F238E27FC236}">
+                <a16:creationId xmlns:a16="http://schemas.microsoft.com/office/drawing/2014/main" id="{2A6D0141-EDEC-E09F-97F1-2BB4B9F4276A}"/>
+              </a:ext>
+            </a:extLst>
+          </p:cNvPr>
+          <p:cNvSpPr txBox="1"/>
+          <p:nvPr/>
+        </p:nvSpPr>
+        <p:spPr>
+          <a:xfrm>
+            <a:off x="3847664" y="6488668"/>
+            <a:ext cx="3687804" cy="369332"/>
+          </a:xfrm>
+          <a:prstGeom prst="rect">
+            <a:avLst/>
+          </a:prstGeom>
+          <a:noFill/>
+        </p:spPr>
+        <p:txBody>
+          <a:bodyPr wrap="none" rtlCol="0">
+            <a:spAutoFit/>
+          </a:bodyPr>
+          <a:lstStyle/>
+          <a:p>
+            <a:r>
+              <a:rPr lang="en-US" dirty="0"/>
+              <a:t>Filtered for rows with &gt; 1 p &lt; 0.05 tile</a:t>
+            </a:r>
+          </a:p>
+        </p:txBody>
+      </p:sp>
+      <p:pic>
+        <p:nvPicPr>
+          <p:cNvPr id="4" name="Picture 3">
+            <a:extLst>
+              <a:ext uri="{FF2B5EF4-FFF2-40B4-BE49-F238E27FC236}">
+                <a16:creationId xmlns:a16="http://schemas.microsoft.com/office/drawing/2014/main" id="{2273E317-0383-37AB-AC3C-86CE63E0EA0F}"/>
+              </a:ext>
+            </a:extLst>
+          </p:cNvPr>
+          <p:cNvPicPr>
+            <a:picLocks noChangeAspect="1"/>
+          </p:cNvPicPr>
+          <p:nvPr/>
+        </p:nvPicPr>
+        <p:blipFill>
+          <a:blip r:embed="rId3"/>
+          <a:stretch>
+            <a:fillRect/>
+          </a:stretch>
+        </p:blipFill>
+        <p:spPr>
+          <a:xfrm>
+            <a:off x="0" y="2652056"/>
+            <a:ext cx="5877589" cy="3554270"/>
+          </a:xfrm>
+          <a:prstGeom prst="rect">
+            <a:avLst/>
+          </a:prstGeom>
+        </p:spPr>
+      </p:pic>
+      <p:pic>
+        <p:nvPicPr>
+          <p:cNvPr id="8" name="Picture 7">
+            <a:extLst>
+              <a:ext uri="{FF2B5EF4-FFF2-40B4-BE49-F238E27FC236}">
+                <a16:creationId xmlns:a16="http://schemas.microsoft.com/office/drawing/2014/main" id="{316BDDFF-1B53-4740-B879-3F2A006188A7}"/>
+              </a:ext>
+            </a:extLst>
+          </p:cNvPr>
+          <p:cNvPicPr>
+            <a:picLocks noChangeAspect="1"/>
+          </p:cNvPicPr>
+          <p:nvPr/>
+        </p:nvPicPr>
+        <p:blipFill>
+          <a:blip r:embed="rId4"/>
+          <a:stretch>
+            <a:fillRect/>
+          </a:stretch>
+        </p:blipFill>
+        <p:spPr>
+          <a:xfrm>
+            <a:off x="6136816" y="2633492"/>
+            <a:ext cx="5877589" cy="3591398"/>
+          </a:xfrm>
+          <a:prstGeom prst="rect">
+            <a:avLst/>
+          </a:prstGeom>
+        </p:spPr>
+      </p:pic>
     </p:spTree>
     <p:extLst>
       <p:ext uri="{BB962C8B-B14F-4D97-AF65-F5344CB8AC3E}">
-        <p14:creationId xmlns:p14="http://schemas.microsoft.com/office/powerpoint/2010/main" val="638429564"/>
+        <p14:creationId xmlns:p14="http://schemas.microsoft.com/office/powerpoint/2010/main" val="4189438596"/>
       </p:ext>
     </p:extLst>
   </p:cSld>
@@ -6195,7 +8558,7 @@
         <p:spPr>
           <a:xfrm>
             <a:off x="838200" y="593725"/>
-            <a:ext cx="3561080" cy="1325563"/>
+            <a:ext cx="10515600" cy="1325563"/>
           </a:xfrm>
         </p:spPr>
         <p:txBody>
@@ -6206,7 +8569,7 @@
           <a:p>
             <a:r>
               <a:rPr lang="en-US" dirty="0"/>
-              <a:t>Next steps</a:t>
+              <a:t>Conclusions</a:t>
             </a:r>
           </a:p>
         </p:txBody>
@@ -6230,7 +8593,7 @@
         <p:spPr>
           <a:xfrm>
             <a:off x="838200" y="1919289"/>
-            <a:ext cx="10215880" cy="4623402"/>
+            <a:ext cx="10612120" cy="4623402"/>
           </a:xfrm>
         </p:spPr>
         <p:txBody>
@@ -6240,50 +8603,78 @@
           <a:lstStyle/>
           <a:p>
             <a:r>
-              <a:rPr lang="en-US" dirty="0"/>
-              <a:t>Should I use VJ genes for convergence/publicity calling? i.e. clonotype vs. CDR3 publicity</a:t>
-            </a:r>
-          </a:p>
-          <a:p>
-            <a:r>
-              <a:rPr lang="en-US" dirty="0"/>
-              <a:t>JC prep: use </a:t>
-            </a:r>
+              <a:rPr lang="en-US" sz="2800" dirty="0"/>
+              <a:t>More proliferating T cells, fewer memory T cells (CD4 TEM, CD8 TCM), fewer MAITs in colitis </a:t>
+            </a:r>
+            <a:r>
+              <a:rPr lang="en-US" sz="2800" dirty="0" err="1"/>
+              <a:t>irAE</a:t>
+            </a:r>
+            <a:r>
+              <a:rPr lang="en-US" sz="2800" dirty="0"/>
+              <a:t> tissue</a:t>
+            </a:r>
+          </a:p>
+          <a:p>
+            <a:pPr lvl="1"/>
+            <a:r>
+              <a:rPr lang="en-US" dirty="0"/>
+              <a:t>sequence depth normalized box plots</a:t>
+            </a:r>
+          </a:p>
+          <a:p>
+            <a:pPr lvl="1"/>
             <a:r>
               <a:rPr lang="en-US" dirty="0" err="1"/>
-              <a:t>RNAseq</a:t>
-            </a:r>
-            <a:r>
-              <a:rPr lang="en-US" dirty="0"/>
-              <a:t> to call TCR clonotypes, although only captures top clonotypes</a:t>
-            </a:r>
-          </a:p>
-          <a:p>
-            <a:r>
-              <a:rPr lang="en-US" dirty="0"/>
-              <a:t>After 1/16 JC focus on </a:t>
+              <a:t>downsampled</a:t>
+            </a:r>
+            <a:r>
+              <a:rPr lang="en-US" dirty="0"/>
+              <a:t> UMAP contour plots</a:t>
+            </a:r>
+          </a:p>
+          <a:p>
+            <a:r>
+              <a:rPr lang="en-US" dirty="0"/>
+              <a:t>Consolidated strongest feature conclusions across both datasets</a:t>
+            </a:r>
+          </a:p>
+          <a:p>
+            <a:pPr lvl="1"/>
+            <a:r>
+              <a:rPr lang="en-US" dirty="0"/>
+              <a:t>TRBs from highly expanded CD8 TEMs less germline-like in </a:t>
             </a:r>
             <a:r>
               <a:rPr lang="en-US" dirty="0" err="1"/>
-              <a:t>ATACseq</a:t>
-            </a:r>
-            <a:r>
-              <a:rPr lang="en-US" dirty="0"/>
-              <a:t> prep. and 2/1 SI talk prep</a:t>
-            </a:r>
-          </a:p>
-          <a:p>
-            <a:endParaRPr lang="en-US" dirty="0"/>
-          </a:p>
-          <a:p>
-            <a:endParaRPr lang="en-US" dirty="0"/>
+              <a:t>irAE</a:t>
+            </a:r>
+            <a:r>
+              <a:rPr lang="en-US" dirty="0"/>
+              <a:t> group (in 3/4 heatmaps)</a:t>
+            </a:r>
+          </a:p>
+          <a:p>
+            <a:pPr lvl="1"/>
+            <a:r>
+              <a:rPr lang="en-US" dirty="0"/>
+              <a:t>TRB CDR3s from highly expanded CD8 TEMs longer in </a:t>
+            </a:r>
+            <a:r>
+              <a:rPr lang="en-US" dirty="0" err="1"/>
+              <a:t>irAE</a:t>
+            </a:r>
+            <a:r>
+              <a:rPr lang="en-US" dirty="0"/>
+              <a:t> group (in 1 heatmap from each dataset)</a:t>
+            </a:r>
           </a:p>
         </p:txBody>
       </p:sp>
     </p:spTree>
     <p:extLst>
       <p:ext uri="{BB962C8B-B14F-4D97-AF65-F5344CB8AC3E}">
-        <p14:creationId xmlns:p14="http://schemas.microsoft.com/office/powerpoint/2010/main" val="1759230395"/>
+        <p14:creationId xmlns:p14="http://schemas.microsoft.com/office/powerpoint/2010/main" val="2573542200"/>
       </p:ext>
     </p:extLst>
   </p:cSld>
@@ -6329,7 +8720,7 @@
         <p:spPr>
           <a:xfrm>
             <a:off x="838200" y="593725"/>
-            <a:ext cx="10515600" cy="1325563"/>
+            <a:ext cx="3561080" cy="1325563"/>
           </a:xfrm>
         </p:spPr>
         <p:txBody>
@@ -6339,55 +8730,162 @@
           <a:lstStyle/>
           <a:p>
             <a:r>
-              <a:rPr lang="en-US" sz="3600" dirty="0"/>
-              <a:t>Don’t see cell type abundance differences in </a:t>
-            </a:r>
-            <a:r>
-              <a:rPr lang="en-US" sz="3600" dirty="0" err="1"/>
-              <a:t>downsampled</a:t>
-            </a:r>
-            <a:r>
-              <a:rPr lang="en-US" sz="3600" dirty="0"/>
-              <a:t> myocarditis UMAP</a:t>
-            </a:r>
-            <a:endParaRPr lang="en-US" dirty="0"/>
-          </a:p>
-        </p:txBody>
-      </p:sp>
-      <p:pic>
-        <p:nvPicPr>
-          <p:cNvPr id="4" name="Picture 3">
-            <a:extLst>
-              <a:ext uri="{FF2B5EF4-FFF2-40B4-BE49-F238E27FC236}">
-                <a16:creationId xmlns:a16="http://schemas.microsoft.com/office/drawing/2014/main" id="{C5A3AA54-4E2A-36FA-8C11-2924C6822F00}"/>
-              </a:ext>
-            </a:extLst>
-          </p:cNvPr>
-          <p:cNvPicPr>
-            <a:picLocks noChangeAspect="1"/>
-          </p:cNvPicPr>
-          <p:nvPr/>
-        </p:nvPicPr>
-        <p:blipFill>
-          <a:blip r:embed="rId3"/>
-          <a:stretch>
-            <a:fillRect/>
-          </a:stretch>
-        </p:blipFill>
-        <p:spPr>
-          <a:xfrm>
-            <a:off x="2215628" y="2122568"/>
-            <a:ext cx="6779285" cy="4075188"/>
-          </a:xfrm>
-          <a:prstGeom prst="rect">
-            <a:avLst/>
-          </a:prstGeom>
-        </p:spPr>
-      </p:pic>
+              <a:rPr lang="en-US" dirty="0"/>
+              <a:t>Next steps</a:t>
+            </a:r>
+          </a:p>
+        </p:txBody>
+      </p:sp>
+      <p:sp>
+        <p:nvSpPr>
+          <p:cNvPr id="3" name="Content Placeholder 2">
+            <a:extLst>
+              <a:ext uri="{FF2B5EF4-FFF2-40B4-BE49-F238E27FC236}">
+                <a16:creationId xmlns:a16="http://schemas.microsoft.com/office/drawing/2014/main" id="{B9501834-7B32-1ACA-4358-B630FB8EEC36}"/>
+              </a:ext>
+            </a:extLst>
+          </p:cNvPr>
+          <p:cNvSpPr>
+            <a:spLocks noGrp="1"/>
+          </p:cNvSpPr>
+          <p:nvPr>
+            <p:ph idx="1"/>
+          </p:nvPr>
+        </p:nvSpPr>
+        <p:spPr>
+          <a:xfrm>
+            <a:off x="838200" y="1919289"/>
+            <a:ext cx="10215880" cy="4623402"/>
+          </a:xfrm>
+        </p:spPr>
+        <p:txBody>
+          <a:bodyPr>
+            <a:normAutofit fontScale="92500" lnSpcReduction="10000"/>
+          </a:bodyPr>
+          <a:lstStyle/>
+          <a:p>
+            <a:r>
+              <a:rPr lang="en-US" sz="2800" dirty="0"/>
+              <a:t>Heatmaps</a:t>
+            </a:r>
+          </a:p>
+          <a:p>
+            <a:pPr lvl="1"/>
+            <a:r>
+              <a:rPr lang="en-US" dirty="0"/>
+              <a:t>Finer binning?</a:t>
+            </a:r>
+          </a:p>
+          <a:p>
+            <a:pPr lvl="1"/>
+            <a:r>
+              <a:rPr lang="en-US" dirty="0"/>
+              <a:t>Join methods (seq depth normalization, </a:t>
+            </a:r>
+            <a:r>
+              <a:rPr lang="en-US" dirty="0" err="1"/>
+              <a:t>downsampling</a:t>
+            </a:r>
+            <a:r>
+              <a:rPr lang="en-US" dirty="0"/>
+              <a:t>) and datasets to make 1 summary CD8 TEM TRB </a:t>
+            </a:r>
+            <a:r>
+              <a:rPr lang="en-US" dirty="0" err="1"/>
+              <a:t>pgen</a:t>
+            </a:r>
+            <a:r>
+              <a:rPr lang="en-US" dirty="0"/>
+              <a:t> &amp; CDR3 length heatmap</a:t>
+            </a:r>
+          </a:p>
+          <a:p>
+            <a:r>
+              <a:rPr lang="en-US" dirty="0"/>
+              <a:t>Investigate donors/CDR3 (AA) vs. donors/CDR3 (</a:t>
+            </a:r>
+            <a:r>
+              <a:rPr lang="en-US" dirty="0" err="1"/>
+              <a:t>nt</a:t>
+            </a:r>
+            <a:r>
+              <a:rPr lang="en-US" dirty="0"/>
+              <a:t>) plot</a:t>
+            </a:r>
+          </a:p>
+          <a:p>
+            <a:pPr lvl="1"/>
+            <a:r>
+              <a:rPr lang="en-US" dirty="0"/>
+              <a:t>I think +/- </a:t>
+            </a:r>
+            <a:r>
+              <a:rPr lang="en-US" dirty="0" err="1"/>
+              <a:t>irAE</a:t>
+            </a:r>
+            <a:r>
+              <a:rPr lang="en-US" dirty="0"/>
+              <a:t> effect difference was an artifact of an erroneous grouping/slicing I did</a:t>
+            </a:r>
+          </a:p>
+          <a:p>
+            <a:r>
+              <a:rPr lang="en-US" dirty="0"/>
+              <a:t>JC prep</a:t>
+            </a:r>
+          </a:p>
+          <a:p>
+            <a:pPr lvl="1"/>
+            <a:r>
+              <a:rPr lang="en-US" dirty="0"/>
+              <a:t>use </a:t>
+            </a:r>
+            <a:r>
+              <a:rPr lang="en-US" dirty="0" err="1"/>
+              <a:t>RNAseq</a:t>
+            </a:r>
+            <a:r>
+              <a:rPr lang="en-US" dirty="0"/>
+              <a:t> to call TCR clonotypes, although only captures top clonotypes</a:t>
+            </a:r>
+          </a:p>
+          <a:p>
+            <a:pPr lvl="1"/>
+            <a:r>
+              <a:rPr lang="en-US" dirty="0"/>
+              <a:t>could open up more datasets for me to mine…</a:t>
+            </a:r>
+          </a:p>
+          <a:p>
+            <a:r>
+              <a:rPr lang="en-US" dirty="0"/>
+              <a:t>Prepare for…</a:t>
+            </a:r>
+          </a:p>
+          <a:p>
+            <a:pPr lvl="1"/>
+            <a:r>
+              <a:rPr lang="en-US" dirty="0" err="1"/>
+              <a:t>ATACseq</a:t>
+            </a:r>
+            <a:r>
+              <a:rPr lang="en-US" dirty="0"/>
+              <a:t> data</a:t>
+            </a:r>
+          </a:p>
+          <a:p>
+            <a:pPr lvl="1"/>
+            <a:r>
+              <a:rPr lang="en-US" dirty="0"/>
+              <a:t>2/1 SI talk</a:t>
+            </a:r>
+          </a:p>
+        </p:txBody>
+      </p:sp>
     </p:spTree>
     <p:extLst>
       <p:ext uri="{BB962C8B-B14F-4D97-AF65-F5344CB8AC3E}">
-        <p14:creationId xmlns:p14="http://schemas.microsoft.com/office/powerpoint/2010/main" val="1300599112"/>
+        <p14:creationId xmlns:p14="http://schemas.microsoft.com/office/powerpoint/2010/main" val="1759230395"/>
       </p:ext>
     </p:extLst>
   </p:cSld>

--- a/linsley_postdoc/presentations/weekly_meetings/1_11_24.pptx
+++ b/linsley_postdoc/presentations/weekly_meetings/1_11_24.pptx
@@ -7959,7 +7959,15 @@
             </a:r>
             <a:r>
               <a:rPr lang="en-US" sz="2600" dirty="0"/>
-              <a:t> groups in highly expanded CD8 TEMs pops out in summary heatmaps (highlighted rows), also see TRB CDR3 length difference in highly expanded CD8 TEMs (right heatmap)</a:t>
+              <a:t> groups in highly expanded CD8 TEMs apparent in both heatmaps; TRB CDR3 length difference in highly expanded CD8 TEMs in </a:t>
+            </a:r>
+            <a:r>
+              <a:rPr lang="en-US" sz="2600" dirty="0" err="1"/>
+              <a:t>downsampled</a:t>
+            </a:r>
+            <a:r>
+              <a:rPr lang="en-US" sz="2600" dirty="0"/>
+              <a:t> heatmap</a:t>
             </a:r>
           </a:p>
         </p:txBody>
@@ -8105,12 +8113,47 @@
           </a:p>
         </p:txBody>
       </p:sp>
+      <p:sp>
+        <p:nvSpPr>
+          <p:cNvPr id="14" name="TextBox 13">
+            <a:extLst>
+              <a:ext uri="{FF2B5EF4-FFF2-40B4-BE49-F238E27FC236}">
+                <a16:creationId xmlns:a16="http://schemas.microsoft.com/office/drawing/2014/main" id="{F528919C-E6E5-150C-6917-5E0AB2904EA6}"/>
+              </a:ext>
+            </a:extLst>
+          </p:cNvPr>
+          <p:cNvSpPr txBox="1"/>
+          <p:nvPr/>
+        </p:nvSpPr>
+        <p:spPr>
+          <a:xfrm>
+            <a:off x="2817987" y="6475872"/>
+            <a:ext cx="6556026" cy="369332"/>
+          </a:xfrm>
+          <a:prstGeom prst="rect">
+            <a:avLst/>
+          </a:prstGeom>
+          <a:noFill/>
+        </p:spPr>
+        <p:txBody>
+          <a:bodyPr wrap="none" rtlCol="0">
+            <a:spAutoFit/>
+          </a:bodyPr>
+          <a:lstStyle/>
+          <a:p>
+            <a:r>
+              <a:rPr lang="en-US" dirty="0"/>
+              <a:t>Filtered for rows with &gt; 1 p &lt; 0.05 tile, * denotes CD8 TEM TRB rows</a:t>
+            </a:r>
+          </a:p>
+        </p:txBody>
+      </p:sp>
       <p:pic>
         <p:nvPicPr>
-          <p:cNvPr id="8" name="Picture 7">
-            <a:extLst>
-              <a:ext uri="{FF2B5EF4-FFF2-40B4-BE49-F238E27FC236}">
-                <a16:creationId xmlns:a16="http://schemas.microsoft.com/office/drawing/2014/main" id="{43315652-A355-246B-A358-8C6D939FB7AF}"/>
+          <p:cNvPr id="3" name="Picture 2">
+            <a:extLst>
+              <a:ext uri="{FF2B5EF4-FFF2-40B4-BE49-F238E27FC236}">
+                <a16:creationId xmlns:a16="http://schemas.microsoft.com/office/drawing/2014/main" id="{A5191730-ED95-5F21-3DBB-107A9FADD77D}"/>
               </a:ext>
             </a:extLst>
           </p:cNvPr>
@@ -8127,8 +8170,8 @@
         </p:blipFill>
         <p:spPr>
           <a:xfrm>
-            <a:off x="6231835" y="2347301"/>
-            <a:ext cx="5960165" cy="3595667"/>
+            <a:off x="2104" y="2439190"/>
+            <a:ext cx="5809416" cy="3500133"/>
           </a:xfrm>
           <a:prstGeom prst="rect">
             <a:avLst/>
@@ -8137,10 +8180,10 @@
       </p:pic>
       <p:pic>
         <p:nvPicPr>
-          <p:cNvPr id="13" name="Picture 12">
-            <a:extLst>
-              <a:ext uri="{FF2B5EF4-FFF2-40B4-BE49-F238E27FC236}">
-                <a16:creationId xmlns:a16="http://schemas.microsoft.com/office/drawing/2014/main" id="{62B154AD-CA34-F34C-0A06-A6B4B76EB1B4}"/>
+          <p:cNvPr id="4" name="Picture 3">
+            <a:extLst>
+              <a:ext uri="{FF2B5EF4-FFF2-40B4-BE49-F238E27FC236}">
+                <a16:creationId xmlns:a16="http://schemas.microsoft.com/office/drawing/2014/main" id="{B37C6AB9-6BEB-1BC4-5849-79C74CCBA2ED}"/>
               </a:ext>
             </a:extLst>
           </p:cNvPr>
@@ -8157,49 +8200,14 @@
         </p:blipFill>
         <p:spPr>
           <a:xfrm>
-            <a:off x="0" y="2347301"/>
-            <a:ext cx="6115918" cy="3595667"/>
+            <a:off x="6096000" y="2466732"/>
+            <a:ext cx="5809416" cy="3474492"/>
           </a:xfrm>
           <a:prstGeom prst="rect">
             <a:avLst/>
           </a:prstGeom>
         </p:spPr>
       </p:pic>
-      <p:sp>
-        <p:nvSpPr>
-          <p:cNvPr id="14" name="TextBox 13">
-            <a:extLst>
-              <a:ext uri="{FF2B5EF4-FFF2-40B4-BE49-F238E27FC236}">
-                <a16:creationId xmlns:a16="http://schemas.microsoft.com/office/drawing/2014/main" id="{F528919C-E6E5-150C-6917-5E0AB2904EA6}"/>
-              </a:ext>
-            </a:extLst>
-          </p:cNvPr>
-          <p:cNvSpPr txBox="1"/>
-          <p:nvPr/>
-        </p:nvSpPr>
-        <p:spPr>
-          <a:xfrm>
-            <a:off x="3847664" y="6488668"/>
-            <a:ext cx="3687804" cy="369332"/>
-          </a:xfrm>
-          <a:prstGeom prst="rect">
-            <a:avLst/>
-          </a:prstGeom>
-          <a:noFill/>
-        </p:spPr>
-        <p:txBody>
-          <a:bodyPr wrap="none" rtlCol="0">
-            <a:spAutoFit/>
-          </a:bodyPr>
-          <a:lstStyle/>
-          <a:p>
-            <a:r>
-              <a:rPr lang="en-US" dirty="0"/>
-              <a:t>Filtered for rows with &gt; 1 p &lt; 0.05 tile</a:t>
-            </a:r>
-          </a:p>
-        </p:txBody>
-      </p:sp>
     </p:spTree>
     <p:extLst>
       <p:ext uri="{BB962C8B-B14F-4D97-AF65-F5344CB8AC3E}">
@@ -8259,8 +8267,12 @@
           <a:lstStyle/>
           <a:p>
             <a:r>
+              <a:rPr lang="en-US" sz="3200" dirty="0" err="1"/>
+              <a:t>Coliits</a:t>
+            </a:r>
+            <a:r>
               <a:rPr lang="en-US" sz="3200" dirty="0"/>
-              <a:t>Colitis dataset: in left (normalized) heatmap, see CD8 TEM </a:t>
+              <a:t> dataset: TRB </a:t>
             </a:r>
             <a:r>
               <a:rPr lang="en-US" sz="3200" dirty="0" err="1"/>
@@ -8268,7 +8280,15 @@
             </a:r>
             <a:r>
               <a:rPr lang="en-US" sz="3200" dirty="0"/>
-              <a:t> TRB difference at 40% cutoff and CD8 TEM TRB CDR3 length difference at 20-40% cutoffs (highlighted rows)</a:t>
+              <a:t> and CDR3 length differences between </a:t>
+            </a:r>
+            <a:r>
+              <a:rPr lang="en-US" sz="3200" dirty="0" err="1"/>
+              <a:t>irAE</a:t>
+            </a:r>
+            <a:r>
+              <a:rPr lang="en-US" sz="3200" dirty="0"/>
+              <a:t> groups in highly expanded CD8 TEMs apparent in in left heatmap</a:t>
             </a:r>
           </a:p>
         </p:txBody>
@@ -8414,47 +8434,12 @@
           </a:p>
         </p:txBody>
       </p:sp>
-      <p:sp>
-        <p:nvSpPr>
-          <p:cNvPr id="3" name="TextBox 2">
-            <a:extLst>
-              <a:ext uri="{FF2B5EF4-FFF2-40B4-BE49-F238E27FC236}">
-                <a16:creationId xmlns:a16="http://schemas.microsoft.com/office/drawing/2014/main" id="{2A6D0141-EDEC-E09F-97F1-2BB4B9F4276A}"/>
-              </a:ext>
-            </a:extLst>
-          </p:cNvPr>
-          <p:cNvSpPr txBox="1"/>
-          <p:nvPr/>
-        </p:nvSpPr>
-        <p:spPr>
-          <a:xfrm>
-            <a:off x="3847664" y="6488668"/>
-            <a:ext cx="3687804" cy="369332"/>
-          </a:xfrm>
-          <a:prstGeom prst="rect">
-            <a:avLst/>
-          </a:prstGeom>
-          <a:noFill/>
-        </p:spPr>
-        <p:txBody>
-          <a:bodyPr wrap="none" rtlCol="0">
-            <a:spAutoFit/>
-          </a:bodyPr>
-          <a:lstStyle/>
-          <a:p>
-            <a:r>
-              <a:rPr lang="en-US" dirty="0"/>
-              <a:t>Filtered for rows with &gt; 1 p &lt; 0.05 tile</a:t>
-            </a:r>
-          </a:p>
-        </p:txBody>
-      </p:sp>
       <p:pic>
         <p:nvPicPr>
-          <p:cNvPr id="4" name="Picture 3">
-            <a:extLst>
-              <a:ext uri="{FF2B5EF4-FFF2-40B4-BE49-F238E27FC236}">
-                <a16:creationId xmlns:a16="http://schemas.microsoft.com/office/drawing/2014/main" id="{2273E317-0383-37AB-AC3C-86CE63E0EA0F}"/>
+          <p:cNvPr id="8" name="Picture 7">
+            <a:extLst>
+              <a:ext uri="{FF2B5EF4-FFF2-40B4-BE49-F238E27FC236}">
+                <a16:creationId xmlns:a16="http://schemas.microsoft.com/office/drawing/2014/main" id="{316BDDFF-1B53-4740-B879-3F2A006188A7}"/>
               </a:ext>
             </a:extLst>
           </p:cNvPr>
@@ -8471,8 +8456,8 @@
         </p:blipFill>
         <p:spPr>
           <a:xfrm>
-            <a:off x="0" y="2652056"/>
-            <a:ext cx="5877589" cy="3554270"/>
+            <a:off x="6136816" y="2633492"/>
+            <a:ext cx="5877589" cy="3591398"/>
           </a:xfrm>
           <a:prstGeom prst="rect">
             <a:avLst/>
@@ -8481,10 +8466,10 @@
       </p:pic>
       <p:pic>
         <p:nvPicPr>
-          <p:cNvPr id="8" name="Picture 7">
-            <a:extLst>
-              <a:ext uri="{FF2B5EF4-FFF2-40B4-BE49-F238E27FC236}">
-                <a16:creationId xmlns:a16="http://schemas.microsoft.com/office/drawing/2014/main" id="{316BDDFF-1B53-4740-B879-3F2A006188A7}"/>
+          <p:cNvPr id="12" name="Picture 11">
+            <a:extLst>
+              <a:ext uri="{FF2B5EF4-FFF2-40B4-BE49-F238E27FC236}">
+                <a16:creationId xmlns:a16="http://schemas.microsoft.com/office/drawing/2014/main" id="{D9971EE1-01C4-68E8-783D-91C24E840BE1}"/>
               </a:ext>
             </a:extLst>
           </p:cNvPr>
@@ -8501,14 +8486,49 @@
         </p:blipFill>
         <p:spPr>
           <a:xfrm>
-            <a:off x="6136816" y="2633492"/>
-            <a:ext cx="5877589" cy="3591398"/>
+            <a:off x="0" y="2628986"/>
+            <a:ext cx="5750560" cy="3504496"/>
           </a:xfrm>
           <a:prstGeom prst="rect">
             <a:avLst/>
           </a:prstGeom>
         </p:spPr>
       </p:pic>
+      <p:sp>
+        <p:nvSpPr>
+          <p:cNvPr id="15" name="TextBox 14">
+            <a:extLst>
+              <a:ext uri="{FF2B5EF4-FFF2-40B4-BE49-F238E27FC236}">
+                <a16:creationId xmlns:a16="http://schemas.microsoft.com/office/drawing/2014/main" id="{7C4D998F-1F34-E355-7DA5-F7140F2A9CC3}"/>
+              </a:ext>
+            </a:extLst>
+          </p:cNvPr>
+          <p:cNvSpPr txBox="1"/>
+          <p:nvPr/>
+        </p:nvSpPr>
+        <p:spPr>
+          <a:xfrm>
+            <a:off x="2817987" y="6475872"/>
+            <a:ext cx="6556026" cy="369332"/>
+          </a:xfrm>
+          <a:prstGeom prst="rect">
+            <a:avLst/>
+          </a:prstGeom>
+          <a:noFill/>
+        </p:spPr>
+        <p:txBody>
+          <a:bodyPr wrap="none" rtlCol="0">
+            <a:spAutoFit/>
+          </a:bodyPr>
+          <a:lstStyle/>
+          <a:p>
+            <a:r>
+              <a:rPr lang="en-US" dirty="0"/>
+              <a:t>Filtered for rows with &gt; 1 p &lt; 0.05 tile, * denotes CD8 TEM TRB rows</a:t>
+            </a:r>
+          </a:p>
+        </p:txBody>
+      </p:sp>
     </p:spTree>
     <p:extLst>
       <p:ext uri="{BB962C8B-B14F-4D97-AF65-F5344CB8AC3E}">
